--- a/_umkc-teaching/slides/Lecture4.pptx
+++ b/_umkc-teaching/slides/Lecture4.pptx
@@ -5,7 +5,7 @@
     <p:sldMasterId id="2147483648" r:id="rId1"/>
   </p:sldMasterIdLst>
   <p:notesMasterIdLst>
-    <p:notesMasterId r:id="rId10"/>
+    <p:notesMasterId r:id="rId18"/>
   </p:notesMasterIdLst>
   <p:sldIdLst>
     <p:sldId id="257" r:id="rId2"/>
@@ -15,7 +15,15 @@
     <p:sldId id="323" r:id="rId6"/>
     <p:sldId id="324" r:id="rId7"/>
     <p:sldId id="325" r:id="rId8"/>
-    <p:sldId id="293" r:id="rId9"/>
+    <p:sldId id="326" r:id="rId9"/>
+    <p:sldId id="332" r:id="rId10"/>
+    <p:sldId id="327" r:id="rId11"/>
+    <p:sldId id="328" r:id="rId12"/>
+    <p:sldId id="329" r:id="rId13"/>
+    <p:sldId id="330" r:id="rId14"/>
+    <p:sldId id="331" r:id="rId15"/>
+    <p:sldId id="333" r:id="rId16"/>
+    <p:sldId id="293" r:id="rId17"/>
   </p:sldIdLst>
   <p:sldSz cx="12192000" cy="6858000"/>
   <p:notesSz cx="6858000" cy="9144000"/>
@@ -555,6 +563,426 @@
 </p:notes>
 </file>
 
+<file path=ppt/notesSlides/notesSlide10.xml><?xml version="1.0" encoding="utf-8"?>
+<p:notes xmlns:a="http://schemas.openxmlformats.org/drawingml/2006/main" xmlns:r="http://schemas.openxmlformats.org/officeDocument/2006/relationships" xmlns:p="http://schemas.openxmlformats.org/presentationml/2006/main">
+  <p:cSld>
+    <p:spTree>
+      <p:nvGrpSpPr>
+        <p:cNvPr id="1" name=""/>
+        <p:cNvGrpSpPr/>
+        <p:nvPr/>
+      </p:nvGrpSpPr>
+      <p:grpSpPr>
+        <a:xfrm>
+          <a:off x="0" y="0"/>
+          <a:ext cx="0" cy="0"/>
+          <a:chOff x="0" y="0"/>
+          <a:chExt cx="0" cy="0"/>
+        </a:xfrm>
+      </p:grpSpPr>
+      <p:sp>
+        <p:nvSpPr>
+          <p:cNvPr id="2" name="Slide Image Placeholder 1"/>
+          <p:cNvSpPr>
+            <a:spLocks noGrp="1" noRot="1" noChangeAspect="1"/>
+          </p:cNvSpPr>
+          <p:nvPr>
+            <p:ph type="sldImg"/>
+          </p:nvPr>
+        </p:nvSpPr>
+        <p:spPr/>
+      </p:sp>
+      <p:sp>
+        <p:nvSpPr>
+          <p:cNvPr id="3" name="Notes Placeholder 2"/>
+          <p:cNvSpPr>
+            <a:spLocks noGrp="1"/>
+          </p:cNvSpPr>
+          <p:nvPr>
+            <p:ph type="body" idx="1"/>
+          </p:nvPr>
+        </p:nvSpPr>
+        <p:spPr/>
+        <p:txBody>
+          <a:bodyPr/>
+          <a:lstStyle/>
+          <a:p>
+            <a:endParaRPr lang="en-US" dirty="0"/>
+          </a:p>
+        </p:txBody>
+      </p:sp>
+      <p:sp>
+        <p:nvSpPr>
+          <p:cNvPr id="4" name="Slide Number Placeholder 3"/>
+          <p:cNvSpPr>
+            <a:spLocks noGrp="1"/>
+          </p:cNvSpPr>
+          <p:nvPr>
+            <p:ph type="sldNum" sz="quarter" idx="5"/>
+          </p:nvPr>
+        </p:nvSpPr>
+        <p:spPr/>
+        <p:txBody>
+          <a:bodyPr/>
+          <a:lstStyle/>
+          <a:p>
+            <a:fld id="{3F8BDF20-BE86-4883-8A23-4CE3D0058BEA}" type="slidenum">
+              <a:rPr lang="en-US" smtClean="0"/>
+              <a:t>11</a:t>
+            </a:fld>
+            <a:endParaRPr lang="en-US"/>
+          </a:p>
+        </p:txBody>
+      </p:sp>
+    </p:spTree>
+    <p:extLst>
+      <p:ext uri="{BB962C8B-B14F-4D97-AF65-F5344CB8AC3E}">
+        <p14:creationId xmlns:p14="http://schemas.microsoft.com/office/powerpoint/2010/main" val="157357529"/>
+      </p:ext>
+    </p:extLst>
+  </p:cSld>
+  <p:clrMapOvr>
+    <a:masterClrMapping/>
+  </p:clrMapOvr>
+</p:notes>
+</file>
+
+<file path=ppt/notesSlides/notesSlide11.xml><?xml version="1.0" encoding="utf-8"?>
+<p:notes xmlns:a="http://schemas.openxmlformats.org/drawingml/2006/main" xmlns:r="http://schemas.openxmlformats.org/officeDocument/2006/relationships" xmlns:p="http://schemas.openxmlformats.org/presentationml/2006/main">
+  <p:cSld>
+    <p:spTree>
+      <p:nvGrpSpPr>
+        <p:cNvPr id="1" name=""/>
+        <p:cNvGrpSpPr/>
+        <p:nvPr/>
+      </p:nvGrpSpPr>
+      <p:grpSpPr>
+        <a:xfrm>
+          <a:off x="0" y="0"/>
+          <a:ext cx="0" cy="0"/>
+          <a:chOff x="0" y="0"/>
+          <a:chExt cx="0" cy="0"/>
+        </a:xfrm>
+      </p:grpSpPr>
+      <p:sp>
+        <p:nvSpPr>
+          <p:cNvPr id="2" name="Slide Image Placeholder 1"/>
+          <p:cNvSpPr>
+            <a:spLocks noGrp="1" noRot="1" noChangeAspect="1"/>
+          </p:cNvSpPr>
+          <p:nvPr>
+            <p:ph type="sldImg"/>
+          </p:nvPr>
+        </p:nvSpPr>
+        <p:spPr/>
+      </p:sp>
+      <p:sp>
+        <p:nvSpPr>
+          <p:cNvPr id="3" name="Notes Placeholder 2"/>
+          <p:cNvSpPr>
+            <a:spLocks noGrp="1"/>
+          </p:cNvSpPr>
+          <p:nvPr>
+            <p:ph type="body" idx="1"/>
+          </p:nvPr>
+        </p:nvSpPr>
+        <p:spPr/>
+        <p:txBody>
+          <a:bodyPr/>
+          <a:lstStyle/>
+          <a:p>
+            <a:endParaRPr lang="en-US" dirty="0"/>
+          </a:p>
+        </p:txBody>
+      </p:sp>
+      <p:sp>
+        <p:nvSpPr>
+          <p:cNvPr id="4" name="Slide Number Placeholder 3"/>
+          <p:cNvSpPr>
+            <a:spLocks noGrp="1"/>
+          </p:cNvSpPr>
+          <p:nvPr>
+            <p:ph type="sldNum" sz="quarter" idx="5"/>
+          </p:nvPr>
+        </p:nvSpPr>
+        <p:spPr/>
+        <p:txBody>
+          <a:bodyPr/>
+          <a:lstStyle/>
+          <a:p>
+            <a:fld id="{3F8BDF20-BE86-4883-8A23-4CE3D0058BEA}" type="slidenum">
+              <a:rPr lang="en-US" smtClean="0"/>
+              <a:t>12</a:t>
+            </a:fld>
+            <a:endParaRPr lang="en-US"/>
+          </a:p>
+        </p:txBody>
+      </p:sp>
+    </p:spTree>
+    <p:extLst>
+      <p:ext uri="{BB962C8B-B14F-4D97-AF65-F5344CB8AC3E}">
+        <p14:creationId xmlns:p14="http://schemas.microsoft.com/office/powerpoint/2010/main" val="276755258"/>
+      </p:ext>
+    </p:extLst>
+  </p:cSld>
+  <p:clrMapOvr>
+    <a:masterClrMapping/>
+  </p:clrMapOvr>
+</p:notes>
+</file>
+
+<file path=ppt/notesSlides/notesSlide12.xml><?xml version="1.0" encoding="utf-8"?>
+<p:notes xmlns:a="http://schemas.openxmlformats.org/drawingml/2006/main" xmlns:r="http://schemas.openxmlformats.org/officeDocument/2006/relationships" xmlns:p="http://schemas.openxmlformats.org/presentationml/2006/main">
+  <p:cSld>
+    <p:spTree>
+      <p:nvGrpSpPr>
+        <p:cNvPr id="1" name=""/>
+        <p:cNvGrpSpPr/>
+        <p:nvPr/>
+      </p:nvGrpSpPr>
+      <p:grpSpPr>
+        <a:xfrm>
+          <a:off x="0" y="0"/>
+          <a:ext cx="0" cy="0"/>
+          <a:chOff x="0" y="0"/>
+          <a:chExt cx="0" cy="0"/>
+        </a:xfrm>
+      </p:grpSpPr>
+      <p:sp>
+        <p:nvSpPr>
+          <p:cNvPr id="2" name="Slide Image Placeholder 1"/>
+          <p:cNvSpPr>
+            <a:spLocks noGrp="1" noRot="1" noChangeAspect="1"/>
+          </p:cNvSpPr>
+          <p:nvPr>
+            <p:ph type="sldImg"/>
+          </p:nvPr>
+        </p:nvSpPr>
+        <p:spPr/>
+      </p:sp>
+      <p:sp>
+        <p:nvSpPr>
+          <p:cNvPr id="3" name="Notes Placeholder 2"/>
+          <p:cNvSpPr>
+            <a:spLocks noGrp="1"/>
+          </p:cNvSpPr>
+          <p:nvPr>
+            <p:ph type="body" idx="1"/>
+          </p:nvPr>
+        </p:nvSpPr>
+        <p:spPr/>
+        <p:txBody>
+          <a:bodyPr/>
+          <a:lstStyle/>
+          <a:p>
+            <a:endParaRPr lang="en-US" dirty="0"/>
+          </a:p>
+        </p:txBody>
+      </p:sp>
+      <p:sp>
+        <p:nvSpPr>
+          <p:cNvPr id="4" name="Slide Number Placeholder 3"/>
+          <p:cNvSpPr>
+            <a:spLocks noGrp="1"/>
+          </p:cNvSpPr>
+          <p:nvPr>
+            <p:ph type="sldNum" sz="quarter" idx="5"/>
+          </p:nvPr>
+        </p:nvSpPr>
+        <p:spPr/>
+        <p:txBody>
+          <a:bodyPr/>
+          <a:lstStyle/>
+          <a:p>
+            <a:fld id="{3F8BDF20-BE86-4883-8A23-4CE3D0058BEA}" type="slidenum">
+              <a:rPr lang="en-US" smtClean="0"/>
+              <a:t>13</a:t>
+            </a:fld>
+            <a:endParaRPr lang="en-US"/>
+          </a:p>
+        </p:txBody>
+      </p:sp>
+    </p:spTree>
+    <p:extLst>
+      <p:ext uri="{BB962C8B-B14F-4D97-AF65-F5344CB8AC3E}">
+        <p14:creationId xmlns:p14="http://schemas.microsoft.com/office/powerpoint/2010/main" val="3103532339"/>
+      </p:ext>
+    </p:extLst>
+  </p:cSld>
+  <p:clrMapOvr>
+    <a:masterClrMapping/>
+  </p:clrMapOvr>
+</p:notes>
+</file>
+
+<file path=ppt/notesSlides/notesSlide13.xml><?xml version="1.0" encoding="utf-8"?>
+<p:notes xmlns:a="http://schemas.openxmlformats.org/drawingml/2006/main" xmlns:r="http://schemas.openxmlformats.org/officeDocument/2006/relationships" xmlns:p="http://schemas.openxmlformats.org/presentationml/2006/main">
+  <p:cSld>
+    <p:spTree>
+      <p:nvGrpSpPr>
+        <p:cNvPr id="1" name=""/>
+        <p:cNvGrpSpPr/>
+        <p:nvPr/>
+      </p:nvGrpSpPr>
+      <p:grpSpPr>
+        <a:xfrm>
+          <a:off x="0" y="0"/>
+          <a:ext cx="0" cy="0"/>
+          <a:chOff x="0" y="0"/>
+          <a:chExt cx="0" cy="0"/>
+        </a:xfrm>
+      </p:grpSpPr>
+      <p:sp>
+        <p:nvSpPr>
+          <p:cNvPr id="2" name="Slide Image Placeholder 1"/>
+          <p:cNvSpPr>
+            <a:spLocks noGrp="1" noRot="1" noChangeAspect="1"/>
+          </p:cNvSpPr>
+          <p:nvPr>
+            <p:ph type="sldImg"/>
+          </p:nvPr>
+        </p:nvSpPr>
+        <p:spPr/>
+      </p:sp>
+      <p:sp>
+        <p:nvSpPr>
+          <p:cNvPr id="3" name="Notes Placeholder 2"/>
+          <p:cNvSpPr>
+            <a:spLocks noGrp="1"/>
+          </p:cNvSpPr>
+          <p:nvPr>
+            <p:ph type="body" idx="1"/>
+          </p:nvPr>
+        </p:nvSpPr>
+        <p:spPr/>
+        <p:txBody>
+          <a:bodyPr/>
+          <a:lstStyle/>
+          <a:p>
+            <a:endParaRPr lang="en-US" dirty="0"/>
+          </a:p>
+        </p:txBody>
+      </p:sp>
+      <p:sp>
+        <p:nvSpPr>
+          <p:cNvPr id="4" name="Slide Number Placeholder 3"/>
+          <p:cNvSpPr>
+            <a:spLocks noGrp="1"/>
+          </p:cNvSpPr>
+          <p:nvPr>
+            <p:ph type="sldNum" sz="quarter" idx="5"/>
+          </p:nvPr>
+        </p:nvSpPr>
+        <p:spPr/>
+        <p:txBody>
+          <a:bodyPr/>
+          <a:lstStyle/>
+          <a:p>
+            <a:fld id="{3F8BDF20-BE86-4883-8A23-4CE3D0058BEA}" type="slidenum">
+              <a:rPr lang="en-US" smtClean="0"/>
+              <a:t>14</a:t>
+            </a:fld>
+            <a:endParaRPr lang="en-US"/>
+          </a:p>
+        </p:txBody>
+      </p:sp>
+    </p:spTree>
+    <p:extLst>
+      <p:ext uri="{BB962C8B-B14F-4D97-AF65-F5344CB8AC3E}">
+        <p14:creationId xmlns:p14="http://schemas.microsoft.com/office/powerpoint/2010/main" val="78072973"/>
+      </p:ext>
+    </p:extLst>
+  </p:cSld>
+  <p:clrMapOvr>
+    <a:masterClrMapping/>
+  </p:clrMapOvr>
+</p:notes>
+</file>
+
+<file path=ppt/notesSlides/notesSlide14.xml><?xml version="1.0" encoding="utf-8"?>
+<p:notes xmlns:a="http://schemas.openxmlformats.org/drawingml/2006/main" xmlns:r="http://schemas.openxmlformats.org/officeDocument/2006/relationships" xmlns:p="http://schemas.openxmlformats.org/presentationml/2006/main">
+  <p:cSld>
+    <p:spTree>
+      <p:nvGrpSpPr>
+        <p:cNvPr id="1" name=""/>
+        <p:cNvGrpSpPr/>
+        <p:nvPr/>
+      </p:nvGrpSpPr>
+      <p:grpSpPr>
+        <a:xfrm>
+          <a:off x="0" y="0"/>
+          <a:ext cx="0" cy="0"/>
+          <a:chOff x="0" y="0"/>
+          <a:chExt cx="0" cy="0"/>
+        </a:xfrm>
+      </p:grpSpPr>
+      <p:sp>
+        <p:nvSpPr>
+          <p:cNvPr id="2" name="Slide Image Placeholder 1"/>
+          <p:cNvSpPr>
+            <a:spLocks noGrp="1" noRot="1" noChangeAspect="1"/>
+          </p:cNvSpPr>
+          <p:nvPr>
+            <p:ph type="sldImg"/>
+          </p:nvPr>
+        </p:nvSpPr>
+        <p:spPr/>
+      </p:sp>
+      <p:sp>
+        <p:nvSpPr>
+          <p:cNvPr id="3" name="Notes Placeholder 2"/>
+          <p:cNvSpPr>
+            <a:spLocks noGrp="1"/>
+          </p:cNvSpPr>
+          <p:nvPr>
+            <p:ph type="body" idx="1"/>
+          </p:nvPr>
+        </p:nvSpPr>
+        <p:spPr/>
+        <p:txBody>
+          <a:bodyPr/>
+          <a:lstStyle/>
+          <a:p>
+            <a:endParaRPr lang="en-US" dirty="0"/>
+          </a:p>
+        </p:txBody>
+      </p:sp>
+      <p:sp>
+        <p:nvSpPr>
+          <p:cNvPr id="4" name="Slide Number Placeholder 3"/>
+          <p:cNvSpPr>
+            <a:spLocks noGrp="1"/>
+          </p:cNvSpPr>
+          <p:nvPr>
+            <p:ph type="sldNum" sz="quarter" idx="5"/>
+          </p:nvPr>
+        </p:nvSpPr>
+        <p:spPr/>
+        <p:txBody>
+          <a:bodyPr/>
+          <a:lstStyle/>
+          <a:p>
+            <a:fld id="{3F8BDF20-BE86-4883-8A23-4CE3D0058BEA}" type="slidenum">
+              <a:rPr lang="en-US" smtClean="0"/>
+              <a:t>15</a:t>
+            </a:fld>
+            <a:endParaRPr lang="en-US"/>
+          </a:p>
+        </p:txBody>
+      </p:sp>
+    </p:spTree>
+    <p:extLst>
+      <p:ext uri="{BB962C8B-B14F-4D97-AF65-F5344CB8AC3E}">
+        <p14:creationId xmlns:p14="http://schemas.microsoft.com/office/powerpoint/2010/main" val="1093791771"/>
+      </p:ext>
+    </p:extLst>
+  </p:cSld>
+  <p:clrMapOvr>
+    <a:masterClrMapping/>
+  </p:clrMapOvr>
+</p:notes>
+</file>
+
 <file path=ppt/notesSlides/notesSlide2.xml><?xml version="1.0" encoding="utf-8"?>
 <p:notes xmlns:a="http://schemas.openxmlformats.org/drawingml/2006/main" xmlns:r="http://schemas.openxmlformats.org/officeDocument/2006/relationships" xmlns:p="http://schemas.openxmlformats.org/presentationml/2006/main">
   <p:cSld>
@@ -966,6 +1394,258 @@
     <p:extLst>
       <p:ext uri="{BB962C8B-B14F-4D97-AF65-F5344CB8AC3E}">
         <p14:creationId xmlns:p14="http://schemas.microsoft.com/office/powerpoint/2010/main" val="3396669570"/>
+      </p:ext>
+    </p:extLst>
+  </p:cSld>
+  <p:clrMapOvr>
+    <a:masterClrMapping/>
+  </p:clrMapOvr>
+</p:notes>
+</file>
+
+<file path=ppt/notesSlides/notesSlide7.xml><?xml version="1.0" encoding="utf-8"?>
+<p:notes xmlns:a="http://schemas.openxmlformats.org/drawingml/2006/main" xmlns:r="http://schemas.openxmlformats.org/officeDocument/2006/relationships" xmlns:p="http://schemas.openxmlformats.org/presentationml/2006/main">
+  <p:cSld>
+    <p:spTree>
+      <p:nvGrpSpPr>
+        <p:cNvPr id="1" name=""/>
+        <p:cNvGrpSpPr/>
+        <p:nvPr/>
+      </p:nvGrpSpPr>
+      <p:grpSpPr>
+        <a:xfrm>
+          <a:off x="0" y="0"/>
+          <a:ext cx="0" cy="0"/>
+          <a:chOff x="0" y="0"/>
+          <a:chExt cx="0" cy="0"/>
+        </a:xfrm>
+      </p:grpSpPr>
+      <p:sp>
+        <p:nvSpPr>
+          <p:cNvPr id="2" name="Slide Image Placeholder 1"/>
+          <p:cNvSpPr>
+            <a:spLocks noGrp="1" noRot="1" noChangeAspect="1"/>
+          </p:cNvSpPr>
+          <p:nvPr>
+            <p:ph type="sldImg"/>
+          </p:nvPr>
+        </p:nvSpPr>
+        <p:spPr/>
+      </p:sp>
+      <p:sp>
+        <p:nvSpPr>
+          <p:cNvPr id="3" name="Notes Placeholder 2"/>
+          <p:cNvSpPr>
+            <a:spLocks noGrp="1"/>
+          </p:cNvSpPr>
+          <p:nvPr>
+            <p:ph type="body" idx="1"/>
+          </p:nvPr>
+        </p:nvSpPr>
+        <p:spPr/>
+        <p:txBody>
+          <a:bodyPr/>
+          <a:lstStyle/>
+          <a:p>
+            <a:endParaRPr lang="en-US" dirty="0"/>
+          </a:p>
+        </p:txBody>
+      </p:sp>
+      <p:sp>
+        <p:nvSpPr>
+          <p:cNvPr id="4" name="Slide Number Placeholder 3"/>
+          <p:cNvSpPr>
+            <a:spLocks noGrp="1"/>
+          </p:cNvSpPr>
+          <p:nvPr>
+            <p:ph type="sldNum" sz="quarter" idx="5"/>
+          </p:nvPr>
+        </p:nvSpPr>
+        <p:spPr/>
+        <p:txBody>
+          <a:bodyPr/>
+          <a:lstStyle/>
+          <a:p>
+            <a:fld id="{3F8BDF20-BE86-4883-8A23-4CE3D0058BEA}" type="slidenum">
+              <a:rPr lang="en-US" smtClean="0"/>
+              <a:t>8</a:t>
+            </a:fld>
+            <a:endParaRPr lang="en-US"/>
+          </a:p>
+        </p:txBody>
+      </p:sp>
+    </p:spTree>
+    <p:extLst>
+      <p:ext uri="{BB962C8B-B14F-4D97-AF65-F5344CB8AC3E}">
+        <p14:creationId xmlns:p14="http://schemas.microsoft.com/office/powerpoint/2010/main" val="1058563843"/>
+      </p:ext>
+    </p:extLst>
+  </p:cSld>
+  <p:clrMapOvr>
+    <a:masterClrMapping/>
+  </p:clrMapOvr>
+</p:notes>
+</file>
+
+<file path=ppt/notesSlides/notesSlide8.xml><?xml version="1.0" encoding="utf-8"?>
+<p:notes xmlns:a="http://schemas.openxmlformats.org/drawingml/2006/main" xmlns:r="http://schemas.openxmlformats.org/officeDocument/2006/relationships" xmlns:p="http://schemas.openxmlformats.org/presentationml/2006/main">
+  <p:cSld>
+    <p:spTree>
+      <p:nvGrpSpPr>
+        <p:cNvPr id="1" name=""/>
+        <p:cNvGrpSpPr/>
+        <p:nvPr/>
+      </p:nvGrpSpPr>
+      <p:grpSpPr>
+        <a:xfrm>
+          <a:off x="0" y="0"/>
+          <a:ext cx="0" cy="0"/>
+          <a:chOff x="0" y="0"/>
+          <a:chExt cx="0" cy="0"/>
+        </a:xfrm>
+      </p:grpSpPr>
+      <p:sp>
+        <p:nvSpPr>
+          <p:cNvPr id="2" name="Slide Image Placeholder 1"/>
+          <p:cNvSpPr>
+            <a:spLocks noGrp="1" noRot="1" noChangeAspect="1"/>
+          </p:cNvSpPr>
+          <p:nvPr>
+            <p:ph type="sldImg"/>
+          </p:nvPr>
+        </p:nvSpPr>
+        <p:spPr/>
+      </p:sp>
+      <p:sp>
+        <p:nvSpPr>
+          <p:cNvPr id="3" name="Notes Placeholder 2"/>
+          <p:cNvSpPr>
+            <a:spLocks noGrp="1"/>
+          </p:cNvSpPr>
+          <p:nvPr>
+            <p:ph type="body" idx="1"/>
+          </p:nvPr>
+        </p:nvSpPr>
+        <p:spPr/>
+        <p:txBody>
+          <a:bodyPr/>
+          <a:lstStyle/>
+          <a:p>
+            <a:endParaRPr lang="en-US" dirty="0"/>
+          </a:p>
+        </p:txBody>
+      </p:sp>
+      <p:sp>
+        <p:nvSpPr>
+          <p:cNvPr id="4" name="Slide Number Placeholder 3"/>
+          <p:cNvSpPr>
+            <a:spLocks noGrp="1"/>
+          </p:cNvSpPr>
+          <p:nvPr>
+            <p:ph type="sldNum" sz="quarter" idx="5"/>
+          </p:nvPr>
+        </p:nvSpPr>
+        <p:spPr/>
+        <p:txBody>
+          <a:bodyPr/>
+          <a:lstStyle/>
+          <a:p>
+            <a:fld id="{3F8BDF20-BE86-4883-8A23-4CE3D0058BEA}" type="slidenum">
+              <a:rPr lang="en-US" smtClean="0"/>
+              <a:t>9</a:t>
+            </a:fld>
+            <a:endParaRPr lang="en-US"/>
+          </a:p>
+        </p:txBody>
+      </p:sp>
+    </p:spTree>
+    <p:extLst>
+      <p:ext uri="{BB962C8B-B14F-4D97-AF65-F5344CB8AC3E}">
+        <p14:creationId xmlns:p14="http://schemas.microsoft.com/office/powerpoint/2010/main" val="731150203"/>
+      </p:ext>
+    </p:extLst>
+  </p:cSld>
+  <p:clrMapOvr>
+    <a:masterClrMapping/>
+  </p:clrMapOvr>
+</p:notes>
+</file>
+
+<file path=ppt/notesSlides/notesSlide9.xml><?xml version="1.0" encoding="utf-8"?>
+<p:notes xmlns:a="http://schemas.openxmlformats.org/drawingml/2006/main" xmlns:r="http://schemas.openxmlformats.org/officeDocument/2006/relationships" xmlns:p="http://schemas.openxmlformats.org/presentationml/2006/main">
+  <p:cSld>
+    <p:spTree>
+      <p:nvGrpSpPr>
+        <p:cNvPr id="1" name=""/>
+        <p:cNvGrpSpPr/>
+        <p:nvPr/>
+      </p:nvGrpSpPr>
+      <p:grpSpPr>
+        <a:xfrm>
+          <a:off x="0" y="0"/>
+          <a:ext cx="0" cy="0"/>
+          <a:chOff x="0" y="0"/>
+          <a:chExt cx="0" cy="0"/>
+        </a:xfrm>
+      </p:grpSpPr>
+      <p:sp>
+        <p:nvSpPr>
+          <p:cNvPr id="2" name="Slide Image Placeholder 1"/>
+          <p:cNvSpPr>
+            <a:spLocks noGrp="1" noRot="1" noChangeAspect="1"/>
+          </p:cNvSpPr>
+          <p:nvPr>
+            <p:ph type="sldImg"/>
+          </p:nvPr>
+        </p:nvSpPr>
+        <p:spPr/>
+      </p:sp>
+      <p:sp>
+        <p:nvSpPr>
+          <p:cNvPr id="3" name="Notes Placeholder 2"/>
+          <p:cNvSpPr>
+            <a:spLocks noGrp="1"/>
+          </p:cNvSpPr>
+          <p:nvPr>
+            <p:ph type="body" idx="1"/>
+          </p:nvPr>
+        </p:nvSpPr>
+        <p:spPr/>
+        <p:txBody>
+          <a:bodyPr/>
+          <a:lstStyle/>
+          <a:p>
+            <a:endParaRPr lang="en-US" dirty="0"/>
+          </a:p>
+        </p:txBody>
+      </p:sp>
+      <p:sp>
+        <p:nvSpPr>
+          <p:cNvPr id="4" name="Slide Number Placeholder 3"/>
+          <p:cNvSpPr>
+            <a:spLocks noGrp="1"/>
+          </p:cNvSpPr>
+          <p:nvPr>
+            <p:ph type="sldNum" sz="quarter" idx="5"/>
+          </p:nvPr>
+        </p:nvSpPr>
+        <p:spPr/>
+        <p:txBody>
+          <a:bodyPr/>
+          <a:lstStyle/>
+          <a:p>
+            <a:fld id="{3F8BDF20-BE86-4883-8A23-4CE3D0058BEA}" type="slidenum">
+              <a:rPr lang="en-US" smtClean="0"/>
+              <a:t>10</a:t>
+            </a:fld>
+            <a:endParaRPr lang="en-US"/>
+          </a:p>
+        </p:txBody>
+      </p:sp>
+    </p:spTree>
+    <p:extLst>
+      <p:ext uri="{BB962C8B-B14F-4D97-AF65-F5344CB8AC3E}">
+        <p14:creationId xmlns:p14="http://schemas.microsoft.com/office/powerpoint/2010/main" val="1173905294"/>
       </p:ext>
     </p:extLst>
   </p:cSld>
@@ -4051,6 +4731,1545 @@
     <p:extLst>
       <p:ext uri="{BB962C8B-B14F-4D97-AF65-F5344CB8AC3E}">
         <p14:creationId xmlns:p14="http://schemas.microsoft.com/office/powerpoint/2010/main" val="3522399239"/>
+      </p:ext>
+    </p:extLst>
+  </p:cSld>
+  <p:clrMapOvr>
+    <a:masterClrMapping/>
+  </p:clrMapOvr>
+</p:sld>
+</file>
+
+<file path=ppt/slides/slide10.xml><?xml version="1.0" encoding="utf-8"?>
+<p:sld xmlns:a="http://schemas.openxmlformats.org/drawingml/2006/main" xmlns:r="http://schemas.openxmlformats.org/officeDocument/2006/relationships" xmlns:p="http://schemas.openxmlformats.org/presentationml/2006/main">
+  <p:cSld>
+    <p:spTree>
+      <p:nvGrpSpPr>
+        <p:cNvPr id="1" name=""/>
+        <p:cNvGrpSpPr/>
+        <p:nvPr/>
+      </p:nvGrpSpPr>
+      <p:grpSpPr>
+        <a:xfrm>
+          <a:off x="0" y="0"/>
+          <a:ext cx="0" cy="0"/>
+          <a:chOff x="0" y="0"/>
+          <a:chExt cx="0" cy="0"/>
+        </a:xfrm>
+      </p:grpSpPr>
+      <p:sp>
+        <p:nvSpPr>
+          <p:cNvPr id="2" name="Title 1"/>
+          <p:cNvSpPr>
+            <a:spLocks noGrp="1"/>
+          </p:cNvSpPr>
+          <p:nvPr>
+            <p:ph type="title"/>
+          </p:nvPr>
+        </p:nvSpPr>
+        <p:spPr>
+          <a:xfrm>
+            <a:off x="838200" y="365126"/>
+            <a:ext cx="10515600" cy="981894"/>
+          </a:xfrm>
+        </p:spPr>
+        <p:txBody>
+          <a:bodyPr>
+            <a:normAutofit/>
+          </a:bodyPr>
+          <a:lstStyle/>
+          <a:p>
+            <a:r>
+              <a:rPr lang="en-US" dirty="0"/>
+              <a:t>Hypothesis Testing</a:t>
+            </a:r>
+          </a:p>
+        </p:txBody>
+      </p:sp>
+      <mc:AlternateContent xmlns:mc="http://schemas.openxmlformats.org/markup-compatibility/2006">
+        <mc:Choice xmlns:a14="http://schemas.microsoft.com/office/drawing/2010/main" Requires="a14">
+          <p:sp>
+            <p:nvSpPr>
+              <p:cNvPr id="5" name="TextBox 4">
+                <a:extLst>
+                  <a:ext uri="{FF2B5EF4-FFF2-40B4-BE49-F238E27FC236}">
+                    <a16:creationId xmlns:a16="http://schemas.microsoft.com/office/drawing/2014/main" id="{8C36044A-E246-009D-F0D1-B3D44DB9D678}"/>
+                  </a:ext>
+                </a:extLst>
+              </p:cNvPr>
+              <p:cNvSpPr txBox="1"/>
+              <p:nvPr/>
+            </p:nvSpPr>
+            <p:spPr>
+              <a:xfrm>
+                <a:off x="2587223" y="2141497"/>
+                <a:ext cx="5929393" cy="556434"/>
+              </a:xfrm>
+              <a:prstGeom prst="rect">
+                <a:avLst/>
+              </a:prstGeom>
+              <a:noFill/>
+            </p:spPr>
+            <p:txBody>
+              <a:bodyPr wrap="square">
+                <a:spAutoFit/>
+              </a:bodyPr>
+              <a:lstStyle/>
+              <a:p>
+                <a:pPr/>
+                <a14:m>
+                  <m:oMathPara xmlns:m="http://schemas.openxmlformats.org/officeDocument/2006/math">
+                    <m:oMathParaPr>
+                      <m:jc m:val="centerGroup"/>
+                    </m:oMathParaPr>
+                    <m:oMath xmlns:m="http://schemas.openxmlformats.org/officeDocument/2006/math">
+                      <m:sSub>
+                        <m:sSubPr>
+                          <m:ctrlPr>
+                            <a:rPr lang="en-US" sz="2800" b="0" i="1" smtClean="0">
+                              <a:effectLst/>
+                              <a:latin typeface="Cambria Math" panose="02040503050406030204" pitchFamily="18" charset="0"/>
+                            </a:rPr>
+                          </m:ctrlPr>
+                        </m:sSubPr>
+                        <m:e>
+                          <m:r>
+                            <a:rPr lang="en-US" sz="2800" b="0" i="1" smtClean="0">
+                              <a:effectLst/>
+                              <a:latin typeface="Cambria Math" panose="02040503050406030204" pitchFamily="18" charset="0"/>
+                            </a:rPr>
+                            <m:t>𝐻</m:t>
+                          </m:r>
+                        </m:e>
+                        <m:sub>
+                          <m:r>
+                            <a:rPr lang="en-US" sz="2800" b="0" i="1" smtClean="0">
+                              <a:effectLst/>
+                              <a:latin typeface="Cambria Math" panose="02040503050406030204" pitchFamily="18" charset="0"/>
+                            </a:rPr>
+                            <m:t>0</m:t>
+                          </m:r>
+                        </m:sub>
+                      </m:sSub>
+                      <m:r>
+                        <a:rPr lang="en-US" sz="2800" b="0" i="0" smtClean="0">
+                          <a:effectLst/>
+                          <a:latin typeface="Cambria Math" panose="02040503050406030204" pitchFamily="18" charset="0"/>
+                        </a:rPr>
+                        <m:t>:</m:t>
+                      </m:r>
+                      <m:sSub>
+                        <m:sSubPr>
+                          <m:ctrlPr>
+                            <a:rPr lang="en-US" sz="2800" b="0" i="1" smtClean="0">
+                              <a:effectLst/>
+                              <a:latin typeface="Cambria Math" panose="02040503050406030204" pitchFamily="18" charset="0"/>
+                            </a:rPr>
+                          </m:ctrlPr>
+                        </m:sSubPr>
+                        <m:e>
+                          <m:r>
+                            <a:rPr lang="en-US" sz="2800" b="0" i="1" smtClean="0">
+                              <a:effectLst/>
+                              <a:latin typeface="Cambria Math" panose="02040503050406030204" pitchFamily="18" charset="0"/>
+                            </a:rPr>
+                            <m:t>𝛽</m:t>
+                          </m:r>
+                        </m:e>
+                        <m:sub>
+                          <m:r>
+                            <a:rPr lang="en-US" sz="2800" b="0" i="1" smtClean="0">
+                              <a:effectLst/>
+                              <a:latin typeface="Cambria Math" panose="02040503050406030204" pitchFamily="18" charset="0"/>
+                            </a:rPr>
+                            <m:t>1</m:t>
+                          </m:r>
+                        </m:sub>
+                      </m:sSub>
+                      <m:r>
+                        <a:rPr lang="en-US" sz="2800" b="0" i="1" smtClean="0">
+                          <a:effectLst/>
+                          <a:latin typeface="Cambria Math" panose="02040503050406030204" pitchFamily="18" charset="0"/>
+                        </a:rPr>
+                        <m:t>=</m:t>
+                      </m:r>
+                      <m:sSub>
+                        <m:sSubPr>
+                          <m:ctrlPr>
+                            <a:rPr lang="en-US" sz="2800" b="0" i="1" smtClean="0">
+                              <a:effectLst/>
+                              <a:latin typeface="Cambria Math" panose="02040503050406030204" pitchFamily="18" charset="0"/>
+                            </a:rPr>
+                          </m:ctrlPr>
+                        </m:sSubPr>
+                        <m:e>
+                          <m:r>
+                            <a:rPr lang="en-US" sz="2800" b="0" i="1" smtClean="0">
+                              <a:effectLst/>
+                              <a:latin typeface="Cambria Math" panose="02040503050406030204" pitchFamily="18" charset="0"/>
+                            </a:rPr>
+                            <m:t>𝛽</m:t>
+                          </m:r>
+                        </m:e>
+                        <m:sub>
+                          <m:r>
+                            <a:rPr lang="en-US" sz="2800" b="0" i="1" smtClean="0">
+                              <a:effectLst/>
+                              <a:latin typeface="Cambria Math" panose="02040503050406030204" pitchFamily="18" charset="0"/>
+                            </a:rPr>
+                            <m:t>2</m:t>
+                          </m:r>
+                        </m:sub>
+                      </m:sSub>
+                      <m:r>
+                        <a:rPr lang="en-US" sz="2800" b="0" i="1" smtClean="0">
+                          <a:effectLst/>
+                          <a:latin typeface="Cambria Math" panose="02040503050406030204" pitchFamily="18" charset="0"/>
+                        </a:rPr>
+                        <m:t>=…=</m:t>
+                      </m:r>
+                      <m:sSub>
+                        <m:sSubPr>
+                          <m:ctrlPr>
+                            <a:rPr lang="en-US" sz="2800" b="0" i="1" smtClean="0">
+                              <a:effectLst/>
+                              <a:latin typeface="Cambria Math" panose="02040503050406030204" pitchFamily="18" charset="0"/>
+                            </a:rPr>
+                          </m:ctrlPr>
+                        </m:sSubPr>
+                        <m:e>
+                          <m:r>
+                            <a:rPr lang="en-US" sz="2800" b="0" i="1" smtClean="0">
+                              <a:effectLst/>
+                              <a:latin typeface="Cambria Math" panose="02040503050406030204" pitchFamily="18" charset="0"/>
+                            </a:rPr>
+                            <m:t>𝛽</m:t>
+                          </m:r>
+                        </m:e>
+                        <m:sub>
+                          <m:r>
+                            <a:rPr lang="en-US" sz="2800" b="0" i="1" smtClean="0">
+                              <a:effectLst/>
+                              <a:latin typeface="Cambria Math" panose="02040503050406030204" pitchFamily="18" charset="0"/>
+                            </a:rPr>
+                            <m:t>𝑝</m:t>
+                          </m:r>
+                        </m:sub>
+                      </m:sSub>
+                      <m:r>
+                        <a:rPr lang="en-US" sz="2800" b="0" i="1" smtClean="0">
+                          <a:effectLst/>
+                          <a:latin typeface="Cambria Math" panose="02040503050406030204" pitchFamily="18" charset="0"/>
+                        </a:rPr>
+                        <m:t>= </m:t>
+                      </m:r>
+                      <m:r>
+                        <a:rPr lang="en-US" sz="2800" b="0" i="1" smtClean="0">
+                          <a:effectLst/>
+                          <a:latin typeface="Cambria Math" panose="02040503050406030204" pitchFamily="18" charset="0"/>
+                        </a:rPr>
+                        <m:t>0</m:t>
+                      </m:r>
+                    </m:oMath>
+                  </m:oMathPara>
+                </a14:m>
+                <a:endParaRPr lang="en-US" sz="2800" dirty="0"/>
+              </a:p>
+            </p:txBody>
+          </p:sp>
+        </mc:Choice>
+        <mc:Fallback>
+          <p:sp>
+            <p:nvSpPr>
+              <p:cNvPr id="5" name="TextBox 4">
+                <a:extLst>
+                  <a:ext uri="{FF2B5EF4-FFF2-40B4-BE49-F238E27FC236}">
+                    <a16:creationId xmlns:a16="http://schemas.microsoft.com/office/drawing/2014/main" id="{8C36044A-E246-009D-F0D1-B3D44DB9D678}"/>
+                  </a:ext>
+                </a:extLst>
+              </p:cNvPr>
+              <p:cNvSpPr txBox="1">
+                <a:spLocks noRot="1" noChangeAspect="1" noMove="1" noResize="1" noEditPoints="1" noAdjustHandles="1" noChangeArrowheads="1" noChangeShapeType="1" noTextEdit="1"/>
+              </p:cNvSpPr>
+              <p:nvPr/>
+            </p:nvSpPr>
+            <p:spPr>
+              <a:xfrm>
+                <a:off x="2587223" y="2141497"/>
+                <a:ext cx="5929393" cy="556434"/>
+              </a:xfrm>
+              <a:prstGeom prst="rect">
+                <a:avLst/>
+              </a:prstGeom>
+              <a:blipFill>
+                <a:blip r:embed="rId3"/>
+                <a:stretch>
+                  <a:fillRect b="-15556"/>
+                </a:stretch>
+              </a:blipFill>
+            </p:spPr>
+            <p:txBody>
+              <a:bodyPr/>
+              <a:lstStyle/>
+              <a:p>
+                <a:r>
+                  <a:rPr lang="en-US">
+                    <a:noFill/>
+                  </a:rPr>
+                  <a:t> </a:t>
+                </a:r>
+              </a:p>
+            </p:txBody>
+          </p:sp>
+        </mc:Fallback>
+      </mc:AlternateContent>
+      <p:sp>
+        <p:nvSpPr>
+          <p:cNvPr id="7" name="TextBox 6">
+            <a:extLst>
+              <a:ext uri="{FF2B5EF4-FFF2-40B4-BE49-F238E27FC236}">
+                <a16:creationId xmlns:a16="http://schemas.microsoft.com/office/drawing/2014/main" id="{22B86FAA-DF5F-CCCC-3664-BE611A52C1CD}"/>
+              </a:ext>
+            </a:extLst>
+          </p:cNvPr>
+          <p:cNvSpPr txBox="1"/>
+          <p:nvPr/>
+        </p:nvSpPr>
+        <p:spPr>
+          <a:xfrm>
+            <a:off x="956545" y="3230798"/>
+            <a:ext cx="4453655" cy="523220"/>
+          </a:xfrm>
+          <a:prstGeom prst="rect">
+            <a:avLst/>
+          </a:prstGeom>
+          <a:noFill/>
+        </p:spPr>
+        <p:txBody>
+          <a:bodyPr wrap="square">
+            <a:spAutoFit/>
+          </a:bodyPr>
+          <a:lstStyle/>
+          <a:p>
+            <a:pPr/>
+            <a:r>
+              <a:rPr lang="en-US" sz="2800" dirty="0"/>
+              <a:t>We need to use F-statistics</a:t>
+            </a:r>
+          </a:p>
+        </p:txBody>
+      </p:sp>
+      <p:pic>
+        <p:nvPicPr>
+          <p:cNvPr id="8" name="Picture 7">
+            <a:extLst>
+              <a:ext uri="{FF2B5EF4-FFF2-40B4-BE49-F238E27FC236}">
+                <a16:creationId xmlns:a16="http://schemas.microsoft.com/office/drawing/2014/main" id="{0E0DB523-61F5-CCEA-A609-3A8FA27D6D11}"/>
+              </a:ext>
+            </a:extLst>
+          </p:cNvPr>
+          <p:cNvPicPr>
+            <a:picLocks noChangeAspect="1"/>
+          </p:cNvPicPr>
+          <p:nvPr/>
+        </p:nvPicPr>
+        <p:blipFill>
+          <a:blip r:embed="rId4"/>
+          <a:stretch>
+            <a:fillRect/>
+          </a:stretch>
+        </p:blipFill>
+        <p:spPr>
+          <a:xfrm>
+            <a:off x="2131300" y="4281375"/>
+            <a:ext cx="6557799" cy="1169220"/>
+          </a:xfrm>
+          <a:prstGeom prst="rect">
+            <a:avLst/>
+          </a:prstGeom>
+        </p:spPr>
+      </p:pic>
+    </p:spTree>
+    <p:extLst>
+      <p:ext uri="{BB962C8B-B14F-4D97-AF65-F5344CB8AC3E}">
+        <p14:creationId xmlns:p14="http://schemas.microsoft.com/office/powerpoint/2010/main" val="174969502"/>
+      </p:ext>
+    </p:extLst>
+  </p:cSld>
+  <p:clrMapOvr>
+    <a:masterClrMapping/>
+  </p:clrMapOvr>
+</p:sld>
+</file>
+
+<file path=ppt/slides/slide11.xml><?xml version="1.0" encoding="utf-8"?>
+<p:sld xmlns:a="http://schemas.openxmlformats.org/drawingml/2006/main" xmlns:r="http://schemas.openxmlformats.org/officeDocument/2006/relationships" xmlns:p="http://schemas.openxmlformats.org/presentationml/2006/main">
+  <p:cSld>
+    <p:spTree>
+      <p:nvGrpSpPr>
+        <p:cNvPr id="1" name=""/>
+        <p:cNvGrpSpPr/>
+        <p:nvPr/>
+      </p:nvGrpSpPr>
+      <p:grpSpPr>
+        <a:xfrm>
+          <a:off x="0" y="0"/>
+          <a:ext cx="0" cy="0"/>
+          <a:chOff x="0" y="0"/>
+          <a:chExt cx="0" cy="0"/>
+        </a:xfrm>
+      </p:grpSpPr>
+      <p:sp>
+        <p:nvSpPr>
+          <p:cNvPr id="2" name="Title 1"/>
+          <p:cNvSpPr>
+            <a:spLocks noGrp="1"/>
+          </p:cNvSpPr>
+          <p:nvPr>
+            <p:ph type="title"/>
+          </p:nvPr>
+        </p:nvSpPr>
+        <p:spPr>
+          <a:xfrm>
+            <a:off x="838200" y="365126"/>
+            <a:ext cx="10515600" cy="981894"/>
+          </a:xfrm>
+        </p:spPr>
+        <p:txBody>
+          <a:bodyPr>
+            <a:normAutofit/>
+          </a:bodyPr>
+          <a:lstStyle/>
+          <a:p>
+            <a:r>
+              <a:rPr lang="en-US" dirty="0"/>
+              <a:t>Hypothesis Testing</a:t>
+            </a:r>
+          </a:p>
+        </p:txBody>
+      </p:sp>
+      <mc:AlternateContent xmlns:mc="http://schemas.openxmlformats.org/markup-compatibility/2006">
+        <mc:Choice xmlns:a14="http://schemas.microsoft.com/office/drawing/2010/main" Requires="a14">
+          <p:sp>
+            <p:nvSpPr>
+              <p:cNvPr id="5" name="TextBox 4">
+                <a:extLst>
+                  <a:ext uri="{FF2B5EF4-FFF2-40B4-BE49-F238E27FC236}">
+                    <a16:creationId xmlns:a16="http://schemas.microsoft.com/office/drawing/2014/main" id="{8C36044A-E246-009D-F0D1-B3D44DB9D678}"/>
+                  </a:ext>
+                </a:extLst>
+              </p:cNvPr>
+              <p:cNvSpPr txBox="1"/>
+              <p:nvPr/>
+            </p:nvSpPr>
+            <p:spPr>
+              <a:xfrm>
+                <a:off x="3611880" y="1765689"/>
+                <a:ext cx="5929393" cy="523220"/>
+              </a:xfrm>
+              <a:prstGeom prst="rect">
+                <a:avLst/>
+              </a:prstGeom>
+              <a:noFill/>
+            </p:spPr>
+            <p:txBody>
+              <a:bodyPr wrap="square">
+                <a:spAutoFit/>
+              </a:bodyPr>
+              <a:lstStyle/>
+              <a:p>
+                <a:pPr/>
+                <a14:m>
+                  <m:oMath xmlns:m="http://schemas.openxmlformats.org/officeDocument/2006/math">
+                    <m:r>
+                      <a:rPr lang="en-US" sz="2800" b="0" i="1" smtClean="0">
+                        <a:effectLst/>
+                        <a:latin typeface="Cambria Math" panose="02040503050406030204" pitchFamily="18" charset="0"/>
+                      </a:rPr>
+                      <m:t>𝑑</m:t>
+                    </m:r>
+                    <m:sSub>
+                      <m:sSubPr>
+                        <m:ctrlPr>
+                          <a:rPr lang="en-US" sz="2800" b="0" i="1" smtClean="0">
+                            <a:effectLst/>
+                            <a:latin typeface="Cambria Math" panose="02040503050406030204" pitchFamily="18" charset="0"/>
+                          </a:rPr>
+                        </m:ctrlPr>
+                      </m:sSubPr>
+                      <m:e>
+                        <m:r>
+                          <a:rPr lang="en-US" sz="2800" b="0" i="1" smtClean="0">
+                            <a:effectLst/>
+                            <a:latin typeface="Cambria Math" panose="02040503050406030204" pitchFamily="18" charset="0"/>
+                          </a:rPr>
+                          <m:t>𝑓</m:t>
+                        </m:r>
+                      </m:e>
+                      <m:sub>
+                        <m:r>
+                          <a:rPr lang="en-US" sz="2800" b="0" i="1" smtClean="0">
+                            <a:effectLst/>
+                            <a:latin typeface="Cambria Math" panose="02040503050406030204" pitchFamily="18" charset="0"/>
+                          </a:rPr>
+                          <m:t>1</m:t>
+                        </m:r>
+                      </m:sub>
+                    </m:sSub>
+                    <m:r>
+                      <a:rPr lang="en-US" sz="2800" b="0" i="1" smtClean="0">
+                        <a:effectLst/>
+                        <a:latin typeface="Cambria Math" panose="02040503050406030204" pitchFamily="18" charset="0"/>
+                      </a:rPr>
+                      <m:t>=</m:t>
+                    </m:r>
+                    <m:r>
+                      <a:rPr lang="en-US" sz="2800" b="0" i="1" smtClean="0">
+                        <a:effectLst/>
+                        <a:latin typeface="Cambria Math" panose="02040503050406030204" pitchFamily="18" charset="0"/>
+                      </a:rPr>
+                      <m:t>𝑝</m:t>
+                    </m:r>
+                  </m:oMath>
+                </a14:m>
+                <a:r>
+                  <a:rPr lang="en-US" sz="2800" dirty="0"/>
+                  <a:t> </a:t>
+                </a:r>
+                <a14:m>
+                  <m:oMath xmlns:m="http://schemas.openxmlformats.org/officeDocument/2006/math">
+                    <m:r>
+                      <a:rPr lang="en-US" sz="2800" b="0" i="0" smtClean="0">
+                        <a:latin typeface="Cambria Math" panose="02040503050406030204" pitchFamily="18" charset="0"/>
+                      </a:rPr>
+                      <m:t>    </m:t>
+                    </m:r>
+                    <m:r>
+                      <a:rPr lang="en-US" sz="2800" i="1">
+                        <a:latin typeface="Cambria Math" panose="02040503050406030204" pitchFamily="18" charset="0"/>
+                      </a:rPr>
+                      <m:t>𝑑</m:t>
+                    </m:r>
+                    <m:sSub>
+                      <m:sSubPr>
+                        <m:ctrlPr>
+                          <a:rPr lang="en-US" sz="2800" i="1">
+                            <a:latin typeface="Cambria Math" panose="02040503050406030204" pitchFamily="18" charset="0"/>
+                          </a:rPr>
+                        </m:ctrlPr>
+                      </m:sSubPr>
+                      <m:e>
+                        <m:r>
+                          <a:rPr lang="en-US" sz="2800" i="1">
+                            <a:latin typeface="Cambria Math" panose="02040503050406030204" pitchFamily="18" charset="0"/>
+                          </a:rPr>
+                          <m:t>𝑓</m:t>
+                        </m:r>
+                      </m:e>
+                      <m:sub>
+                        <m:r>
+                          <a:rPr lang="en-US" sz="2800" i="1">
+                            <a:latin typeface="Cambria Math" panose="02040503050406030204" pitchFamily="18" charset="0"/>
+                          </a:rPr>
+                          <m:t>2</m:t>
+                        </m:r>
+                      </m:sub>
+                    </m:sSub>
+                    <m:r>
+                      <a:rPr lang="en-US" sz="2800" i="1">
+                        <a:latin typeface="Cambria Math" panose="02040503050406030204" pitchFamily="18" charset="0"/>
+                      </a:rPr>
+                      <m:t>=</m:t>
+                    </m:r>
+                    <m:r>
+                      <a:rPr lang="en-US" sz="2800" i="1">
+                        <a:latin typeface="Cambria Math" panose="02040503050406030204" pitchFamily="18" charset="0"/>
+                      </a:rPr>
+                      <m:t>𝑛</m:t>
+                    </m:r>
+                    <m:r>
+                      <a:rPr lang="en-US" sz="2800" i="1">
+                        <a:latin typeface="Cambria Math" panose="02040503050406030204" pitchFamily="18" charset="0"/>
+                      </a:rPr>
+                      <m:t>−</m:t>
+                    </m:r>
+                    <m:r>
+                      <a:rPr lang="en-US" sz="2800" i="1">
+                        <a:latin typeface="Cambria Math" panose="02040503050406030204" pitchFamily="18" charset="0"/>
+                      </a:rPr>
+                      <m:t>𝑝</m:t>
+                    </m:r>
+                    <m:r>
+                      <a:rPr lang="en-US" sz="2800" i="1">
+                        <a:latin typeface="Cambria Math" panose="02040503050406030204" pitchFamily="18" charset="0"/>
+                      </a:rPr>
+                      <m:t>−1</m:t>
+                    </m:r>
+                  </m:oMath>
+                </a14:m>
+                <a:endParaRPr lang="en-US" sz="2800" dirty="0"/>
+              </a:p>
+            </p:txBody>
+          </p:sp>
+        </mc:Choice>
+        <mc:Fallback>
+          <p:sp>
+            <p:nvSpPr>
+              <p:cNvPr id="5" name="TextBox 4">
+                <a:extLst>
+                  <a:ext uri="{FF2B5EF4-FFF2-40B4-BE49-F238E27FC236}">
+                    <a16:creationId xmlns:a16="http://schemas.microsoft.com/office/drawing/2014/main" id="{8C36044A-E246-009D-F0D1-B3D44DB9D678}"/>
+                  </a:ext>
+                </a:extLst>
+              </p:cNvPr>
+              <p:cNvSpPr txBox="1">
+                <a:spLocks noRot="1" noChangeAspect="1" noMove="1" noResize="1" noEditPoints="1" noAdjustHandles="1" noChangeArrowheads="1" noChangeShapeType="1" noTextEdit="1"/>
+              </p:cNvSpPr>
+              <p:nvPr/>
+            </p:nvSpPr>
+            <p:spPr>
+              <a:xfrm>
+                <a:off x="3611880" y="1765689"/>
+                <a:ext cx="5929393" cy="523220"/>
+              </a:xfrm>
+              <a:prstGeom prst="rect">
+                <a:avLst/>
+              </a:prstGeom>
+              <a:blipFill>
+                <a:blip r:embed="rId3"/>
+                <a:stretch>
+                  <a:fillRect l="-641" b="-24390"/>
+                </a:stretch>
+              </a:blipFill>
+            </p:spPr>
+            <p:txBody>
+              <a:bodyPr/>
+              <a:lstStyle/>
+              <a:p>
+                <a:r>
+                  <a:rPr lang="en-US">
+                    <a:noFill/>
+                  </a:rPr>
+                  <a:t> </a:t>
+                </a:r>
+              </a:p>
+            </p:txBody>
+          </p:sp>
+        </mc:Fallback>
+      </mc:AlternateContent>
+      <p:pic>
+        <p:nvPicPr>
+          <p:cNvPr id="1026" name="Picture 2" descr="F-table - Statistics By Jim">
+            <a:extLst>
+              <a:ext uri="{FF2B5EF4-FFF2-40B4-BE49-F238E27FC236}">
+                <a16:creationId xmlns:a16="http://schemas.microsoft.com/office/drawing/2014/main" id="{1C750E7A-4474-F94D-4FBD-863B4A3C3114}"/>
+              </a:ext>
+            </a:extLst>
+          </p:cNvPr>
+          <p:cNvPicPr>
+            <a:picLocks noChangeAspect="1" noChangeArrowheads="1"/>
+          </p:cNvPicPr>
+          <p:nvPr/>
+        </p:nvPicPr>
+        <p:blipFill>
+          <a:blip r:embed="rId4">
+            <a:extLst>
+              <a:ext uri="{28A0092B-C50C-407E-A947-70E740481C1C}">
+                <a14:useLocalDpi xmlns:a14="http://schemas.microsoft.com/office/drawing/2010/main" val="0"/>
+              </a:ext>
+            </a:extLst>
+          </a:blip>
+          <a:srcRect/>
+          <a:stretch>
+            <a:fillRect/>
+          </a:stretch>
+        </p:blipFill>
+        <p:spPr bwMode="auto">
+          <a:xfrm>
+            <a:off x="387350" y="2998072"/>
+            <a:ext cx="4695982" cy="3142039"/>
+          </a:xfrm>
+          <a:prstGeom prst="rect">
+            <a:avLst/>
+          </a:prstGeom>
+          <a:noFill/>
+          <a:extLst>
+            <a:ext uri="{909E8E84-426E-40DD-AFC4-6F175D3DCCD1}">
+              <a14:hiddenFill xmlns:a14="http://schemas.microsoft.com/office/drawing/2010/main">
+                <a:solidFill>
+                  <a:srgbClr val="FFFFFF"/>
+                </a:solidFill>
+              </a14:hiddenFill>
+            </a:ext>
+          </a:extLst>
+        </p:spPr>
+      </p:pic>
+      <p:pic>
+        <p:nvPicPr>
+          <p:cNvPr id="1028" name="Picture 4" descr="F Distribution, F Statistic, F Test">
+            <a:extLst>
+              <a:ext uri="{FF2B5EF4-FFF2-40B4-BE49-F238E27FC236}">
+                <a16:creationId xmlns:a16="http://schemas.microsoft.com/office/drawing/2014/main" id="{DAC61FDA-05A5-A002-AA69-FE65E0298020}"/>
+              </a:ext>
+            </a:extLst>
+          </p:cNvPr>
+          <p:cNvPicPr>
+            <a:picLocks noChangeAspect="1" noChangeArrowheads="1"/>
+          </p:cNvPicPr>
+          <p:nvPr/>
+        </p:nvPicPr>
+        <p:blipFill rotWithShape="1">
+          <a:blip r:embed="rId5">
+            <a:extLst>
+              <a:ext uri="{28A0092B-C50C-407E-A947-70E740481C1C}">
+                <a14:useLocalDpi xmlns:a14="http://schemas.microsoft.com/office/drawing/2010/main" val="0"/>
+              </a:ext>
+            </a:extLst>
+          </a:blip>
+          <a:srcRect t="29268" r="18802" b="18572"/>
+          <a:stretch/>
+        </p:blipFill>
+        <p:spPr bwMode="auto">
+          <a:xfrm>
+            <a:off x="5725629" y="2707578"/>
+            <a:ext cx="5628171" cy="3288932"/>
+          </a:xfrm>
+          <a:prstGeom prst="rect">
+            <a:avLst/>
+          </a:prstGeom>
+          <a:noFill/>
+          <a:extLst>
+            <a:ext uri="{909E8E84-426E-40DD-AFC4-6F175D3DCCD1}">
+              <a14:hiddenFill xmlns:a14="http://schemas.microsoft.com/office/drawing/2010/main">
+                <a:solidFill>
+                  <a:srgbClr val="FFFFFF"/>
+                </a:solidFill>
+              </a14:hiddenFill>
+            </a:ext>
+          </a:extLst>
+        </p:spPr>
+      </p:pic>
+    </p:spTree>
+    <p:extLst>
+      <p:ext uri="{BB962C8B-B14F-4D97-AF65-F5344CB8AC3E}">
+        <p14:creationId xmlns:p14="http://schemas.microsoft.com/office/powerpoint/2010/main" val="3712298701"/>
+      </p:ext>
+    </p:extLst>
+  </p:cSld>
+  <p:clrMapOvr>
+    <a:masterClrMapping/>
+  </p:clrMapOvr>
+</p:sld>
+</file>
+
+<file path=ppt/slides/slide12.xml><?xml version="1.0" encoding="utf-8"?>
+<p:sld xmlns:a="http://schemas.openxmlformats.org/drawingml/2006/main" xmlns:r="http://schemas.openxmlformats.org/officeDocument/2006/relationships" xmlns:p="http://schemas.openxmlformats.org/presentationml/2006/main">
+  <p:cSld>
+    <p:spTree>
+      <p:nvGrpSpPr>
+        <p:cNvPr id="1" name=""/>
+        <p:cNvGrpSpPr/>
+        <p:nvPr/>
+      </p:nvGrpSpPr>
+      <p:grpSpPr>
+        <a:xfrm>
+          <a:off x="0" y="0"/>
+          <a:ext cx="0" cy="0"/>
+          <a:chOff x="0" y="0"/>
+          <a:chExt cx="0" cy="0"/>
+        </a:xfrm>
+      </p:grpSpPr>
+      <p:sp>
+        <p:nvSpPr>
+          <p:cNvPr id="2" name="Title 1"/>
+          <p:cNvSpPr>
+            <a:spLocks noGrp="1"/>
+          </p:cNvSpPr>
+          <p:nvPr>
+            <p:ph type="title"/>
+          </p:nvPr>
+        </p:nvSpPr>
+        <p:spPr>
+          <a:xfrm>
+            <a:off x="838200" y="365126"/>
+            <a:ext cx="10515600" cy="981894"/>
+          </a:xfrm>
+        </p:spPr>
+        <p:txBody>
+          <a:bodyPr>
+            <a:normAutofit/>
+          </a:bodyPr>
+          <a:lstStyle/>
+          <a:p>
+            <a:r>
+              <a:rPr lang="en-US" dirty="0"/>
+              <a:t>Variable Selection </a:t>
+            </a:r>
+          </a:p>
+        </p:txBody>
+      </p:sp>
+      <p:sp>
+        <p:nvSpPr>
+          <p:cNvPr id="4" name="TextBox 3">
+            <a:extLst>
+              <a:ext uri="{FF2B5EF4-FFF2-40B4-BE49-F238E27FC236}">
+                <a16:creationId xmlns:a16="http://schemas.microsoft.com/office/drawing/2014/main" id="{ABD93568-BDBC-1B9E-6C70-DD6A87A29192}"/>
+              </a:ext>
+            </a:extLst>
+          </p:cNvPr>
+          <p:cNvSpPr txBox="1"/>
+          <p:nvPr/>
+        </p:nvSpPr>
+        <p:spPr>
+          <a:xfrm>
+            <a:off x="1036320" y="1828718"/>
+            <a:ext cx="4453655" cy="523220"/>
+          </a:xfrm>
+          <a:prstGeom prst="rect">
+            <a:avLst/>
+          </a:prstGeom>
+          <a:noFill/>
+        </p:spPr>
+        <p:txBody>
+          <a:bodyPr wrap="square">
+            <a:spAutoFit/>
+          </a:bodyPr>
+          <a:lstStyle/>
+          <a:p>
+            <a:pPr/>
+            <a:r>
+              <a:rPr lang="en-US" sz="2800" dirty="0"/>
+              <a:t>Forward Selection</a:t>
+            </a:r>
+          </a:p>
+        </p:txBody>
+      </p:sp>
+      <p:sp>
+        <p:nvSpPr>
+          <p:cNvPr id="6" name="TextBox 5">
+            <a:extLst>
+              <a:ext uri="{FF2B5EF4-FFF2-40B4-BE49-F238E27FC236}">
+                <a16:creationId xmlns:a16="http://schemas.microsoft.com/office/drawing/2014/main" id="{C9F5CD7A-D397-8BEF-32CC-F1330EF0E863}"/>
+              </a:ext>
+            </a:extLst>
+          </p:cNvPr>
+          <p:cNvSpPr txBox="1"/>
+          <p:nvPr/>
+        </p:nvSpPr>
+        <p:spPr>
+          <a:xfrm>
+            <a:off x="1036318" y="2909836"/>
+            <a:ext cx="4453655" cy="523220"/>
+          </a:xfrm>
+          <a:prstGeom prst="rect">
+            <a:avLst/>
+          </a:prstGeom>
+          <a:noFill/>
+        </p:spPr>
+        <p:txBody>
+          <a:bodyPr wrap="square">
+            <a:spAutoFit/>
+          </a:bodyPr>
+          <a:lstStyle/>
+          <a:p>
+            <a:pPr/>
+            <a:r>
+              <a:rPr lang="en-US" sz="2800" dirty="0"/>
+              <a:t>Backward Selection</a:t>
+            </a:r>
+          </a:p>
+        </p:txBody>
+      </p:sp>
+      <p:sp>
+        <p:nvSpPr>
+          <p:cNvPr id="7" name="TextBox 6">
+            <a:extLst>
+              <a:ext uri="{FF2B5EF4-FFF2-40B4-BE49-F238E27FC236}">
+                <a16:creationId xmlns:a16="http://schemas.microsoft.com/office/drawing/2014/main" id="{580966AF-E6B5-1EE1-38E5-1D343C77C495}"/>
+              </a:ext>
+            </a:extLst>
+          </p:cNvPr>
+          <p:cNvSpPr txBox="1"/>
+          <p:nvPr/>
+        </p:nvSpPr>
+        <p:spPr>
+          <a:xfrm>
+            <a:off x="1036319" y="3982843"/>
+            <a:ext cx="4453655" cy="523220"/>
+          </a:xfrm>
+          <a:prstGeom prst="rect">
+            <a:avLst/>
+          </a:prstGeom>
+          <a:noFill/>
+        </p:spPr>
+        <p:txBody>
+          <a:bodyPr wrap="square">
+            <a:spAutoFit/>
+          </a:bodyPr>
+          <a:lstStyle/>
+          <a:p>
+            <a:pPr/>
+            <a:r>
+              <a:rPr lang="en-US" sz="2800" dirty="0" err="1"/>
+              <a:t>Colinearity</a:t>
+            </a:r>
+            <a:endParaRPr lang="en-US" sz="2800" dirty="0"/>
+          </a:p>
+        </p:txBody>
+      </p:sp>
+    </p:spTree>
+    <p:extLst>
+      <p:ext uri="{BB962C8B-B14F-4D97-AF65-F5344CB8AC3E}">
+        <p14:creationId xmlns:p14="http://schemas.microsoft.com/office/powerpoint/2010/main" val="1383625480"/>
+      </p:ext>
+    </p:extLst>
+  </p:cSld>
+  <p:clrMapOvr>
+    <a:masterClrMapping/>
+  </p:clrMapOvr>
+</p:sld>
+</file>
+
+<file path=ppt/slides/slide13.xml><?xml version="1.0" encoding="utf-8"?>
+<p:sld xmlns:a="http://schemas.openxmlformats.org/drawingml/2006/main" xmlns:r="http://schemas.openxmlformats.org/officeDocument/2006/relationships" xmlns:p="http://schemas.openxmlformats.org/presentationml/2006/main">
+  <p:cSld>
+    <p:spTree>
+      <p:nvGrpSpPr>
+        <p:cNvPr id="1" name=""/>
+        <p:cNvGrpSpPr/>
+        <p:nvPr/>
+      </p:nvGrpSpPr>
+      <p:grpSpPr>
+        <a:xfrm>
+          <a:off x="0" y="0"/>
+          <a:ext cx="0" cy="0"/>
+          <a:chOff x="0" y="0"/>
+          <a:chExt cx="0" cy="0"/>
+        </a:xfrm>
+      </p:grpSpPr>
+      <p:sp>
+        <p:nvSpPr>
+          <p:cNvPr id="2" name="Title 1"/>
+          <p:cNvSpPr>
+            <a:spLocks noGrp="1"/>
+          </p:cNvSpPr>
+          <p:nvPr>
+            <p:ph type="title"/>
+          </p:nvPr>
+        </p:nvSpPr>
+        <p:spPr>
+          <a:xfrm>
+            <a:off x="838200" y="365126"/>
+            <a:ext cx="10515600" cy="981894"/>
+          </a:xfrm>
+        </p:spPr>
+        <p:txBody>
+          <a:bodyPr>
+            <a:normAutofit/>
+          </a:bodyPr>
+          <a:lstStyle/>
+          <a:p>
+            <a:r>
+              <a:rPr lang="en-US" dirty="0"/>
+              <a:t>Forward Selection</a:t>
+            </a:r>
+          </a:p>
+        </p:txBody>
+      </p:sp>
+      <p:sp>
+        <p:nvSpPr>
+          <p:cNvPr id="4" name="TextBox 3">
+            <a:extLst>
+              <a:ext uri="{FF2B5EF4-FFF2-40B4-BE49-F238E27FC236}">
+                <a16:creationId xmlns:a16="http://schemas.microsoft.com/office/drawing/2014/main" id="{ABD93568-BDBC-1B9E-6C70-DD6A87A29192}"/>
+              </a:ext>
+            </a:extLst>
+          </p:cNvPr>
+          <p:cNvSpPr txBox="1"/>
+          <p:nvPr/>
+        </p:nvSpPr>
+        <p:spPr>
+          <a:xfrm>
+            <a:off x="1036319" y="1680835"/>
+            <a:ext cx="10119362" cy="954107"/>
+          </a:xfrm>
+          <a:prstGeom prst="rect">
+            <a:avLst/>
+          </a:prstGeom>
+          <a:noFill/>
+        </p:spPr>
+        <p:txBody>
+          <a:bodyPr wrap="square">
+            <a:spAutoFit/>
+          </a:bodyPr>
+          <a:lstStyle/>
+          <a:p>
+            <a:r>
+              <a:rPr lang="en-US" sz="2800" dirty="0"/>
+              <a:t>Begin with the null model — a model that contains an intercept but no predictors. </a:t>
+            </a:r>
+          </a:p>
+        </p:txBody>
+      </p:sp>
+      <p:sp>
+        <p:nvSpPr>
+          <p:cNvPr id="6" name="TextBox 5">
+            <a:extLst>
+              <a:ext uri="{FF2B5EF4-FFF2-40B4-BE49-F238E27FC236}">
+                <a16:creationId xmlns:a16="http://schemas.microsoft.com/office/drawing/2014/main" id="{C9F5CD7A-D397-8BEF-32CC-F1330EF0E863}"/>
+              </a:ext>
+            </a:extLst>
+          </p:cNvPr>
+          <p:cNvSpPr txBox="1"/>
+          <p:nvPr/>
+        </p:nvSpPr>
+        <p:spPr>
+          <a:xfrm>
+            <a:off x="1036319" y="2951946"/>
+            <a:ext cx="10317482" cy="954107"/>
+          </a:xfrm>
+          <a:prstGeom prst="rect">
+            <a:avLst/>
+          </a:prstGeom>
+          <a:noFill/>
+        </p:spPr>
+        <p:txBody>
+          <a:bodyPr wrap="square">
+            <a:spAutoFit/>
+          </a:bodyPr>
+          <a:lstStyle/>
+          <a:p>
+            <a:r>
+              <a:rPr lang="en-US" sz="2800" dirty="0"/>
+              <a:t>Fit p simple linear regressions and add to the null model the variable that results in the lowest RSS. </a:t>
+            </a:r>
+          </a:p>
+        </p:txBody>
+      </p:sp>
+      <p:sp>
+        <p:nvSpPr>
+          <p:cNvPr id="3" name="TextBox 2">
+            <a:extLst>
+              <a:ext uri="{FF2B5EF4-FFF2-40B4-BE49-F238E27FC236}">
+                <a16:creationId xmlns:a16="http://schemas.microsoft.com/office/drawing/2014/main" id="{02F2A7FD-66F5-E1BD-6687-C5231F954E61}"/>
+              </a:ext>
+            </a:extLst>
+          </p:cNvPr>
+          <p:cNvSpPr txBox="1"/>
+          <p:nvPr/>
+        </p:nvSpPr>
+        <p:spPr>
+          <a:xfrm>
+            <a:off x="1036319" y="4384506"/>
+            <a:ext cx="10317482" cy="2246769"/>
+          </a:xfrm>
+          <a:prstGeom prst="rect">
+            <a:avLst/>
+          </a:prstGeom>
+          <a:noFill/>
+        </p:spPr>
+        <p:txBody>
+          <a:bodyPr wrap="square">
+            <a:spAutoFit/>
+          </a:bodyPr>
+          <a:lstStyle/>
+          <a:p>
+            <a:r>
+              <a:rPr lang="en-US" sz="2800" dirty="0"/>
+              <a:t>Add to that model the variable that results in the lowest RSS amongst all two-variable models. (Continue until some stopping rule is satisfied) </a:t>
+            </a:r>
+          </a:p>
+          <a:p>
+            <a:endParaRPr lang="en-US" sz="2800" dirty="0"/>
+          </a:p>
+          <a:p>
+            <a:endParaRPr lang="en-US" sz="2800" dirty="0"/>
+          </a:p>
+        </p:txBody>
+      </p:sp>
+    </p:spTree>
+    <p:extLst>
+      <p:ext uri="{BB962C8B-B14F-4D97-AF65-F5344CB8AC3E}">
+        <p14:creationId xmlns:p14="http://schemas.microsoft.com/office/powerpoint/2010/main" val="3716468142"/>
+      </p:ext>
+    </p:extLst>
+  </p:cSld>
+  <p:clrMapOvr>
+    <a:masterClrMapping/>
+  </p:clrMapOvr>
+</p:sld>
+</file>
+
+<file path=ppt/slides/slide14.xml><?xml version="1.0" encoding="utf-8"?>
+<p:sld xmlns:a="http://schemas.openxmlformats.org/drawingml/2006/main" xmlns:r="http://schemas.openxmlformats.org/officeDocument/2006/relationships" xmlns:p="http://schemas.openxmlformats.org/presentationml/2006/main">
+  <p:cSld>
+    <p:spTree>
+      <p:nvGrpSpPr>
+        <p:cNvPr id="1" name=""/>
+        <p:cNvGrpSpPr/>
+        <p:nvPr/>
+      </p:nvGrpSpPr>
+      <p:grpSpPr>
+        <a:xfrm>
+          <a:off x="0" y="0"/>
+          <a:ext cx="0" cy="0"/>
+          <a:chOff x="0" y="0"/>
+          <a:chExt cx="0" cy="0"/>
+        </a:xfrm>
+      </p:grpSpPr>
+      <p:sp>
+        <p:nvSpPr>
+          <p:cNvPr id="2" name="Title 1"/>
+          <p:cNvSpPr>
+            <a:spLocks noGrp="1"/>
+          </p:cNvSpPr>
+          <p:nvPr>
+            <p:ph type="title"/>
+          </p:nvPr>
+        </p:nvSpPr>
+        <p:spPr>
+          <a:xfrm>
+            <a:off x="838200" y="365126"/>
+            <a:ext cx="10515600" cy="981894"/>
+          </a:xfrm>
+        </p:spPr>
+        <p:txBody>
+          <a:bodyPr>
+            <a:normAutofit/>
+          </a:bodyPr>
+          <a:lstStyle/>
+          <a:p>
+            <a:r>
+              <a:rPr lang="en-US" dirty="0"/>
+              <a:t>Backward Selection</a:t>
+            </a:r>
+          </a:p>
+        </p:txBody>
+      </p:sp>
+      <p:sp>
+        <p:nvSpPr>
+          <p:cNvPr id="4" name="TextBox 3">
+            <a:extLst>
+              <a:ext uri="{FF2B5EF4-FFF2-40B4-BE49-F238E27FC236}">
+                <a16:creationId xmlns:a16="http://schemas.microsoft.com/office/drawing/2014/main" id="{ABD93568-BDBC-1B9E-6C70-DD6A87A29192}"/>
+              </a:ext>
+            </a:extLst>
+          </p:cNvPr>
+          <p:cNvSpPr txBox="1"/>
+          <p:nvPr/>
+        </p:nvSpPr>
+        <p:spPr>
+          <a:xfrm>
+            <a:off x="1036319" y="1680835"/>
+            <a:ext cx="10119362" cy="1231106"/>
+          </a:xfrm>
+          <a:prstGeom prst="rect">
+            <a:avLst/>
+          </a:prstGeom>
+          <a:noFill/>
+        </p:spPr>
+        <p:txBody>
+          <a:bodyPr wrap="square">
+            <a:spAutoFit/>
+          </a:bodyPr>
+          <a:lstStyle/>
+          <a:p>
+            <a:r>
+              <a:rPr lang="en-US" sz="2800" dirty="0"/>
+              <a:t>Start with all variables in the model.</a:t>
+            </a:r>
+            <a:r>
+              <a:rPr lang="en-US" sz="1800" dirty="0">
+                <a:solidFill>
+                  <a:srgbClr val="3333B2"/>
+                </a:solidFill>
+                <a:effectLst/>
+                <a:latin typeface="CMR10"/>
+              </a:rPr>
+              <a:t> </a:t>
+            </a:r>
+            <a:endParaRPr lang="en-US" sz="1800" dirty="0">
+              <a:solidFill>
+                <a:srgbClr val="3333B2"/>
+              </a:solidFill>
+              <a:effectLst/>
+              <a:latin typeface="CMSY10"/>
+            </a:endParaRPr>
+          </a:p>
+          <a:p>
+            <a:endParaRPr lang="en-US" sz="1800" dirty="0">
+              <a:solidFill>
+                <a:srgbClr val="3333B2"/>
+              </a:solidFill>
+              <a:effectLst/>
+              <a:latin typeface="CMSY10"/>
+            </a:endParaRPr>
+          </a:p>
+          <a:p>
+            <a:endParaRPr lang="en-US" sz="2800" dirty="0"/>
+          </a:p>
+        </p:txBody>
+      </p:sp>
+      <p:sp>
+        <p:nvSpPr>
+          <p:cNvPr id="6" name="TextBox 5">
+            <a:extLst>
+              <a:ext uri="{FF2B5EF4-FFF2-40B4-BE49-F238E27FC236}">
+                <a16:creationId xmlns:a16="http://schemas.microsoft.com/office/drawing/2014/main" id="{C9F5CD7A-D397-8BEF-32CC-F1330EF0E863}"/>
+              </a:ext>
+            </a:extLst>
+          </p:cNvPr>
+          <p:cNvSpPr txBox="1"/>
+          <p:nvPr/>
+        </p:nvSpPr>
+        <p:spPr>
+          <a:xfrm>
+            <a:off x="1036318" y="2819585"/>
+            <a:ext cx="10317482" cy="954107"/>
+          </a:xfrm>
+          <a:prstGeom prst="rect">
+            <a:avLst/>
+          </a:prstGeom>
+          <a:noFill/>
+        </p:spPr>
+        <p:txBody>
+          <a:bodyPr wrap="square">
+            <a:spAutoFit/>
+          </a:bodyPr>
+          <a:lstStyle/>
+          <a:p>
+            <a:r>
+              <a:rPr lang="en-US" sz="2800" dirty="0"/>
+              <a:t>Remove the variable with the largest p-value — that is, the </a:t>
+            </a:r>
+          </a:p>
+          <a:p>
+            <a:r>
+              <a:rPr lang="en-US" sz="2800" dirty="0"/>
+              <a:t>variable that is the least statistically significant. </a:t>
+            </a:r>
+          </a:p>
+        </p:txBody>
+      </p:sp>
+      <p:sp>
+        <p:nvSpPr>
+          <p:cNvPr id="3" name="TextBox 2">
+            <a:extLst>
+              <a:ext uri="{FF2B5EF4-FFF2-40B4-BE49-F238E27FC236}">
+                <a16:creationId xmlns:a16="http://schemas.microsoft.com/office/drawing/2014/main" id="{02F2A7FD-66F5-E1BD-6687-C5231F954E61}"/>
+              </a:ext>
+            </a:extLst>
+          </p:cNvPr>
+          <p:cNvSpPr txBox="1"/>
+          <p:nvPr/>
+        </p:nvSpPr>
+        <p:spPr>
+          <a:xfrm>
+            <a:off x="1036319" y="4384506"/>
+            <a:ext cx="10317482" cy="954107"/>
+          </a:xfrm>
+          <a:prstGeom prst="rect">
+            <a:avLst/>
+          </a:prstGeom>
+          <a:noFill/>
+        </p:spPr>
+        <p:txBody>
+          <a:bodyPr wrap="square">
+            <a:spAutoFit/>
+          </a:bodyPr>
+          <a:lstStyle/>
+          <a:p>
+            <a:r>
+              <a:rPr lang="en-US" sz="2800" dirty="0"/>
+              <a:t>Continue to fit and remove until a stopping rule is reached</a:t>
+            </a:r>
+          </a:p>
+          <a:p>
+            <a:endParaRPr lang="en-US" sz="2800" dirty="0"/>
+          </a:p>
+        </p:txBody>
+      </p:sp>
+    </p:spTree>
+    <p:extLst>
+      <p:ext uri="{BB962C8B-B14F-4D97-AF65-F5344CB8AC3E}">
+        <p14:creationId xmlns:p14="http://schemas.microsoft.com/office/powerpoint/2010/main" val="1582183634"/>
+      </p:ext>
+    </p:extLst>
+  </p:cSld>
+  <p:clrMapOvr>
+    <a:masterClrMapping/>
+  </p:clrMapOvr>
+</p:sld>
+</file>
+
+<file path=ppt/slides/slide15.xml><?xml version="1.0" encoding="utf-8"?>
+<p:sld xmlns:a="http://schemas.openxmlformats.org/drawingml/2006/main" xmlns:r="http://schemas.openxmlformats.org/officeDocument/2006/relationships" xmlns:p="http://schemas.openxmlformats.org/presentationml/2006/main">
+  <p:cSld>
+    <p:spTree>
+      <p:nvGrpSpPr>
+        <p:cNvPr id="1" name=""/>
+        <p:cNvGrpSpPr/>
+        <p:nvPr/>
+      </p:nvGrpSpPr>
+      <p:grpSpPr>
+        <a:xfrm>
+          <a:off x="0" y="0"/>
+          <a:ext cx="0" cy="0"/>
+          <a:chOff x="0" y="0"/>
+          <a:chExt cx="0" cy="0"/>
+        </a:xfrm>
+      </p:grpSpPr>
+      <p:sp>
+        <p:nvSpPr>
+          <p:cNvPr id="2" name="Title 1"/>
+          <p:cNvSpPr>
+            <a:spLocks noGrp="1"/>
+          </p:cNvSpPr>
+          <p:nvPr>
+            <p:ph type="title"/>
+          </p:nvPr>
+        </p:nvSpPr>
+        <p:spPr>
+          <a:xfrm>
+            <a:off x="838200" y="365126"/>
+            <a:ext cx="10515600" cy="981894"/>
+          </a:xfrm>
+        </p:spPr>
+        <p:txBody>
+          <a:bodyPr>
+            <a:normAutofit/>
+          </a:bodyPr>
+          <a:lstStyle/>
+          <a:p>
+            <a:r>
+              <a:rPr lang="en-US" dirty="0" err="1"/>
+              <a:t>Colinearity</a:t>
+            </a:r>
+            <a:endParaRPr lang="en-US" dirty="0"/>
+          </a:p>
+        </p:txBody>
+      </p:sp>
+      <p:sp>
+        <p:nvSpPr>
+          <p:cNvPr id="4" name="TextBox 3">
+            <a:extLst>
+              <a:ext uri="{FF2B5EF4-FFF2-40B4-BE49-F238E27FC236}">
+                <a16:creationId xmlns:a16="http://schemas.microsoft.com/office/drawing/2014/main" id="{ABD93568-BDBC-1B9E-6C70-DD6A87A29192}"/>
+              </a:ext>
+            </a:extLst>
+          </p:cNvPr>
+          <p:cNvSpPr txBox="1"/>
+          <p:nvPr/>
+        </p:nvSpPr>
+        <p:spPr>
+          <a:xfrm>
+            <a:off x="1036319" y="1680835"/>
+            <a:ext cx="10119362" cy="1231106"/>
+          </a:xfrm>
+          <a:prstGeom prst="rect">
+            <a:avLst/>
+          </a:prstGeom>
+          <a:noFill/>
+        </p:spPr>
+        <p:txBody>
+          <a:bodyPr wrap="square">
+            <a:spAutoFit/>
+          </a:bodyPr>
+          <a:lstStyle/>
+          <a:p>
+            <a:r>
+              <a:rPr lang="en-US" sz="2800" dirty="0">
+                <a:solidFill>
+                  <a:srgbClr val="242424"/>
+                </a:solidFill>
+                <a:latin typeface="source-serif-pro"/>
+              </a:rPr>
+              <a:t>T</a:t>
+            </a:r>
+            <a:r>
+              <a:rPr lang="en-US" sz="2800" b="0" i="0" dirty="0">
+                <a:solidFill>
+                  <a:srgbClr val="242424"/>
+                </a:solidFill>
+                <a:effectLst/>
+                <a:latin typeface="source-serif-pro"/>
+              </a:rPr>
+              <a:t>wo or more variables are exactly correlated.</a:t>
+            </a:r>
+            <a:r>
+              <a:rPr lang="en-US" sz="1800" dirty="0">
+                <a:solidFill>
+                  <a:srgbClr val="3333B2"/>
+                </a:solidFill>
+                <a:effectLst/>
+                <a:latin typeface="CMR10"/>
+              </a:rPr>
+              <a:t> </a:t>
+            </a:r>
+            <a:endParaRPr lang="en-US" sz="1800" dirty="0">
+              <a:solidFill>
+                <a:srgbClr val="3333B2"/>
+              </a:solidFill>
+              <a:effectLst/>
+              <a:latin typeface="CMSY10"/>
+            </a:endParaRPr>
+          </a:p>
+          <a:p>
+            <a:endParaRPr lang="en-US" sz="1800" dirty="0">
+              <a:solidFill>
+                <a:srgbClr val="3333B2"/>
+              </a:solidFill>
+              <a:effectLst/>
+              <a:latin typeface="CMSY10"/>
+            </a:endParaRPr>
+          </a:p>
+          <a:p>
+            <a:endParaRPr lang="en-US" sz="2800" dirty="0"/>
+          </a:p>
+        </p:txBody>
+      </p:sp>
+      <p:sp>
+        <p:nvSpPr>
+          <p:cNvPr id="6" name="TextBox 5">
+            <a:extLst>
+              <a:ext uri="{FF2B5EF4-FFF2-40B4-BE49-F238E27FC236}">
+                <a16:creationId xmlns:a16="http://schemas.microsoft.com/office/drawing/2014/main" id="{C9F5CD7A-D397-8BEF-32CC-F1330EF0E863}"/>
+              </a:ext>
+            </a:extLst>
+          </p:cNvPr>
+          <p:cNvSpPr txBox="1"/>
+          <p:nvPr/>
+        </p:nvSpPr>
+        <p:spPr>
+          <a:xfrm>
+            <a:off x="1036318" y="2819585"/>
+            <a:ext cx="10317482" cy="954107"/>
+          </a:xfrm>
+          <a:prstGeom prst="rect">
+            <a:avLst/>
+          </a:prstGeom>
+          <a:noFill/>
+        </p:spPr>
+        <p:txBody>
+          <a:bodyPr wrap="square">
+            <a:spAutoFit/>
+          </a:bodyPr>
+          <a:lstStyle/>
+          <a:p>
+            <a:r>
+              <a:rPr lang="en-US" sz="2800" dirty="0"/>
+              <a:t>The parameters are not fixed and will be affected by small changes in the training data</a:t>
+            </a:r>
+          </a:p>
+        </p:txBody>
+      </p:sp>
+      <p:sp>
+        <p:nvSpPr>
+          <p:cNvPr id="3" name="TextBox 2">
+            <a:extLst>
+              <a:ext uri="{FF2B5EF4-FFF2-40B4-BE49-F238E27FC236}">
+                <a16:creationId xmlns:a16="http://schemas.microsoft.com/office/drawing/2014/main" id="{02F2A7FD-66F5-E1BD-6687-C5231F954E61}"/>
+              </a:ext>
+            </a:extLst>
+          </p:cNvPr>
+          <p:cNvSpPr txBox="1"/>
+          <p:nvPr/>
+        </p:nvSpPr>
+        <p:spPr>
+          <a:xfrm>
+            <a:off x="1036319" y="4384506"/>
+            <a:ext cx="10317482" cy="954107"/>
+          </a:xfrm>
+          <a:prstGeom prst="rect">
+            <a:avLst/>
+          </a:prstGeom>
+          <a:noFill/>
+        </p:spPr>
+        <p:txBody>
+          <a:bodyPr wrap="square">
+            <a:spAutoFit/>
+          </a:bodyPr>
+          <a:lstStyle/>
+          <a:p>
+            <a:r>
+              <a:rPr lang="en-US" sz="2800" dirty="0"/>
+              <a:t>Increase the difficulty for interpretation</a:t>
+            </a:r>
+          </a:p>
+          <a:p>
+            <a:endParaRPr lang="en-US" sz="2800" dirty="0"/>
+          </a:p>
+        </p:txBody>
+      </p:sp>
+    </p:spTree>
+    <p:extLst>
+      <p:ext uri="{BB962C8B-B14F-4D97-AF65-F5344CB8AC3E}">
+        <p14:creationId xmlns:p14="http://schemas.microsoft.com/office/powerpoint/2010/main" val="2645181701"/>
+      </p:ext>
+    </p:extLst>
+  </p:cSld>
+  <p:clrMapOvr>
+    <a:masterClrMapping/>
+  </p:clrMapOvr>
+</p:sld>
+</file>
+
+<file path=ppt/slides/slide16.xml><?xml version="1.0" encoding="utf-8"?>
+<p:sld xmlns:a="http://schemas.openxmlformats.org/drawingml/2006/main" xmlns:r="http://schemas.openxmlformats.org/officeDocument/2006/relationships" xmlns:p="http://schemas.openxmlformats.org/presentationml/2006/main">
+  <p:cSld>
+    <p:spTree>
+      <p:nvGrpSpPr>
+        <p:cNvPr id="1" name=""/>
+        <p:cNvGrpSpPr/>
+        <p:nvPr/>
+      </p:nvGrpSpPr>
+      <p:grpSpPr>
+        <a:xfrm>
+          <a:off x="0" y="0"/>
+          <a:ext cx="0" cy="0"/>
+          <a:chOff x="0" y="0"/>
+          <a:chExt cx="0" cy="0"/>
+        </a:xfrm>
+      </p:grpSpPr>
+      <p:sp>
+        <p:nvSpPr>
+          <p:cNvPr id="10" name="TextBox 9">
+            <a:extLst>
+              <a:ext uri="{FF2B5EF4-FFF2-40B4-BE49-F238E27FC236}">
+                <a16:creationId xmlns:a16="http://schemas.microsoft.com/office/drawing/2014/main" id="{514E73AD-7A38-9D42-8C4C-ADC0FDE0FBC3}"/>
+              </a:ext>
+            </a:extLst>
+          </p:cNvPr>
+          <p:cNvSpPr txBox="1"/>
+          <p:nvPr/>
+        </p:nvSpPr>
+        <p:spPr>
+          <a:xfrm>
+            <a:off x="4792980" y="2601575"/>
+            <a:ext cx="5951220" cy="1077218"/>
+          </a:xfrm>
+          <a:prstGeom prst="rect">
+            <a:avLst/>
+          </a:prstGeom>
+          <a:noFill/>
+        </p:spPr>
+        <p:txBody>
+          <a:bodyPr wrap="square">
+            <a:spAutoFit/>
+          </a:bodyPr>
+          <a:lstStyle/>
+          <a:p>
+            <a:r>
+              <a:rPr lang="en-US" sz="6400" dirty="0"/>
+              <a:t>Q &amp; A</a:t>
+            </a:r>
+          </a:p>
+        </p:txBody>
+      </p:sp>
+    </p:spTree>
+    <p:extLst>
+      <p:ext uri="{BB962C8B-B14F-4D97-AF65-F5344CB8AC3E}">
+        <p14:creationId xmlns:p14="http://schemas.microsoft.com/office/powerpoint/2010/main" val="1613744569"/>
       </p:ext>
     </p:extLst>
   </p:cSld>
@@ -9171,7 +11390,7 @@
           <a:p>
             <a:r>
               <a:rPr lang="en-US" dirty="0"/>
-              <a:t>Least Square Method</a:t>
+              <a:t>Least Square Method (Done by Software)</a:t>
             </a:r>
           </a:p>
         </p:txBody>
@@ -9192,7 +11411,7 @@
             </p:nvSpPr>
             <p:spPr>
               <a:xfrm>
-                <a:off x="418851" y="1973035"/>
+                <a:off x="658694" y="1606226"/>
                 <a:ext cx="9951720" cy="1137876"/>
               </a:xfrm>
               <a:prstGeom prst="rect">
@@ -9415,7 +11634,7 @@
             </p:nvSpPr>
             <p:spPr>
               <a:xfrm>
-                <a:off x="418851" y="1973035"/>
+                <a:off x="658694" y="1606226"/>
                 <a:ext cx="9951720" cy="1137876"/>
               </a:xfrm>
               <a:prstGeom prst="rect">
@@ -9424,7 +11643,7 @@
               <a:blipFill>
                 <a:blip r:embed="rId3"/>
                 <a:stretch>
-                  <a:fillRect t="-131111" b="-182222"/>
+                  <a:fillRect t="-129670" b="-180220"/>
                 </a:stretch>
               </a:blipFill>
             </p:spPr>
@@ -9459,7 +11678,7 @@
             </p:nvSpPr>
             <p:spPr>
               <a:xfrm>
-                <a:off x="584243" y="3856848"/>
+                <a:off x="838200" y="3230168"/>
                 <a:ext cx="9951720" cy="1137876"/>
               </a:xfrm>
               <a:prstGeom prst="rect">
@@ -9550,7 +11769,7 @@
                                 <a:rPr lang="en-US" sz="2800" b="0" i="1" dirty="0" smtClean="0">
                                   <a:latin typeface="Cambria Math" panose="02040503050406030204" pitchFamily="18" charset="0"/>
                                 </a:rPr>
-                                <m:t>,</m:t>
+                                <m:t>∼</m:t>
                               </m:r>
                               <m:sSub>
                                 <m:sSubPr>
@@ -9585,7 +11804,7 @@
                                     <a:rPr lang="en-US" sz="2800" b="0" i="1" smtClean="0">
                                       <a:latin typeface="Cambria Math" panose="02040503050406030204" pitchFamily="18" charset="0"/>
                                     </a:rPr>
-                                    <m:t>1</m:t>
+                                    <m:t>𝑝</m:t>
                                   </m:r>
                                 </m:sub>
                               </m:sSub>
@@ -9836,6 +12055,86 @@
                                                 </a:rPr>
                                                 <m:t>𝑖</m:t>
                                               </m:r>
+                                              <m:r>
+                                                <a:rPr lang="en-US" sz="2800" b="0" i="1" dirty="0" smtClean="0">
+                                                  <a:latin typeface="Cambria Math" panose="02040503050406030204" pitchFamily="18" charset="0"/>
+                                                </a:rPr>
+                                                <m:t>1</m:t>
+                                              </m:r>
+                                            </m:sub>
+                                          </m:sSub>
+                                          <m:r>
+                                            <a:rPr lang="en-US" sz="2800" b="0" i="1" dirty="0" smtClean="0">
+                                              <a:latin typeface="Cambria Math" panose="02040503050406030204" pitchFamily="18" charset="0"/>
+                                            </a:rPr>
+                                            <m:t>−…−</m:t>
+                                          </m:r>
+                                          <m:sSub>
+                                            <m:sSubPr>
+                                              <m:ctrlPr>
+                                                <a:rPr lang="en-US" sz="2800" i="1" dirty="0">
+                                                  <a:latin typeface="Cambria Math" panose="02040503050406030204" pitchFamily="18" charset="0"/>
+                                                </a:rPr>
+                                              </m:ctrlPr>
+                                            </m:sSubPr>
+                                            <m:e>
+                                              <m:acc>
+                                                <m:accPr>
+                                                  <m:chr m:val="̂"/>
+                                                  <m:ctrlPr>
+                                                    <a:rPr lang="en-US" sz="2800" i="1">
+                                                      <a:latin typeface="Cambria Math" panose="02040503050406030204" pitchFamily="18" charset="0"/>
+                                                    </a:rPr>
+                                                  </m:ctrlPr>
+                                                </m:accPr>
+                                                <m:e>
+                                                  <m:r>
+                                                    <a:rPr lang="en-US" sz="2800" i="1">
+                                                      <a:latin typeface="Cambria Math" panose="02040503050406030204" pitchFamily="18" charset="0"/>
+                                                    </a:rPr>
+                                                    <m:t>𝛽</m:t>
+                                                  </m:r>
+                                                </m:e>
+                                              </m:acc>
+                                            </m:e>
+                                            <m:sub>
+                                              <m:r>
+                                                <a:rPr lang="en-US" sz="2800" b="0" i="1" smtClean="0">
+                                                  <a:latin typeface="Cambria Math" panose="02040503050406030204" pitchFamily="18" charset="0"/>
+                                                </a:rPr>
+                                                <m:t>𝑝</m:t>
+                                              </m:r>
+                                            </m:sub>
+                                          </m:sSub>
+                                          <m:sSub>
+                                            <m:sSubPr>
+                                              <m:ctrlPr>
+                                                <a:rPr lang="en-US" sz="2800" i="1" dirty="0">
+                                                  <a:latin typeface="Cambria Math" panose="02040503050406030204" pitchFamily="18" charset="0"/>
+                                                </a:rPr>
+                                              </m:ctrlPr>
+                                            </m:sSubPr>
+                                            <m:e>
+                                              <m:r>
+                                                <a:rPr lang="en-US" sz="2800" i="1" dirty="0">
+                                                  <a:latin typeface="Cambria Math" panose="02040503050406030204" pitchFamily="18" charset="0"/>
+                                                </a:rPr>
+                                                <m:t>𝑥</m:t>
+                                              </m:r>
+                                            </m:e>
+                                            <m:sub>
+                                              <m:r>
+                                                <a:rPr lang="en-US" sz="2800" i="1" dirty="0">
+                                                  <a:latin typeface="Cambria Math" panose="02040503050406030204" pitchFamily="18" charset="0"/>
+                                                </a:rPr>
+                                                <m:t>𝑖</m:t>
+                                              </m:r>
+                                              <m:r>
+                                                <a:rPr lang="en-US" sz="2800" b="0" i="1" dirty="0" smtClean="0">
+                                                  <a:latin typeface="Cambria Math" panose="02040503050406030204" pitchFamily="18" charset="0"/>
+                                                </a:rPr>
+                                                <m:t>𝑝</m:t>
+                                              </m:r>
                                             </m:sub>
                                           </m:sSub>
                                         </m:e>
@@ -9887,7 +12186,7 @@
             </p:nvSpPr>
             <p:spPr>
               <a:xfrm>
-                <a:off x="584243" y="3856848"/>
+                <a:off x="838200" y="3230168"/>
                 <a:ext cx="9951720" cy="1137876"/>
               </a:xfrm>
               <a:prstGeom prst="rect">
@@ -9896,7 +12195,113 @@
               <a:blipFill>
                 <a:blip r:embed="rId4"/>
                 <a:stretch>
-                  <a:fillRect t="-128571" b="-180220"/>
+                  <a:fillRect t="-129670" b="-180220"/>
+                </a:stretch>
+              </a:blipFill>
+            </p:spPr>
+            <p:txBody>
+              <a:bodyPr/>
+              <a:lstStyle/>
+              <a:p>
+                <a:r>
+                  <a:rPr lang="en-US">
+                    <a:noFill/>
+                  </a:rPr>
+                  <a:t> </a:t>
+                </a:r>
+              </a:p>
+            </p:txBody>
+          </p:sp>
+        </mc:Fallback>
+      </mc:AlternateContent>
+      <mc:AlternateContent xmlns:mc="http://schemas.openxmlformats.org/markup-compatibility/2006">
+        <mc:Choice xmlns:a14="http://schemas.microsoft.com/office/drawing/2010/main" Requires="a14">
+          <p:sp>
+            <p:nvSpPr>
+              <p:cNvPr id="13" name="TextBox 12">
+                <a:extLst>
+                  <a:ext uri="{FF2B5EF4-FFF2-40B4-BE49-F238E27FC236}">
+                    <a16:creationId xmlns:a16="http://schemas.microsoft.com/office/drawing/2014/main" id="{52082A66-D69A-77B1-0BAF-2D84A5D291B2}"/>
+                  </a:ext>
+                </a:extLst>
+              </p:cNvPr>
+              <p:cNvSpPr txBox="1"/>
+              <p:nvPr/>
+            </p:nvSpPr>
+            <p:spPr>
+              <a:xfrm>
+                <a:off x="1317885" y="5141337"/>
+                <a:ext cx="10515600" cy="546368"/>
+              </a:xfrm>
+              <a:prstGeom prst="rect">
+                <a:avLst/>
+              </a:prstGeom>
+              <a:noFill/>
+            </p:spPr>
+            <p:txBody>
+              <a:bodyPr wrap="square">
+                <a:spAutoFit/>
+              </a:bodyPr>
+              <a:lstStyle/>
+              <a:p>
+                <a:r>
+                  <a:rPr lang="en-US" sz="2800" b="0" dirty="0"/>
+                  <a:t>Take the derivative and set it as 0 to estimate </a:t>
+                </a:r>
+                <a14:m>
+                  <m:oMath xmlns:m="http://schemas.openxmlformats.org/officeDocument/2006/math">
+                    <m:acc>
+                      <m:accPr>
+                        <m:chr m:val="̂"/>
+                        <m:ctrlPr>
+                          <a:rPr lang="en-US" sz="2800" b="0" i="1" smtClean="0">
+                            <a:latin typeface="Cambria Math" panose="02040503050406030204" pitchFamily="18" charset="0"/>
+                          </a:rPr>
+                        </m:ctrlPr>
+                      </m:accPr>
+                      <m:e>
+                        <m:r>
+                          <a:rPr lang="en-US" sz="2800" b="0" i="1" smtClean="0">
+                            <a:latin typeface="Cambria Math" panose="02040503050406030204" pitchFamily="18" charset="0"/>
+                          </a:rPr>
+                          <m:t>𝛽</m:t>
+                        </m:r>
+                      </m:e>
+                    </m:acc>
+                  </m:oMath>
+                </a14:m>
+                <a:endParaRPr lang="en-US" sz="2800" dirty="0"/>
+              </a:p>
+            </p:txBody>
+          </p:sp>
+        </mc:Choice>
+        <mc:Fallback>
+          <p:sp>
+            <p:nvSpPr>
+              <p:cNvPr id="13" name="TextBox 12">
+                <a:extLst>
+                  <a:ext uri="{FF2B5EF4-FFF2-40B4-BE49-F238E27FC236}">
+                    <a16:creationId xmlns:a16="http://schemas.microsoft.com/office/drawing/2014/main" id="{52082A66-D69A-77B1-0BAF-2D84A5D291B2}"/>
+                  </a:ext>
+                </a:extLst>
+              </p:cNvPr>
+              <p:cNvSpPr txBox="1">
+                <a:spLocks noRot="1" noChangeAspect="1" noMove="1" noResize="1" noEditPoints="1" noAdjustHandles="1" noChangeArrowheads="1" noChangeShapeType="1" noTextEdit="1"/>
+              </p:cNvSpPr>
+              <p:nvPr/>
+            </p:nvSpPr>
+            <p:spPr>
+              <a:xfrm>
+                <a:off x="1317885" y="5141337"/>
+                <a:ext cx="10515600" cy="546368"/>
+              </a:xfrm>
+              <a:prstGeom prst="rect">
+                <a:avLst/>
+              </a:prstGeom>
+              <a:blipFill>
+                <a:blip r:embed="rId5"/>
+                <a:stretch>
+                  <a:fillRect l="-1206" t="-9091" b="-29545"/>
                 </a:stretch>
               </a:blipFill>
             </p:spPr>
@@ -9947,10 +12352,324 @@
       </p:grpSpPr>
       <p:sp>
         <p:nvSpPr>
-          <p:cNvPr id="10" name="TextBox 9">
+          <p:cNvPr id="2" name="Title 1"/>
+          <p:cNvSpPr>
+            <a:spLocks noGrp="1"/>
+          </p:cNvSpPr>
+          <p:nvPr>
+            <p:ph type="title"/>
+          </p:nvPr>
+        </p:nvSpPr>
+        <p:spPr>
+          <a:xfrm>
+            <a:off x="838200" y="365126"/>
+            <a:ext cx="10515600" cy="981894"/>
+          </a:xfrm>
+        </p:spPr>
+        <p:txBody>
+          <a:bodyPr>
+            <a:normAutofit/>
+          </a:bodyPr>
+          <a:lstStyle/>
+          <a:p>
+            <a:r>
+              <a:rPr lang="en-US" dirty="0"/>
+              <a:t>Visualization</a:t>
+            </a:r>
+          </a:p>
+        </p:txBody>
+      </p:sp>
+      <p:pic>
+        <p:nvPicPr>
+          <p:cNvPr id="3" name="Picture 2">
             <a:extLst>
               <a:ext uri="{FF2B5EF4-FFF2-40B4-BE49-F238E27FC236}">
-                <a16:creationId xmlns:a16="http://schemas.microsoft.com/office/drawing/2014/main" id="{514E73AD-7A38-9D42-8C4C-ADC0FDE0FBC3}"/>
+                <a16:creationId xmlns:a16="http://schemas.microsoft.com/office/drawing/2014/main" id="{9888D205-C63D-87B5-031A-0B80551E9E86}"/>
+              </a:ext>
+            </a:extLst>
+          </p:cNvPr>
+          <p:cNvPicPr>
+            <a:picLocks noChangeAspect="1"/>
+          </p:cNvPicPr>
+          <p:nvPr/>
+        </p:nvPicPr>
+        <p:blipFill rotWithShape="1">
+          <a:blip r:embed="rId3"/>
+          <a:srcRect t="4524"/>
+          <a:stretch/>
+        </p:blipFill>
+        <p:spPr>
+          <a:xfrm>
+            <a:off x="6428517" y="1677284"/>
+            <a:ext cx="5060299" cy="4706911"/>
+          </a:xfrm>
+          <a:prstGeom prst="rect">
+            <a:avLst/>
+          </a:prstGeom>
+        </p:spPr>
+      </p:pic>
+      <p:pic>
+        <p:nvPicPr>
+          <p:cNvPr id="4" name="Picture 3">
+            <a:extLst>
+              <a:ext uri="{FF2B5EF4-FFF2-40B4-BE49-F238E27FC236}">
+                <a16:creationId xmlns:a16="http://schemas.microsoft.com/office/drawing/2014/main" id="{C1F52330-BCE7-9207-47AE-2105FF08E0CB}"/>
+              </a:ext>
+            </a:extLst>
+          </p:cNvPr>
+          <p:cNvPicPr>
+            <a:picLocks noChangeAspect="1"/>
+          </p:cNvPicPr>
+          <p:nvPr/>
+        </p:nvPicPr>
+        <p:blipFill>
+          <a:blip r:embed="rId4"/>
+          <a:stretch>
+            <a:fillRect/>
+          </a:stretch>
+        </p:blipFill>
+        <p:spPr>
+          <a:xfrm>
+            <a:off x="703184" y="2008682"/>
+            <a:ext cx="5886932" cy="3726868"/>
+          </a:xfrm>
+          <a:prstGeom prst="rect">
+            <a:avLst/>
+          </a:prstGeom>
+        </p:spPr>
+      </p:pic>
+    </p:spTree>
+    <p:extLst>
+      <p:ext uri="{BB962C8B-B14F-4D97-AF65-F5344CB8AC3E}">
+        <p14:creationId xmlns:p14="http://schemas.microsoft.com/office/powerpoint/2010/main" val="342024853"/>
+      </p:ext>
+    </p:extLst>
+  </p:cSld>
+  <p:clrMapOvr>
+    <a:masterClrMapping/>
+  </p:clrMapOvr>
+</p:sld>
+</file>
+
+<file path=ppt/slides/slide9.xml><?xml version="1.0" encoding="utf-8"?>
+<p:sld xmlns:a="http://schemas.openxmlformats.org/drawingml/2006/main" xmlns:r="http://schemas.openxmlformats.org/officeDocument/2006/relationships" xmlns:p="http://schemas.openxmlformats.org/presentationml/2006/main">
+  <p:cSld>
+    <p:spTree>
+      <p:nvGrpSpPr>
+        <p:cNvPr id="1" name=""/>
+        <p:cNvGrpSpPr/>
+        <p:nvPr/>
+      </p:nvGrpSpPr>
+      <p:grpSpPr>
+        <a:xfrm>
+          <a:off x="0" y="0"/>
+          <a:ext cx="0" cy="0"/>
+          <a:chOff x="0" y="0"/>
+          <a:chExt cx="0" cy="0"/>
+        </a:xfrm>
+      </p:grpSpPr>
+      <p:sp>
+        <p:nvSpPr>
+          <p:cNvPr id="2" name="Title 1"/>
+          <p:cNvSpPr>
+            <a:spLocks noGrp="1"/>
+          </p:cNvSpPr>
+          <p:nvPr>
+            <p:ph type="title"/>
+          </p:nvPr>
+        </p:nvSpPr>
+        <p:spPr>
+          <a:xfrm>
+            <a:off x="838200" y="365126"/>
+            <a:ext cx="10515600" cy="981894"/>
+          </a:xfrm>
+        </p:spPr>
+        <p:txBody>
+          <a:bodyPr>
+            <a:normAutofit/>
+          </a:bodyPr>
+          <a:lstStyle/>
+          <a:p>
+            <a:r>
+              <a:rPr lang="en-US" dirty="0"/>
+              <a:t>Hypothesis Testing</a:t>
+            </a:r>
+          </a:p>
+        </p:txBody>
+      </p:sp>
+      <mc:AlternateContent xmlns:mc="http://schemas.openxmlformats.org/markup-compatibility/2006">
+        <mc:Choice xmlns:a14="http://schemas.microsoft.com/office/drawing/2010/main" Requires="a14">
+          <p:sp>
+            <p:nvSpPr>
+              <p:cNvPr id="5" name="TextBox 4">
+                <a:extLst>
+                  <a:ext uri="{FF2B5EF4-FFF2-40B4-BE49-F238E27FC236}">
+                    <a16:creationId xmlns:a16="http://schemas.microsoft.com/office/drawing/2014/main" id="{8C36044A-E246-009D-F0D1-B3D44DB9D678}"/>
+                  </a:ext>
+                </a:extLst>
+              </p:cNvPr>
+              <p:cNvSpPr txBox="1"/>
+              <p:nvPr/>
+            </p:nvSpPr>
+            <p:spPr>
+              <a:xfrm>
+                <a:off x="2293102" y="1792481"/>
+                <a:ext cx="5929393" cy="557910"/>
+              </a:xfrm>
+              <a:prstGeom prst="rect">
+                <a:avLst/>
+              </a:prstGeom>
+              <a:noFill/>
+            </p:spPr>
+            <p:txBody>
+              <a:bodyPr wrap="square">
+                <a:spAutoFit/>
+              </a:bodyPr>
+              <a:lstStyle/>
+              <a:p>
+                <a:pPr/>
+                <a14:m>
+                  <m:oMathPara xmlns:m="http://schemas.openxmlformats.org/officeDocument/2006/math">
+                    <m:oMathParaPr>
+                      <m:jc m:val="centerGroup"/>
+                    </m:oMathParaPr>
+                    <m:oMath xmlns:m="http://schemas.openxmlformats.org/officeDocument/2006/math">
+                      <m:sSub>
+                        <m:sSubPr>
+                          <m:ctrlPr>
+                            <a:rPr lang="en-US" sz="2800" b="0" i="1" smtClean="0">
+                              <a:effectLst/>
+                              <a:latin typeface="Cambria Math" panose="02040503050406030204" pitchFamily="18" charset="0"/>
+                            </a:rPr>
+                          </m:ctrlPr>
+                        </m:sSubPr>
+                        <m:e>
+                          <m:r>
+                            <a:rPr lang="en-US" sz="2800" b="0" i="1" smtClean="0">
+                              <a:effectLst/>
+                              <a:latin typeface="Cambria Math" panose="02040503050406030204" pitchFamily="18" charset="0"/>
+                            </a:rPr>
+                            <m:t>𝐻</m:t>
+                          </m:r>
+                        </m:e>
+                        <m:sub>
+                          <m:r>
+                            <a:rPr lang="en-US" sz="2800" b="0" i="1" smtClean="0">
+                              <a:effectLst/>
+                              <a:latin typeface="Cambria Math" panose="02040503050406030204" pitchFamily="18" charset="0"/>
+                            </a:rPr>
+                            <m:t>0</m:t>
+                          </m:r>
+                        </m:sub>
+                      </m:sSub>
+                      <m:r>
+                        <a:rPr lang="en-US" sz="2800" b="0" i="0" smtClean="0">
+                          <a:effectLst/>
+                          <a:latin typeface="Cambria Math" panose="02040503050406030204" pitchFamily="18" charset="0"/>
+                        </a:rPr>
+                        <m:t>:</m:t>
+                      </m:r>
+                      <m:sSub>
+                        <m:sSubPr>
+                          <m:ctrlPr>
+                            <a:rPr lang="en-US" sz="2800" b="0" i="1" smtClean="0">
+                              <a:effectLst/>
+                              <a:latin typeface="Cambria Math" panose="02040503050406030204" pitchFamily="18" charset="0"/>
+                            </a:rPr>
+                          </m:ctrlPr>
+                        </m:sSubPr>
+                        <m:e>
+                          <m:r>
+                            <a:rPr lang="en-US" sz="2800" b="0" i="1" smtClean="0">
+                              <a:effectLst/>
+                              <a:latin typeface="Cambria Math" panose="02040503050406030204" pitchFamily="18" charset="0"/>
+                            </a:rPr>
+                            <m:t>𝛽</m:t>
+                          </m:r>
+                        </m:e>
+                        <m:sub>
+                          <m:r>
+                            <a:rPr lang="en-US" sz="2800" b="0" i="1" smtClean="0">
+                              <a:effectLst/>
+                              <a:latin typeface="Cambria Math" panose="02040503050406030204" pitchFamily="18" charset="0"/>
+                            </a:rPr>
+                            <m:t>𝑗</m:t>
+                          </m:r>
+                        </m:sub>
+                      </m:sSub>
+                      <m:r>
+                        <a:rPr lang="en-US" sz="2800" b="0" i="1" smtClean="0">
+                          <a:effectLst/>
+                          <a:latin typeface="Cambria Math" panose="02040503050406030204" pitchFamily="18" charset="0"/>
+                        </a:rPr>
+                        <m:t>= </m:t>
+                      </m:r>
+                      <m:r>
+                        <a:rPr lang="en-US" sz="2800" b="0" i="1" smtClean="0">
+                          <a:effectLst/>
+                          <a:latin typeface="Cambria Math" panose="02040503050406030204" pitchFamily="18" charset="0"/>
+                        </a:rPr>
+                        <m:t>0</m:t>
+                      </m:r>
+                    </m:oMath>
+                  </m:oMathPara>
+                </a14:m>
+                <a:endParaRPr lang="en-US" sz="2800" dirty="0"/>
+              </a:p>
+            </p:txBody>
+          </p:sp>
+        </mc:Choice>
+        <mc:Fallback>
+          <p:sp>
+            <p:nvSpPr>
+              <p:cNvPr id="5" name="TextBox 4">
+                <a:extLst>
+                  <a:ext uri="{FF2B5EF4-FFF2-40B4-BE49-F238E27FC236}">
+                    <a16:creationId xmlns:a16="http://schemas.microsoft.com/office/drawing/2014/main" id="{8C36044A-E246-009D-F0D1-B3D44DB9D678}"/>
+                  </a:ext>
+                </a:extLst>
+              </p:cNvPr>
+              <p:cNvSpPr txBox="1">
+                <a:spLocks noRot="1" noChangeAspect="1" noMove="1" noResize="1" noEditPoints="1" noAdjustHandles="1" noChangeArrowheads="1" noChangeShapeType="1" noTextEdit="1"/>
+              </p:cNvSpPr>
+              <p:nvPr/>
+            </p:nvSpPr>
+            <p:spPr>
+              <a:xfrm>
+                <a:off x="2293102" y="1792481"/>
+                <a:ext cx="5929393" cy="557910"/>
+              </a:xfrm>
+              <a:prstGeom prst="rect">
+                <a:avLst/>
+              </a:prstGeom>
+              <a:blipFill>
+                <a:blip r:embed="rId3"/>
+                <a:stretch>
+                  <a:fillRect b="-13333"/>
+                </a:stretch>
+              </a:blipFill>
+            </p:spPr>
+            <p:txBody>
+              <a:bodyPr/>
+              <a:lstStyle/>
+              <a:p>
+                <a:r>
+                  <a:rPr lang="en-US">
+                    <a:noFill/>
+                  </a:rPr>
+                  <a:t> </a:t>
+                </a:r>
+              </a:p>
+            </p:txBody>
+          </p:sp>
+        </mc:Fallback>
+      </mc:AlternateContent>
+      <p:sp>
+        <p:nvSpPr>
+          <p:cNvPr id="7" name="TextBox 6">
+            <a:extLst>
+              <a:ext uri="{FF2B5EF4-FFF2-40B4-BE49-F238E27FC236}">
+                <a16:creationId xmlns:a16="http://schemas.microsoft.com/office/drawing/2014/main" id="{22B86FAA-DF5F-CCCC-3664-BE611A52C1CD}"/>
               </a:ext>
             </a:extLst>
           </p:cNvPr>
@@ -9959,8 +12678,8 @@
         </p:nvSpPr>
         <p:spPr>
           <a:xfrm>
-            <a:off x="4792980" y="2601575"/>
-            <a:ext cx="5951220" cy="1077218"/>
+            <a:off x="1276583" y="2979153"/>
+            <a:ext cx="4453655" cy="523220"/>
           </a:xfrm>
           <a:prstGeom prst="rect">
             <a:avLst/>
@@ -9973,17 +12692,619 @@
           </a:bodyPr>
           <a:lstStyle/>
           <a:p>
+            <a:pPr/>
             <a:r>
-              <a:rPr lang="en-US" sz="6400" dirty="0"/>
-              <a:t>Q &amp; A</a:t>
+              <a:rPr lang="en-US" sz="2800" dirty="0"/>
+              <a:t>We can use t-statistics</a:t>
             </a:r>
           </a:p>
         </p:txBody>
       </p:sp>
+      <mc:AlternateContent xmlns:mc="http://schemas.openxmlformats.org/markup-compatibility/2006">
+        <mc:Choice xmlns:a14="http://schemas.microsoft.com/office/drawing/2010/main" Requires="a14">
+          <p:sp>
+            <p:nvSpPr>
+              <p:cNvPr id="3" name="TextBox 2">
+                <a:extLst>
+                  <a:ext uri="{FF2B5EF4-FFF2-40B4-BE49-F238E27FC236}">
+                    <a16:creationId xmlns:a16="http://schemas.microsoft.com/office/drawing/2014/main" id="{BE86E46B-AF8B-F345-622D-2BD9ED57D11B}"/>
+                  </a:ext>
+                </a:extLst>
+              </p:cNvPr>
+              <p:cNvSpPr txBox="1"/>
+              <p:nvPr/>
+            </p:nvSpPr>
+            <p:spPr>
+              <a:xfrm>
+                <a:off x="4106792" y="2664772"/>
+                <a:ext cx="3978416" cy="1151982"/>
+              </a:xfrm>
+              <a:prstGeom prst="rect">
+                <a:avLst/>
+              </a:prstGeom>
+              <a:noFill/>
+            </p:spPr>
+            <p:txBody>
+              <a:bodyPr wrap="square">
+                <a:spAutoFit/>
+              </a:bodyPr>
+              <a:lstStyle/>
+              <a:p>
+                <a:pPr/>
+                <a14:m>
+                  <m:oMathPara xmlns:m="http://schemas.openxmlformats.org/officeDocument/2006/math">
+                    <m:oMathParaPr>
+                      <m:jc m:val="centerGroup"/>
+                    </m:oMathParaPr>
+                    <m:oMath xmlns:m="http://schemas.openxmlformats.org/officeDocument/2006/math">
+                      <m:r>
+                        <a:rPr lang="en-US" sz="2800" b="0" i="1" dirty="0" smtClean="0">
+                          <a:latin typeface="Cambria Math" panose="02040503050406030204" pitchFamily="18" charset="0"/>
+                        </a:rPr>
+                        <m:t>𝑡</m:t>
+                      </m:r>
+                      <m:r>
+                        <a:rPr lang="en-US" sz="2800" b="0" i="1" dirty="0" smtClean="0">
+                          <a:latin typeface="Cambria Math" panose="02040503050406030204" pitchFamily="18" charset="0"/>
+                        </a:rPr>
+                        <m:t>= </m:t>
+                      </m:r>
+                      <m:f>
+                        <m:fPr>
+                          <m:ctrlPr>
+                            <a:rPr lang="en-US" sz="2800" i="1" dirty="0">
+                              <a:latin typeface="Cambria Math" panose="02040503050406030204" pitchFamily="18" charset="0"/>
+                            </a:rPr>
+                          </m:ctrlPr>
+                        </m:fPr>
+                        <m:num>
+                          <m:sSub>
+                            <m:sSubPr>
+                              <m:ctrlPr>
+                                <a:rPr lang="en-US" sz="2800" i="1" dirty="0">
+                                  <a:latin typeface="Cambria Math" panose="02040503050406030204" pitchFamily="18" charset="0"/>
+                                </a:rPr>
+                              </m:ctrlPr>
+                            </m:sSubPr>
+                            <m:e>
+                              <m:acc>
+                                <m:accPr>
+                                  <m:chr m:val="̂"/>
+                                  <m:ctrlPr>
+                                    <a:rPr lang="en-US" sz="2800" i="1">
+                                      <a:latin typeface="Cambria Math" panose="02040503050406030204" pitchFamily="18" charset="0"/>
+                                    </a:rPr>
+                                  </m:ctrlPr>
+                                </m:accPr>
+                                <m:e>
+                                  <m:r>
+                                    <a:rPr lang="en-US" sz="2800" i="1">
+                                      <a:latin typeface="Cambria Math" panose="02040503050406030204" pitchFamily="18" charset="0"/>
+                                    </a:rPr>
+                                    <m:t>𝛽</m:t>
+                                  </m:r>
+                                </m:e>
+                              </m:acc>
+                            </m:e>
+                            <m:sub>
+                              <m:r>
+                                <a:rPr lang="en-US" sz="2800" b="0" i="1" smtClean="0">
+                                  <a:latin typeface="Cambria Math" panose="02040503050406030204" pitchFamily="18" charset="0"/>
+                                </a:rPr>
+                                <m:t>𝑗</m:t>
+                              </m:r>
+                            </m:sub>
+                          </m:sSub>
+                          <m:r>
+                            <a:rPr lang="en-US" sz="2800" b="0" i="1" smtClean="0">
+                              <a:latin typeface="Cambria Math" panose="02040503050406030204" pitchFamily="18" charset="0"/>
+                            </a:rPr>
+                            <m:t>−0</m:t>
+                          </m:r>
+                        </m:num>
+                        <m:den>
+                          <m:acc>
+                            <m:accPr>
+                              <m:chr m:val="̂"/>
+                              <m:ctrlPr>
+                                <a:rPr lang="en-US" sz="2800" i="1" dirty="0">
+                                  <a:latin typeface="Cambria Math" panose="02040503050406030204" pitchFamily="18" charset="0"/>
+                                </a:rPr>
+                              </m:ctrlPr>
+                            </m:accPr>
+                            <m:e>
+                              <m:r>
+                                <a:rPr lang="en-US" sz="2800" i="1" dirty="0">
+                                  <a:latin typeface="Cambria Math" panose="02040503050406030204" pitchFamily="18" charset="0"/>
+                                </a:rPr>
+                                <m:t>𝑆𝐸</m:t>
+                              </m:r>
+                            </m:e>
+                          </m:acc>
+                          <m:r>
+                            <a:rPr lang="en-US" sz="2800" b="0" i="1" dirty="0" smtClean="0">
+                              <a:latin typeface="Cambria Math" panose="02040503050406030204" pitchFamily="18" charset="0"/>
+                            </a:rPr>
+                            <m:t>(</m:t>
+                          </m:r>
+                          <m:sSub>
+                            <m:sSubPr>
+                              <m:ctrlPr>
+                                <a:rPr lang="en-US" sz="2800" i="1" dirty="0">
+                                  <a:latin typeface="Cambria Math" panose="02040503050406030204" pitchFamily="18" charset="0"/>
+                                </a:rPr>
+                              </m:ctrlPr>
+                            </m:sSubPr>
+                            <m:e>
+                              <m:acc>
+                                <m:accPr>
+                                  <m:chr m:val="̂"/>
+                                  <m:ctrlPr>
+                                    <a:rPr lang="en-US" sz="2800" i="1">
+                                      <a:latin typeface="Cambria Math" panose="02040503050406030204" pitchFamily="18" charset="0"/>
+                                    </a:rPr>
+                                  </m:ctrlPr>
+                                </m:accPr>
+                                <m:e>
+                                  <m:r>
+                                    <a:rPr lang="en-US" sz="2800" i="1">
+                                      <a:latin typeface="Cambria Math" panose="02040503050406030204" pitchFamily="18" charset="0"/>
+                                    </a:rPr>
+                                    <m:t>𝛽</m:t>
+                                  </m:r>
+                                </m:e>
+                              </m:acc>
+                            </m:e>
+                            <m:sub>
+                              <m:r>
+                                <a:rPr lang="en-US" sz="2800" b="0" i="1" smtClean="0">
+                                  <a:latin typeface="Cambria Math" panose="02040503050406030204" pitchFamily="18" charset="0"/>
+                                </a:rPr>
+                                <m:t>𝑗</m:t>
+                              </m:r>
+                            </m:sub>
+                          </m:sSub>
+                          <m:r>
+                            <a:rPr lang="en-US" sz="2800" b="0" i="1" smtClean="0">
+                              <a:latin typeface="Cambria Math" panose="02040503050406030204" pitchFamily="18" charset="0"/>
+                            </a:rPr>
+                            <m:t>)</m:t>
+                          </m:r>
+                        </m:den>
+                      </m:f>
+                    </m:oMath>
+                  </m:oMathPara>
+                </a14:m>
+                <a:endParaRPr lang="en-US" sz="2800" i="1" dirty="0"/>
+              </a:p>
+            </p:txBody>
+          </p:sp>
+        </mc:Choice>
+        <mc:Fallback>
+          <p:sp>
+            <p:nvSpPr>
+              <p:cNvPr id="3" name="TextBox 2">
+                <a:extLst>
+                  <a:ext uri="{FF2B5EF4-FFF2-40B4-BE49-F238E27FC236}">
+                    <a16:creationId xmlns:a16="http://schemas.microsoft.com/office/drawing/2014/main" id="{BE86E46B-AF8B-F345-622D-2BD9ED57D11B}"/>
+                  </a:ext>
+                </a:extLst>
+              </p:cNvPr>
+              <p:cNvSpPr txBox="1">
+                <a:spLocks noRot="1" noChangeAspect="1" noMove="1" noResize="1" noEditPoints="1" noAdjustHandles="1" noChangeArrowheads="1" noChangeShapeType="1" noTextEdit="1"/>
+              </p:cNvSpPr>
+              <p:nvPr/>
+            </p:nvSpPr>
+            <p:spPr>
+              <a:xfrm>
+                <a:off x="4106792" y="2664772"/>
+                <a:ext cx="3978416" cy="1151982"/>
+              </a:xfrm>
+              <a:prstGeom prst="rect">
+                <a:avLst/>
+              </a:prstGeom>
+              <a:blipFill>
+                <a:blip r:embed="rId4"/>
+                <a:stretch>
+                  <a:fillRect t="-3261" b="-6522"/>
+                </a:stretch>
+              </a:blipFill>
+            </p:spPr>
+            <p:txBody>
+              <a:bodyPr/>
+              <a:lstStyle/>
+              <a:p>
+                <a:r>
+                  <a:rPr lang="en-US">
+                    <a:noFill/>
+                  </a:rPr>
+                  <a:t> </a:t>
+                </a:r>
+              </a:p>
+            </p:txBody>
+          </p:sp>
+        </mc:Fallback>
+      </mc:AlternateContent>
+      <mc:AlternateContent xmlns:mc="http://schemas.openxmlformats.org/markup-compatibility/2006">
+        <mc:Choice xmlns:a14="http://schemas.microsoft.com/office/drawing/2010/main" Requires="a14">
+          <p:sp>
+            <p:nvSpPr>
+              <p:cNvPr id="4" name="TextBox 3">
+                <a:extLst>
+                  <a:ext uri="{FF2B5EF4-FFF2-40B4-BE49-F238E27FC236}">
+                    <a16:creationId xmlns:a16="http://schemas.microsoft.com/office/drawing/2014/main" id="{72B9D1DE-8B5A-8E93-A1F2-1CCB02830FE8}"/>
+                  </a:ext>
+                </a:extLst>
+              </p:cNvPr>
+              <p:cNvSpPr txBox="1"/>
+              <p:nvPr/>
+            </p:nvSpPr>
+            <p:spPr>
+              <a:xfrm>
+                <a:off x="365758" y="4445516"/>
+                <a:ext cx="10728960" cy="603242"/>
+              </a:xfrm>
+              <a:prstGeom prst="rect">
+                <a:avLst/>
+              </a:prstGeom>
+              <a:noFill/>
+            </p:spPr>
+            <p:txBody>
+              <a:bodyPr wrap="square">
+                <a:spAutoFit/>
+              </a:bodyPr>
+              <a:lstStyle/>
+              <a:p>
+                <a:pPr/>
+                <a14:m>
+                  <m:oMathPara xmlns:m="http://schemas.openxmlformats.org/officeDocument/2006/math">
+                    <m:oMathParaPr>
+                      <m:jc m:val="centerGroup"/>
+                    </m:oMathParaPr>
+                    <m:oMath xmlns:m="http://schemas.openxmlformats.org/officeDocument/2006/math">
+                      <m:acc>
+                        <m:accPr>
+                          <m:chr m:val="̂"/>
+                          <m:ctrlPr>
+                            <a:rPr lang="en-US" sz="2800" b="1" i="1" smtClean="0">
+                              <a:effectLst/>
+                              <a:latin typeface="Cambria Math" panose="02040503050406030204" pitchFamily="18" charset="0"/>
+                            </a:rPr>
+                          </m:ctrlPr>
+                        </m:accPr>
+                        <m:e>
+                          <m:r>
+                            <a:rPr lang="en-US" sz="2800" b="1" i="1" smtClean="0">
+                              <a:effectLst/>
+                              <a:latin typeface="Cambria Math" panose="02040503050406030204" pitchFamily="18" charset="0"/>
+                            </a:rPr>
+                            <m:t>𝜷</m:t>
+                          </m:r>
+                        </m:e>
+                      </m:acc>
+                      <m:r>
+                        <a:rPr lang="en-US" sz="2800" b="0" i="1" smtClean="0">
+                          <a:effectLst/>
+                          <a:latin typeface="Cambria Math" panose="02040503050406030204" pitchFamily="18" charset="0"/>
+                        </a:rPr>
+                        <m:t>=</m:t>
+                      </m:r>
+                      <m:d>
+                        <m:dPr>
+                          <m:begChr m:val="["/>
+                          <m:endChr m:val="]"/>
+                          <m:ctrlPr>
+                            <a:rPr lang="en-US" sz="2800" b="0" i="1" smtClean="0">
+                              <a:effectLst/>
+                              <a:latin typeface="Cambria Math" panose="02040503050406030204" pitchFamily="18" charset="0"/>
+                            </a:rPr>
+                          </m:ctrlPr>
+                        </m:dPr>
+                        <m:e>
+                          <m:sSub>
+                            <m:sSubPr>
+                              <m:ctrlPr>
+                                <a:rPr lang="en-US" sz="2800" i="1" dirty="0">
+                                  <a:latin typeface="Cambria Math" panose="02040503050406030204" pitchFamily="18" charset="0"/>
+                                </a:rPr>
+                              </m:ctrlPr>
+                            </m:sSubPr>
+                            <m:e>
+                              <m:acc>
+                                <m:accPr>
+                                  <m:chr m:val="̂"/>
+                                  <m:ctrlPr>
+                                    <a:rPr lang="en-US" sz="2800" i="1">
+                                      <a:latin typeface="Cambria Math" panose="02040503050406030204" pitchFamily="18" charset="0"/>
+                                    </a:rPr>
+                                  </m:ctrlPr>
+                                </m:accPr>
+                                <m:e>
+                                  <m:r>
+                                    <a:rPr lang="en-US" sz="2800" i="1">
+                                      <a:latin typeface="Cambria Math" panose="02040503050406030204" pitchFamily="18" charset="0"/>
+                                    </a:rPr>
+                                    <m:t>𝛽</m:t>
+                                  </m:r>
+                                </m:e>
+                              </m:acc>
+                            </m:e>
+                            <m:sub>
+                              <m:r>
+                                <a:rPr lang="en-US" sz="2800" b="0" i="1" smtClean="0">
+                                  <a:latin typeface="Cambria Math" panose="02040503050406030204" pitchFamily="18" charset="0"/>
+                                </a:rPr>
+                                <m:t>0</m:t>
+                              </m:r>
+                            </m:sub>
+                          </m:sSub>
+                          <m:r>
+                            <a:rPr lang="en-US" sz="2800" b="0" i="1" smtClean="0">
+                              <a:latin typeface="Cambria Math" panose="02040503050406030204" pitchFamily="18" charset="0"/>
+                            </a:rPr>
+                            <m:t>,</m:t>
+                          </m:r>
+                          <m:sSub>
+                            <m:sSubPr>
+                              <m:ctrlPr>
+                                <a:rPr lang="en-US" sz="2800" i="1" dirty="0">
+                                  <a:latin typeface="Cambria Math" panose="02040503050406030204" pitchFamily="18" charset="0"/>
+                                </a:rPr>
+                              </m:ctrlPr>
+                            </m:sSubPr>
+                            <m:e>
+                              <m:acc>
+                                <m:accPr>
+                                  <m:chr m:val="̂"/>
+                                  <m:ctrlPr>
+                                    <a:rPr lang="en-US" sz="2800" i="1">
+                                      <a:latin typeface="Cambria Math" panose="02040503050406030204" pitchFamily="18" charset="0"/>
+                                    </a:rPr>
+                                  </m:ctrlPr>
+                                </m:accPr>
+                                <m:e>
+                                  <m:r>
+                                    <a:rPr lang="en-US" sz="2800" i="1">
+                                      <a:latin typeface="Cambria Math" panose="02040503050406030204" pitchFamily="18" charset="0"/>
+                                    </a:rPr>
+                                    <m:t>𝛽</m:t>
+                                  </m:r>
+                                </m:e>
+                              </m:acc>
+                            </m:e>
+                            <m:sub>
+                              <m:r>
+                                <a:rPr lang="en-US" sz="2800" b="0" i="1" smtClean="0">
+                                  <a:latin typeface="Cambria Math" panose="02040503050406030204" pitchFamily="18" charset="0"/>
+                                </a:rPr>
+                                <m:t>1</m:t>
+                              </m:r>
+                            </m:sub>
+                          </m:sSub>
+                          <m:r>
+                            <a:rPr lang="en-US" sz="2800" b="0" i="1" smtClean="0">
+                              <a:latin typeface="Cambria Math" panose="02040503050406030204" pitchFamily="18" charset="0"/>
+                            </a:rPr>
+                            <m:t>,…,</m:t>
+                          </m:r>
+                          <m:sSub>
+                            <m:sSubPr>
+                              <m:ctrlPr>
+                                <a:rPr lang="en-US" sz="2800" i="1" dirty="0">
+                                  <a:latin typeface="Cambria Math" panose="02040503050406030204" pitchFamily="18" charset="0"/>
+                                </a:rPr>
+                              </m:ctrlPr>
+                            </m:sSubPr>
+                            <m:e>
+                              <m:acc>
+                                <m:accPr>
+                                  <m:chr m:val="̂"/>
+                                  <m:ctrlPr>
+                                    <a:rPr lang="en-US" sz="2800" i="1">
+                                      <a:latin typeface="Cambria Math" panose="02040503050406030204" pitchFamily="18" charset="0"/>
+                                    </a:rPr>
+                                  </m:ctrlPr>
+                                </m:accPr>
+                                <m:e>
+                                  <m:r>
+                                    <a:rPr lang="en-US" sz="2800" i="1">
+                                      <a:latin typeface="Cambria Math" panose="02040503050406030204" pitchFamily="18" charset="0"/>
+                                    </a:rPr>
+                                    <m:t>𝛽</m:t>
+                                  </m:r>
+                                </m:e>
+                              </m:acc>
+                            </m:e>
+                            <m:sub>
+                              <m:r>
+                                <a:rPr lang="en-US" sz="2800" b="0" i="1" smtClean="0">
+                                  <a:latin typeface="Cambria Math" panose="02040503050406030204" pitchFamily="18" charset="0"/>
+                                </a:rPr>
+                                <m:t>𝑝</m:t>
+                              </m:r>
+                            </m:sub>
+                          </m:sSub>
+                        </m:e>
+                      </m:d>
+                      <m:r>
+                        <a:rPr lang="en-US" sz="2800" b="0" i="1" smtClean="0">
+                          <a:latin typeface="Cambria Math" panose="02040503050406030204" pitchFamily="18" charset="0"/>
+                        </a:rPr>
+                        <m:t>∼</m:t>
+                      </m:r>
+                      <m:r>
+                        <a:rPr lang="en-US" sz="2800" b="0" i="1" smtClean="0">
+                          <a:latin typeface="Cambria Math" panose="02040503050406030204" pitchFamily="18" charset="0"/>
+                        </a:rPr>
+                        <m:t>𝑁</m:t>
+                      </m:r>
+                      <m:sSup>
+                        <m:sSupPr>
+                          <m:ctrlPr>
+                            <a:rPr lang="en-US" sz="2800" b="1" i="0" smtClean="0">
+                              <a:latin typeface="Cambria Math" panose="02040503050406030204" pitchFamily="18" charset="0"/>
+                            </a:rPr>
+                          </m:ctrlPr>
+                        </m:sSupPr>
+                        <m:e>
+                          <m:d>
+                            <m:dPr>
+                              <m:ctrlPr>
+                                <a:rPr lang="en-US" sz="2800" b="0" i="1" smtClean="0">
+                                  <a:latin typeface="Cambria Math" panose="02040503050406030204" pitchFamily="18" charset="0"/>
+                                </a:rPr>
+                              </m:ctrlPr>
+                            </m:dPr>
+                            <m:e>
+                              <m:r>
+                                <a:rPr lang="en-US" sz="2800" b="1" i="1" smtClean="0">
+                                  <a:latin typeface="Cambria Math" panose="02040503050406030204" pitchFamily="18" charset="0"/>
+                                </a:rPr>
+                                <m:t>𝜷</m:t>
+                              </m:r>
+                              <m:r>
+                                <a:rPr lang="en-US" sz="2800" b="1" i="0" smtClean="0">
+                                  <a:latin typeface="Cambria Math" panose="02040503050406030204" pitchFamily="18" charset="0"/>
+                                </a:rPr>
+                                <m:t>, </m:t>
+                              </m:r>
+                              <m:sSup>
+                                <m:sSupPr>
+                                  <m:ctrlPr>
+                                    <a:rPr lang="en-US" sz="2800" b="1" i="0" smtClean="0">
+                                      <a:latin typeface="Cambria Math" panose="02040503050406030204" pitchFamily="18" charset="0"/>
+                                    </a:rPr>
+                                  </m:ctrlPr>
+                                </m:sSupPr>
+                                <m:e>
+                                  <m:sSup>
+                                    <m:sSupPr>
+                                      <m:ctrlPr>
+                                        <a:rPr lang="en-US" sz="2800" i="1" smtClean="0">
+                                          <a:latin typeface="Cambria Math" panose="02040503050406030204" pitchFamily="18" charset="0"/>
+                                        </a:rPr>
+                                      </m:ctrlPr>
+                                    </m:sSupPr>
+                                    <m:e>
+                                      <m:r>
+                                        <a:rPr lang="en-US" sz="2800" b="0" i="1" smtClean="0">
+                                          <a:latin typeface="Cambria Math" panose="02040503050406030204" pitchFamily="18" charset="0"/>
+                                        </a:rPr>
+                                        <m:t>𝜎</m:t>
+                                      </m:r>
+                                    </m:e>
+                                    <m:sup>
+                                      <m:r>
+                                        <a:rPr lang="en-US" sz="2800" b="0" i="1" smtClean="0">
+                                          <a:latin typeface="Cambria Math" panose="02040503050406030204" pitchFamily="18" charset="0"/>
+                                        </a:rPr>
+                                        <m:t>2</m:t>
+                                      </m:r>
+                                    </m:sup>
+                                  </m:sSup>
+                                  <m:r>
+                                    <a:rPr lang="en-US" sz="2800" b="1" i="0" smtClean="0">
+                                      <a:latin typeface="Cambria Math" panose="02040503050406030204" pitchFamily="18" charset="0"/>
+                                    </a:rPr>
+                                    <m:t>(</m:t>
+                                  </m:r>
+                                  <m:r>
+                                    <a:rPr lang="en-US" sz="2800" b="1" i="0" smtClean="0">
+                                      <a:latin typeface="Cambria Math" panose="02040503050406030204" pitchFamily="18" charset="0"/>
+                                    </a:rPr>
+                                    <m:t>𝐗</m:t>
+                                  </m:r>
+                                </m:e>
+                                <m:sup>
+                                  <m:r>
+                                    <a:rPr lang="en-US" sz="2800" b="1" i="0" smtClean="0">
+                                      <a:latin typeface="Cambria Math" panose="02040503050406030204" pitchFamily="18" charset="0"/>
+                                    </a:rPr>
+                                    <m:t>𝐭</m:t>
+                                  </m:r>
+                                </m:sup>
+                              </m:sSup>
+                              <m:r>
+                                <a:rPr lang="en-US" sz="2800" b="1" i="0" smtClean="0">
+                                  <a:latin typeface="Cambria Math" panose="02040503050406030204" pitchFamily="18" charset="0"/>
+                                </a:rPr>
+                                <m:t>𝐗</m:t>
+                              </m:r>
+                            </m:e>
+                          </m:d>
+                        </m:e>
+                        <m:sup>
+                          <m:r>
+                            <a:rPr lang="en-US" sz="2800" b="0" i="0" smtClean="0">
+                              <a:latin typeface="Cambria Math" panose="02040503050406030204" pitchFamily="18" charset="0"/>
+                            </a:rPr>
+                            <m:t>−1</m:t>
+                          </m:r>
+                        </m:sup>
+                      </m:sSup>
+                      <m:r>
+                        <a:rPr lang="en-US" sz="2800" b="1" i="0" smtClean="0">
+                          <a:latin typeface="Cambria Math" panose="02040503050406030204" pitchFamily="18" charset="0"/>
+                        </a:rPr>
+                        <m:t>)</m:t>
+                      </m:r>
+                    </m:oMath>
+                  </m:oMathPara>
+                </a14:m>
+                <a:endParaRPr lang="en-US" sz="2800" b="1" dirty="0"/>
+              </a:p>
+            </p:txBody>
+          </p:sp>
+        </mc:Choice>
+        <mc:Fallback>
+          <p:sp>
+            <p:nvSpPr>
+              <p:cNvPr id="4" name="TextBox 3">
+                <a:extLst>
+                  <a:ext uri="{FF2B5EF4-FFF2-40B4-BE49-F238E27FC236}">
+                    <a16:creationId xmlns:a16="http://schemas.microsoft.com/office/drawing/2014/main" id="{72B9D1DE-8B5A-8E93-A1F2-1CCB02830FE8}"/>
+                  </a:ext>
+                </a:extLst>
+              </p:cNvPr>
+              <p:cNvSpPr txBox="1">
+                <a:spLocks noRot="1" noChangeAspect="1" noMove="1" noResize="1" noEditPoints="1" noAdjustHandles="1" noChangeArrowheads="1" noChangeShapeType="1" noTextEdit="1"/>
+              </p:cNvSpPr>
+              <p:nvPr/>
+            </p:nvSpPr>
+            <p:spPr>
+              <a:xfrm>
+                <a:off x="365758" y="4445516"/>
+                <a:ext cx="10728960" cy="603242"/>
+              </a:xfrm>
+              <a:prstGeom prst="rect">
+                <a:avLst/>
+              </a:prstGeom>
+              <a:blipFill>
+                <a:blip r:embed="rId5"/>
+                <a:stretch>
+                  <a:fillRect t="-4082" b="-8163"/>
+                </a:stretch>
+              </a:blipFill>
+            </p:spPr>
+            <p:txBody>
+              <a:bodyPr/>
+              <a:lstStyle/>
+              <a:p>
+                <a:r>
+                  <a:rPr lang="en-US">
+                    <a:noFill/>
+                  </a:rPr>
+                  <a:t> </a:t>
+                </a:r>
+              </a:p>
+            </p:txBody>
+          </p:sp>
+        </mc:Fallback>
+      </mc:AlternateContent>
     </p:spTree>
     <p:extLst>
       <p:ext uri="{BB962C8B-B14F-4D97-AF65-F5344CB8AC3E}">
-        <p14:creationId xmlns:p14="http://schemas.microsoft.com/office/powerpoint/2010/main" val="1613744569"/>
+        <p14:creationId xmlns:p14="http://schemas.microsoft.com/office/powerpoint/2010/main" val="670095023"/>
       </p:ext>
     </p:extLst>
   </p:cSld>

--- a/_umkc-teaching/slides/Lecture4.pptx
+++ b/_umkc-teaching/slides/Lecture4.pptx
@@ -5,7 +5,7 @@
     <p:sldMasterId id="2147483648" r:id="rId1"/>
   </p:sldMasterIdLst>
   <p:notesMasterIdLst>
-    <p:notesMasterId r:id="rId18"/>
+    <p:notesMasterId r:id="rId21"/>
   </p:notesMasterIdLst>
   <p:sldIdLst>
     <p:sldId id="257" r:id="rId2"/>
@@ -17,13 +17,16 @@
     <p:sldId id="325" r:id="rId8"/>
     <p:sldId id="326" r:id="rId9"/>
     <p:sldId id="332" r:id="rId10"/>
-    <p:sldId id="327" r:id="rId11"/>
-    <p:sldId id="328" r:id="rId12"/>
-    <p:sldId id="329" r:id="rId13"/>
-    <p:sldId id="330" r:id="rId14"/>
-    <p:sldId id="331" r:id="rId15"/>
-    <p:sldId id="333" r:id="rId16"/>
-    <p:sldId id="293" r:id="rId17"/>
+    <p:sldId id="334" r:id="rId11"/>
+    <p:sldId id="327" r:id="rId12"/>
+    <p:sldId id="328" r:id="rId13"/>
+    <p:sldId id="329" r:id="rId14"/>
+    <p:sldId id="330" r:id="rId15"/>
+    <p:sldId id="331" r:id="rId16"/>
+    <p:sldId id="333" r:id="rId17"/>
+    <p:sldId id="335" r:id="rId18"/>
+    <p:sldId id="336" r:id="rId19"/>
+    <p:sldId id="293" r:id="rId20"/>
   </p:sldIdLst>
   <p:sldSz cx="12192000" cy="6858000"/>
   <p:notesSz cx="6858000" cy="9144000"/>
@@ -212,7 +215,7 @@
           <a:p>
             <a:fld id="{7AF9442D-9D7C-40D7-A5A3-649EA8C158D2}" type="datetimeFigureOut">
               <a:rPr lang="en-US" smtClean="0"/>
-              <a:t>9/2/23</a:t>
+              <a:t>9/4/23</a:t>
             </a:fld>
             <a:endParaRPr lang="en-US"/>
           </a:p>
@@ -637,7 +640,7 @@
     </p:spTree>
     <p:extLst>
       <p:ext uri="{BB962C8B-B14F-4D97-AF65-F5344CB8AC3E}">
-        <p14:creationId xmlns:p14="http://schemas.microsoft.com/office/powerpoint/2010/main" val="157357529"/>
+        <p14:creationId xmlns:p14="http://schemas.microsoft.com/office/powerpoint/2010/main" val="1173905294"/>
       </p:ext>
     </p:extLst>
   </p:cSld>
@@ -721,7 +724,7 @@
     </p:spTree>
     <p:extLst>
       <p:ext uri="{BB962C8B-B14F-4D97-AF65-F5344CB8AC3E}">
-        <p14:creationId xmlns:p14="http://schemas.microsoft.com/office/powerpoint/2010/main" val="276755258"/>
+        <p14:creationId xmlns:p14="http://schemas.microsoft.com/office/powerpoint/2010/main" val="157357529"/>
       </p:ext>
     </p:extLst>
   </p:cSld>
@@ -805,7 +808,7 @@
     </p:spTree>
     <p:extLst>
       <p:ext uri="{BB962C8B-B14F-4D97-AF65-F5344CB8AC3E}">
-        <p14:creationId xmlns:p14="http://schemas.microsoft.com/office/powerpoint/2010/main" val="3103532339"/>
+        <p14:creationId xmlns:p14="http://schemas.microsoft.com/office/powerpoint/2010/main" val="276755258"/>
       </p:ext>
     </p:extLst>
   </p:cSld>
@@ -889,7 +892,7 @@
     </p:spTree>
     <p:extLst>
       <p:ext uri="{BB962C8B-B14F-4D97-AF65-F5344CB8AC3E}">
-        <p14:creationId xmlns:p14="http://schemas.microsoft.com/office/powerpoint/2010/main" val="78072973"/>
+        <p14:creationId xmlns:p14="http://schemas.microsoft.com/office/powerpoint/2010/main" val="3103532339"/>
       </p:ext>
     </p:extLst>
   </p:cSld>
@@ -973,7 +976,259 @@
     </p:spTree>
     <p:extLst>
       <p:ext uri="{BB962C8B-B14F-4D97-AF65-F5344CB8AC3E}">
+        <p14:creationId xmlns:p14="http://schemas.microsoft.com/office/powerpoint/2010/main" val="78072973"/>
+      </p:ext>
+    </p:extLst>
+  </p:cSld>
+  <p:clrMapOvr>
+    <a:masterClrMapping/>
+  </p:clrMapOvr>
+</p:notes>
+</file>
+
+<file path=ppt/notesSlides/notesSlide15.xml><?xml version="1.0" encoding="utf-8"?>
+<p:notes xmlns:a="http://schemas.openxmlformats.org/drawingml/2006/main" xmlns:r="http://schemas.openxmlformats.org/officeDocument/2006/relationships" xmlns:p="http://schemas.openxmlformats.org/presentationml/2006/main">
+  <p:cSld>
+    <p:spTree>
+      <p:nvGrpSpPr>
+        <p:cNvPr id="1" name=""/>
+        <p:cNvGrpSpPr/>
+        <p:nvPr/>
+      </p:nvGrpSpPr>
+      <p:grpSpPr>
+        <a:xfrm>
+          <a:off x="0" y="0"/>
+          <a:ext cx="0" cy="0"/>
+          <a:chOff x="0" y="0"/>
+          <a:chExt cx="0" cy="0"/>
+        </a:xfrm>
+      </p:grpSpPr>
+      <p:sp>
+        <p:nvSpPr>
+          <p:cNvPr id="2" name="Slide Image Placeholder 1"/>
+          <p:cNvSpPr>
+            <a:spLocks noGrp="1" noRot="1" noChangeAspect="1"/>
+          </p:cNvSpPr>
+          <p:nvPr>
+            <p:ph type="sldImg"/>
+          </p:nvPr>
+        </p:nvSpPr>
+        <p:spPr/>
+      </p:sp>
+      <p:sp>
+        <p:nvSpPr>
+          <p:cNvPr id="3" name="Notes Placeholder 2"/>
+          <p:cNvSpPr>
+            <a:spLocks noGrp="1"/>
+          </p:cNvSpPr>
+          <p:nvPr>
+            <p:ph type="body" idx="1"/>
+          </p:nvPr>
+        </p:nvSpPr>
+        <p:spPr/>
+        <p:txBody>
+          <a:bodyPr/>
+          <a:lstStyle/>
+          <a:p>
+            <a:endParaRPr lang="en-US" dirty="0"/>
+          </a:p>
+        </p:txBody>
+      </p:sp>
+      <p:sp>
+        <p:nvSpPr>
+          <p:cNvPr id="4" name="Slide Number Placeholder 3"/>
+          <p:cNvSpPr>
+            <a:spLocks noGrp="1"/>
+          </p:cNvSpPr>
+          <p:nvPr>
+            <p:ph type="sldNum" sz="quarter" idx="5"/>
+          </p:nvPr>
+        </p:nvSpPr>
+        <p:spPr/>
+        <p:txBody>
+          <a:bodyPr/>
+          <a:lstStyle/>
+          <a:p>
+            <a:fld id="{3F8BDF20-BE86-4883-8A23-4CE3D0058BEA}" type="slidenum">
+              <a:rPr lang="en-US" smtClean="0"/>
+              <a:t>16</a:t>
+            </a:fld>
+            <a:endParaRPr lang="en-US"/>
+          </a:p>
+        </p:txBody>
+      </p:sp>
+    </p:spTree>
+    <p:extLst>
+      <p:ext uri="{BB962C8B-B14F-4D97-AF65-F5344CB8AC3E}">
         <p14:creationId xmlns:p14="http://schemas.microsoft.com/office/powerpoint/2010/main" val="1093791771"/>
+      </p:ext>
+    </p:extLst>
+  </p:cSld>
+  <p:clrMapOvr>
+    <a:masterClrMapping/>
+  </p:clrMapOvr>
+</p:notes>
+</file>
+
+<file path=ppt/notesSlides/notesSlide16.xml><?xml version="1.0" encoding="utf-8"?>
+<p:notes xmlns:a="http://schemas.openxmlformats.org/drawingml/2006/main" xmlns:r="http://schemas.openxmlformats.org/officeDocument/2006/relationships" xmlns:p="http://schemas.openxmlformats.org/presentationml/2006/main">
+  <p:cSld>
+    <p:spTree>
+      <p:nvGrpSpPr>
+        <p:cNvPr id="1" name=""/>
+        <p:cNvGrpSpPr/>
+        <p:nvPr/>
+      </p:nvGrpSpPr>
+      <p:grpSpPr>
+        <a:xfrm>
+          <a:off x="0" y="0"/>
+          <a:ext cx="0" cy="0"/>
+          <a:chOff x="0" y="0"/>
+          <a:chExt cx="0" cy="0"/>
+        </a:xfrm>
+      </p:grpSpPr>
+      <p:sp>
+        <p:nvSpPr>
+          <p:cNvPr id="2" name="Slide Image Placeholder 1"/>
+          <p:cNvSpPr>
+            <a:spLocks noGrp="1" noRot="1" noChangeAspect="1"/>
+          </p:cNvSpPr>
+          <p:nvPr>
+            <p:ph type="sldImg"/>
+          </p:nvPr>
+        </p:nvSpPr>
+        <p:spPr/>
+      </p:sp>
+      <p:sp>
+        <p:nvSpPr>
+          <p:cNvPr id="3" name="Notes Placeholder 2"/>
+          <p:cNvSpPr>
+            <a:spLocks noGrp="1"/>
+          </p:cNvSpPr>
+          <p:nvPr>
+            <p:ph type="body" idx="1"/>
+          </p:nvPr>
+        </p:nvSpPr>
+        <p:spPr/>
+        <p:txBody>
+          <a:bodyPr/>
+          <a:lstStyle/>
+          <a:p>
+            <a:endParaRPr lang="en-US" dirty="0"/>
+          </a:p>
+        </p:txBody>
+      </p:sp>
+      <p:sp>
+        <p:nvSpPr>
+          <p:cNvPr id="4" name="Slide Number Placeholder 3"/>
+          <p:cNvSpPr>
+            <a:spLocks noGrp="1"/>
+          </p:cNvSpPr>
+          <p:nvPr>
+            <p:ph type="sldNum" sz="quarter" idx="5"/>
+          </p:nvPr>
+        </p:nvSpPr>
+        <p:spPr/>
+        <p:txBody>
+          <a:bodyPr/>
+          <a:lstStyle/>
+          <a:p>
+            <a:fld id="{3F8BDF20-BE86-4883-8A23-4CE3D0058BEA}" type="slidenum">
+              <a:rPr lang="en-US" smtClean="0"/>
+              <a:t>17</a:t>
+            </a:fld>
+            <a:endParaRPr lang="en-US"/>
+          </a:p>
+        </p:txBody>
+      </p:sp>
+    </p:spTree>
+    <p:extLst>
+      <p:ext uri="{BB962C8B-B14F-4D97-AF65-F5344CB8AC3E}">
+        <p14:creationId xmlns:p14="http://schemas.microsoft.com/office/powerpoint/2010/main" val="1329969278"/>
+      </p:ext>
+    </p:extLst>
+  </p:cSld>
+  <p:clrMapOvr>
+    <a:masterClrMapping/>
+  </p:clrMapOvr>
+</p:notes>
+</file>
+
+<file path=ppt/notesSlides/notesSlide17.xml><?xml version="1.0" encoding="utf-8"?>
+<p:notes xmlns:a="http://schemas.openxmlformats.org/drawingml/2006/main" xmlns:r="http://schemas.openxmlformats.org/officeDocument/2006/relationships" xmlns:p="http://schemas.openxmlformats.org/presentationml/2006/main">
+  <p:cSld>
+    <p:spTree>
+      <p:nvGrpSpPr>
+        <p:cNvPr id="1" name=""/>
+        <p:cNvGrpSpPr/>
+        <p:nvPr/>
+      </p:nvGrpSpPr>
+      <p:grpSpPr>
+        <a:xfrm>
+          <a:off x="0" y="0"/>
+          <a:ext cx="0" cy="0"/>
+          <a:chOff x="0" y="0"/>
+          <a:chExt cx="0" cy="0"/>
+        </a:xfrm>
+      </p:grpSpPr>
+      <p:sp>
+        <p:nvSpPr>
+          <p:cNvPr id="2" name="Slide Image Placeholder 1"/>
+          <p:cNvSpPr>
+            <a:spLocks noGrp="1" noRot="1" noChangeAspect="1"/>
+          </p:cNvSpPr>
+          <p:nvPr>
+            <p:ph type="sldImg"/>
+          </p:nvPr>
+        </p:nvSpPr>
+        <p:spPr/>
+      </p:sp>
+      <p:sp>
+        <p:nvSpPr>
+          <p:cNvPr id="3" name="Notes Placeholder 2"/>
+          <p:cNvSpPr>
+            <a:spLocks noGrp="1"/>
+          </p:cNvSpPr>
+          <p:nvPr>
+            <p:ph type="body" idx="1"/>
+          </p:nvPr>
+        </p:nvSpPr>
+        <p:spPr/>
+        <p:txBody>
+          <a:bodyPr/>
+          <a:lstStyle/>
+          <a:p>
+            <a:endParaRPr lang="en-US" dirty="0"/>
+          </a:p>
+        </p:txBody>
+      </p:sp>
+      <p:sp>
+        <p:nvSpPr>
+          <p:cNvPr id="4" name="Slide Number Placeholder 3"/>
+          <p:cNvSpPr>
+            <a:spLocks noGrp="1"/>
+          </p:cNvSpPr>
+          <p:nvPr>
+            <p:ph type="sldNum" sz="quarter" idx="5"/>
+          </p:nvPr>
+        </p:nvSpPr>
+        <p:spPr/>
+        <p:txBody>
+          <a:bodyPr/>
+          <a:lstStyle/>
+          <a:p>
+            <a:fld id="{3F8BDF20-BE86-4883-8A23-4CE3D0058BEA}" type="slidenum">
+              <a:rPr lang="en-US" smtClean="0"/>
+              <a:t>18</a:t>
+            </a:fld>
+            <a:endParaRPr lang="en-US"/>
+          </a:p>
+        </p:txBody>
+      </p:sp>
+    </p:spTree>
+    <p:extLst>
+      <p:ext uri="{BB962C8B-B14F-4D97-AF65-F5344CB8AC3E}">
+        <p14:creationId xmlns:p14="http://schemas.microsoft.com/office/powerpoint/2010/main" val="1086796695"/>
       </p:ext>
     </p:extLst>
   </p:cSld>
@@ -1645,7 +1900,7 @@
     </p:spTree>
     <p:extLst>
       <p:ext uri="{BB962C8B-B14F-4D97-AF65-F5344CB8AC3E}">
-        <p14:creationId xmlns:p14="http://schemas.microsoft.com/office/powerpoint/2010/main" val="1173905294"/>
+        <p14:creationId xmlns:p14="http://schemas.microsoft.com/office/powerpoint/2010/main" val="1293151077"/>
       </p:ext>
     </p:extLst>
   </p:cSld>
@@ -1784,7 +2039,7 @@
           <a:p>
             <a:fld id="{41748473-9145-41F0-ADB9-654A949CD218}" type="datetimeFigureOut">
               <a:rPr lang="en-US" smtClean="0"/>
-              <a:t>9/2/23</a:t>
+              <a:t>9/4/23</a:t>
             </a:fld>
             <a:endParaRPr lang="en-US"/>
           </a:p>
@@ -1952,7 +2207,7 @@
           <a:p>
             <a:fld id="{41748473-9145-41F0-ADB9-654A949CD218}" type="datetimeFigureOut">
               <a:rPr lang="en-US" smtClean="0"/>
-              <a:t>9/2/23</a:t>
+              <a:t>9/4/23</a:t>
             </a:fld>
             <a:endParaRPr lang="en-US"/>
           </a:p>
@@ -2130,7 +2385,7 @@
           <a:p>
             <a:fld id="{41748473-9145-41F0-ADB9-654A949CD218}" type="datetimeFigureOut">
               <a:rPr lang="en-US" smtClean="0"/>
-              <a:t>9/2/23</a:t>
+              <a:t>9/4/23</a:t>
             </a:fld>
             <a:endParaRPr lang="en-US"/>
           </a:p>
@@ -2298,7 +2553,7 @@
           <a:p>
             <a:fld id="{41748473-9145-41F0-ADB9-654A949CD218}" type="datetimeFigureOut">
               <a:rPr lang="en-US" smtClean="0"/>
-              <a:t>9/2/23</a:t>
+              <a:t>9/4/23</a:t>
             </a:fld>
             <a:endParaRPr lang="en-US"/>
           </a:p>
@@ -2543,7 +2798,7 @@
           <a:p>
             <a:fld id="{41748473-9145-41F0-ADB9-654A949CD218}" type="datetimeFigureOut">
               <a:rPr lang="en-US" smtClean="0"/>
-              <a:t>9/2/23</a:t>
+              <a:t>9/4/23</a:t>
             </a:fld>
             <a:endParaRPr lang="en-US"/>
           </a:p>
@@ -2772,7 +3027,7 @@
           <a:p>
             <a:fld id="{41748473-9145-41F0-ADB9-654A949CD218}" type="datetimeFigureOut">
               <a:rPr lang="en-US" smtClean="0"/>
-              <a:t>9/2/23</a:t>
+              <a:t>9/4/23</a:t>
             </a:fld>
             <a:endParaRPr lang="en-US"/>
           </a:p>
@@ -3136,7 +3391,7 @@
           <a:p>
             <a:fld id="{41748473-9145-41F0-ADB9-654A949CD218}" type="datetimeFigureOut">
               <a:rPr lang="en-US" smtClean="0"/>
-              <a:t>9/2/23</a:t>
+              <a:t>9/4/23</a:t>
             </a:fld>
             <a:endParaRPr lang="en-US"/>
           </a:p>
@@ -3253,7 +3508,7 @@
           <a:p>
             <a:fld id="{41748473-9145-41F0-ADB9-654A949CD218}" type="datetimeFigureOut">
               <a:rPr lang="en-US" smtClean="0"/>
-              <a:t>9/2/23</a:t>
+              <a:t>9/4/23</a:t>
             </a:fld>
             <a:endParaRPr lang="en-US"/>
           </a:p>
@@ -3348,7 +3603,7 @@
           <a:p>
             <a:fld id="{41748473-9145-41F0-ADB9-654A949CD218}" type="datetimeFigureOut">
               <a:rPr lang="en-US" smtClean="0"/>
-              <a:t>9/2/23</a:t>
+              <a:t>9/4/23</a:t>
             </a:fld>
             <a:endParaRPr lang="en-US"/>
           </a:p>
@@ -3623,7 +3878,7 @@
           <a:p>
             <a:fld id="{41748473-9145-41F0-ADB9-654A949CD218}" type="datetimeFigureOut">
               <a:rPr lang="en-US" smtClean="0"/>
-              <a:t>9/2/23</a:t>
+              <a:t>9/4/23</a:t>
             </a:fld>
             <a:endParaRPr lang="en-US"/>
           </a:p>
@@ -3875,7 +4130,7 @@
           <a:p>
             <a:fld id="{41748473-9145-41F0-ADB9-654A949CD218}" type="datetimeFigureOut">
               <a:rPr lang="en-US" smtClean="0"/>
-              <a:t>9/2/23</a:t>
+              <a:t>9/4/23</a:t>
             </a:fld>
             <a:endParaRPr lang="en-US"/>
           </a:p>
@@ -4086,7 +4341,7 @@
           <a:p>
             <a:fld id="{41748473-9145-41F0-ADB9-654A949CD218}" type="datetimeFigureOut">
               <a:rPr lang="en-US" smtClean="0"/>
-              <a:t>9/2/23</a:t>
+              <a:t>9/4/23</a:t>
             </a:fld>
             <a:endParaRPr lang="en-US"/>
           </a:p>
@@ -4781,13 +5036,488 @@
           <a:p>
             <a:r>
               <a:rPr lang="en-US" dirty="0"/>
+              <a:t>P value</a:t>
+            </a:r>
+          </a:p>
+        </p:txBody>
+      </p:sp>
+      <mc:AlternateContent xmlns:mc="http://schemas.openxmlformats.org/markup-compatibility/2006">
+        <mc:Choice xmlns:a14="http://schemas.microsoft.com/office/drawing/2010/main" Requires="a14">
+          <p:sp>
+            <p:nvSpPr>
+              <p:cNvPr id="7" name="TextBox 6">
+                <a:extLst>
+                  <a:ext uri="{FF2B5EF4-FFF2-40B4-BE49-F238E27FC236}">
+                    <a16:creationId xmlns:a16="http://schemas.microsoft.com/office/drawing/2014/main" id="{22B86FAA-DF5F-CCCC-3664-BE611A52C1CD}"/>
+                  </a:ext>
+                </a:extLst>
+              </p:cNvPr>
+              <p:cNvSpPr txBox="1"/>
+              <p:nvPr/>
+            </p:nvSpPr>
+            <p:spPr>
+              <a:xfrm>
+                <a:off x="944880" y="1622793"/>
+                <a:ext cx="10515600" cy="1384995"/>
+              </a:xfrm>
+              <a:prstGeom prst="rect">
+                <a:avLst/>
+              </a:prstGeom>
+              <a:noFill/>
+            </p:spPr>
+            <p:txBody>
+              <a:bodyPr wrap="square">
+                <a:spAutoFit/>
+              </a:bodyPr>
+              <a:lstStyle/>
+              <a:p>
+                <a:r>
+                  <a:rPr lang="en-US" sz="2800" b="0" i="0" dirty="0">
+                    <a:solidFill>
+                      <a:srgbClr val="4D5156"/>
+                    </a:solidFill>
+                    <a:effectLst/>
+                    <a:latin typeface="Roboto" panose="02000000000000000000" pitchFamily="2" charset="0"/>
+                  </a:rPr>
+                  <a:t>A p-value is the probability of obtaining test results at least as extreme as the result actually observed, under the assumption that the null hypothesis (</a:t>
+                </a:r>
+                <a14:m>
+                  <m:oMath xmlns:m="http://schemas.openxmlformats.org/officeDocument/2006/math">
+                    <m:sSub>
+                      <m:sSubPr>
+                        <m:ctrlPr>
+                          <a:rPr lang="en-US" sz="2800" b="0" i="1" smtClean="0">
+                            <a:effectLst/>
+                            <a:latin typeface="Cambria Math" panose="02040503050406030204" pitchFamily="18" charset="0"/>
+                          </a:rPr>
+                        </m:ctrlPr>
+                      </m:sSubPr>
+                      <m:e>
+                        <m:r>
+                          <a:rPr lang="en-US" sz="2800" b="0" i="1" smtClean="0">
+                            <a:effectLst/>
+                            <a:latin typeface="Cambria Math" panose="02040503050406030204" pitchFamily="18" charset="0"/>
+                          </a:rPr>
+                          <m:t>𝐻</m:t>
+                        </m:r>
+                      </m:e>
+                      <m:sub>
+                        <m:r>
+                          <a:rPr lang="en-US" sz="2800" b="0" i="1" smtClean="0">
+                            <a:effectLst/>
+                            <a:latin typeface="Cambria Math" panose="02040503050406030204" pitchFamily="18" charset="0"/>
+                          </a:rPr>
+                          <m:t>0</m:t>
+                        </m:r>
+                      </m:sub>
+                    </m:sSub>
+                  </m:oMath>
+                </a14:m>
+                <a:r>
+                  <a:rPr lang="en-US" sz="2800" b="0" i="0" dirty="0">
+                    <a:solidFill>
+                      <a:srgbClr val="4D5156"/>
+                    </a:solidFill>
+                    <a:effectLst/>
+                    <a:latin typeface="Roboto" panose="02000000000000000000" pitchFamily="2" charset="0"/>
+                  </a:rPr>
+                  <a:t>) is correct.</a:t>
+                </a:r>
+                <a:endParaRPr lang="en-US" sz="2800" dirty="0"/>
+              </a:p>
+            </p:txBody>
+          </p:sp>
+        </mc:Choice>
+        <mc:Fallback>
+          <p:sp>
+            <p:nvSpPr>
+              <p:cNvPr id="7" name="TextBox 6">
+                <a:extLst>
+                  <a:ext uri="{FF2B5EF4-FFF2-40B4-BE49-F238E27FC236}">
+                    <a16:creationId xmlns:a16="http://schemas.microsoft.com/office/drawing/2014/main" id="{22B86FAA-DF5F-CCCC-3664-BE611A52C1CD}"/>
+                  </a:ext>
+                </a:extLst>
+              </p:cNvPr>
+              <p:cNvSpPr txBox="1">
+                <a:spLocks noRot="1" noChangeAspect="1" noMove="1" noResize="1" noEditPoints="1" noAdjustHandles="1" noChangeArrowheads="1" noChangeShapeType="1" noTextEdit="1"/>
+              </p:cNvSpPr>
+              <p:nvPr/>
+            </p:nvSpPr>
+            <p:spPr>
+              <a:xfrm>
+                <a:off x="944880" y="1622793"/>
+                <a:ext cx="10515600" cy="1384995"/>
+              </a:xfrm>
+              <a:prstGeom prst="rect">
+                <a:avLst/>
+              </a:prstGeom>
+              <a:blipFill>
+                <a:blip r:embed="rId3"/>
+                <a:stretch>
+                  <a:fillRect l="-1206" t="-4545" b="-10909"/>
+                </a:stretch>
+              </a:blipFill>
+            </p:spPr>
+            <p:txBody>
+              <a:bodyPr/>
+              <a:lstStyle/>
+              <a:p>
+                <a:r>
+                  <a:rPr lang="en-US">
+                    <a:noFill/>
+                  </a:rPr>
+                  <a:t> </a:t>
+                </a:r>
+              </a:p>
+            </p:txBody>
+          </p:sp>
+        </mc:Fallback>
+      </mc:AlternateContent>
+      <mc:AlternateContent xmlns:mc="http://schemas.openxmlformats.org/markup-compatibility/2006">
+        <mc:Choice xmlns:a14="http://schemas.microsoft.com/office/drawing/2010/main" Requires="a14">
+          <p:sp>
+            <p:nvSpPr>
+              <p:cNvPr id="6" name="TextBox 5">
+                <a:extLst>
+                  <a:ext uri="{FF2B5EF4-FFF2-40B4-BE49-F238E27FC236}">
+                    <a16:creationId xmlns:a16="http://schemas.microsoft.com/office/drawing/2014/main" id="{F0AFFF14-D593-EB54-6D73-441D68ED3F39}"/>
+                  </a:ext>
+                </a:extLst>
+              </p:cNvPr>
+              <p:cNvSpPr txBox="1"/>
+              <p:nvPr/>
+            </p:nvSpPr>
+            <p:spPr>
+              <a:xfrm>
+                <a:off x="3733800" y="3588603"/>
+                <a:ext cx="4511040" cy="523220"/>
+              </a:xfrm>
+              <a:prstGeom prst="rect">
+                <a:avLst/>
+              </a:prstGeom>
+              <a:noFill/>
+            </p:spPr>
+            <p:txBody>
+              <a:bodyPr wrap="square">
+                <a:spAutoFit/>
+              </a:bodyPr>
+              <a:lstStyle/>
+              <a:p>
+                <a:r>
+                  <a:rPr lang="en-US" sz="2800" b="0" dirty="0"/>
+                  <a:t>P-value </a:t>
+                </a:r>
+                <a14:m>
+                  <m:oMath xmlns:m="http://schemas.openxmlformats.org/officeDocument/2006/math">
+                    <m:r>
+                      <a:rPr lang="en-US" sz="2800" b="0" i="1" smtClean="0">
+                        <a:latin typeface="Cambria Math" panose="02040503050406030204" pitchFamily="18" charset="0"/>
+                      </a:rPr>
+                      <m:t>=</m:t>
+                    </m:r>
+                    <m:r>
+                      <a:rPr lang="en-US" sz="2800" b="0" i="1" smtClean="0">
+                        <a:latin typeface="Cambria Math" panose="02040503050406030204" pitchFamily="18" charset="0"/>
+                      </a:rPr>
+                      <m:t>𝑃</m:t>
+                    </m:r>
+                    <m:r>
+                      <a:rPr lang="en-US" sz="2800" b="0" i="1" smtClean="0">
+                        <a:latin typeface="Cambria Math" panose="02040503050406030204" pitchFamily="18" charset="0"/>
+                      </a:rPr>
+                      <m:t>[</m:t>
+                    </m:r>
+                    <m:r>
+                      <a:rPr lang="en-US" sz="2800" b="0" i="1" smtClean="0">
+                        <a:latin typeface="Cambria Math" panose="02040503050406030204" pitchFamily="18" charset="0"/>
+                      </a:rPr>
+                      <m:t>𝑇</m:t>
+                    </m:r>
+                    <m:r>
+                      <a:rPr lang="en-US" sz="2800" b="0" i="1" smtClean="0">
+                        <a:latin typeface="Cambria Math" panose="02040503050406030204" pitchFamily="18" charset="0"/>
+                      </a:rPr>
+                      <m:t>&gt;</m:t>
+                    </m:r>
+                    <m:d>
+                      <m:dPr>
+                        <m:begChr m:val="|"/>
+                        <m:endChr m:val="|"/>
+                        <m:ctrlPr>
+                          <a:rPr lang="en-US" sz="2800" b="0" i="1" smtClean="0">
+                            <a:latin typeface="Cambria Math" panose="02040503050406030204" pitchFamily="18" charset="0"/>
+                          </a:rPr>
+                        </m:ctrlPr>
+                      </m:dPr>
+                      <m:e>
+                        <m:r>
+                          <a:rPr lang="en-US" sz="2800" b="0" i="1" smtClean="0">
+                            <a:latin typeface="Cambria Math" panose="02040503050406030204" pitchFamily="18" charset="0"/>
+                          </a:rPr>
+                          <m:t>𝑡</m:t>
+                        </m:r>
+                      </m:e>
+                    </m:d>
+                    <m:r>
+                      <a:rPr lang="en-US" sz="2800" b="0" i="1" smtClean="0">
+                        <a:latin typeface="Cambria Math" panose="02040503050406030204" pitchFamily="18" charset="0"/>
+                      </a:rPr>
+                      <m:t>]</m:t>
+                    </m:r>
+                  </m:oMath>
+                </a14:m>
+                <a:endParaRPr lang="en-US" sz="2800" dirty="0"/>
+              </a:p>
+            </p:txBody>
+          </p:sp>
+        </mc:Choice>
+        <mc:Fallback>
+          <p:sp>
+            <p:nvSpPr>
+              <p:cNvPr id="6" name="TextBox 5">
+                <a:extLst>
+                  <a:ext uri="{FF2B5EF4-FFF2-40B4-BE49-F238E27FC236}">
+                    <a16:creationId xmlns:a16="http://schemas.microsoft.com/office/drawing/2014/main" id="{F0AFFF14-D593-EB54-6D73-441D68ED3F39}"/>
+                  </a:ext>
+                </a:extLst>
+              </p:cNvPr>
+              <p:cNvSpPr txBox="1">
+                <a:spLocks noRot="1" noChangeAspect="1" noMove="1" noResize="1" noEditPoints="1" noAdjustHandles="1" noChangeArrowheads="1" noChangeShapeType="1" noTextEdit="1"/>
+              </p:cNvSpPr>
+              <p:nvPr/>
+            </p:nvSpPr>
+            <p:spPr>
+              <a:xfrm>
+                <a:off x="3733800" y="3588603"/>
+                <a:ext cx="4511040" cy="523220"/>
+              </a:xfrm>
+              <a:prstGeom prst="rect">
+                <a:avLst/>
+              </a:prstGeom>
+              <a:blipFill>
+                <a:blip r:embed="rId4"/>
+                <a:stretch>
+                  <a:fillRect l="-2809" t="-11905" b="-30952"/>
+                </a:stretch>
+              </a:blipFill>
+            </p:spPr>
+            <p:txBody>
+              <a:bodyPr/>
+              <a:lstStyle/>
+              <a:p>
+                <a:r>
+                  <a:rPr lang="en-US">
+                    <a:noFill/>
+                  </a:rPr>
+                  <a:t> </a:t>
+                </a:r>
+              </a:p>
+            </p:txBody>
+          </p:sp>
+        </mc:Fallback>
+      </mc:AlternateContent>
+      <mc:AlternateContent xmlns:mc="http://schemas.openxmlformats.org/markup-compatibility/2006">
+        <mc:Choice xmlns:a14="http://schemas.microsoft.com/office/drawing/2010/main" Requires="a14">
+          <p:sp>
+            <p:nvSpPr>
+              <p:cNvPr id="8" name="TextBox 7">
+                <a:extLst>
+                  <a:ext uri="{FF2B5EF4-FFF2-40B4-BE49-F238E27FC236}">
+                    <a16:creationId xmlns:a16="http://schemas.microsoft.com/office/drawing/2014/main" id="{3D6C6EDF-541C-4C4B-7B8C-8563B34AFF46}"/>
+                  </a:ext>
+                </a:extLst>
+              </p:cNvPr>
+              <p:cNvSpPr txBox="1"/>
+              <p:nvPr/>
+            </p:nvSpPr>
+            <p:spPr>
+              <a:xfrm>
+                <a:off x="929640" y="4692638"/>
+                <a:ext cx="10515600" cy="954107"/>
+              </a:xfrm>
+              <a:prstGeom prst="rect">
+                <a:avLst/>
+              </a:prstGeom>
+              <a:noFill/>
+            </p:spPr>
+            <p:txBody>
+              <a:bodyPr wrap="square">
+                <a:spAutoFit/>
+              </a:bodyPr>
+              <a:lstStyle/>
+              <a:p>
+                <a:r>
+                  <a:rPr lang="en-US" sz="2800" b="0" i="0" dirty="0">
+                    <a:solidFill>
+                      <a:srgbClr val="4D5156"/>
+                    </a:solidFill>
+                    <a:effectLst/>
+                    <a:latin typeface="Roboto" panose="02000000000000000000" pitchFamily="2" charset="0"/>
+                  </a:rPr>
+                  <a:t>If p-value is large, we tend to accept </a:t>
+                </a:r>
+                <a14:m>
+                  <m:oMath xmlns:m="http://schemas.openxmlformats.org/officeDocument/2006/math">
+                    <m:sSub>
+                      <m:sSubPr>
+                        <m:ctrlPr>
+                          <a:rPr lang="en-US" sz="2800" b="0" i="1" smtClean="0">
+                            <a:effectLst/>
+                            <a:latin typeface="Cambria Math" panose="02040503050406030204" pitchFamily="18" charset="0"/>
+                          </a:rPr>
+                        </m:ctrlPr>
+                      </m:sSubPr>
+                      <m:e>
+                        <m:r>
+                          <a:rPr lang="en-US" sz="2800" b="0" i="1" smtClean="0">
+                            <a:effectLst/>
+                            <a:latin typeface="Cambria Math" panose="02040503050406030204" pitchFamily="18" charset="0"/>
+                          </a:rPr>
+                          <m:t>𝐻</m:t>
+                        </m:r>
+                      </m:e>
+                      <m:sub>
+                        <m:r>
+                          <a:rPr lang="en-US" sz="2800" b="0" i="1" smtClean="0">
+                            <a:effectLst/>
+                            <a:latin typeface="Cambria Math" panose="02040503050406030204" pitchFamily="18" charset="0"/>
+                          </a:rPr>
+                          <m:t>0</m:t>
+                        </m:r>
+                      </m:sub>
+                    </m:sSub>
+                  </m:oMath>
+                </a14:m>
+                <a:r>
+                  <a:rPr lang="en-US" sz="2800" b="0" i="0" dirty="0">
+                    <a:solidFill>
+                      <a:srgbClr val="4D5156"/>
+                    </a:solidFill>
+                    <a:effectLst/>
+                    <a:latin typeface="Roboto" panose="02000000000000000000" pitchFamily="2" charset="0"/>
+                  </a:rPr>
+                  <a:t>. Otherwise, we tend to rejec</a:t>
+                </a:r>
+                <a:r>
+                  <a:rPr lang="en-US" sz="2800" dirty="0">
+                    <a:solidFill>
+                      <a:srgbClr val="4D5156"/>
+                    </a:solidFill>
+                    <a:latin typeface="Roboto" panose="02000000000000000000" pitchFamily="2" charset="0"/>
+                  </a:rPr>
+                  <a:t>t it.</a:t>
+                </a:r>
+                <a:endParaRPr lang="en-US" sz="2800" dirty="0"/>
+              </a:p>
+            </p:txBody>
+          </p:sp>
+        </mc:Choice>
+        <mc:Fallback>
+          <p:sp>
+            <p:nvSpPr>
+              <p:cNvPr id="8" name="TextBox 7">
+                <a:extLst>
+                  <a:ext uri="{FF2B5EF4-FFF2-40B4-BE49-F238E27FC236}">
+                    <a16:creationId xmlns:a16="http://schemas.microsoft.com/office/drawing/2014/main" id="{3D6C6EDF-541C-4C4B-7B8C-8563B34AFF46}"/>
+                  </a:ext>
+                </a:extLst>
+              </p:cNvPr>
+              <p:cNvSpPr txBox="1">
+                <a:spLocks noRot="1" noChangeAspect="1" noMove="1" noResize="1" noEditPoints="1" noAdjustHandles="1" noChangeArrowheads="1" noChangeShapeType="1" noTextEdit="1"/>
+              </p:cNvSpPr>
+              <p:nvPr/>
+            </p:nvSpPr>
+            <p:spPr>
+              <a:xfrm>
+                <a:off x="929640" y="4692638"/>
+                <a:ext cx="10515600" cy="954107"/>
+              </a:xfrm>
+              <a:prstGeom prst="rect">
+                <a:avLst/>
+              </a:prstGeom>
+              <a:blipFill>
+                <a:blip r:embed="rId5"/>
+                <a:stretch>
+                  <a:fillRect l="-1206" t="-6579" b="-17105"/>
+                </a:stretch>
+              </a:blipFill>
+            </p:spPr>
+            <p:txBody>
+              <a:bodyPr/>
+              <a:lstStyle/>
+              <a:p>
+                <a:r>
+                  <a:rPr lang="en-US">
+                    <a:noFill/>
+                  </a:rPr>
+                  <a:t> </a:t>
+                </a:r>
+              </a:p>
+            </p:txBody>
+          </p:sp>
+        </mc:Fallback>
+      </mc:AlternateContent>
+    </p:spTree>
+    <p:extLst>
+      <p:ext uri="{BB962C8B-B14F-4D97-AF65-F5344CB8AC3E}">
+        <p14:creationId xmlns:p14="http://schemas.microsoft.com/office/powerpoint/2010/main" val="646244307"/>
+      </p:ext>
+    </p:extLst>
+  </p:cSld>
+  <p:clrMapOvr>
+    <a:masterClrMapping/>
+  </p:clrMapOvr>
+</p:sld>
+</file>
+
+<file path=ppt/slides/slide11.xml><?xml version="1.0" encoding="utf-8"?>
+<p:sld xmlns:a="http://schemas.openxmlformats.org/drawingml/2006/main" xmlns:r="http://schemas.openxmlformats.org/officeDocument/2006/relationships" xmlns:p="http://schemas.openxmlformats.org/presentationml/2006/main">
+  <p:cSld>
+    <p:spTree>
+      <p:nvGrpSpPr>
+        <p:cNvPr id="1" name=""/>
+        <p:cNvGrpSpPr/>
+        <p:nvPr/>
+      </p:nvGrpSpPr>
+      <p:grpSpPr>
+        <a:xfrm>
+          <a:off x="0" y="0"/>
+          <a:ext cx="0" cy="0"/>
+          <a:chOff x="0" y="0"/>
+          <a:chExt cx="0" cy="0"/>
+        </a:xfrm>
+      </p:grpSpPr>
+      <p:sp>
+        <p:nvSpPr>
+          <p:cNvPr id="2" name="Title 1"/>
+          <p:cNvSpPr>
+            <a:spLocks noGrp="1"/>
+          </p:cNvSpPr>
+          <p:nvPr>
+            <p:ph type="title"/>
+          </p:nvPr>
+        </p:nvSpPr>
+        <p:spPr>
+          <a:xfrm>
+            <a:off x="838200" y="365126"/>
+            <a:ext cx="10515600" cy="981894"/>
+          </a:xfrm>
+        </p:spPr>
+        <p:txBody>
+          <a:bodyPr>
+            <a:normAutofit/>
+          </a:bodyPr>
+          <a:lstStyle/>
+          <a:p>
+            <a:r>
+              <a:rPr lang="en-US" dirty="0"/>
               <a:t>Hypothesis Testing</a:t>
             </a:r>
           </a:p>
         </p:txBody>
       </p:sp>
-      <mc:AlternateContent xmlns:mc="http://schemas.openxmlformats.org/markup-compatibility/2006">
-        <mc:Choice xmlns:a14="http://schemas.microsoft.com/office/drawing/2010/main" Requires="a14">
+      <mc:AlternateContent xmlns:mc="http://schemas.openxmlformats.org/markup-compatibility/2006" xmlns:a14="http://schemas.microsoft.com/office/drawing/2010/main">
+        <mc:Choice Requires="a14">
           <p:sp>
             <p:nvSpPr>
               <p:cNvPr id="5" name="TextBox 4">
@@ -4961,14 +5691,7 @@
                           <a:effectLst/>
                           <a:latin typeface="Cambria Math" panose="02040503050406030204" pitchFamily="18" charset="0"/>
                         </a:rPr>
-                        <m:t>= </m:t>
-                      </m:r>
-                      <m:r>
-                        <a:rPr lang="en-US" sz="2800" b="0" i="1" smtClean="0">
-                          <a:effectLst/>
-                          <a:latin typeface="Cambria Math" panose="02040503050406030204" pitchFamily="18" charset="0"/>
-                        </a:rPr>
-                        <m:t>0</m:t>
+                        <m:t>= 0</m:t>
                       </m:r>
                     </m:oMath>
                   </m:oMathPara>
@@ -4978,7 +5701,7 @@
             </p:txBody>
           </p:sp>
         </mc:Choice>
-        <mc:Fallback>
+        <mc:Fallback xmlns="">
           <p:sp>
             <p:nvSpPr>
               <p:cNvPr id="5" name="TextBox 4">
@@ -5051,7 +5774,6 @@
           </a:bodyPr>
           <a:lstStyle/>
           <a:p>
-            <a:pPr/>
             <a:r>
               <a:rPr lang="en-US" sz="2800" dirty="0"/>
               <a:t>We need to use F-statistics</a:t>
@@ -5102,7 +5824,7 @@
 </p:sld>
 </file>
 
-<file path=ppt/slides/slide11.xml><?xml version="1.0" encoding="utf-8"?>
+<file path=ppt/slides/slide12.xml><?xml version="1.0" encoding="utf-8"?>
 <p:sld xmlns:a="http://schemas.openxmlformats.org/drawingml/2006/main" xmlns:r="http://schemas.openxmlformats.org/officeDocument/2006/relationships" xmlns:p="http://schemas.openxmlformats.org/presentationml/2006/main">
   <p:cSld>
     <p:spTree>
@@ -5148,8 +5870,8 @@
           </a:p>
         </p:txBody>
       </p:sp>
-      <mc:AlternateContent xmlns:mc="http://schemas.openxmlformats.org/markup-compatibility/2006">
-        <mc:Choice xmlns:a14="http://schemas.microsoft.com/office/drawing/2010/main" Requires="a14">
+      <mc:AlternateContent xmlns:mc="http://schemas.openxmlformats.org/markup-compatibility/2006" xmlns:a14="http://schemas.microsoft.com/office/drawing/2010/main">
+        <mc:Choice Requires="a14">
           <p:sp>
             <p:nvSpPr>
               <p:cNvPr id="5" name="TextBox 4">
@@ -5178,7 +5900,6 @@
               </a:bodyPr>
               <a:lstStyle/>
               <a:p>
-                <a:pPr/>
                 <a14:m>
                   <m:oMath xmlns:m="http://schemas.openxmlformats.org/officeDocument/2006/math">
                     <m:r>
@@ -5312,7 +6033,7 @@
             </p:txBody>
           </p:sp>
         </mc:Choice>
-        <mc:Fallback>
+        <mc:Fallback xmlns="">
           <p:sp>
             <p:nvSpPr>
               <p:cNvPr id="5" name="TextBox 4">
@@ -5462,174 +6183,6 @@
 </p:sld>
 </file>
 
-<file path=ppt/slides/slide12.xml><?xml version="1.0" encoding="utf-8"?>
-<p:sld xmlns:a="http://schemas.openxmlformats.org/drawingml/2006/main" xmlns:r="http://schemas.openxmlformats.org/officeDocument/2006/relationships" xmlns:p="http://schemas.openxmlformats.org/presentationml/2006/main">
-  <p:cSld>
-    <p:spTree>
-      <p:nvGrpSpPr>
-        <p:cNvPr id="1" name=""/>
-        <p:cNvGrpSpPr/>
-        <p:nvPr/>
-      </p:nvGrpSpPr>
-      <p:grpSpPr>
-        <a:xfrm>
-          <a:off x="0" y="0"/>
-          <a:ext cx="0" cy="0"/>
-          <a:chOff x="0" y="0"/>
-          <a:chExt cx="0" cy="0"/>
-        </a:xfrm>
-      </p:grpSpPr>
-      <p:sp>
-        <p:nvSpPr>
-          <p:cNvPr id="2" name="Title 1"/>
-          <p:cNvSpPr>
-            <a:spLocks noGrp="1"/>
-          </p:cNvSpPr>
-          <p:nvPr>
-            <p:ph type="title"/>
-          </p:nvPr>
-        </p:nvSpPr>
-        <p:spPr>
-          <a:xfrm>
-            <a:off x="838200" y="365126"/>
-            <a:ext cx="10515600" cy="981894"/>
-          </a:xfrm>
-        </p:spPr>
-        <p:txBody>
-          <a:bodyPr>
-            <a:normAutofit/>
-          </a:bodyPr>
-          <a:lstStyle/>
-          <a:p>
-            <a:r>
-              <a:rPr lang="en-US" dirty="0"/>
-              <a:t>Variable Selection </a:t>
-            </a:r>
-          </a:p>
-        </p:txBody>
-      </p:sp>
-      <p:sp>
-        <p:nvSpPr>
-          <p:cNvPr id="4" name="TextBox 3">
-            <a:extLst>
-              <a:ext uri="{FF2B5EF4-FFF2-40B4-BE49-F238E27FC236}">
-                <a16:creationId xmlns:a16="http://schemas.microsoft.com/office/drawing/2014/main" id="{ABD93568-BDBC-1B9E-6C70-DD6A87A29192}"/>
-              </a:ext>
-            </a:extLst>
-          </p:cNvPr>
-          <p:cNvSpPr txBox="1"/>
-          <p:nvPr/>
-        </p:nvSpPr>
-        <p:spPr>
-          <a:xfrm>
-            <a:off x="1036320" y="1828718"/>
-            <a:ext cx="4453655" cy="523220"/>
-          </a:xfrm>
-          <a:prstGeom prst="rect">
-            <a:avLst/>
-          </a:prstGeom>
-          <a:noFill/>
-        </p:spPr>
-        <p:txBody>
-          <a:bodyPr wrap="square">
-            <a:spAutoFit/>
-          </a:bodyPr>
-          <a:lstStyle/>
-          <a:p>
-            <a:pPr/>
-            <a:r>
-              <a:rPr lang="en-US" sz="2800" dirty="0"/>
-              <a:t>Forward Selection</a:t>
-            </a:r>
-          </a:p>
-        </p:txBody>
-      </p:sp>
-      <p:sp>
-        <p:nvSpPr>
-          <p:cNvPr id="6" name="TextBox 5">
-            <a:extLst>
-              <a:ext uri="{FF2B5EF4-FFF2-40B4-BE49-F238E27FC236}">
-                <a16:creationId xmlns:a16="http://schemas.microsoft.com/office/drawing/2014/main" id="{C9F5CD7A-D397-8BEF-32CC-F1330EF0E863}"/>
-              </a:ext>
-            </a:extLst>
-          </p:cNvPr>
-          <p:cNvSpPr txBox="1"/>
-          <p:nvPr/>
-        </p:nvSpPr>
-        <p:spPr>
-          <a:xfrm>
-            <a:off x="1036318" y="2909836"/>
-            <a:ext cx="4453655" cy="523220"/>
-          </a:xfrm>
-          <a:prstGeom prst="rect">
-            <a:avLst/>
-          </a:prstGeom>
-          <a:noFill/>
-        </p:spPr>
-        <p:txBody>
-          <a:bodyPr wrap="square">
-            <a:spAutoFit/>
-          </a:bodyPr>
-          <a:lstStyle/>
-          <a:p>
-            <a:pPr/>
-            <a:r>
-              <a:rPr lang="en-US" sz="2800" dirty="0"/>
-              <a:t>Backward Selection</a:t>
-            </a:r>
-          </a:p>
-        </p:txBody>
-      </p:sp>
-      <p:sp>
-        <p:nvSpPr>
-          <p:cNvPr id="7" name="TextBox 6">
-            <a:extLst>
-              <a:ext uri="{FF2B5EF4-FFF2-40B4-BE49-F238E27FC236}">
-                <a16:creationId xmlns:a16="http://schemas.microsoft.com/office/drawing/2014/main" id="{580966AF-E6B5-1EE1-38E5-1D343C77C495}"/>
-              </a:ext>
-            </a:extLst>
-          </p:cNvPr>
-          <p:cNvSpPr txBox="1"/>
-          <p:nvPr/>
-        </p:nvSpPr>
-        <p:spPr>
-          <a:xfrm>
-            <a:off x="1036319" y="3982843"/>
-            <a:ext cx="4453655" cy="523220"/>
-          </a:xfrm>
-          <a:prstGeom prst="rect">
-            <a:avLst/>
-          </a:prstGeom>
-          <a:noFill/>
-        </p:spPr>
-        <p:txBody>
-          <a:bodyPr wrap="square">
-            <a:spAutoFit/>
-          </a:bodyPr>
-          <a:lstStyle/>
-          <a:p>
-            <a:pPr/>
-            <a:r>
-              <a:rPr lang="en-US" sz="2800" dirty="0" err="1"/>
-              <a:t>Colinearity</a:t>
-            </a:r>
-            <a:endParaRPr lang="en-US" sz="2800" dirty="0"/>
-          </a:p>
-        </p:txBody>
-      </p:sp>
-    </p:spTree>
-    <p:extLst>
-      <p:ext uri="{BB962C8B-B14F-4D97-AF65-F5344CB8AC3E}">
-        <p14:creationId xmlns:p14="http://schemas.microsoft.com/office/powerpoint/2010/main" val="1383625480"/>
-      </p:ext>
-    </p:extLst>
-  </p:cSld>
-  <p:clrMapOvr>
-    <a:masterClrMapping/>
-  </p:clrMapOvr>
-</p:sld>
-</file>
-
 <file path=ppt/slides/slide13.xml><?xml version="1.0" encoding="utf-8"?>
 <p:sld xmlns:a="http://schemas.openxmlformats.org/drawingml/2006/main" xmlns:r="http://schemas.openxmlformats.org/officeDocument/2006/relationships" xmlns:p="http://schemas.openxmlformats.org/presentationml/2006/main">
   <p:cSld>
@@ -5671,7 +6224,7 @@
           <a:p>
             <a:r>
               <a:rPr lang="en-US" dirty="0"/>
-              <a:t>Forward Selection</a:t>
+              <a:t>Variable Selection </a:t>
             </a:r>
           </a:p>
         </p:txBody>
@@ -5690,8 +6243,8 @@
         </p:nvSpPr>
         <p:spPr>
           <a:xfrm>
-            <a:off x="1036319" y="1680835"/>
-            <a:ext cx="10119362" cy="954107"/>
+            <a:off x="1036320" y="1828718"/>
+            <a:ext cx="4453655" cy="523220"/>
           </a:xfrm>
           <a:prstGeom prst="rect">
             <a:avLst/>
@@ -5706,7 +6259,7 @@
           <a:p>
             <a:r>
               <a:rPr lang="en-US" sz="2800" dirty="0"/>
-              <a:t>Begin with the null model — a model that contains an intercept but no predictors. </a:t>
+              <a:t>Forward Selection</a:t>
             </a:r>
           </a:p>
         </p:txBody>
@@ -5725,8 +6278,8 @@
         </p:nvSpPr>
         <p:spPr>
           <a:xfrm>
-            <a:off x="1036319" y="2951946"/>
-            <a:ext cx="10317482" cy="954107"/>
+            <a:off x="1036318" y="2909836"/>
+            <a:ext cx="4453655" cy="523220"/>
           </a:xfrm>
           <a:prstGeom prst="rect">
             <a:avLst/>
@@ -5741,17 +6294,17 @@
           <a:p>
             <a:r>
               <a:rPr lang="en-US" sz="2800" dirty="0"/>
-              <a:t>Fit p simple linear regressions and add to the null model the variable that results in the lowest RSS. </a:t>
+              <a:t>Backward Selection</a:t>
             </a:r>
           </a:p>
         </p:txBody>
       </p:sp>
       <p:sp>
         <p:nvSpPr>
-          <p:cNvPr id="3" name="TextBox 2">
+          <p:cNvPr id="7" name="TextBox 6">
             <a:extLst>
               <a:ext uri="{FF2B5EF4-FFF2-40B4-BE49-F238E27FC236}">
-                <a16:creationId xmlns:a16="http://schemas.microsoft.com/office/drawing/2014/main" id="{02F2A7FD-66F5-E1BD-6687-C5231F954E61}"/>
+                <a16:creationId xmlns:a16="http://schemas.microsoft.com/office/drawing/2014/main" id="{580966AF-E6B5-1EE1-38E5-1D343C77C495}"/>
               </a:ext>
             </a:extLst>
           </p:cNvPr>
@@ -5760,8 +6313,8 @@
         </p:nvSpPr>
         <p:spPr>
           <a:xfrm>
-            <a:off x="1036319" y="4384506"/>
-            <a:ext cx="10317482" cy="2246769"/>
+            <a:off x="1036319" y="3982843"/>
+            <a:ext cx="4453655" cy="523220"/>
           </a:xfrm>
           <a:prstGeom prst="rect">
             <a:avLst/>
@@ -5775,14 +6328,9 @@
           <a:lstStyle/>
           <a:p>
             <a:r>
-              <a:rPr lang="en-US" sz="2800" dirty="0"/>
-              <a:t>Add to that model the variable that results in the lowest RSS amongst all two-variable models. (Continue until some stopping rule is satisfied) </a:t>
+              <a:rPr lang="en-US" sz="2800" dirty="0" err="1"/>
+              <a:t>Colinearity</a:t>
             </a:r>
-          </a:p>
-          <a:p>
-            <a:endParaRPr lang="en-US" sz="2800" dirty="0"/>
-          </a:p>
-          <a:p>
             <a:endParaRPr lang="en-US" sz="2800" dirty="0"/>
           </a:p>
         </p:txBody>
@@ -5790,7 +6338,7 @@
     </p:spTree>
     <p:extLst>
       <p:ext uri="{BB962C8B-B14F-4D97-AF65-F5344CB8AC3E}">
-        <p14:creationId xmlns:p14="http://schemas.microsoft.com/office/powerpoint/2010/main" val="3716468142"/>
+        <p14:creationId xmlns:p14="http://schemas.microsoft.com/office/powerpoint/2010/main" val="1383625480"/>
       </p:ext>
     </p:extLst>
   </p:cSld>
@@ -5841,6 +6389,176 @@
           <a:p>
             <a:r>
               <a:rPr lang="en-US" dirty="0"/>
+              <a:t>Forward Selection</a:t>
+            </a:r>
+          </a:p>
+        </p:txBody>
+      </p:sp>
+      <p:sp>
+        <p:nvSpPr>
+          <p:cNvPr id="4" name="TextBox 3">
+            <a:extLst>
+              <a:ext uri="{FF2B5EF4-FFF2-40B4-BE49-F238E27FC236}">
+                <a16:creationId xmlns:a16="http://schemas.microsoft.com/office/drawing/2014/main" id="{ABD93568-BDBC-1B9E-6C70-DD6A87A29192}"/>
+              </a:ext>
+            </a:extLst>
+          </p:cNvPr>
+          <p:cNvSpPr txBox="1"/>
+          <p:nvPr/>
+        </p:nvSpPr>
+        <p:spPr>
+          <a:xfrm>
+            <a:off x="1036319" y="1680835"/>
+            <a:ext cx="10119362" cy="954107"/>
+          </a:xfrm>
+          <a:prstGeom prst="rect">
+            <a:avLst/>
+          </a:prstGeom>
+          <a:noFill/>
+        </p:spPr>
+        <p:txBody>
+          <a:bodyPr wrap="square">
+            <a:spAutoFit/>
+          </a:bodyPr>
+          <a:lstStyle/>
+          <a:p>
+            <a:r>
+              <a:rPr lang="en-US" sz="2800" dirty="0"/>
+              <a:t>Begin with the null model — a model that contains an intercept but no predictors. </a:t>
+            </a:r>
+          </a:p>
+        </p:txBody>
+      </p:sp>
+      <p:sp>
+        <p:nvSpPr>
+          <p:cNvPr id="6" name="TextBox 5">
+            <a:extLst>
+              <a:ext uri="{FF2B5EF4-FFF2-40B4-BE49-F238E27FC236}">
+                <a16:creationId xmlns:a16="http://schemas.microsoft.com/office/drawing/2014/main" id="{C9F5CD7A-D397-8BEF-32CC-F1330EF0E863}"/>
+              </a:ext>
+            </a:extLst>
+          </p:cNvPr>
+          <p:cNvSpPr txBox="1"/>
+          <p:nvPr/>
+        </p:nvSpPr>
+        <p:spPr>
+          <a:xfrm>
+            <a:off x="1036319" y="2951946"/>
+            <a:ext cx="10317482" cy="954107"/>
+          </a:xfrm>
+          <a:prstGeom prst="rect">
+            <a:avLst/>
+          </a:prstGeom>
+          <a:noFill/>
+        </p:spPr>
+        <p:txBody>
+          <a:bodyPr wrap="square">
+            <a:spAutoFit/>
+          </a:bodyPr>
+          <a:lstStyle/>
+          <a:p>
+            <a:r>
+              <a:rPr lang="en-US" sz="2800" dirty="0"/>
+              <a:t>Fit p simple linear regressions and add to the null model the variable that results in the lowest RSS. </a:t>
+            </a:r>
+          </a:p>
+        </p:txBody>
+      </p:sp>
+      <p:sp>
+        <p:nvSpPr>
+          <p:cNvPr id="3" name="TextBox 2">
+            <a:extLst>
+              <a:ext uri="{FF2B5EF4-FFF2-40B4-BE49-F238E27FC236}">
+                <a16:creationId xmlns:a16="http://schemas.microsoft.com/office/drawing/2014/main" id="{02F2A7FD-66F5-E1BD-6687-C5231F954E61}"/>
+              </a:ext>
+            </a:extLst>
+          </p:cNvPr>
+          <p:cNvSpPr txBox="1"/>
+          <p:nvPr/>
+        </p:nvSpPr>
+        <p:spPr>
+          <a:xfrm>
+            <a:off x="1036319" y="4384506"/>
+            <a:ext cx="10317482" cy="2246769"/>
+          </a:xfrm>
+          <a:prstGeom prst="rect">
+            <a:avLst/>
+          </a:prstGeom>
+          <a:noFill/>
+        </p:spPr>
+        <p:txBody>
+          <a:bodyPr wrap="square">
+            <a:spAutoFit/>
+          </a:bodyPr>
+          <a:lstStyle/>
+          <a:p>
+            <a:r>
+              <a:rPr lang="en-US" sz="2800" dirty="0"/>
+              <a:t>Add to that model the variable that results in the lowest RSS amongst all two-variable models. (Continue until some stopping rule is satisfied) </a:t>
+            </a:r>
+          </a:p>
+          <a:p>
+            <a:endParaRPr lang="en-US" sz="2800" dirty="0"/>
+          </a:p>
+          <a:p>
+            <a:endParaRPr lang="en-US" sz="2800" dirty="0"/>
+          </a:p>
+        </p:txBody>
+      </p:sp>
+    </p:spTree>
+    <p:extLst>
+      <p:ext uri="{BB962C8B-B14F-4D97-AF65-F5344CB8AC3E}">
+        <p14:creationId xmlns:p14="http://schemas.microsoft.com/office/powerpoint/2010/main" val="3716468142"/>
+      </p:ext>
+    </p:extLst>
+  </p:cSld>
+  <p:clrMapOvr>
+    <a:masterClrMapping/>
+  </p:clrMapOvr>
+</p:sld>
+</file>
+
+<file path=ppt/slides/slide15.xml><?xml version="1.0" encoding="utf-8"?>
+<p:sld xmlns:a="http://schemas.openxmlformats.org/drawingml/2006/main" xmlns:r="http://schemas.openxmlformats.org/officeDocument/2006/relationships" xmlns:p="http://schemas.openxmlformats.org/presentationml/2006/main">
+  <p:cSld>
+    <p:spTree>
+      <p:nvGrpSpPr>
+        <p:cNvPr id="1" name=""/>
+        <p:cNvGrpSpPr/>
+        <p:nvPr/>
+      </p:nvGrpSpPr>
+      <p:grpSpPr>
+        <a:xfrm>
+          <a:off x="0" y="0"/>
+          <a:ext cx="0" cy="0"/>
+          <a:chOff x="0" y="0"/>
+          <a:chExt cx="0" cy="0"/>
+        </a:xfrm>
+      </p:grpSpPr>
+      <p:sp>
+        <p:nvSpPr>
+          <p:cNvPr id="2" name="Title 1"/>
+          <p:cNvSpPr>
+            <a:spLocks noGrp="1"/>
+          </p:cNvSpPr>
+          <p:nvPr>
+            <p:ph type="title"/>
+          </p:nvPr>
+        </p:nvSpPr>
+        <p:spPr>
+          <a:xfrm>
+            <a:off x="838200" y="365126"/>
+            <a:ext cx="10515600" cy="981894"/>
+          </a:xfrm>
+        </p:spPr>
+        <p:txBody>
+          <a:bodyPr>
+            <a:normAutofit/>
+          </a:bodyPr>
+          <a:lstStyle/>
+          <a:p>
+            <a:r>
+              <a:rPr lang="en-US" dirty="0"/>
               <a:t>Backward Selection</a:t>
             </a:r>
           </a:p>
@@ -6002,7 +6720,7 @@
 </p:sld>
 </file>
 
-<file path=ppt/slides/slide15.xml><?xml version="1.0" encoding="utf-8"?>
+<file path=ppt/slides/slide16.xml><?xml version="1.0" encoding="utf-8"?>
 <p:sld xmlns:a="http://schemas.openxmlformats.org/drawingml/2006/main" xmlns:r="http://schemas.openxmlformats.org/officeDocument/2006/relationships" xmlns:p="http://schemas.openxmlformats.org/presentationml/2006/main">
   <p:cSld>
     <p:spTree>
@@ -6214,7 +6932,1215 @@
 </p:sld>
 </file>
 
-<file path=ppt/slides/slide16.xml><?xml version="1.0" encoding="utf-8"?>
+<file path=ppt/slides/slide17.xml><?xml version="1.0" encoding="utf-8"?>
+<p:sld xmlns:a="http://schemas.openxmlformats.org/drawingml/2006/main" xmlns:r="http://schemas.openxmlformats.org/officeDocument/2006/relationships" xmlns:p="http://schemas.openxmlformats.org/presentationml/2006/main">
+  <p:cSld>
+    <p:spTree>
+      <p:nvGrpSpPr>
+        <p:cNvPr id="1" name=""/>
+        <p:cNvGrpSpPr/>
+        <p:nvPr/>
+      </p:nvGrpSpPr>
+      <p:grpSpPr>
+        <a:xfrm>
+          <a:off x="0" y="0"/>
+          <a:ext cx="0" cy="0"/>
+          <a:chOff x="0" y="0"/>
+          <a:chExt cx="0" cy="0"/>
+        </a:xfrm>
+      </p:grpSpPr>
+      <p:sp>
+        <p:nvSpPr>
+          <p:cNvPr id="2" name="Title 1"/>
+          <p:cNvSpPr>
+            <a:spLocks noGrp="1"/>
+          </p:cNvSpPr>
+          <p:nvPr>
+            <p:ph type="title"/>
+          </p:nvPr>
+        </p:nvSpPr>
+        <p:spPr>
+          <a:xfrm>
+            <a:off x="838200" y="365126"/>
+            <a:ext cx="10515600" cy="981894"/>
+          </a:xfrm>
+        </p:spPr>
+        <p:txBody>
+          <a:bodyPr>
+            <a:normAutofit/>
+          </a:bodyPr>
+          <a:lstStyle/>
+          <a:p>
+            <a:r>
+              <a:rPr lang="en-US" dirty="0"/>
+              <a:t>Variable Interaction / Nonlinear Effects</a:t>
+            </a:r>
+          </a:p>
+        </p:txBody>
+      </p:sp>
+      <mc:AlternateContent xmlns:mc="http://schemas.openxmlformats.org/markup-compatibility/2006">
+        <mc:Choice xmlns:a14="http://schemas.microsoft.com/office/drawing/2010/main" Requires="a14">
+          <p:sp>
+            <p:nvSpPr>
+              <p:cNvPr id="4" name="TextBox 3">
+                <a:extLst>
+                  <a:ext uri="{FF2B5EF4-FFF2-40B4-BE49-F238E27FC236}">
+                    <a16:creationId xmlns:a16="http://schemas.microsoft.com/office/drawing/2014/main" id="{ABD93568-BDBC-1B9E-6C70-DD6A87A29192}"/>
+                  </a:ext>
+                </a:extLst>
+              </p:cNvPr>
+              <p:cNvSpPr txBox="1"/>
+              <p:nvPr/>
+            </p:nvSpPr>
+            <p:spPr>
+              <a:xfrm>
+                <a:off x="1036319" y="1680835"/>
+                <a:ext cx="10119362" cy="1231106"/>
+              </a:xfrm>
+              <a:prstGeom prst="rect">
+                <a:avLst/>
+              </a:prstGeom>
+              <a:noFill/>
+            </p:spPr>
+            <p:txBody>
+              <a:bodyPr wrap="square">
+                <a:spAutoFit/>
+              </a:bodyPr>
+              <a:lstStyle/>
+              <a:p>
+                <a:r>
+                  <a:rPr lang="en-US" sz="2800" b="0" i="0" dirty="0">
+                    <a:solidFill>
+                      <a:srgbClr val="242424"/>
+                    </a:solidFill>
+                    <a:effectLst/>
+                    <a:latin typeface="source-serif-pro"/>
+                  </a:rPr>
+                  <a:t>Consider interaction betw</a:t>
+                </a:r>
+                <a:r>
+                  <a:rPr lang="en-US" sz="2800" dirty="0">
+                    <a:solidFill>
+                      <a:srgbClr val="242424"/>
+                    </a:solidFill>
+                    <a:latin typeface="source-serif-pro"/>
+                  </a:rPr>
+                  <a:t>een </a:t>
+                </a:r>
+                <a14:m>
+                  <m:oMath xmlns:m="http://schemas.openxmlformats.org/officeDocument/2006/math">
+                    <m:sSub>
+                      <m:sSubPr>
+                        <m:ctrlPr>
+                          <a:rPr lang="en-US" sz="2800" b="0" i="1" smtClean="0">
+                            <a:solidFill>
+                              <a:srgbClr val="242424"/>
+                            </a:solidFill>
+                            <a:latin typeface="Cambria Math" panose="02040503050406030204" pitchFamily="18" charset="0"/>
+                          </a:rPr>
+                        </m:ctrlPr>
+                      </m:sSubPr>
+                      <m:e>
+                        <m:r>
+                          <a:rPr lang="en-US" sz="2800" b="0" i="1" smtClean="0">
+                            <a:solidFill>
+                              <a:srgbClr val="242424"/>
+                            </a:solidFill>
+                            <a:latin typeface="Cambria Math" panose="02040503050406030204" pitchFamily="18" charset="0"/>
+                          </a:rPr>
+                          <m:t>𝑋</m:t>
+                        </m:r>
+                      </m:e>
+                      <m:sub>
+                        <m:r>
+                          <a:rPr lang="en-US" sz="2800" b="0" i="1" smtClean="0">
+                            <a:solidFill>
+                              <a:srgbClr val="242424"/>
+                            </a:solidFill>
+                            <a:latin typeface="Cambria Math" panose="02040503050406030204" pitchFamily="18" charset="0"/>
+                          </a:rPr>
+                          <m:t>1</m:t>
+                        </m:r>
+                      </m:sub>
+                    </m:sSub>
+                  </m:oMath>
+                </a14:m>
+                <a:r>
+                  <a:rPr lang="en-US" sz="2800" b="0" i="0" dirty="0">
+                    <a:solidFill>
+                      <a:srgbClr val="242424"/>
+                    </a:solidFill>
+                    <a:effectLst/>
+                    <a:latin typeface="source-serif-pro"/>
+                  </a:rPr>
+                  <a:t> and </a:t>
+                </a:r>
+                <a14:m>
+                  <m:oMath xmlns:m="http://schemas.openxmlformats.org/officeDocument/2006/math">
+                    <m:sSub>
+                      <m:sSubPr>
+                        <m:ctrlPr>
+                          <a:rPr lang="en-US" sz="2800" i="1">
+                            <a:solidFill>
+                              <a:srgbClr val="242424"/>
+                            </a:solidFill>
+                            <a:latin typeface="Cambria Math" panose="02040503050406030204" pitchFamily="18" charset="0"/>
+                          </a:rPr>
+                        </m:ctrlPr>
+                      </m:sSubPr>
+                      <m:e>
+                        <m:r>
+                          <a:rPr lang="en-US" sz="2800" i="1">
+                            <a:solidFill>
+                              <a:srgbClr val="242424"/>
+                            </a:solidFill>
+                            <a:latin typeface="Cambria Math" panose="02040503050406030204" pitchFamily="18" charset="0"/>
+                          </a:rPr>
+                          <m:t>𝑋</m:t>
+                        </m:r>
+                      </m:e>
+                      <m:sub>
+                        <m:r>
+                          <a:rPr lang="en-US" sz="2800" b="0" i="1" smtClean="0">
+                            <a:solidFill>
+                              <a:srgbClr val="242424"/>
+                            </a:solidFill>
+                            <a:latin typeface="Cambria Math" panose="02040503050406030204" pitchFamily="18" charset="0"/>
+                          </a:rPr>
+                          <m:t>2</m:t>
+                        </m:r>
+                      </m:sub>
+                    </m:sSub>
+                  </m:oMath>
+                </a14:m>
+                <a:r>
+                  <a:rPr lang="en-US" sz="2800" b="0" i="0" dirty="0">
+                    <a:solidFill>
+                      <a:srgbClr val="242424"/>
+                    </a:solidFill>
+                    <a:effectLst/>
+                    <a:latin typeface="source-serif-pro"/>
+                  </a:rPr>
+                  <a:t>.</a:t>
+                </a:r>
+                <a:r>
+                  <a:rPr lang="en-US" sz="1800" dirty="0">
+                    <a:solidFill>
+                      <a:srgbClr val="3333B2"/>
+                    </a:solidFill>
+                    <a:effectLst/>
+                    <a:latin typeface="CMR10"/>
+                  </a:rPr>
+                  <a:t> </a:t>
+                </a:r>
+                <a:endParaRPr lang="en-US" sz="1800" dirty="0">
+                  <a:solidFill>
+                    <a:srgbClr val="3333B2"/>
+                  </a:solidFill>
+                  <a:effectLst/>
+                  <a:latin typeface="CMSY10"/>
+                </a:endParaRPr>
+              </a:p>
+              <a:p>
+                <a:endParaRPr lang="en-US" sz="1800" dirty="0">
+                  <a:solidFill>
+                    <a:srgbClr val="3333B2"/>
+                  </a:solidFill>
+                  <a:effectLst/>
+                  <a:latin typeface="CMSY10"/>
+                </a:endParaRPr>
+              </a:p>
+              <a:p>
+                <a:endParaRPr lang="en-US" sz="2800" dirty="0"/>
+              </a:p>
+            </p:txBody>
+          </p:sp>
+        </mc:Choice>
+        <mc:Fallback>
+          <p:sp>
+            <p:nvSpPr>
+              <p:cNvPr id="4" name="TextBox 3">
+                <a:extLst>
+                  <a:ext uri="{FF2B5EF4-FFF2-40B4-BE49-F238E27FC236}">
+                    <a16:creationId xmlns:a16="http://schemas.microsoft.com/office/drawing/2014/main" id="{ABD93568-BDBC-1B9E-6C70-DD6A87A29192}"/>
+                  </a:ext>
+                </a:extLst>
+              </p:cNvPr>
+              <p:cNvSpPr txBox="1">
+                <a:spLocks noRot="1" noChangeAspect="1" noMove="1" noResize="1" noEditPoints="1" noAdjustHandles="1" noChangeArrowheads="1" noChangeShapeType="1" noTextEdit="1"/>
+              </p:cNvSpPr>
+              <p:nvPr/>
+            </p:nvSpPr>
+            <p:spPr>
+              <a:xfrm>
+                <a:off x="1036319" y="1680835"/>
+                <a:ext cx="10119362" cy="1231106"/>
+              </a:xfrm>
+              <a:prstGeom prst="rect">
+                <a:avLst/>
+              </a:prstGeom>
+              <a:blipFill>
+                <a:blip r:embed="rId3"/>
+                <a:stretch>
+                  <a:fillRect l="-1253" t="-5102"/>
+                </a:stretch>
+              </a:blipFill>
+            </p:spPr>
+            <p:txBody>
+              <a:bodyPr/>
+              <a:lstStyle/>
+              <a:p>
+                <a:r>
+                  <a:rPr lang="en-US">
+                    <a:noFill/>
+                  </a:rPr>
+                  <a:t> </a:t>
+                </a:r>
+              </a:p>
+            </p:txBody>
+          </p:sp>
+        </mc:Fallback>
+      </mc:AlternateContent>
+      <mc:AlternateContent xmlns:mc="http://schemas.openxmlformats.org/markup-compatibility/2006">
+        <mc:Choice xmlns:a14="http://schemas.microsoft.com/office/drawing/2010/main" Requires="a14">
+          <p:sp>
+            <p:nvSpPr>
+              <p:cNvPr id="5" name="TextBox 4">
+                <a:extLst>
+                  <a:ext uri="{FF2B5EF4-FFF2-40B4-BE49-F238E27FC236}">
+                    <a16:creationId xmlns:a16="http://schemas.microsoft.com/office/drawing/2014/main" id="{E7BE80E4-A474-4266-1E16-12E6E9A7D95B}"/>
+                  </a:ext>
+                </a:extLst>
+              </p:cNvPr>
+              <p:cNvSpPr txBox="1"/>
+              <p:nvPr/>
+            </p:nvSpPr>
+            <p:spPr>
+              <a:xfrm>
+                <a:off x="838200" y="2722536"/>
+                <a:ext cx="9951720" cy="523220"/>
+              </a:xfrm>
+              <a:prstGeom prst="rect">
+                <a:avLst/>
+              </a:prstGeom>
+              <a:noFill/>
+            </p:spPr>
+            <p:txBody>
+              <a:bodyPr wrap="square">
+                <a:spAutoFit/>
+              </a:bodyPr>
+              <a:lstStyle/>
+              <a:p>
+                <a:pPr/>
+                <a14:m>
+                  <m:oMathPara xmlns:m="http://schemas.openxmlformats.org/officeDocument/2006/math">
+                    <m:oMathParaPr>
+                      <m:jc m:val="centerGroup"/>
+                    </m:oMathParaPr>
+                    <m:oMath xmlns:m="http://schemas.openxmlformats.org/officeDocument/2006/math">
+                      <m:r>
+                        <a:rPr lang="en-US" sz="2800" b="0" i="1" smtClean="0">
+                          <a:latin typeface="Cambria Math" panose="02040503050406030204" pitchFamily="18" charset="0"/>
+                        </a:rPr>
+                        <m:t>𝑌</m:t>
+                      </m:r>
+                      <m:r>
+                        <a:rPr lang="en-US" sz="2800" b="0" i="1" smtClean="0">
+                          <a:latin typeface="Cambria Math" panose="02040503050406030204" pitchFamily="18" charset="0"/>
+                        </a:rPr>
+                        <m:t>=</m:t>
+                      </m:r>
+                      <m:sSub>
+                        <m:sSubPr>
+                          <m:ctrlPr>
+                            <a:rPr lang="en-US" sz="2800" b="0" i="1" smtClean="0">
+                              <a:latin typeface="Cambria Math" panose="02040503050406030204" pitchFamily="18" charset="0"/>
+                            </a:rPr>
+                          </m:ctrlPr>
+                        </m:sSubPr>
+                        <m:e>
+                          <m:r>
+                            <a:rPr lang="en-US" sz="2800" b="0" i="1" smtClean="0">
+                              <a:latin typeface="Cambria Math" panose="02040503050406030204" pitchFamily="18" charset="0"/>
+                            </a:rPr>
+                            <m:t>𝛽</m:t>
+                          </m:r>
+                        </m:e>
+                        <m:sub>
+                          <m:r>
+                            <a:rPr lang="en-US" sz="2800" b="0" i="1" smtClean="0">
+                              <a:latin typeface="Cambria Math" panose="02040503050406030204" pitchFamily="18" charset="0"/>
+                            </a:rPr>
+                            <m:t>0</m:t>
+                          </m:r>
+                        </m:sub>
+                      </m:sSub>
+                      <m:r>
+                        <a:rPr lang="en-US" sz="2800" b="0" i="1" smtClean="0">
+                          <a:latin typeface="Cambria Math" panose="02040503050406030204" pitchFamily="18" charset="0"/>
+                        </a:rPr>
+                        <m:t>+</m:t>
+                      </m:r>
+                      <m:sSub>
+                        <m:sSubPr>
+                          <m:ctrlPr>
+                            <a:rPr lang="en-US" sz="2800" b="0" i="1" smtClean="0">
+                              <a:latin typeface="Cambria Math" panose="02040503050406030204" pitchFamily="18" charset="0"/>
+                            </a:rPr>
+                          </m:ctrlPr>
+                        </m:sSubPr>
+                        <m:e>
+                          <m:r>
+                            <a:rPr lang="en-US" sz="2800" b="0" i="1" smtClean="0">
+                              <a:latin typeface="Cambria Math" panose="02040503050406030204" pitchFamily="18" charset="0"/>
+                            </a:rPr>
+                            <m:t>𝛽</m:t>
+                          </m:r>
+                        </m:e>
+                        <m:sub>
+                          <m:r>
+                            <a:rPr lang="en-US" sz="2800" b="0" i="1" smtClean="0">
+                              <a:latin typeface="Cambria Math" panose="02040503050406030204" pitchFamily="18" charset="0"/>
+                            </a:rPr>
+                            <m:t>1</m:t>
+                          </m:r>
+                        </m:sub>
+                      </m:sSub>
+                      <m:sSub>
+                        <m:sSubPr>
+                          <m:ctrlPr>
+                            <a:rPr lang="en-US" sz="2800" b="0" i="1" smtClean="0">
+                              <a:latin typeface="Cambria Math" panose="02040503050406030204" pitchFamily="18" charset="0"/>
+                            </a:rPr>
+                          </m:ctrlPr>
+                        </m:sSubPr>
+                        <m:e>
+                          <m:r>
+                            <a:rPr lang="en-US" sz="2800" b="0" i="1" smtClean="0">
+                              <a:latin typeface="Cambria Math" panose="02040503050406030204" pitchFamily="18" charset="0"/>
+                            </a:rPr>
+                            <m:t>𝑋</m:t>
+                          </m:r>
+                        </m:e>
+                        <m:sub>
+                          <m:r>
+                            <a:rPr lang="en-US" sz="2800" b="0" i="1" smtClean="0">
+                              <a:latin typeface="Cambria Math" panose="02040503050406030204" pitchFamily="18" charset="0"/>
+                            </a:rPr>
+                            <m:t>1</m:t>
+                          </m:r>
+                        </m:sub>
+                      </m:sSub>
+                      <m:r>
+                        <a:rPr lang="en-US" sz="2800" b="0" i="1" smtClean="0">
+                          <a:latin typeface="Cambria Math" panose="02040503050406030204" pitchFamily="18" charset="0"/>
+                        </a:rPr>
+                        <m:t>+</m:t>
+                      </m:r>
+                      <m:sSub>
+                        <m:sSubPr>
+                          <m:ctrlPr>
+                            <a:rPr lang="en-US" sz="2800" b="0" i="1" smtClean="0">
+                              <a:latin typeface="Cambria Math" panose="02040503050406030204" pitchFamily="18" charset="0"/>
+                            </a:rPr>
+                          </m:ctrlPr>
+                        </m:sSubPr>
+                        <m:e>
+                          <m:r>
+                            <a:rPr lang="en-US" sz="2800" b="0" i="1" smtClean="0">
+                              <a:latin typeface="Cambria Math" panose="02040503050406030204" pitchFamily="18" charset="0"/>
+                            </a:rPr>
+                            <m:t>𝛽</m:t>
+                          </m:r>
+                        </m:e>
+                        <m:sub>
+                          <m:r>
+                            <a:rPr lang="en-US" sz="2800" b="0" i="1" smtClean="0">
+                              <a:latin typeface="Cambria Math" panose="02040503050406030204" pitchFamily="18" charset="0"/>
+                            </a:rPr>
+                            <m:t>2</m:t>
+                          </m:r>
+                        </m:sub>
+                      </m:sSub>
+                      <m:sSub>
+                        <m:sSubPr>
+                          <m:ctrlPr>
+                            <a:rPr lang="en-US" sz="2800" b="0" i="1" smtClean="0">
+                              <a:latin typeface="Cambria Math" panose="02040503050406030204" pitchFamily="18" charset="0"/>
+                            </a:rPr>
+                          </m:ctrlPr>
+                        </m:sSubPr>
+                        <m:e>
+                          <m:r>
+                            <a:rPr lang="en-US" sz="2800" b="0" i="1" smtClean="0">
+                              <a:latin typeface="Cambria Math" panose="02040503050406030204" pitchFamily="18" charset="0"/>
+                            </a:rPr>
+                            <m:t>𝑋</m:t>
+                          </m:r>
+                        </m:e>
+                        <m:sub>
+                          <m:r>
+                            <a:rPr lang="en-US" sz="2800" b="0" i="1" smtClean="0">
+                              <a:latin typeface="Cambria Math" panose="02040503050406030204" pitchFamily="18" charset="0"/>
+                            </a:rPr>
+                            <m:t>2</m:t>
+                          </m:r>
+                        </m:sub>
+                      </m:sSub>
+                      <m:r>
+                        <a:rPr lang="en-US" sz="2800" b="0" i="1" smtClean="0">
+                          <a:latin typeface="Cambria Math" panose="02040503050406030204" pitchFamily="18" charset="0"/>
+                        </a:rPr>
+                        <m:t>+</m:t>
+                      </m:r>
+                      <m:sSub>
+                        <m:sSubPr>
+                          <m:ctrlPr>
+                            <a:rPr lang="en-US" sz="2800" b="0" i="1" smtClean="0">
+                              <a:latin typeface="Cambria Math" panose="02040503050406030204" pitchFamily="18" charset="0"/>
+                            </a:rPr>
+                          </m:ctrlPr>
+                        </m:sSubPr>
+                        <m:e>
+                          <m:r>
+                            <a:rPr lang="en-US" sz="2800" b="0" i="1" smtClean="0">
+                              <a:latin typeface="Cambria Math" panose="02040503050406030204" pitchFamily="18" charset="0"/>
+                            </a:rPr>
+                            <m:t>𝛽</m:t>
+                          </m:r>
+                        </m:e>
+                        <m:sub>
+                          <m:r>
+                            <a:rPr lang="en-US" sz="2800" b="0" i="1" smtClean="0">
+                              <a:latin typeface="Cambria Math" panose="02040503050406030204" pitchFamily="18" charset="0"/>
+                            </a:rPr>
+                            <m:t>3</m:t>
+                          </m:r>
+                        </m:sub>
+                      </m:sSub>
+                      <m:sSub>
+                        <m:sSubPr>
+                          <m:ctrlPr>
+                            <a:rPr lang="en-US" sz="2800" b="0" i="1" smtClean="0">
+                              <a:latin typeface="Cambria Math" panose="02040503050406030204" pitchFamily="18" charset="0"/>
+                            </a:rPr>
+                          </m:ctrlPr>
+                        </m:sSubPr>
+                        <m:e>
+                          <m:r>
+                            <a:rPr lang="en-US" sz="2800" b="0" i="1" smtClean="0">
+                              <a:latin typeface="Cambria Math" panose="02040503050406030204" pitchFamily="18" charset="0"/>
+                            </a:rPr>
+                            <m:t>𝑋</m:t>
+                          </m:r>
+                        </m:e>
+                        <m:sub>
+                          <m:r>
+                            <a:rPr lang="en-US" sz="2800" b="0" i="1" smtClean="0">
+                              <a:latin typeface="Cambria Math" panose="02040503050406030204" pitchFamily="18" charset="0"/>
+                            </a:rPr>
+                            <m:t>1</m:t>
+                          </m:r>
+                        </m:sub>
+                      </m:sSub>
+                      <m:sSub>
+                        <m:sSubPr>
+                          <m:ctrlPr>
+                            <a:rPr lang="en-US" sz="2800" b="0" i="1" smtClean="0">
+                              <a:latin typeface="Cambria Math" panose="02040503050406030204" pitchFamily="18" charset="0"/>
+                            </a:rPr>
+                          </m:ctrlPr>
+                        </m:sSubPr>
+                        <m:e>
+                          <m:r>
+                            <a:rPr lang="en-US" sz="2800" b="0" i="1" smtClean="0">
+                              <a:latin typeface="Cambria Math" panose="02040503050406030204" pitchFamily="18" charset="0"/>
+                            </a:rPr>
+                            <m:t>𝑋</m:t>
+                          </m:r>
+                        </m:e>
+                        <m:sub>
+                          <m:r>
+                            <a:rPr lang="en-US" sz="2800" b="0" i="1" smtClean="0">
+                              <a:latin typeface="Cambria Math" panose="02040503050406030204" pitchFamily="18" charset="0"/>
+                            </a:rPr>
+                            <m:t>2</m:t>
+                          </m:r>
+                        </m:sub>
+                      </m:sSub>
+                      <m:r>
+                        <a:rPr lang="en-US" sz="2800" b="0" i="1" smtClean="0">
+                          <a:latin typeface="Cambria Math" panose="02040503050406030204" pitchFamily="18" charset="0"/>
+                        </a:rPr>
+                        <m:t>+</m:t>
+                      </m:r>
+                      <m:r>
+                        <a:rPr lang="en-US" sz="2800" b="0" i="1" smtClean="0">
+                          <a:latin typeface="Cambria Math" panose="02040503050406030204" pitchFamily="18" charset="0"/>
+                        </a:rPr>
+                        <m:t>𝜖</m:t>
+                      </m:r>
+                    </m:oMath>
+                  </m:oMathPara>
+                </a14:m>
+                <a:endParaRPr lang="en-US" sz="2800" dirty="0"/>
+              </a:p>
+            </p:txBody>
+          </p:sp>
+        </mc:Choice>
+        <mc:Fallback>
+          <p:sp>
+            <p:nvSpPr>
+              <p:cNvPr id="5" name="TextBox 4">
+                <a:extLst>
+                  <a:ext uri="{FF2B5EF4-FFF2-40B4-BE49-F238E27FC236}">
+                    <a16:creationId xmlns:a16="http://schemas.microsoft.com/office/drawing/2014/main" id="{E7BE80E4-A474-4266-1E16-12E6E9A7D95B}"/>
+                  </a:ext>
+                </a:extLst>
+              </p:cNvPr>
+              <p:cNvSpPr txBox="1">
+                <a:spLocks noRot="1" noChangeAspect="1" noMove="1" noResize="1" noEditPoints="1" noAdjustHandles="1" noChangeArrowheads="1" noChangeShapeType="1" noTextEdit="1"/>
+              </p:cNvSpPr>
+              <p:nvPr/>
+            </p:nvSpPr>
+            <p:spPr>
+              <a:xfrm>
+                <a:off x="838200" y="2722536"/>
+                <a:ext cx="9951720" cy="523220"/>
+              </a:xfrm>
+              <a:prstGeom prst="rect">
+                <a:avLst/>
+              </a:prstGeom>
+              <a:blipFill>
+                <a:blip r:embed="rId4"/>
+                <a:stretch>
+                  <a:fillRect b="-19048"/>
+                </a:stretch>
+              </a:blipFill>
+            </p:spPr>
+            <p:txBody>
+              <a:bodyPr/>
+              <a:lstStyle/>
+              <a:p>
+                <a:r>
+                  <a:rPr lang="en-US">
+                    <a:noFill/>
+                  </a:rPr>
+                  <a:t> </a:t>
+                </a:r>
+              </a:p>
+            </p:txBody>
+          </p:sp>
+        </mc:Fallback>
+      </mc:AlternateContent>
+      <mc:AlternateContent xmlns:mc="http://schemas.openxmlformats.org/markup-compatibility/2006">
+        <mc:Choice xmlns:a14="http://schemas.microsoft.com/office/drawing/2010/main" Requires="a14">
+          <p:sp>
+            <p:nvSpPr>
+              <p:cNvPr id="8" name="TextBox 7">
+                <a:extLst>
+                  <a:ext uri="{FF2B5EF4-FFF2-40B4-BE49-F238E27FC236}">
+                    <a16:creationId xmlns:a16="http://schemas.microsoft.com/office/drawing/2014/main" id="{FBCC30E1-91A3-60A6-92CD-F4DFD42BDDD8}"/>
+                  </a:ext>
+                </a:extLst>
+              </p:cNvPr>
+              <p:cNvSpPr txBox="1"/>
+              <p:nvPr/>
+            </p:nvSpPr>
+            <p:spPr>
+              <a:xfrm>
+                <a:off x="1036319" y="3776371"/>
+                <a:ext cx="10119362" cy="1231106"/>
+              </a:xfrm>
+              <a:prstGeom prst="rect">
+                <a:avLst/>
+              </a:prstGeom>
+              <a:noFill/>
+            </p:spPr>
+            <p:txBody>
+              <a:bodyPr wrap="square">
+                <a:spAutoFit/>
+              </a:bodyPr>
+              <a:lstStyle/>
+              <a:p>
+                <a:r>
+                  <a:rPr lang="en-US" sz="2800" b="0" i="0" dirty="0">
+                    <a:solidFill>
+                      <a:srgbClr val="242424"/>
+                    </a:solidFill>
+                    <a:effectLst/>
+                    <a:latin typeface="source-serif-pro"/>
+                  </a:rPr>
+                  <a:t>Consider nonlinear effects of </a:t>
+                </a:r>
+                <a14:m>
+                  <m:oMath xmlns:m="http://schemas.openxmlformats.org/officeDocument/2006/math">
+                    <m:sSub>
+                      <m:sSubPr>
+                        <m:ctrlPr>
+                          <a:rPr lang="en-US" sz="2800" b="0" i="1" smtClean="0">
+                            <a:solidFill>
+                              <a:srgbClr val="242424"/>
+                            </a:solidFill>
+                            <a:latin typeface="Cambria Math" panose="02040503050406030204" pitchFamily="18" charset="0"/>
+                          </a:rPr>
+                        </m:ctrlPr>
+                      </m:sSubPr>
+                      <m:e>
+                        <m:r>
+                          <a:rPr lang="en-US" sz="2800" b="0" i="1" smtClean="0">
+                            <a:solidFill>
+                              <a:srgbClr val="242424"/>
+                            </a:solidFill>
+                            <a:latin typeface="Cambria Math" panose="02040503050406030204" pitchFamily="18" charset="0"/>
+                          </a:rPr>
+                          <m:t>𝑋</m:t>
+                        </m:r>
+                      </m:e>
+                      <m:sub>
+                        <m:r>
+                          <a:rPr lang="en-US" sz="2800" b="0" i="1" smtClean="0">
+                            <a:solidFill>
+                              <a:srgbClr val="242424"/>
+                            </a:solidFill>
+                            <a:latin typeface="Cambria Math" panose="02040503050406030204" pitchFamily="18" charset="0"/>
+                          </a:rPr>
+                          <m:t>1</m:t>
+                        </m:r>
+                      </m:sub>
+                    </m:sSub>
+                  </m:oMath>
+                </a14:m>
+                <a:endParaRPr lang="en-US" sz="1800" dirty="0">
+                  <a:solidFill>
+                    <a:srgbClr val="3333B2"/>
+                  </a:solidFill>
+                  <a:effectLst/>
+                  <a:latin typeface="CMSY10"/>
+                </a:endParaRPr>
+              </a:p>
+              <a:p>
+                <a:endParaRPr lang="en-US" sz="1800" dirty="0">
+                  <a:solidFill>
+                    <a:srgbClr val="3333B2"/>
+                  </a:solidFill>
+                  <a:effectLst/>
+                  <a:latin typeface="CMSY10"/>
+                </a:endParaRPr>
+              </a:p>
+              <a:p>
+                <a:endParaRPr lang="en-US" sz="2800" dirty="0"/>
+              </a:p>
+            </p:txBody>
+          </p:sp>
+        </mc:Choice>
+        <mc:Fallback>
+          <p:sp>
+            <p:nvSpPr>
+              <p:cNvPr id="8" name="TextBox 7">
+                <a:extLst>
+                  <a:ext uri="{FF2B5EF4-FFF2-40B4-BE49-F238E27FC236}">
+                    <a16:creationId xmlns:a16="http://schemas.microsoft.com/office/drawing/2014/main" id="{FBCC30E1-91A3-60A6-92CD-F4DFD42BDDD8}"/>
+                  </a:ext>
+                </a:extLst>
+              </p:cNvPr>
+              <p:cNvSpPr txBox="1">
+                <a:spLocks noRot="1" noChangeAspect="1" noMove="1" noResize="1" noEditPoints="1" noAdjustHandles="1" noChangeArrowheads="1" noChangeShapeType="1" noTextEdit="1"/>
+              </p:cNvSpPr>
+              <p:nvPr/>
+            </p:nvSpPr>
+            <p:spPr>
+              <a:xfrm>
+                <a:off x="1036319" y="3776371"/>
+                <a:ext cx="10119362" cy="1231106"/>
+              </a:xfrm>
+              <a:prstGeom prst="rect">
+                <a:avLst/>
+              </a:prstGeom>
+              <a:blipFill>
+                <a:blip r:embed="rId5"/>
+                <a:stretch>
+                  <a:fillRect l="-1253" t="-5102"/>
+                </a:stretch>
+              </a:blipFill>
+            </p:spPr>
+            <p:txBody>
+              <a:bodyPr/>
+              <a:lstStyle/>
+              <a:p>
+                <a:r>
+                  <a:rPr lang="en-US">
+                    <a:noFill/>
+                  </a:rPr>
+                  <a:t> </a:t>
+                </a:r>
+              </a:p>
+            </p:txBody>
+          </p:sp>
+        </mc:Fallback>
+      </mc:AlternateContent>
+      <mc:AlternateContent xmlns:mc="http://schemas.openxmlformats.org/markup-compatibility/2006">
+        <mc:Choice xmlns:a14="http://schemas.microsoft.com/office/drawing/2010/main" Requires="a14">
+          <p:sp>
+            <p:nvSpPr>
+              <p:cNvPr id="9" name="TextBox 8">
+                <a:extLst>
+                  <a:ext uri="{FF2B5EF4-FFF2-40B4-BE49-F238E27FC236}">
+                    <a16:creationId xmlns:a16="http://schemas.microsoft.com/office/drawing/2014/main" id="{D59372E6-EE40-810A-A4F1-375FE0C5A6F6}"/>
+                  </a:ext>
+                </a:extLst>
+              </p:cNvPr>
+              <p:cNvSpPr txBox="1"/>
+              <p:nvPr/>
+            </p:nvSpPr>
+            <p:spPr>
+              <a:xfrm>
+                <a:off x="579120" y="4915555"/>
+                <a:ext cx="9951720" cy="523220"/>
+              </a:xfrm>
+              <a:prstGeom prst="rect">
+                <a:avLst/>
+              </a:prstGeom>
+              <a:noFill/>
+            </p:spPr>
+            <p:txBody>
+              <a:bodyPr wrap="square">
+                <a:spAutoFit/>
+              </a:bodyPr>
+              <a:lstStyle/>
+              <a:p>
+                <a:pPr/>
+                <a14:m>
+                  <m:oMathPara xmlns:m="http://schemas.openxmlformats.org/officeDocument/2006/math">
+                    <m:oMathParaPr>
+                      <m:jc m:val="centerGroup"/>
+                    </m:oMathParaPr>
+                    <m:oMath xmlns:m="http://schemas.openxmlformats.org/officeDocument/2006/math">
+                      <m:r>
+                        <a:rPr lang="en-US" sz="2800" b="0" i="1" smtClean="0">
+                          <a:latin typeface="Cambria Math" panose="02040503050406030204" pitchFamily="18" charset="0"/>
+                        </a:rPr>
+                        <m:t>𝑌</m:t>
+                      </m:r>
+                      <m:r>
+                        <a:rPr lang="en-US" sz="2800" b="0" i="1" smtClean="0">
+                          <a:latin typeface="Cambria Math" panose="02040503050406030204" pitchFamily="18" charset="0"/>
+                        </a:rPr>
+                        <m:t>=</m:t>
+                      </m:r>
+                      <m:sSub>
+                        <m:sSubPr>
+                          <m:ctrlPr>
+                            <a:rPr lang="en-US" sz="2800" b="0" i="1" smtClean="0">
+                              <a:latin typeface="Cambria Math" panose="02040503050406030204" pitchFamily="18" charset="0"/>
+                            </a:rPr>
+                          </m:ctrlPr>
+                        </m:sSubPr>
+                        <m:e>
+                          <m:r>
+                            <a:rPr lang="en-US" sz="2800" b="0" i="1" smtClean="0">
+                              <a:latin typeface="Cambria Math" panose="02040503050406030204" pitchFamily="18" charset="0"/>
+                            </a:rPr>
+                            <m:t>𝛽</m:t>
+                          </m:r>
+                        </m:e>
+                        <m:sub>
+                          <m:r>
+                            <a:rPr lang="en-US" sz="2800" b="0" i="1" smtClean="0">
+                              <a:latin typeface="Cambria Math" panose="02040503050406030204" pitchFamily="18" charset="0"/>
+                            </a:rPr>
+                            <m:t>0</m:t>
+                          </m:r>
+                        </m:sub>
+                      </m:sSub>
+                      <m:r>
+                        <a:rPr lang="en-US" sz="2800" b="0" i="1" smtClean="0">
+                          <a:latin typeface="Cambria Math" panose="02040503050406030204" pitchFamily="18" charset="0"/>
+                        </a:rPr>
+                        <m:t>+</m:t>
+                      </m:r>
+                      <m:sSub>
+                        <m:sSubPr>
+                          <m:ctrlPr>
+                            <a:rPr lang="en-US" sz="2800" b="0" i="1" smtClean="0">
+                              <a:latin typeface="Cambria Math" panose="02040503050406030204" pitchFamily="18" charset="0"/>
+                            </a:rPr>
+                          </m:ctrlPr>
+                        </m:sSubPr>
+                        <m:e>
+                          <m:r>
+                            <a:rPr lang="en-US" sz="2800" b="0" i="1" smtClean="0">
+                              <a:latin typeface="Cambria Math" panose="02040503050406030204" pitchFamily="18" charset="0"/>
+                            </a:rPr>
+                            <m:t>𝛽</m:t>
+                          </m:r>
+                        </m:e>
+                        <m:sub>
+                          <m:r>
+                            <a:rPr lang="en-US" sz="2800" b="0" i="1" smtClean="0">
+                              <a:latin typeface="Cambria Math" panose="02040503050406030204" pitchFamily="18" charset="0"/>
+                            </a:rPr>
+                            <m:t>1</m:t>
+                          </m:r>
+                        </m:sub>
+                      </m:sSub>
+                      <m:sSub>
+                        <m:sSubPr>
+                          <m:ctrlPr>
+                            <a:rPr lang="en-US" sz="2800" b="0" i="1" smtClean="0">
+                              <a:latin typeface="Cambria Math" panose="02040503050406030204" pitchFamily="18" charset="0"/>
+                            </a:rPr>
+                          </m:ctrlPr>
+                        </m:sSubPr>
+                        <m:e>
+                          <m:r>
+                            <a:rPr lang="en-US" sz="2800" b="0" i="1" smtClean="0">
+                              <a:latin typeface="Cambria Math" panose="02040503050406030204" pitchFamily="18" charset="0"/>
+                            </a:rPr>
+                            <m:t>𝑋</m:t>
+                          </m:r>
+                        </m:e>
+                        <m:sub>
+                          <m:r>
+                            <a:rPr lang="en-US" sz="2800" b="0" i="1" smtClean="0">
+                              <a:latin typeface="Cambria Math" panose="02040503050406030204" pitchFamily="18" charset="0"/>
+                            </a:rPr>
+                            <m:t>1</m:t>
+                          </m:r>
+                        </m:sub>
+                      </m:sSub>
+                      <m:r>
+                        <a:rPr lang="en-US" sz="2800" b="0" i="1" smtClean="0">
+                          <a:latin typeface="Cambria Math" panose="02040503050406030204" pitchFamily="18" charset="0"/>
+                        </a:rPr>
+                        <m:t>+</m:t>
+                      </m:r>
+                      <m:sSub>
+                        <m:sSubPr>
+                          <m:ctrlPr>
+                            <a:rPr lang="en-US" sz="2800" b="0" i="1" smtClean="0">
+                              <a:latin typeface="Cambria Math" panose="02040503050406030204" pitchFamily="18" charset="0"/>
+                            </a:rPr>
+                          </m:ctrlPr>
+                        </m:sSubPr>
+                        <m:e>
+                          <m:r>
+                            <a:rPr lang="en-US" sz="2800" b="0" i="1" smtClean="0">
+                              <a:latin typeface="Cambria Math" panose="02040503050406030204" pitchFamily="18" charset="0"/>
+                            </a:rPr>
+                            <m:t>𝛽</m:t>
+                          </m:r>
+                        </m:e>
+                        <m:sub>
+                          <m:r>
+                            <a:rPr lang="en-US" sz="2800" b="0" i="1" smtClean="0">
+                              <a:latin typeface="Cambria Math" panose="02040503050406030204" pitchFamily="18" charset="0"/>
+                            </a:rPr>
+                            <m:t>2</m:t>
+                          </m:r>
+                        </m:sub>
+                      </m:sSub>
+                      <m:sSubSup>
+                        <m:sSubSupPr>
+                          <m:ctrlPr>
+                            <a:rPr lang="en-US" sz="2800" b="0" i="1" smtClean="0">
+                              <a:latin typeface="Cambria Math" panose="02040503050406030204" pitchFamily="18" charset="0"/>
+                            </a:rPr>
+                          </m:ctrlPr>
+                        </m:sSubSupPr>
+                        <m:e>
+                          <m:r>
+                            <a:rPr lang="en-US" sz="2800" b="0" i="1" smtClean="0">
+                              <a:latin typeface="Cambria Math" panose="02040503050406030204" pitchFamily="18" charset="0"/>
+                            </a:rPr>
+                            <m:t>𝑋</m:t>
+                          </m:r>
+                        </m:e>
+                        <m:sub>
+                          <m:r>
+                            <a:rPr lang="en-US" sz="2800" b="0" i="1" smtClean="0">
+                              <a:latin typeface="Cambria Math" panose="02040503050406030204" pitchFamily="18" charset="0"/>
+                            </a:rPr>
+                            <m:t>1</m:t>
+                          </m:r>
+                        </m:sub>
+                        <m:sup>
+                          <m:r>
+                            <a:rPr lang="en-US" sz="2800" b="0" i="1" smtClean="0">
+                              <a:latin typeface="Cambria Math" panose="02040503050406030204" pitchFamily="18" charset="0"/>
+                            </a:rPr>
+                            <m:t>2</m:t>
+                          </m:r>
+                        </m:sup>
+                      </m:sSubSup>
+                      <m:r>
+                        <a:rPr lang="en-US" sz="2800" b="0" i="1" smtClean="0">
+                          <a:latin typeface="Cambria Math" panose="02040503050406030204" pitchFamily="18" charset="0"/>
+                        </a:rPr>
+                        <m:t>+</m:t>
+                      </m:r>
+                      <m:r>
+                        <a:rPr lang="en-US" sz="2800" b="0" i="1" smtClean="0">
+                          <a:latin typeface="Cambria Math" panose="02040503050406030204" pitchFamily="18" charset="0"/>
+                        </a:rPr>
+                        <m:t>𝜖</m:t>
+                      </m:r>
+                    </m:oMath>
+                  </m:oMathPara>
+                </a14:m>
+                <a:endParaRPr lang="en-US" sz="2800" dirty="0"/>
+              </a:p>
+            </p:txBody>
+          </p:sp>
+        </mc:Choice>
+        <mc:Fallback>
+          <p:sp>
+            <p:nvSpPr>
+              <p:cNvPr id="9" name="TextBox 8">
+                <a:extLst>
+                  <a:ext uri="{FF2B5EF4-FFF2-40B4-BE49-F238E27FC236}">
+                    <a16:creationId xmlns:a16="http://schemas.microsoft.com/office/drawing/2014/main" id="{D59372E6-EE40-810A-A4F1-375FE0C5A6F6}"/>
+                  </a:ext>
+                </a:extLst>
+              </p:cNvPr>
+              <p:cNvSpPr txBox="1">
+                <a:spLocks noRot="1" noChangeAspect="1" noMove="1" noResize="1" noEditPoints="1" noAdjustHandles="1" noChangeArrowheads="1" noChangeShapeType="1" noTextEdit="1"/>
+              </p:cNvSpPr>
+              <p:nvPr/>
+            </p:nvSpPr>
+            <p:spPr>
+              <a:xfrm>
+                <a:off x="579120" y="4915555"/>
+                <a:ext cx="9951720" cy="523220"/>
+              </a:xfrm>
+              <a:prstGeom prst="rect">
+                <a:avLst/>
+              </a:prstGeom>
+              <a:blipFill>
+                <a:blip r:embed="rId6"/>
+                <a:stretch>
+                  <a:fillRect b="-18605"/>
+                </a:stretch>
+              </a:blipFill>
+            </p:spPr>
+            <p:txBody>
+              <a:bodyPr/>
+              <a:lstStyle/>
+              <a:p>
+                <a:r>
+                  <a:rPr lang="en-US">
+                    <a:noFill/>
+                  </a:rPr>
+                  <a:t> </a:t>
+                </a:r>
+              </a:p>
+            </p:txBody>
+          </p:sp>
+        </mc:Fallback>
+      </mc:AlternateContent>
+    </p:spTree>
+    <p:extLst>
+      <p:ext uri="{BB962C8B-B14F-4D97-AF65-F5344CB8AC3E}">
+        <p14:creationId xmlns:p14="http://schemas.microsoft.com/office/powerpoint/2010/main" val="2037575774"/>
+      </p:ext>
+    </p:extLst>
+  </p:cSld>
+  <p:clrMapOvr>
+    <a:masterClrMapping/>
+  </p:clrMapOvr>
+</p:sld>
+</file>
+
+<file path=ppt/slides/slide18.xml><?xml version="1.0" encoding="utf-8"?>
+<p:sld xmlns:a="http://schemas.openxmlformats.org/drawingml/2006/main" xmlns:r="http://schemas.openxmlformats.org/officeDocument/2006/relationships" xmlns:p="http://schemas.openxmlformats.org/presentationml/2006/main">
+  <p:cSld>
+    <p:spTree>
+      <p:nvGrpSpPr>
+        <p:cNvPr id="1" name=""/>
+        <p:cNvGrpSpPr/>
+        <p:nvPr/>
+      </p:nvGrpSpPr>
+      <p:grpSpPr>
+        <a:xfrm>
+          <a:off x="0" y="0"/>
+          <a:ext cx="0" cy="0"/>
+          <a:chOff x="0" y="0"/>
+          <a:chExt cx="0" cy="0"/>
+        </a:xfrm>
+      </p:grpSpPr>
+      <p:sp>
+        <p:nvSpPr>
+          <p:cNvPr id="2" name="Title 1"/>
+          <p:cNvSpPr>
+            <a:spLocks noGrp="1"/>
+          </p:cNvSpPr>
+          <p:nvPr>
+            <p:ph type="title"/>
+          </p:nvPr>
+        </p:nvSpPr>
+        <p:spPr>
+          <a:xfrm>
+            <a:off x="838200" y="365126"/>
+            <a:ext cx="10515600" cy="981894"/>
+          </a:xfrm>
+        </p:spPr>
+        <p:txBody>
+          <a:bodyPr>
+            <a:normAutofit/>
+          </a:bodyPr>
+          <a:lstStyle/>
+          <a:p>
+            <a:r>
+              <a:rPr lang="en-US" dirty="0"/>
+              <a:t>Next</a:t>
+            </a:r>
+          </a:p>
+        </p:txBody>
+      </p:sp>
+      <p:sp>
+        <p:nvSpPr>
+          <p:cNvPr id="4" name="TextBox 3">
+            <a:extLst>
+              <a:ext uri="{FF2B5EF4-FFF2-40B4-BE49-F238E27FC236}">
+                <a16:creationId xmlns:a16="http://schemas.microsoft.com/office/drawing/2014/main" id="{ABD93568-BDBC-1B9E-6C70-DD6A87A29192}"/>
+              </a:ext>
+            </a:extLst>
+          </p:cNvPr>
+          <p:cNvSpPr txBox="1"/>
+          <p:nvPr/>
+        </p:nvSpPr>
+        <p:spPr>
+          <a:xfrm>
+            <a:off x="838200" y="2197894"/>
+            <a:ext cx="10119362" cy="1231106"/>
+          </a:xfrm>
+          <a:prstGeom prst="rect">
+            <a:avLst/>
+          </a:prstGeom>
+          <a:noFill/>
+        </p:spPr>
+        <p:txBody>
+          <a:bodyPr wrap="square">
+            <a:spAutoFit/>
+          </a:bodyPr>
+          <a:lstStyle/>
+          <a:p>
+            <a:r>
+              <a:rPr lang="en-US" sz="2800" b="0" i="0" dirty="0">
+                <a:solidFill>
+                  <a:srgbClr val="242424"/>
+                </a:solidFill>
+                <a:effectLst/>
+                <a:latin typeface="source-serif-pro"/>
+              </a:rPr>
+              <a:t>Friday: First Assignment---Linear Regression</a:t>
+            </a:r>
+            <a:r>
+              <a:rPr lang="en-US" sz="1800" dirty="0">
+                <a:solidFill>
+                  <a:srgbClr val="3333B2"/>
+                </a:solidFill>
+                <a:effectLst/>
+                <a:latin typeface="CMR10"/>
+              </a:rPr>
+              <a:t> </a:t>
+            </a:r>
+            <a:endParaRPr lang="en-US" sz="1800" dirty="0">
+              <a:solidFill>
+                <a:srgbClr val="3333B2"/>
+              </a:solidFill>
+              <a:effectLst/>
+              <a:latin typeface="CMSY10"/>
+            </a:endParaRPr>
+          </a:p>
+          <a:p>
+            <a:endParaRPr lang="en-US" sz="1800" dirty="0">
+              <a:solidFill>
+                <a:srgbClr val="3333B2"/>
+              </a:solidFill>
+              <a:effectLst/>
+              <a:latin typeface="CMSY10"/>
+            </a:endParaRPr>
+          </a:p>
+          <a:p>
+            <a:endParaRPr lang="en-US" sz="2800" dirty="0"/>
+          </a:p>
+        </p:txBody>
+      </p:sp>
+      <p:sp>
+        <p:nvSpPr>
+          <p:cNvPr id="8" name="TextBox 7">
+            <a:extLst>
+              <a:ext uri="{FF2B5EF4-FFF2-40B4-BE49-F238E27FC236}">
+                <a16:creationId xmlns:a16="http://schemas.microsoft.com/office/drawing/2014/main" id="{FBCC30E1-91A3-60A6-92CD-F4DFD42BDDD8}"/>
+              </a:ext>
+            </a:extLst>
+          </p:cNvPr>
+          <p:cNvSpPr txBox="1"/>
+          <p:nvPr/>
+        </p:nvSpPr>
+        <p:spPr>
+          <a:xfrm>
+            <a:off x="838200" y="3680753"/>
+            <a:ext cx="10119362" cy="1231106"/>
+          </a:xfrm>
+          <a:prstGeom prst="rect">
+            <a:avLst/>
+          </a:prstGeom>
+          <a:noFill/>
+        </p:spPr>
+        <p:txBody>
+          <a:bodyPr wrap="square">
+            <a:spAutoFit/>
+          </a:bodyPr>
+          <a:lstStyle/>
+          <a:p>
+            <a:r>
+              <a:rPr lang="en-US" sz="2800" b="0" i="0" dirty="0">
+                <a:solidFill>
+                  <a:srgbClr val="242424"/>
+                </a:solidFill>
+                <a:effectLst/>
+                <a:latin typeface="source-serif-pro"/>
+              </a:rPr>
+              <a:t>Next Week: Classification and Regression</a:t>
+            </a:r>
+            <a:endParaRPr lang="en-US" sz="1800" dirty="0">
+              <a:solidFill>
+                <a:srgbClr val="3333B2"/>
+              </a:solidFill>
+              <a:effectLst/>
+              <a:latin typeface="CMSY10"/>
+            </a:endParaRPr>
+          </a:p>
+          <a:p>
+            <a:endParaRPr lang="en-US" sz="1800" dirty="0">
+              <a:solidFill>
+                <a:srgbClr val="3333B2"/>
+              </a:solidFill>
+              <a:effectLst/>
+              <a:latin typeface="CMSY10"/>
+            </a:endParaRPr>
+          </a:p>
+          <a:p>
+            <a:endParaRPr lang="en-US" sz="2800" dirty="0"/>
+          </a:p>
+        </p:txBody>
+      </p:sp>
+    </p:spTree>
+    <p:extLst>
+      <p:ext uri="{BB962C8B-B14F-4D97-AF65-F5344CB8AC3E}">
+        <p14:creationId xmlns:p14="http://schemas.microsoft.com/office/powerpoint/2010/main" val="799084032"/>
+      </p:ext>
+    </p:extLst>
+  </p:cSld>
+  <p:clrMapOvr>
+    <a:masterClrMapping/>
+  </p:clrMapOvr>
+</p:sld>
+</file>
+
+<file path=ppt/slides/slide19.xml><?xml version="1.0" encoding="utf-8"?>
 <p:sld xmlns:a="http://schemas.openxmlformats.org/drawingml/2006/main" xmlns:r="http://schemas.openxmlformats.org/officeDocument/2006/relationships" xmlns:p="http://schemas.openxmlformats.org/presentationml/2006/main">
   <p:cSld>
     <p:spTree>
@@ -8040,7 +9966,7 @@
             </p:nvSpPr>
             <p:spPr>
               <a:xfrm>
-                <a:off x="1554480" y="3004589"/>
+                <a:off x="1554480" y="2777960"/>
                 <a:ext cx="3307080" cy="848822"/>
               </a:xfrm>
               <a:prstGeom prst="rect">
@@ -8307,7 +10233,7 @@
             </p:nvSpPr>
             <p:spPr>
               <a:xfrm>
-                <a:off x="1554480" y="3004589"/>
+                <a:off x="1554480" y="2777960"/>
                 <a:ext cx="3307080" cy="848822"/>
               </a:xfrm>
               <a:prstGeom prst="rect">
@@ -8351,7 +10277,7 @@
             </p:nvSpPr>
             <p:spPr>
               <a:xfrm>
-                <a:off x="5455920" y="3068948"/>
+                <a:off x="5349240" y="2805889"/>
                 <a:ext cx="5181600" cy="903004"/>
               </a:xfrm>
               <a:prstGeom prst="rect">
@@ -8697,7 +10623,7 @@
             </p:nvSpPr>
             <p:spPr>
               <a:xfrm>
-                <a:off x="5455920" y="3068948"/>
+                <a:off x="5349240" y="2805889"/>
                 <a:ext cx="5181600" cy="903004"/>
               </a:xfrm>
               <a:prstGeom prst="rect">
@@ -8706,7 +10632,7 @@
               <a:blipFill>
                 <a:blip r:embed="rId5"/>
                 <a:stretch>
-                  <a:fillRect l="-489" b="-76389"/>
+                  <a:fillRect l="-733" b="-77778"/>
                 </a:stretch>
               </a:blipFill>
             </p:spPr>
@@ -8741,7 +10667,7 @@
             </p:nvSpPr>
             <p:spPr>
               <a:xfrm>
-                <a:off x="1021080" y="4376736"/>
+                <a:off x="990600" y="4135662"/>
                 <a:ext cx="3307080" cy="523220"/>
               </a:xfrm>
               <a:prstGeom prst="rect">
@@ -8842,7 +10768,7 @@
             </p:nvSpPr>
             <p:spPr>
               <a:xfrm>
-                <a:off x="1021080" y="4376736"/>
+                <a:off x="990600" y="4135662"/>
                 <a:ext cx="3307080" cy="523220"/>
               </a:xfrm>
               <a:prstGeom prst="rect">
@@ -9884,8 +11810,8 @@
           </a:p>
         </p:txBody>
       </p:sp>
-      <mc:AlternateContent xmlns:mc="http://schemas.openxmlformats.org/markup-compatibility/2006">
-        <mc:Choice xmlns:a14="http://schemas.microsoft.com/office/drawing/2010/main" Requires="a14">
+      <mc:AlternateContent xmlns:mc="http://schemas.openxmlformats.org/markup-compatibility/2006" xmlns:a14="http://schemas.microsoft.com/office/drawing/2010/main">
+        <mc:Choice Requires="a14">
           <p:sp>
             <p:nvSpPr>
               <p:cNvPr id="4" name="TextBox 3">
@@ -10146,7 +12072,7 @@
             </p:txBody>
           </p:sp>
         </mc:Choice>
-        <mc:Fallback>
+        <mc:Fallback xmlns="">
           <p:sp>
             <p:nvSpPr>
               <p:cNvPr id="4" name="TextBox 3">
@@ -10226,8 +12152,8 @@
           </a:p>
         </p:txBody>
       </p:sp>
-      <mc:AlternateContent xmlns:mc="http://schemas.openxmlformats.org/markup-compatibility/2006">
-        <mc:Choice xmlns:a14="http://schemas.microsoft.com/office/drawing/2010/main" Requires="a14">
+      <mc:AlternateContent xmlns:mc="http://schemas.openxmlformats.org/markup-compatibility/2006" xmlns:a14="http://schemas.microsoft.com/office/drawing/2010/main">
+        <mc:Choice Requires="a14">
           <p:sp>
             <p:nvSpPr>
               <p:cNvPr id="9" name="TextBox 8">
@@ -10326,7 +12252,7 @@
             </p:txBody>
           </p:sp>
         </mc:Choice>
-        <mc:Fallback>
+        <mc:Fallback xmlns="">
           <p:sp>
             <p:nvSpPr>
               <p:cNvPr id="9" name="TextBox 8">
@@ -10430,8 +12356,8 @@
           </a:p>
         </p:txBody>
       </p:sp>
-      <mc:AlternateContent xmlns:mc="http://schemas.openxmlformats.org/markup-compatibility/2006">
-        <mc:Choice xmlns:a14="http://schemas.microsoft.com/office/drawing/2010/main" Requires="a14">
+      <mc:AlternateContent xmlns:mc="http://schemas.openxmlformats.org/markup-compatibility/2006" xmlns:a14="http://schemas.microsoft.com/office/drawing/2010/main">
+        <mc:Choice Requires="a14">
           <p:sp>
             <p:nvSpPr>
               <p:cNvPr id="5" name="TextBox 4">
@@ -10563,7 +12489,7 @@
             </p:txBody>
           </p:sp>
         </mc:Choice>
-        <mc:Fallback>
+        <mc:Fallback xmlns="">
           <p:sp>
             <p:nvSpPr>
               <p:cNvPr id="5" name="TextBox 4">
@@ -10608,8 +12534,8 @@
           </p:sp>
         </mc:Fallback>
       </mc:AlternateContent>
-      <mc:AlternateContent xmlns:mc="http://schemas.openxmlformats.org/markup-compatibility/2006">
-        <mc:Choice xmlns:a14="http://schemas.microsoft.com/office/drawing/2010/main" Requires="a14">
+      <mc:AlternateContent xmlns:mc="http://schemas.openxmlformats.org/markup-compatibility/2006" xmlns:a14="http://schemas.microsoft.com/office/drawing/2010/main">
+        <mc:Choice Requires="a14">
           <p:sp>
             <p:nvSpPr>
               <p:cNvPr id="3" name="TextBox 2">
@@ -10875,7 +12801,7 @@
             </p:txBody>
           </p:sp>
         </mc:Choice>
-        <mc:Fallback>
+        <mc:Fallback xmlns="">
           <p:sp>
             <p:nvSpPr>
               <p:cNvPr id="3" name="TextBox 2">
@@ -10920,8 +12846,8 @@
           </p:sp>
         </mc:Fallback>
       </mc:AlternateContent>
-      <mc:AlternateContent xmlns:mc="http://schemas.openxmlformats.org/markup-compatibility/2006">
-        <mc:Choice xmlns:a14="http://schemas.microsoft.com/office/drawing/2010/main" Requires="a14">
+      <mc:AlternateContent xmlns:mc="http://schemas.openxmlformats.org/markup-compatibility/2006" xmlns:a14="http://schemas.microsoft.com/office/drawing/2010/main">
+        <mc:Choice Requires="a14">
           <p:sp>
             <p:nvSpPr>
               <p:cNvPr id="6" name="TextBox 5">
@@ -11162,7 +13088,7 @@
             </p:txBody>
           </p:sp>
         </mc:Choice>
-        <mc:Fallback>
+        <mc:Fallback xmlns="">
           <p:sp>
             <p:nvSpPr>
               <p:cNvPr id="6" name="TextBox 5">
@@ -11207,8 +13133,8 @@
           </p:sp>
         </mc:Fallback>
       </mc:AlternateContent>
-      <mc:AlternateContent xmlns:mc="http://schemas.openxmlformats.org/markup-compatibility/2006">
-        <mc:Choice xmlns:a14="http://schemas.microsoft.com/office/drawing/2010/main" Requires="a14">
+      <mc:AlternateContent xmlns:mc="http://schemas.openxmlformats.org/markup-compatibility/2006" xmlns:a14="http://schemas.microsoft.com/office/drawing/2010/main">
+        <mc:Choice Requires="a14">
           <p:sp>
             <p:nvSpPr>
               <p:cNvPr id="7" name="TextBox 6">
@@ -11291,7 +13217,7 @@
             </p:txBody>
           </p:sp>
         </mc:Choice>
-        <mc:Fallback>
+        <mc:Fallback xmlns="">
           <p:sp>
             <p:nvSpPr>
               <p:cNvPr id="7" name="TextBox 6">
@@ -11395,8 +13321,8 @@
           </a:p>
         </p:txBody>
       </p:sp>
-      <mc:AlternateContent xmlns:mc="http://schemas.openxmlformats.org/markup-compatibility/2006">
-        <mc:Choice xmlns:a14="http://schemas.microsoft.com/office/drawing/2010/main" Requires="a14">
+      <mc:AlternateContent xmlns:mc="http://schemas.openxmlformats.org/markup-compatibility/2006" xmlns:a14="http://schemas.microsoft.com/office/drawing/2010/main">
+        <mc:Choice Requires="a14">
           <p:sp>
             <p:nvSpPr>
               <p:cNvPr id="11" name="TextBox 10">
@@ -11617,7 +13543,7 @@
             </p:txBody>
           </p:sp>
         </mc:Choice>
-        <mc:Fallback>
+        <mc:Fallback xmlns="">
           <p:sp>
             <p:nvSpPr>
               <p:cNvPr id="11" name="TextBox 10">
@@ -11662,8 +13588,8 @@
           </p:sp>
         </mc:Fallback>
       </mc:AlternateContent>
-      <mc:AlternateContent xmlns:mc="http://schemas.openxmlformats.org/markup-compatibility/2006">
-        <mc:Choice xmlns:a14="http://schemas.microsoft.com/office/drawing/2010/main" Requires="a14">
+      <mc:AlternateContent xmlns:mc="http://schemas.openxmlformats.org/markup-compatibility/2006" xmlns:a14="http://schemas.microsoft.com/office/drawing/2010/main">
+        <mc:Choice Requires="a14">
           <p:sp>
             <p:nvSpPr>
               <p:cNvPr id="12" name="TextBox 11">
@@ -12169,7 +14095,7 @@
             </p:txBody>
           </p:sp>
         </mc:Choice>
-        <mc:Fallback>
+        <mc:Fallback xmlns="">
           <p:sp>
             <p:nvSpPr>
               <p:cNvPr id="12" name="TextBox 11">
@@ -12214,8 +14140,8 @@
           </p:sp>
         </mc:Fallback>
       </mc:AlternateContent>
-      <mc:AlternateContent xmlns:mc="http://schemas.openxmlformats.org/markup-compatibility/2006">
-        <mc:Choice xmlns:a14="http://schemas.microsoft.com/office/drawing/2010/main" Requires="a14">
+      <mc:AlternateContent xmlns:mc="http://schemas.openxmlformats.org/markup-compatibility/2006" xmlns:a14="http://schemas.microsoft.com/office/drawing/2010/main">
+        <mc:Choice Requires="a14">
           <p:sp>
             <p:nvSpPr>
               <p:cNvPr id="13" name="TextBox 12">
@@ -12275,7 +14201,7 @@
             </p:txBody>
           </p:sp>
         </mc:Choice>
-        <mc:Fallback>
+        <mc:Fallback xmlns="">
           <p:sp>
             <p:nvSpPr>
               <p:cNvPr id="13" name="TextBox 12">
@@ -12497,8 +14423,8 @@
           </a:p>
         </p:txBody>
       </p:sp>
-      <mc:AlternateContent xmlns:mc="http://schemas.openxmlformats.org/markup-compatibility/2006">
-        <mc:Choice xmlns:a14="http://schemas.microsoft.com/office/drawing/2010/main" Requires="a14">
+      <mc:AlternateContent xmlns:mc="http://schemas.openxmlformats.org/markup-compatibility/2006" xmlns:a14="http://schemas.microsoft.com/office/drawing/2010/main">
+        <mc:Choice Requires="a14">
           <p:sp>
             <p:nvSpPr>
               <p:cNvPr id="5" name="TextBox 4">
@@ -12602,14 +14528,7 @@
                           <a:effectLst/>
                           <a:latin typeface="Cambria Math" panose="02040503050406030204" pitchFamily="18" charset="0"/>
                         </a:rPr>
-                        <m:t>= </m:t>
-                      </m:r>
-                      <m:r>
-                        <a:rPr lang="en-US" sz="2800" b="0" i="1" smtClean="0">
-                          <a:effectLst/>
-                          <a:latin typeface="Cambria Math" panose="02040503050406030204" pitchFamily="18" charset="0"/>
-                        </a:rPr>
-                        <m:t>0</m:t>
+                        <m:t>= 0</m:t>
                       </m:r>
                     </m:oMath>
                   </m:oMathPara>
@@ -12619,7 +14538,7 @@
             </p:txBody>
           </p:sp>
         </mc:Choice>
-        <mc:Fallback>
+        <mc:Fallback xmlns="">
           <p:sp>
             <p:nvSpPr>
               <p:cNvPr id="5" name="TextBox 4">
@@ -12692,7 +14611,6 @@
           </a:bodyPr>
           <a:lstStyle/>
           <a:p>
-            <a:pPr/>
             <a:r>
               <a:rPr lang="en-US" sz="2800" dirty="0"/>
               <a:t>We can use t-statistics</a:t>
@@ -12700,8 +14618,8 @@
           </a:p>
         </p:txBody>
       </p:sp>
-      <mc:AlternateContent xmlns:mc="http://schemas.openxmlformats.org/markup-compatibility/2006">
-        <mc:Choice xmlns:a14="http://schemas.microsoft.com/office/drawing/2010/main" Requires="a14">
+      <mc:AlternateContent xmlns:mc="http://schemas.openxmlformats.org/markup-compatibility/2006" xmlns:a14="http://schemas.microsoft.com/office/drawing/2010/main">
+        <mc:Choice Requires="a14">
           <p:sp>
             <p:nvSpPr>
               <p:cNvPr id="3" name="TextBox 2">
@@ -12880,7 +14798,7 @@
             </p:txBody>
           </p:sp>
         </mc:Choice>
-        <mc:Fallback>
+        <mc:Fallback xmlns="">
           <p:sp>
             <p:nvSpPr>
               <p:cNvPr id="3" name="TextBox 2">
@@ -12925,8 +14843,8 @@
           </p:sp>
         </mc:Fallback>
       </mc:AlternateContent>
-      <mc:AlternateContent xmlns:mc="http://schemas.openxmlformats.org/markup-compatibility/2006">
-        <mc:Choice xmlns:a14="http://schemas.microsoft.com/office/drawing/2010/main" Requires="a14">
+      <mc:AlternateContent xmlns:mc="http://schemas.openxmlformats.org/markup-compatibility/2006" xmlns:a14="http://schemas.microsoft.com/office/drawing/2010/main">
+        <mc:Choice Requires="a14">
           <p:sp>
             <p:nvSpPr>
               <p:cNvPr id="4" name="TextBox 3">
@@ -13141,7 +15059,7 @@
                       <m:sSup>
                         <m:sSupPr>
                           <m:ctrlPr>
-                            <a:rPr lang="en-US" sz="2800" b="1" i="0" smtClean="0">
+                            <a:rPr lang="en-US" sz="2800" b="1" i="1" smtClean="0">
                               <a:latin typeface="Cambria Math" panose="02040503050406030204" pitchFamily="18" charset="0"/>
                             </a:rPr>
                           </m:ctrlPr>
@@ -13171,7 +15089,7 @@
                               <m:sSup>
                                 <m:sSupPr>
                                   <m:ctrlPr>
-                                    <a:rPr lang="en-US" sz="2800" b="1" i="0" smtClean="0">
+                                    <a:rPr lang="en-US" sz="2800" b="1" i="1" smtClean="0">
                                       <a:latin typeface="Cambria Math" panose="02040503050406030204" pitchFamily="18" charset="0"/>
                                     </a:rPr>
                                   </m:ctrlPr>
@@ -13256,7 +15174,7 @@
             </p:txBody>
           </p:sp>
         </mc:Choice>
-        <mc:Fallback>
+        <mc:Fallback xmlns="">
           <p:sp>
             <p:nvSpPr>
               <p:cNvPr id="4" name="TextBox 3">

--- a/_umkc-teaching/slides/Lecture4.pptx
+++ b/_umkc-teaching/slides/Lecture4.pptx
@@ -5,7 +5,7 @@
     <p:sldMasterId id="2147483648" r:id="rId1"/>
   </p:sldMasterIdLst>
   <p:notesMasterIdLst>
-    <p:notesMasterId r:id="rId21"/>
+    <p:notesMasterId r:id="rId22"/>
   </p:notesMasterIdLst>
   <p:sldIdLst>
     <p:sldId id="257" r:id="rId2"/>
@@ -15,18 +15,19 @@
     <p:sldId id="323" r:id="rId6"/>
     <p:sldId id="324" r:id="rId7"/>
     <p:sldId id="325" r:id="rId8"/>
-    <p:sldId id="326" r:id="rId9"/>
-    <p:sldId id="332" r:id="rId10"/>
-    <p:sldId id="334" r:id="rId11"/>
-    <p:sldId id="327" r:id="rId12"/>
-    <p:sldId id="328" r:id="rId13"/>
-    <p:sldId id="329" r:id="rId14"/>
-    <p:sldId id="330" r:id="rId15"/>
-    <p:sldId id="331" r:id="rId16"/>
-    <p:sldId id="333" r:id="rId17"/>
-    <p:sldId id="335" r:id="rId18"/>
-    <p:sldId id="336" r:id="rId19"/>
-    <p:sldId id="293" r:id="rId20"/>
+    <p:sldId id="337" r:id="rId9"/>
+    <p:sldId id="326" r:id="rId10"/>
+    <p:sldId id="332" r:id="rId11"/>
+    <p:sldId id="334" r:id="rId12"/>
+    <p:sldId id="327" r:id="rId13"/>
+    <p:sldId id="328" r:id="rId14"/>
+    <p:sldId id="329" r:id="rId15"/>
+    <p:sldId id="330" r:id="rId16"/>
+    <p:sldId id="331" r:id="rId17"/>
+    <p:sldId id="333" r:id="rId18"/>
+    <p:sldId id="335" r:id="rId19"/>
+    <p:sldId id="336" r:id="rId20"/>
+    <p:sldId id="293" r:id="rId21"/>
   </p:sldIdLst>
   <p:sldSz cx="12192000" cy="6858000"/>
   <p:notesSz cx="6858000" cy="9144000"/>
@@ -215,7 +216,7 @@
           <a:p>
             <a:fld id="{7AF9442D-9D7C-40D7-A5A3-649EA8C158D2}" type="datetimeFigureOut">
               <a:rPr lang="en-US" smtClean="0"/>
-              <a:t>9/4/23</a:t>
+              <a:t>9/20/23</a:t>
             </a:fld>
             <a:endParaRPr lang="en-US"/>
           </a:p>
@@ -640,7 +641,7 @@
     </p:spTree>
     <p:extLst>
       <p:ext uri="{BB962C8B-B14F-4D97-AF65-F5344CB8AC3E}">
-        <p14:creationId xmlns:p14="http://schemas.microsoft.com/office/powerpoint/2010/main" val="1173905294"/>
+        <p14:creationId xmlns:p14="http://schemas.microsoft.com/office/powerpoint/2010/main" val="1293151077"/>
       </p:ext>
     </p:extLst>
   </p:cSld>
@@ -724,7 +725,7 @@
     </p:spTree>
     <p:extLst>
       <p:ext uri="{BB962C8B-B14F-4D97-AF65-F5344CB8AC3E}">
-        <p14:creationId xmlns:p14="http://schemas.microsoft.com/office/powerpoint/2010/main" val="157357529"/>
+        <p14:creationId xmlns:p14="http://schemas.microsoft.com/office/powerpoint/2010/main" val="1173905294"/>
       </p:ext>
     </p:extLst>
   </p:cSld>
@@ -808,7 +809,7 @@
     </p:spTree>
     <p:extLst>
       <p:ext uri="{BB962C8B-B14F-4D97-AF65-F5344CB8AC3E}">
-        <p14:creationId xmlns:p14="http://schemas.microsoft.com/office/powerpoint/2010/main" val="276755258"/>
+        <p14:creationId xmlns:p14="http://schemas.microsoft.com/office/powerpoint/2010/main" val="157357529"/>
       </p:ext>
     </p:extLst>
   </p:cSld>
@@ -892,7 +893,7 @@
     </p:spTree>
     <p:extLst>
       <p:ext uri="{BB962C8B-B14F-4D97-AF65-F5344CB8AC3E}">
-        <p14:creationId xmlns:p14="http://schemas.microsoft.com/office/powerpoint/2010/main" val="3103532339"/>
+        <p14:creationId xmlns:p14="http://schemas.microsoft.com/office/powerpoint/2010/main" val="276755258"/>
       </p:ext>
     </p:extLst>
   </p:cSld>
@@ -976,7 +977,7 @@
     </p:spTree>
     <p:extLst>
       <p:ext uri="{BB962C8B-B14F-4D97-AF65-F5344CB8AC3E}">
-        <p14:creationId xmlns:p14="http://schemas.microsoft.com/office/powerpoint/2010/main" val="78072973"/>
+        <p14:creationId xmlns:p14="http://schemas.microsoft.com/office/powerpoint/2010/main" val="3103532339"/>
       </p:ext>
     </p:extLst>
   </p:cSld>
@@ -1060,7 +1061,7 @@
     </p:spTree>
     <p:extLst>
       <p:ext uri="{BB962C8B-B14F-4D97-AF65-F5344CB8AC3E}">
-        <p14:creationId xmlns:p14="http://schemas.microsoft.com/office/powerpoint/2010/main" val="1093791771"/>
+        <p14:creationId xmlns:p14="http://schemas.microsoft.com/office/powerpoint/2010/main" val="78072973"/>
       </p:ext>
     </p:extLst>
   </p:cSld>
@@ -1144,7 +1145,7 @@
     </p:spTree>
     <p:extLst>
       <p:ext uri="{BB962C8B-B14F-4D97-AF65-F5344CB8AC3E}">
-        <p14:creationId xmlns:p14="http://schemas.microsoft.com/office/powerpoint/2010/main" val="1329969278"/>
+        <p14:creationId xmlns:p14="http://schemas.microsoft.com/office/powerpoint/2010/main" val="1093791771"/>
       </p:ext>
     </p:extLst>
   </p:cSld>
@@ -1220,6 +1221,90 @@
             <a:fld id="{3F8BDF20-BE86-4883-8A23-4CE3D0058BEA}" type="slidenum">
               <a:rPr lang="en-US" smtClean="0"/>
               <a:t>18</a:t>
+            </a:fld>
+            <a:endParaRPr lang="en-US"/>
+          </a:p>
+        </p:txBody>
+      </p:sp>
+    </p:spTree>
+    <p:extLst>
+      <p:ext uri="{BB962C8B-B14F-4D97-AF65-F5344CB8AC3E}">
+        <p14:creationId xmlns:p14="http://schemas.microsoft.com/office/powerpoint/2010/main" val="1329969278"/>
+      </p:ext>
+    </p:extLst>
+  </p:cSld>
+  <p:clrMapOvr>
+    <a:masterClrMapping/>
+  </p:clrMapOvr>
+</p:notes>
+</file>
+
+<file path=ppt/notesSlides/notesSlide18.xml><?xml version="1.0" encoding="utf-8"?>
+<p:notes xmlns:a="http://schemas.openxmlformats.org/drawingml/2006/main" xmlns:r="http://schemas.openxmlformats.org/officeDocument/2006/relationships" xmlns:p="http://schemas.openxmlformats.org/presentationml/2006/main">
+  <p:cSld>
+    <p:spTree>
+      <p:nvGrpSpPr>
+        <p:cNvPr id="1" name=""/>
+        <p:cNvGrpSpPr/>
+        <p:nvPr/>
+      </p:nvGrpSpPr>
+      <p:grpSpPr>
+        <a:xfrm>
+          <a:off x="0" y="0"/>
+          <a:ext cx="0" cy="0"/>
+          <a:chOff x="0" y="0"/>
+          <a:chExt cx="0" cy="0"/>
+        </a:xfrm>
+      </p:grpSpPr>
+      <p:sp>
+        <p:nvSpPr>
+          <p:cNvPr id="2" name="Slide Image Placeholder 1"/>
+          <p:cNvSpPr>
+            <a:spLocks noGrp="1" noRot="1" noChangeAspect="1"/>
+          </p:cNvSpPr>
+          <p:nvPr>
+            <p:ph type="sldImg"/>
+          </p:nvPr>
+        </p:nvSpPr>
+        <p:spPr/>
+      </p:sp>
+      <p:sp>
+        <p:nvSpPr>
+          <p:cNvPr id="3" name="Notes Placeholder 2"/>
+          <p:cNvSpPr>
+            <a:spLocks noGrp="1"/>
+          </p:cNvSpPr>
+          <p:nvPr>
+            <p:ph type="body" idx="1"/>
+          </p:nvPr>
+        </p:nvSpPr>
+        <p:spPr/>
+        <p:txBody>
+          <a:bodyPr/>
+          <a:lstStyle/>
+          <a:p>
+            <a:endParaRPr lang="en-US" dirty="0"/>
+          </a:p>
+        </p:txBody>
+      </p:sp>
+      <p:sp>
+        <p:nvSpPr>
+          <p:cNvPr id="4" name="Slide Number Placeholder 3"/>
+          <p:cNvSpPr>
+            <a:spLocks noGrp="1"/>
+          </p:cNvSpPr>
+          <p:nvPr>
+            <p:ph type="sldNum" sz="quarter" idx="5"/>
+          </p:nvPr>
+        </p:nvSpPr>
+        <p:spPr/>
+        <p:txBody>
+          <a:bodyPr/>
+          <a:lstStyle/>
+          <a:p>
+            <a:fld id="{3F8BDF20-BE86-4883-8A23-4CE3D0058BEA}" type="slidenum">
+              <a:rPr lang="en-US" smtClean="0"/>
+              <a:t>19</a:t>
             </a:fld>
             <a:endParaRPr lang="en-US"/>
           </a:p>
@@ -1732,7 +1817,7 @@
     </p:spTree>
     <p:extLst>
       <p:ext uri="{BB962C8B-B14F-4D97-AF65-F5344CB8AC3E}">
-        <p14:creationId xmlns:p14="http://schemas.microsoft.com/office/powerpoint/2010/main" val="1058563843"/>
+        <p14:creationId xmlns:p14="http://schemas.microsoft.com/office/powerpoint/2010/main" val="638092546"/>
       </p:ext>
     </p:extLst>
   </p:cSld>
@@ -1816,7 +1901,7 @@
     </p:spTree>
     <p:extLst>
       <p:ext uri="{BB962C8B-B14F-4D97-AF65-F5344CB8AC3E}">
-        <p14:creationId xmlns:p14="http://schemas.microsoft.com/office/powerpoint/2010/main" val="731150203"/>
+        <p14:creationId xmlns:p14="http://schemas.microsoft.com/office/powerpoint/2010/main" val="1058563843"/>
       </p:ext>
     </p:extLst>
   </p:cSld>
@@ -1900,7 +1985,7 @@
     </p:spTree>
     <p:extLst>
       <p:ext uri="{BB962C8B-B14F-4D97-AF65-F5344CB8AC3E}">
-        <p14:creationId xmlns:p14="http://schemas.microsoft.com/office/powerpoint/2010/main" val="1293151077"/>
+        <p14:creationId xmlns:p14="http://schemas.microsoft.com/office/powerpoint/2010/main" val="731150203"/>
       </p:ext>
     </p:extLst>
   </p:cSld>
@@ -2039,7 +2124,7 @@
           <a:p>
             <a:fld id="{41748473-9145-41F0-ADB9-654A949CD218}" type="datetimeFigureOut">
               <a:rPr lang="en-US" smtClean="0"/>
-              <a:t>9/4/23</a:t>
+              <a:t>9/20/23</a:t>
             </a:fld>
             <a:endParaRPr lang="en-US"/>
           </a:p>
@@ -2207,7 +2292,7 @@
           <a:p>
             <a:fld id="{41748473-9145-41F0-ADB9-654A949CD218}" type="datetimeFigureOut">
               <a:rPr lang="en-US" smtClean="0"/>
-              <a:t>9/4/23</a:t>
+              <a:t>9/20/23</a:t>
             </a:fld>
             <a:endParaRPr lang="en-US"/>
           </a:p>
@@ -2385,7 +2470,7 @@
           <a:p>
             <a:fld id="{41748473-9145-41F0-ADB9-654A949CD218}" type="datetimeFigureOut">
               <a:rPr lang="en-US" smtClean="0"/>
-              <a:t>9/4/23</a:t>
+              <a:t>9/20/23</a:t>
             </a:fld>
             <a:endParaRPr lang="en-US"/>
           </a:p>
@@ -2553,7 +2638,7 @@
           <a:p>
             <a:fld id="{41748473-9145-41F0-ADB9-654A949CD218}" type="datetimeFigureOut">
               <a:rPr lang="en-US" smtClean="0"/>
-              <a:t>9/4/23</a:t>
+              <a:t>9/20/23</a:t>
             </a:fld>
             <a:endParaRPr lang="en-US"/>
           </a:p>
@@ -2798,7 +2883,7 @@
           <a:p>
             <a:fld id="{41748473-9145-41F0-ADB9-654A949CD218}" type="datetimeFigureOut">
               <a:rPr lang="en-US" smtClean="0"/>
-              <a:t>9/4/23</a:t>
+              <a:t>9/20/23</a:t>
             </a:fld>
             <a:endParaRPr lang="en-US"/>
           </a:p>
@@ -3027,7 +3112,7 @@
           <a:p>
             <a:fld id="{41748473-9145-41F0-ADB9-654A949CD218}" type="datetimeFigureOut">
               <a:rPr lang="en-US" smtClean="0"/>
-              <a:t>9/4/23</a:t>
+              <a:t>9/20/23</a:t>
             </a:fld>
             <a:endParaRPr lang="en-US"/>
           </a:p>
@@ -3391,7 +3476,7 @@
           <a:p>
             <a:fld id="{41748473-9145-41F0-ADB9-654A949CD218}" type="datetimeFigureOut">
               <a:rPr lang="en-US" smtClean="0"/>
-              <a:t>9/4/23</a:t>
+              <a:t>9/20/23</a:t>
             </a:fld>
             <a:endParaRPr lang="en-US"/>
           </a:p>
@@ -3508,7 +3593,7 @@
           <a:p>
             <a:fld id="{41748473-9145-41F0-ADB9-654A949CD218}" type="datetimeFigureOut">
               <a:rPr lang="en-US" smtClean="0"/>
-              <a:t>9/4/23</a:t>
+              <a:t>9/20/23</a:t>
             </a:fld>
             <a:endParaRPr lang="en-US"/>
           </a:p>
@@ -3603,7 +3688,7 @@
           <a:p>
             <a:fld id="{41748473-9145-41F0-ADB9-654A949CD218}" type="datetimeFigureOut">
               <a:rPr lang="en-US" smtClean="0"/>
-              <a:t>9/4/23</a:t>
+              <a:t>9/20/23</a:t>
             </a:fld>
             <a:endParaRPr lang="en-US"/>
           </a:p>
@@ -3878,7 +3963,7 @@
           <a:p>
             <a:fld id="{41748473-9145-41F0-ADB9-654A949CD218}" type="datetimeFigureOut">
               <a:rPr lang="en-US" smtClean="0"/>
-              <a:t>9/4/23</a:t>
+              <a:t>9/20/23</a:t>
             </a:fld>
             <a:endParaRPr lang="en-US"/>
           </a:p>
@@ -4130,7 +4215,7 @@
           <a:p>
             <a:fld id="{41748473-9145-41F0-ADB9-654A949CD218}" type="datetimeFigureOut">
               <a:rPr lang="en-US" smtClean="0"/>
-              <a:t>9/4/23</a:t>
+              <a:t>9/20/23</a:t>
             </a:fld>
             <a:endParaRPr lang="en-US"/>
           </a:p>
@@ -4341,7 +4426,7 @@
           <a:p>
             <a:fld id="{41748473-9145-41F0-ADB9-654A949CD218}" type="datetimeFigureOut">
               <a:rPr lang="en-US" smtClean="0"/>
-              <a:t>9/4/23</a:t>
+              <a:t>9/20/23</a:t>
             </a:fld>
             <a:endParaRPr lang="en-US"/>
           </a:p>
@@ -5036,13 +5121,868 @@
           <a:p>
             <a:r>
               <a:rPr lang="en-US" dirty="0"/>
+              <a:t>Hypothesis Testing</a:t>
+            </a:r>
+          </a:p>
+        </p:txBody>
+      </p:sp>
+      <mc:AlternateContent xmlns:mc="http://schemas.openxmlformats.org/markup-compatibility/2006" xmlns:a14="http://schemas.microsoft.com/office/drawing/2010/main">
+        <mc:Choice Requires="a14">
+          <p:sp>
+            <p:nvSpPr>
+              <p:cNvPr id="5" name="TextBox 4">
+                <a:extLst>
+                  <a:ext uri="{FF2B5EF4-FFF2-40B4-BE49-F238E27FC236}">
+                    <a16:creationId xmlns:a16="http://schemas.microsoft.com/office/drawing/2014/main" id="{8C36044A-E246-009D-F0D1-B3D44DB9D678}"/>
+                  </a:ext>
+                </a:extLst>
+              </p:cNvPr>
+              <p:cNvSpPr txBox="1"/>
+              <p:nvPr/>
+            </p:nvSpPr>
+            <p:spPr>
+              <a:xfrm>
+                <a:off x="2293102" y="1792481"/>
+                <a:ext cx="5929393" cy="557910"/>
+              </a:xfrm>
+              <a:prstGeom prst="rect">
+                <a:avLst/>
+              </a:prstGeom>
+              <a:noFill/>
+            </p:spPr>
+            <p:txBody>
+              <a:bodyPr wrap="square">
+                <a:spAutoFit/>
+              </a:bodyPr>
+              <a:lstStyle/>
+              <a:p>
+                <a:pPr/>
+                <a14:m>
+                  <m:oMathPara xmlns:m="http://schemas.openxmlformats.org/officeDocument/2006/math">
+                    <m:oMathParaPr>
+                      <m:jc m:val="centerGroup"/>
+                    </m:oMathParaPr>
+                    <m:oMath xmlns:m="http://schemas.openxmlformats.org/officeDocument/2006/math">
+                      <m:sSub>
+                        <m:sSubPr>
+                          <m:ctrlPr>
+                            <a:rPr lang="en-US" sz="2800" b="0" i="1" smtClean="0">
+                              <a:effectLst/>
+                              <a:latin typeface="Cambria Math" panose="02040503050406030204" pitchFamily="18" charset="0"/>
+                            </a:rPr>
+                          </m:ctrlPr>
+                        </m:sSubPr>
+                        <m:e>
+                          <m:r>
+                            <a:rPr lang="en-US" sz="2800" b="0" i="1" smtClean="0">
+                              <a:effectLst/>
+                              <a:latin typeface="Cambria Math" panose="02040503050406030204" pitchFamily="18" charset="0"/>
+                            </a:rPr>
+                            <m:t>𝐻</m:t>
+                          </m:r>
+                        </m:e>
+                        <m:sub>
+                          <m:r>
+                            <a:rPr lang="en-US" sz="2800" b="0" i="1" smtClean="0">
+                              <a:effectLst/>
+                              <a:latin typeface="Cambria Math" panose="02040503050406030204" pitchFamily="18" charset="0"/>
+                            </a:rPr>
+                            <m:t>0</m:t>
+                          </m:r>
+                        </m:sub>
+                      </m:sSub>
+                      <m:r>
+                        <a:rPr lang="en-US" sz="2800" b="0" i="0" smtClean="0">
+                          <a:effectLst/>
+                          <a:latin typeface="Cambria Math" panose="02040503050406030204" pitchFamily="18" charset="0"/>
+                        </a:rPr>
+                        <m:t>:</m:t>
+                      </m:r>
+                      <m:sSub>
+                        <m:sSubPr>
+                          <m:ctrlPr>
+                            <a:rPr lang="en-US" sz="2800" b="0" i="1" smtClean="0">
+                              <a:effectLst/>
+                              <a:latin typeface="Cambria Math" panose="02040503050406030204" pitchFamily="18" charset="0"/>
+                            </a:rPr>
+                          </m:ctrlPr>
+                        </m:sSubPr>
+                        <m:e>
+                          <m:r>
+                            <a:rPr lang="en-US" sz="2800" b="0" i="1" smtClean="0">
+                              <a:effectLst/>
+                              <a:latin typeface="Cambria Math" panose="02040503050406030204" pitchFamily="18" charset="0"/>
+                            </a:rPr>
+                            <m:t>𝛽</m:t>
+                          </m:r>
+                        </m:e>
+                        <m:sub>
+                          <m:r>
+                            <a:rPr lang="en-US" sz="2800" b="0" i="1" smtClean="0">
+                              <a:effectLst/>
+                              <a:latin typeface="Cambria Math" panose="02040503050406030204" pitchFamily="18" charset="0"/>
+                            </a:rPr>
+                            <m:t>𝑗</m:t>
+                          </m:r>
+                        </m:sub>
+                      </m:sSub>
+                      <m:r>
+                        <a:rPr lang="en-US" sz="2800" b="0" i="1" smtClean="0">
+                          <a:effectLst/>
+                          <a:latin typeface="Cambria Math" panose="02040503050406030204" pitchFamily="18" charset="0"/>
+                        </a:rPr>
+                        <m:t>= 0</m:t>
+                      </m:r>
+                    </m:oMath>
+                  </m:oMathPara>
+                </a14:m>
+                <a:endParaRPr lang="en-US" sz="2800" dirty="0"/>
+              </a:p>
+            </p:txBody>
+          </p:sp>
+        </mc:Choice>
+        <mc:Fallback xmlns="">
+          <p:sp>
+            <p:nvSpPr>
+              <p:cNvPr id="5" name="TextBox 4">
+                <a:extLst>
+                  <a:ext uri="{FF2B5EF4-FFF2-40B4-BE49-F238E27FC236}">
+                    <a16:creationId xmlns:a16="http://schemas.microsoft.com/office/drawing/2014/main" id="{8C36044A-E246-009D-F0D1-B3D44DB9D678}"/>
+                  </a:ext>
+                </a:extLst>
+              </p:cNvPr>
+              <p:cNvSpPr txBox="1">
+                <a:spLocks noRot="1" noChangeAspect="1" noMove="1" noResize="1" noEditPoints="1" noAdjustHandles="1" noChangeArrowheads="1" noChangeShapeType="1" noTextEdit="1"/>
+              </p:cNvSpPr>
+              <p:nvPr/>
+            </p:nvSpPr>
+            <p:spPr>
+              <a:xfrm>
+                <a:off x="2293102" y="1792481"/>
+                <a:ext cx="5929393" cy="557910"/>
+              </a:xfrm>
+              <a:prstGeom prst="rect">
+                <a:avLst/>
+              </a:prstGeom>
+              <a:blipFill>
+                <a:blip r:embed="rId3"/>
+                <a:stretch>
+                  <a:fillRect b="-13333"/>
+                </a:stretch>
+              </a:blipFill>
+            </p:spPr>
+            <p:txBody>
+              <a:bodyPr/>
+              <a:lstStyle/>
+              <a:p>
+                <a:r>
+                  <a:rPr lang="en-US">
+                    <a:noFill/>
+                  </a:rPr>
+                  <a:t> </a:t>
+                </a:r>
+              </a:p>
+            </p:txBody>
+          </p:sp>
+        </mc:Fallback>
+      </mc:AlternateContent>
+      <p:sp>
+        <p:nvSpPr>
+          <p:cNvPr id="7" name="TextBox 6">
+            <a:extLst>
+              <a:ext uri="{FF2B5EF4-FFF2-40B4-BE49-F238E27FC236}">
+                <a16:creationId xmlns:a16="http://schemas.microsoft.com/office/drawing/2014/main" id="{22B86FAA-DF5F-CCCC-3664-BE611A52C1CD}"/>
+              </a:ext>
+            </a:extLst>
+          </p:cNvPr>
+          <p:cNvSpPr txBox="1"/>
+          <p:nvPr/>
+        </p:nvSpPr>
+        <p:spPr>
+          <a:xfrm>
+            <a:off x="1276583" y="2979153"/>
+            <a:ext cx="4453655" cy="523220"/>
+          </a:xfrm>
+          <a:prstGeom prst="rect">
+            <a:avLst/>
+          </a:prstGeom>
+          <a:noFill/>
+        </p:spPr>
+        <p:txBody>
+          <a:bodyPr wrap="square">
+            <a:spAutoFit/>
+          </a:bodyPr>
+          <a:lstStyle/>
+          <a:p>
+            <a:r>
+              <a:rPr lang="en-US" sz="2800" dirty="0"/>
+              <a:t>We can use t-statistics</a:t>
+            </a:r>
+          </a:p>
+        </p:txBody>
+      </p:sp>
+      <mc:AlternateContent xmlns:mc="http://schemas.openxmlformats.org/markup-compatibility/2006" xmlns:a14="http://schemas.microsoft.com/office/drawing/2010/main">
+        <mc:Choice Requires="a14">
+          <p:sp>
+            <p:nvSpPr>
+              <p:cNvPr id="3" name="TextBox 2">
+                <a:extLst>
+                  <a:ext uri="{FF2B5EF4-FFF2-40B4-BE49-F238E27FC236}">
+                    <a16:creationId xmlns:a16="http://schemas.microsoft.com/office/drawing/2014/main" id="{BE86E46B-AF8B-F345-622D-2BD9ED57D11B}"/>
+                  </a:ext>
+                </a:extLst>
+              </p:cNvPr>
+              <p:cNvSpPr txBox="1"/>
+              <p:nvPr/>
+            </p:nvSpPr>
+            <p:spPr>
+              <a:xfrm>
+                <a:off x="4106792" y="2664772"/>
+                <a:ext cx="3978416" cy="1151982"/>
+              </a:xfrm>
+              <a:prstGeom prst="rect">
+                <a:avLst/>
+              </a:prstGeom>
+              <a:noFill/>
+            </p:spPr>
+            <p:txBody>
+              <a:bodyPr wrap="square">
+                <a:spAutoFit/>
+              </a:bodyPr>
+              <a:lstStyle/>
+              <a:p>
+                <a:pPr/>
+                <a14:m>
+                  <m:oMathPara xmlns:m="http://schemas.openxmlformats.org/officeDocument/2006/math">
+                    <m:oMathParaPr>
+                      <m:jc m:val="centerGroup"/>
+                    </m:oMathParaPr>
+                    <m:oMath xmlns:m="http://schemas.openxmlformats.org/officeDocument/2006/math">
+                      <m:r>
+                        <a:rPr lang="en-US" sz="2800" b="0" i="1" dirty="0" smtClean="0">
+                          <a:latin typeface="Cambria Math" panose="02040503050406030204" pitchFamily="18" charset="0"/>
+                        </a:rPr>
+                        <m:t>𝑡</m:t>
+                      </m:r>
+                      <m:r>
+                        <a:rPr lang="en-US" sz="2800" b="0" i="1" dirty="0" smtClean="0">
+                          <a:latin typeface="Cambria Math" panose="02040503050406030204" pitchFamily="18" charset="0"/>
+                        </a:rPr>
+                        <m:t>= </m:t>
+                      </m:r>
+                      <m:f>
+                        <m:fPr>
+                          <m:ctrlPr>
+                            <a:rPr lang="en-US" sz="2800" i="1" dirty="0">
+                              <a:latin typeface="Cambria Math" panose="02040503050406030204" pitchFamily="18" charset="0"/>
+                            </a:rPr>
+                          </m:ctrlPr>
+                        </m:fPr>
+                        <m:num>
+                          <m:sSub>
+                            <m:sSubPr>
+                              <m:ctrlPr>
+                                <a:rPr lang="en-US" sz="2800" i="1" dirty="0">
+                                  <a:latin typeface="Cambria Math" panose="02040503050406030204" pitchFamily="18" charset="0"/>
+                                </a:rPr>
+                              </m:ctrlPr>
+                            </m:sSubPr>
+                            <m:e>
+                              <m:acc>
+                                <m:accPr>
+                                  <m:chr m:val="̂"/>
+                                  <m:ctrlPr>
+                                    <a:rPr lang="en-US" sz="2800" i="1">
+                                      <a:latin typeface="Cambria Math" panose="02040503050406030204" pitchFamily="18" charset="0"/>
+                                    </a:rPr>
+                                  </m:ctrlPr>
+                                </m:accPr>
+                                <m:e>
+                                  <m:r>
+                                    <a:rPr lang="en-US" sz="2800" i="1">
+                                      <a:latin typeface="Cambria Math" panose="02040503050406030204" pitchFamily="18" charset="0"/>
+                                    </a:rPr>
+                                    <m:t>𝛽</m:t>
+                                  </m:r>
+                                </m:e>
+                              </m:acc>
+                            </m:e>
+                            <m:sub>
+                              <m:r>
+                                <a:rPr lang="en-US" sz="2800" b="0" i="1" smtClean="0">
+                                  <a:latin typeface="Cambria Math" panose="02040503050406030204" pitchFamily="18" charset="0"/>
+                                </a:rPr>
+                                <m:t>𝑗</m:t>
+                              </m:r>
+                            </m:sub>
+                          </m:sSub>
+                          <m:r>
+                            <a:rPr lang="en-US" sz="2800" b="0" i="1" smtClean="0">
+                              <a:latin typeface="Cambria Math" panose="02040503050406030204" pitchFamily="18" charset="0"/>
+                            </a:rPr>
+                            <m:t>−0</m:t>
+                          </m:r>
+                        </m:num>
+                        <m:den>
+                          <m:acc>
+                            <m:accPr>
+                              <m:chr m:val="̂"/>
+                              <m:ctrlPr>
+                                <a:rPr lang="en-US" sz="2800" i="1" dirty="0">
+                                  <a:latin typeface="Cambria Math" panose="02040503050406030204" pitchFamily="18" charset="0"/>
+                                </a:rPr>
+                              </m:ctrlPr>
+                            </m:accPr>
+                            <m:e>
+                              <m:r>
+                                <a:rPr lang="en-US" sz="2800" i="1" dirty="0">
+                                  <a:latin typeface="Cambria Math" panose="02040503050406030204" pitchFamily="18" charset="0"/>
+                                </a:rPr>
+                                <m:t>𝑆𝐸</m:t>
+                              </m:r>
+                            </m:e>
+                          </m:acc>
+                          <m:r>
+                            <a:rPr lang="en-US" sz="2800" b="0" i="1" dirty="0" smtClean="0">
+                              <a:latin typeface="Cambria Math" panose="02040503050406030204" pitchFamily="18" charset="0"/>
+                            </a:rPr>
+                            <m:t>(</m:t>
+                          </m:r>
+                          <m:sSub>
+                            <m:sSubPr>
+                              <m:ctrlPr>
+                                <a:rPr lang="en-US" sz="2800" i="1" dirty="0">
+                                  <a:latin typeface="Cambria Math" panose="02040503050406030204" pitchFamily="18" charset="0"/>
+                                </a:rPr>
+                              </m:ctrlPr>
+                            </m:sSubPr>
+                            <m:e>
+                              <m:acc>
+                                <m:accPr>
+                                  <m:chr m:val="̂"/>
+                                  <m:ctrlPr>
+                                    <a:rPr lang="en-US" sz="2800" i="1">
+                                      <a:latin typeface="Cambria Math" panose="02040503050406030204" pitchFamily="18" charset="0"/>
+                                    </a:rPr>
+                                  </m:ctrlPr>
+                                </m:accPr>
+                                <m:e>
+                                  <m:r>
+                                    <a:rPr lang="en-US" sz="2800" i="1">
+                                      <a:latin typeface="Cambria Math" panose="02040503050406030204" pitchFamily="18" charset="0"/>
+                                    </a:rPr>
+                                    <m:t>𝛽</m:t>
+                                  </m:r>
+                                </m:e>
+                              </m:acc>
+                            </m:e>
+                            <m:sub>
+                              <m:r>
+                                <a:rPr lang="en-US" sz="2800" b="0" i="1" smtClean="0">
+                                  <a:latin typeface="Cambria Math" panose="02040503050406030204" pitchFamily="18" charset="0"/>
+                                </a:rPr>
+                                <m:t>𝑗</m:t>
+                              </m:r>
+                            </m:sub>
+                          </m:sSub>
+                          <m:r>
+                            <a:rPr lang="en-US" sz="2800" b="0" i="1" smtClean="0">
+                              <a:latin typeface="Cambria Math" panose="02040503050406030204" pitchFamily="18" charset="0"/>
+                            </a:rPr>
+                            <m:t>)</m:t>
+                          </m:r>
+                        </m:den>
+                      </m:f>
+                    </m:oMath>
+                  </m:oMathPara>
+                </a14:m>
+                <a:endParaRPr lang="en-US" sz="2800" i="1" dirty="0"/>
+              </a:p>
+            </p:txBody>
+          </p:sp>
+        </mc:Choice>
+        <mc:Fallback xmlns="">
+          <p:sp>
+            <p:nvSpPr>
+              <p:cNvPr id="3" name="TextBox 2">
+                <a:extLst>
+                  <a:ext uri="{FF2B5EF4-FFF2-40B4-BE49-F238E27FC236}">
+                    <a16:creationId xmlns:a16="http://schemas.microsoft.com/office/drawing/2014/main" id="{BE86E46B-AF8B-F345-622D-2BD9ED57D11B}"/>
+                  </a:ext>
+                </a:extLst>
+              </p:cNvPr>
+              <p:cNvSpPr txBox="1">
+                <a:spLocks noRot="1" noChangeAspect="1" noMove="1" noResize="1" noEditPoints="1" noAdjustHandles="1" noChangeArrowheads="1" noChangeShapeType="1" noTextEdit="1"/>
+              </p:cNvSpPr>
+              <p:nvPr/>
+            </p:nvSpPr>
+            <p:spPr>
+              <a:xfrm>
+                <a:off x="4106792" y="2664772"/>
+                <a:ext cx="3978416" cy="1151982"/>
+              </a:xfrm>
+              <a:prstGeom prst="rect">
+                <a:avLst/>
+              </a:prstGeom>
+              <a:blipFill>
+                <a:blip r:embed="rId4"/>
+                <a:stretch>
+                  <a:fillRect t="-3261" b="-6522"/>
+                </a:stretch>
+              </a:blipFill>
+            </p:spPr>
+            <p:txBody>
+              <a:bodyPr/>
+              <a:lstStyle/>
+              <a:p>
+                <a:r>
+                  <a:rPr lang="en-US">
+                    <a:noFill/>
+                  </a:rPr>
+                  <a:t> </a:t>
+                </a:r>
+              </a:p>
+            </p:txBody>
+          </p:sp>
+        </mc:Fallback>
+      </mc:AlternateContent>
+      <mc:AlternateContent xmlns:mc="http://schemas.openxmlformats.org/markup-compatibility/2006" xmlns:a14="http://schemas.microsoft.com/office/drawing/2010/main">
+        <mc:Choice Requires="a14">
+          <p:sp>
+            <p:nvSpPr>
+              <p:cNvPr id="4" name="TextBox 3">
+                <a:extLst>
+                  <a:ext uri="{FF2B5EF4-FFF2-40B4-BE49-F238E27FC236}">
+                    <a16:creationId xmlns:a16="http://schemas.microsoft.com/office/drawing/2014/main" id="{72B9D1DE-8B5A-8E93-A1F2-1CCB02830FE8}"/>
+                  </a:ext>
+                </a:extLst>
+              </p:cNvPr>
+              <p:cNvSpPr txBox="1"/>
+              <p:nvPr/>
+            </p:nvSpPr>
+            <p:spPr>
+              <a:xfrm>
+                <a:off x="365758" y="4445516"/>
+                <a:ext cx="10728960" cy="603242"/>
+              </a:xfrm>
+              <a:prstGeom prst="rect">
+                <a:avLst/>
+              </a:prstGeom>
+              <a:noFill/>
+            </p:spPr>
+            <p:txBody>
+              <a:bodyPr wrap="square">
+                <a:spAutoFit/>
+              </a:bodyPr>
+              <a:lstStyle/>
+              <a:p>
+                <a:pPr/>
+                <a14:m>
+                  <m:oMathPara xmlns:m="http://schemas.openxmlformats.org/officeDocument/2006/math">
+                    <m:oMathParaPr>
+                      <m:jc m:val="centerGroup"/>
+                    </m:oMathParaPr>
+                    <m:oMath xmlns:m="http://schemas.openxmlformats.org/officeDocument/2006/math">
+                      <m:acc>
+                        <m:accPr>
+                          <m:chr m:val="̂"/>
+                          <m:ctrlPr>
+                            <a:rPr lang="en-US" sz="2800" b="1" i="1" smtClean="0">
+                              <a:effectLst/>
+                              <a:latin typeface="Cambria Math" panose="02040503050406030204" pitchFamily="18" charset="0"/>
+                            </a:rPr>
+                          </m:ctrlPr>
+                        </m:accPr>
+                        <m:e>
+                          <m:r>
+                            <a:rPr lang="en-US" sz="2800" b="1" i="1" smtClean="0">
+                              <a:effectLst/>
+                              <a:latin typeface="Cambria Math" panose="02040503050406030204" pitchFamily="18" charset="0"/>
+                            </a:rPr>
+                            <m:t>𝜷</m:t>
+                          </m:r>
+                        </m:e>
+                      </m:acc>
+                      <m:r>
+                        <a:rPr lang="en-US" sz="2800" b="0" i="1" smtClean="0">
+                          <a:effectLst/>
+                          <a:latin typeface="Cambria Math" panose="02040503050406030204" pitchFamily="18" charset="0"/>
+                        </a:rPr>
+                        <m:t>=</m:t>
+                      </m:r>
+                      <m:d>
+                        <m:dPr>
+                          <m:begChr m:val="["/>
+                          <m:endChr m:val="]"/>
+                          <m:ctrlPr>
+                            <a:rPr lang="en-US" sz="2800" b="0" i="1" smtClean="0">
+                              <a:effectLst/>
+                              <a:latin typeface="Cambria Math" panose="02040503050406030204" pitchFamily="18" charset="0"/>
+                            </a:rPr>
+                          </m:ctrlPr>
+                        </m:dPr>
+                        <m:e>
+                          <m:sSub>
+                            <m:sSubPr>
+                              <m:ctrlPr>
+                                <a:rPr lang="en-US" sz="2800" i="1" dirty="0">
+                                  <a:latin typeface="Cambria Math" panose="02040503050406030204" pitchFamily="18" charset="0"/>
+                                </a:rPr>
+                              </m:ctrlPr>
+                            </m:sSubPr>
+                            <m:e>
+                              <m:acc>
+                                <m:accPr>
+                                  <m:chr m:val="̂"/>
+                                  <m:ctrlPr>
+                                    <a:rPr lang="en-US" sz="2800" i="1">
+                                      <a:latin typeface="Cambria Math" panose="02040503050406030204" pitchFamily="18" charset="0"/>
+                                    </a:rPr>
+                                  </m:ctrlPr>
+                                </m:accPr>
+                                <m:e>
+                                  <m:r>
+                                    <a:rPr lang="en-US" sz="2800" i="1">
+                                      <a:latin typeface="Cambria Math" panose="02040503050406030204" pitchFamily="18" charset="0"/>
+                                    </a:rPr>
+                                    <m:t>𝛽</m:t>
+                                  </m:r>
+                                </m:e>
+                              </m:acc>
+                            </m:e>
+                            <m:sub>
+                              <m:r>
+                                <a:rPr lang="en-US" sz="2800" b="0" i="1" smtClean="0">
+                                  <a:latin typeface="Cambria Math" panose="02040503050406030204" pitchFamily="18" charset="0"/>
+                                </a:rPr>
+                                <m:t>0</m:t>
+                              </m:r>
+                            </m:sub>
+                          </m:sSub>
+                          <m:r>
+                            <a:rPr lang="en-US" sz="2800" b="0" i="1" smtClean="0">
+                              <a:latin typeface="Cambria Math" panose="02040503050406030204" pitchFamily="18" charset="0"/>
+                            </a:rPr>
+                            <m:t>,</m:t>
+                          </m:r>
+                          <m:sSub>
+                            <m:sSubPr>
+                              <m:ctrlPr>
+                                <a:rPr lang="en-US" sz="2800" i="1" dirty="0">
+                                  <a:latin typeface="Cambria Math" panose="02040503050406030204" pitchFamily="18" charset="0"/>
+                                </a:rPr>
+                              </m:ctrlPr>
+                            </m:sSubPr>
+                            <m:e>
+                              <m:acc>
+                                <m:accPr>
+                                  <m:chr m:val="̂"/>
+                                  <m:ctrlPr>
+                                    <a:rPr lang="en-US" sz="2800" i="1">
+                                      <a:latin typeface="Cambria Math" panose="02040503050406030204" pitchFamily="18" charset="0"/>
+                                    </a:rPr>
+                                  </m:ctrlPr>
+                                </m:accPr>
+                                <m:e>
+                                  <m:r>
+                                    <a:rPr lang="en-US" sz="2800" i="1">
+                                      <a:latin typeface="Cambria Math" panose="02040503050406030204" pitchFamily="18" charset="0"/>
+                                    </a:rPr>
+                                    <m:t>𝛽</m:t>
+                                  </m:r>
+                                </m:e>
+                              </m:acc>
+                            </m:e>
+                            <m:sub>
+                              <m:r>
+                                <a:rPr lang="en-US" sz="2800" b="0" i="1" smtClean="0">
+                                  <a:latin typeface="Cambria Math" panose="02040503050406030204" pitchFamily="18" charset="0"/>
+                                </a:rPr>
+                                <m:t>1</m:t>
+                              </m:r>
+                            </m:sub>
+                          </m:sSub>
+                          <m:r>
+                            <a:rPr lang="en-US" sz="2800" b="0" i="1" smtClean="0">
+                              <a:latin typeface="Cambria Math" panose="02040503050406030204" pitchFamily="18" charset="0"/>
+                            </a:rPr>
+                            <m:t>,…,</m:t>
+                          </m:r>
+                          <m:sSub>
+                            <m:sSubPr>
+                              <m:ctrlPr>
+                                <a:rPr lang="en-US" sz="2800" i="1" dirty="0">
+                                  <a:latin typeface="Cambria Math" panose="02040503050406030204" pitchFamily="18" charset="0"/>
+                                </a:rPr>
+                              </m:ctrlPr>
+                            </m:sSubPr>
+                            <m:e>
+                              <m:acc>
+                                <m:accPr>
+                                  <m:chr m:val="̂"/>
+                                  <m:ctrlPr>
+                                    <a:rPr lang="en-US" sz="2800" i="1">
+                                      <a:latin typeface="Cambria Math" panose="02040503050406030204" pitchFamily="18" charset="0"/>
+                                    </a:rPr>
+                                  </m:ctrlPr>
+                                </m:accPr>
+                                <m:e>
+                                  <m:r>
+                                    <a:rPr lang="en-US" sz="2800" i="1">
+                                      <a:latin typeface="Cambria Math" panose="02040503050406030204" pitchFamily="18" charset="0"/>
+                                    </a:rPr>
+                                    <m:t>𝛽</m:t>
+                                  </m:r>
+                                </m:e>
+                              </m:acc>
+                            </m:e>
+                            <m:sub>
+                              <m:r>
+                                <a:rPr lang="en-US" sz="2800" b="0" i="1" smtClean="0">
+                                  <a:latin typeface="Cambria Math" panose="02040503050406030204" pitchFamily="18" charset="0"/>
+                                </a:rPr>
+                                <m:t>𝑝</m:t>
+                              </m:r>
+                            </m:sub>
+                          </m:sSub>
+                        </m:e>
+                      </m:d>
+                      <m:r>
+                        <a:rPr lang="en-US" sz="2800" b="0" i="1" smtClean="0">
+                          <a:latin typeface="Cambria Math" panose="02040503050406030204" pitchFamily="18" charset="0"/>
+                        </a:rPr>
+                        <m:t>∼</m:t>
+                      </m:r>
+                      <m:r>
+                        <a:rPr lang="en-US" sz="2800" b="0" i="1" smtClean="0">
+                          <a:latin typeface="Cambria Math" panose="02040503050406030204" pitchFamily="18" charset="0"/>
+                        </a:rPr>
+                        <m:t>𝑁</m:t>
+                      </m:r>
+                      <m:sSup>
+                        <m:sSupPr>
+                          <m:ctrlPr>
+                            <a:rPr lang="en-US" sz="2800" b="1" i="1" smtClean="0">
+                              <a:latin typeface="Cambria Math" panose="02040503050406030204" pitchFamily="18" charset="0"/>
+                            </a:rPr>
+                          </m:ctrlPr>
+                        </m:sSupPr>
+                        <m:e>
+                          <m:d>
+                            <m:dPr>
+                              <m:ctrlPr>
+                                <a:rPr lang="en-US" sz="2800" b="0" i="1" smtClean="0">
+                                  <a:latin typeface="Cambria Math" panose="02040503050406030204" pitchFamily="18" charset="0"/>
+                                </a:rPr>
+                              </m:ctrlPr>
+                            </m:dPr>
+                            <m:e>
+                              <m:r>
+                                <a:rPr lang="en-US" sz="2800" b="1" i="1" smtClean="0">
+                                  <a:latin typeface="Cambria Math" panose="02040503050406030204" pitchFamily="18" charset="0"/>
+                                </a:rPr>
+                                <m:t>𝜷</m:t>
+                              </m:r>
+                              <m:r>
+                                <a:rPr lang="en-US" sz="2800" b="1" i="0" smtClean="0">
+                                  <a:latin typeface="Cambria Math" panose="02040503050406030204" pitchFamily="18" charset="0"/>
+                                </a:rPr>
+                                <m:t>, </m:t>
+                              </m:r>
+                              <m:sSup>
+                                <m:sSupPr>
+                                  <m:ctrlPr>
+                                    <a:rPr lang="en-US" sz="2800" b="1" i="1" smtClean="0">
+                                      <a:latin typeface="Cambria Math" panose="02040503050406030204" pitchFamily="18" charset="0"/>
+                                    </a:rPr>
+                                  </m:ctrlPr>
+                                </m:sSupPr>
+                                <m:e>
+                                  <m:sSup>
+                                    <m:sSupPr>
+                                      <m:ctrlPr>
+                                        <a:rPr lang="en-US" sz="2800" i="1" smtClean="0">
+                                          <a:latin typeface="Cambria Math" panose="02040503050406030204" pitchFamily="18" charset="0"/>
+                                        </a:rPr>
+                                      </m:ctrlPr>
+                                    </m:sSupPr>
+                                    <m:e>
+                                      <m:r>
+                                        <a:rPr lang="en-US" sz="2800" b="0" i="1" smtClean="0">
+                                          <a:latin typeface="Cambria Math" panose="02040503050406030204" pitchFamily="18" charset="0"/>
+                                        </a:rPr>
+                                        <m:t>𝜎</m:t>
+                                      </m:r>
+                                    </m:e>
+                                    <m:sup>
+                                      <m:r>
+                                        <a:rPr lang="en-US" sz="2800" b="0" i="1" smtClean="0">
+                                          <a:latin typeface="Cambria Math" panose="02040503050406030204" pitchFamily="18" charset="0"/>
+                                        </a:rPr>
+                                        <m:t>2</m:t>
+                                      </m:r>
+                                    </m:sup>
+                                  </m:sSup>
+                                  <m:r>
+                                    <a:rPr lang="en-US" sz="2800" b="1" i="0" smtClean="0">
+                                      <a:latin typeface="Cambria Math" panose="02040503050406030204" pitchFamily="18" charset="0"/>
+                                    </a:rPr>
+                                    <m:t>(</m:t>
+                                  </m:r>
+                                  <m:r>
+                                    <a:rPr lang="en-US" sz="2800" b="1" i="0" smtClean="0">
+                                      <a:latin typeface="Cambria Math" panose="02040503050406030204" pitchFamily="18" charset="0"/>
+                                    </a:rPr>
+                                    <m:t>𝐗</m:t>
+                                  </m:r>
+                                </m:e>
+                                <m:sup>
+                                  <m:r>
+                                    <a:rPr lang="en-US" sz="2800" b="1" i="0" smtClean="0">
+                                      <a:latin typeface="Cambria Math" panose="02040503050406030204" pitchFamily="18" charset="0"/>
+                                    </a:rPr>
+                                    <m:t>𝐭</m:t>
+                                  </m:r>
+                                </m:sup>
+                              </m:sSup>
+                              <m:r>
+                                <a:rPr lang="en-US" sz="2800" b="1" i="0" smtClean="0">
+                                  <a:latin typeface="Cambria Math" panose="02040503050406030204" pitchFamily="18" charset="0"/>
+                                </a:rPr>
+                                <m:t>𝐗</m:t>
+                              </m:r>
+                            </m:e>
+                          </m:d>
+                        </m:e>
+                        <m:sup>
+                          <m:r>
+                            <a:rPr lang="en-US" sz="2800" b="0" i="0" smtClean="0">
+                              <a:latin typeface="Cambria Math" panose="02040503050406030204" pitchFamily="18" charset="0"/>
+                            </a:rPr>
+                            <m:t>−1</m:t>
+                          </m:r>
+                        </m:sup>
+                      </m:sSup>
+                      <m:r>
+                        <a:rPr lang="en-US" sz="2800" b="1" i="0" smtClean="0">
+                          <a:latin typeface="Cambria Math" panose="02040503050406030204" pitchFamily="18" charset="0"/>
+                        </a:rPr>
+                        <m:t>)</m:t>
+                      </m:r>
+                    </m:oMath>
+                  </m:oMathPara>
+                </a14:m>
+                <a:endParaRPr lang="en-US" sz="2800" b="1" dirty="0"/>
+              </a:p>
+            </p:txBody>
+          </p:sp>
+        </mc:Choice>
+        <mc:Fallback xmlns="">
+          <p:sp>
+            <p:nvSpPr>
+              <p:cNvPr id="4" name="TextBox 3">
+                <a:extLst>
+                  <a:ext uri="{FF2B5EF4-FFF2-40B4-BE49-F238E27FC236}">
+                    <a16:creationId xmlns:a16="http://schemas.microsoft.com/office/drawing/2014/main" id="{72B9D1DE-8B5A-8E93-A1F2-1CCB02830FE8}"/>
+                  </a:ext>
+                </a:extLst>
+              </p:cNvPr>
+              <p:cNvSpPr txBox="1">
+                <a:spLocks noRot="1" noChangeAspect="1" noMove="1" noResize="1" noEditPoints="1" noAdjustHandles="1" noChangeArrowheads="1" noChangeShapeType="1" noTextEdit="1"/>
+              </p:cNvSpPr>
+              <p:nvPr/>
+            </p:nvSpPr>
+            <p:spPr>
+              <a:xfrm>
+                <a:off x="365758" y="4445516"/>
+                <a:ext cx="10728960" cy="603242"/>
+              </a:xfrm>
+              <a:prstGeom prst="rect">
+                <a:avLst/>
+              </a:prstGeom>
+              <a:blipFill>
+                <a:blip r:embed="rId5"/>
+                <a:stretch>
+                  <a:fillRect t="-4082" b="-8163"/>
+                </a:stretch>
+              </a:blipFill>
+            </p:spPr>
+            <p:txBody>
+              <a:bodyPr/>
+              <a:lstStyle/>
+              <a:p>
+                <a:r>
+                  <a:rPr lang="en-US">
+                    <a:noFill/>
+                  </a:rPr>
+                  <a:t> </a:t>
+                </a:r>
+              </a:p>
+            </p:txBody>
+          </p:sp>
+        </mc:Fallback>
+      </mc:AlternateContent>
+    </p:spTree>
+    <p:extLst>
+      <p:ext uri="{BB962C8B-B14F-4D97-AF65-F5344CB8AC3E}">
+        <p14:creationId xmlns:p14="http://schemas.microsoft.com/office/powerpoint/2010/main" val="670095023"/>
+      </p:ext>
+    </p:extLst>
+  </p:cSld>
+  <p:clrMapOvr>
+    <a:masterClrMapping/>
+  </p:clrMapOvr>
+</p:sld>
+</file>
+
+<file path=ppt/slides/slide11.xml><?xml version="1.0" encoding="utf-8"?>
+<p:sld xmlns:a="http://schemas.openxmlformats.org/drawingml/2006/main" xmlns:r="http://schemas.openxmlformats.org/officeDocument/2006/relationships" xmlns:p="http://schemas.openxmlformats.org/presentationml/2006/main">
+  <p:cSld>
+    <p:spTree>
+      <p:nvGrpSpPr>
+        <p:cNvPr id="1" name=""/>
+        <p:cNvGrpSpPr/>
+        <p:nvPr/>
+      </p:nvGrpSpPr>
+      <p:grpSpPr>
+        <a:xfrm>
+          <a:off x="0" y="0"/>
+          <a:ext cx="0" cy="0"/>
+          <a:chOff x="0" y="0"/>
+          <a:chExt cx="0" cy="0"/>
+        </a:xfrm>
+      </p:grpSpPr>
+      <p:sp>
+        <p:nvSpPr>
+          <p:cNvPr id="2" name="Title 1"/>
+          <p:cNvSpPr>
+            <a:spLocks noGrp="1"/>
+          </p:cNvSpPr>
+          <p:nvPr>
+            <p:ph type="title"/>
+          </p:nvPr>
+        </p:nvSpPr>
+        <p:spPr>
+          <a:xfrm>
+            <a:off x="838200" y="365126"/>
+            <a:ext cx="10515600" cy="981894"/>
+          </a:xfrm>
+        </p:spPr>
+        <p:txBody>
+          <a:bodyPr>
+            <a:normAutofit/>
+          </a:bodyPr>
+          <a:lstStyle/>
+          <a:p>
+            <a:r>
+              <a:rPr lang="en-US" dirty="0"/>
               <a:t>P value</a:t>
             </a:r>
           </a:p>
         </p:txBody>
       </p:sp>
-      <mc:AlternateContent xmlns:mc="http://schemas.openxmlformats.org/markup-compatibility/2006">
-        <mc:Choice xmlns:a14="http://schemas.microsoft.com/office/drawing/2010/main" Requires="a14">
+      <mc:AlternateContent xmlns:mc="http://schemas.openxmlformats.org/markup-compatibility/2006" xmlns:a14="http://schemas.microsoft.com/office/drawing/2010/main">
+        <mc:Choice Requires="a14">
           <p:sp>
             <p:nvSpPr>
               <p:cNvPr id="7" name="TextBox 6">
@@ -5128,7 +6068,7 @@
             </p:txBody>
           </p:sp>
         </mc:Choice>
-        <mc:Fallback>
+        <mc:Fallback xmlns="">
           <p:sp>
             <p:nvSpPr>
               <p:cNvPr id="7" name="TextBox 6">
@@ -5173,8 +6113,8 @@
           </p:sp>
         </mc:Fallback>
       </mc:AlternateContent>
-      <mc:AlternateContent xmlns:mc="http://schemas.openxmlformats.org/markup-compatibility/2006">
-        <mc:Choice xmlns:a14="http://schemas.microsoft.com/office/drawing/2010/main" Requires="a14">
+      <mc:AlternateContent xmlns:mc="http://schemas.openxmlformats.org/markup-compatibility/2006" xmlns:a14="http://schemas.microsoft.com/office/drawing/2010/main">
+        <mc:Choice Requires="a14">
           <p:sp>
             <p:nvSpPr>
               <p:cNvPr id="6" name="TextBox 5">
@@ -5271,7 +6211,7 @@
             </p:txBody>
           </p:sp>
         </mc:Choice>
-        <mc:Fallback>
+        <mc:Fallback xmlns="">
           <p:sp>
             <p:nvSpPr>
               <p:cNvPr id="6" name="TextBox 5">
@@ -5316,8 +6256,8 @@
           </p:sp>
         </mc:Fallback>
       </mc:AlternateContent>
-      <mc:AlternateContent xmlns:mc="http://schemas.openxmlformats.org/markup-compatibility/2006">
-        <mc:Choice xmlns:a14="http://schemas.microsoft.com/office/drawing/2010/main" Requires="a14">
+      <mc:AlternateContent xmlns:mc="http://schemas.openxmlformats.org/markup-compatibility/2006" xmlns:a14="http://schemas.microsoft.com/office/drawing/2010/main">
+        <mc:Choice Requires="a14">
           <p:sp>
             <p:nvSpPr>
               <p:cNvPr id="8" name="TextBox 7">
@@ -5412,7 +6352,7 @@
             </p:txBody>
           </p:sp>
         </mc:Choice>
-        <mc:Fallback>
+        <mc:Fallback xmlns="">
           <p:sp>
             <p:nvSpPr>
               <p:cNvPr id="8" name="TextBox 7">
@@ -5470,7 +6410,7 @@
 </p:sld>
 </file>
 
-<file path=ppt/slides/slide11.xml><?xml version="1.0" encoding="utf-8"?>
+<file path=ppt/slides/slide12.xml><?xml version="1.0" encoding="utf-8"?>
 <p:sld xmlns:a="http://schemas.openxmlformats.org/drawingml/2006/main" xmlns:r="http://schemas.openxmlformats.org/officeDocument/2006/relationships" xmlns:p="http://schemas.openxmlformats.org/presentationml/2006/main">
   <p:cSld>
     <p:spTree>
@@ -5824,7 +6764,7 @@
 </p:sld>
 </file>
 
-<file path=ppt/slides/slide12.xml><?xml version="1.0" encoding="utf-8"?>
+<file path=ppt/slides/slide13.xml><?xml version="1.0" encoding="utf-8"?>
 <p:sld xmlns:a="http://schemas.openxmlformats.org/drawingml/2006/main" xmlns:r="http://schemas.openxmlformats.org/officeDocument/2006/relationships" xmlns:p="http://schemas.openxmlformats.org/presentationml/2006/main">
   <p:cSld>
     <p:spTree>
@@ -6183,171 +7123,6 @@
 </p:sld>
 </file>
 
-<file path=ppt/slides/slide13.xml><?xml version="1.0" encoding="utf-8"?>
-<p:sld xmlns:a="http://schemas.openxmlformats.org/drawingml/2006/main" xmlns:r="http://schemas.openxmlformats.org/officeDocument/2006/relationships" xmlns:p="http://schemas.openxmlformats.org/presentationml/2006/main">
-  <p:cSld>
-    <p:spTree>
-      <p:nvGrpSpPr>
-        <p:cNvPr id="1" name=""/>
-        <p:cNvGrpSpPr/>
-        <p:nvPr/>
-      </p:nvGrpSpPr>
-      <p:grpSpPr>
-        <a:xfrm>
-          <a:off x="0" y="0"/>
-          <a:ext cx="0" cy="0"/>
-          <a:chOff x="0" y="0"/>
-          <a:chExt cx="0" cy="0"/>
-        </a:xfrm>
-      </p:grpSpPr>
-      <p:sp>
-        <p:nvSpPr>
-          <p:cNvPr id="2" name="Title 1"/>
-          <p:cNvSpPr>
-            <a:spLocks noGrp="1"/>
-          </p:cNvSpPr>
-          <p:nvPr>
-            <p:ph type="title"/>
-          </p:nvPr>
-        </p:nvSpPr>
-        <p:spPr>
-          <a:xfrm>
-            <a:off x="838200" y="365126"/>
-            <a:ext cx="10515600" cy="981894"/>
-          </a:xfrm>
-        </p:spPr>
-        <p:txBody>
-          <a:bodyPr>
-            <a:normAutofit/>
-          </a:bodyPr>
-          <a:lstStyle/>
-          <a:p>
-            <a:r>
-              <a:rPr lang="en-US" dirty="0"/>
-              <a:t>Variable Selection </a:t>
-            </a:r>
-          </a:p>
-        </p:txBody>
-      </p:sp>
-      <p:sp>
-        <p:nvSpPr>
-          <p:cNvPr id="4" name="TextBox 3">
-            <a:extLst>
-              <a:ext uri="{FF2B5EF4-FFF2-40B4-BE49-F238E27FC236}">
-                <a16:creationId xmlns:a16="http://schemas.microsoft.com/office/drawing/2014/main" id="{ABD93568-BDBC-1B9E-6C70-DD6A87A29192}"/>
-              </a:ext>
-            </a:extLst>
-          </p:cNvPr>
-          <p:cNvSpPr txBox="1"/>
-          <p:nvPr/>
-        </p:nvSpPr>
-        <p:spPr>
-          <a:xfrm>
-            <a:off x="1036320" y="1828718"/>
-            <a:ext cx="4453655" cy="523220"/>
-          </a:xfrm>
-          <a:prstGeom prst="rect">
-            <a:avLst/>
-          </a:prstGeom>
-          <a:noFill/>
-        </p:spPr>
-        <p:txBody>
-          <a:bodyPr wrap="square">
-            <a:spAutoFit/>
-          </a:bodyPr>
-          <a:lstStyle/>
-          <a:p>
-            <a:r>
-              <a:rPr lang="en-US" sz="2800" dirty="0"/>
-              <a:t>Forward Selection</a:t>
-            </a:r>
-          </a:p>
-        </p:txBody>
-      </p:sp>
-      <p:sp>
-        <p:nvSpPr>
-          <p:cNvPr id="6" name="TextBox 5">
-            <a:extLst>
-              <a:ext uri="{FF2B5EF4-FFF2-40B4-BE49-F238E27FC236}">
-                <a16:creationId xmlns:a16="http://schemas.microsoft.com/office/drawing/2014/main" id="{C9F5CD7A-D397-8BEF-32CC-F1330EF0E863}"/>
-              </a:ext>
-            </a:extLst>
-          </p:cNvPr>
-          <p:cNvSpPr txBox="1"/>
-          <p:nvPr/>
-        </p:nvSpPr>
-        <p:spPr>
-          <a:xfrm>
-            <a:off x="1036318" y="2909836"/>
-            <a:ext cx="4453655" cy="523220"/>
-          </a:xfrm>
-          <a:prstGeom prst="rect">
-            <a:avLst/>
-          </a:prstGeom>
-          <a:noFill/>
-        </p:spPr>
-        <p:txBody>
-          <a:bodyPr wrap="square">
-            <a:spAutoFit/>
-          </a:bodyPr>
-          <a:lstStyle/>
-          <a:p>
-            <a:r>
-              <a:rPr lang="en-US" sz="2800" dirty="0"/>
-              <a:t>Backward Selection</a:t>
-            </a:r>
-          </a:p>
-        </p:txBody>
-      </p:sp>
-      <p:sp>
-        <p:nvSpPr>
-          <p:cNvPr id="7" name="TextBox 6">
-            <a:extLst>
-              <a:ext uri="{FF2B5EF4-FFF2-40B4-BE49-F238E27FC236}">
-                <a16:creationId xmlns:a16="http://schemas.microsoft.com/office/drawing/2014/main" id="{580966AF-E6B5-1EE1-38E5-1D343C77C495}"/>
-              </a:ext>
-            </a:extLst>
-          </p:cNvPr>
-          <p:cNvSpPr txBox="1"/>
-          <p:nvPr/>
-        </p:nvSpPr>
-        <p:spPr>
-          <a:xfrm>
-            <a:off x="1036319" y="3982843"/>
-            <a:ext cx="4453655" cy="523220"/>
-          </a:xfrm>
-          <a:prstGeom prst="rect">
-            <a:avLst/>
-          </a:prstGeom>
-          <a:noFill/>
-        </p:spPr>
-        <p:txBody>
-          <a:bodyPr wrap="square">
-            <a:spAutoFit/>
-          </a:bodyPr>
-          <a:lstStyle/>
-          <a:p>
-            <a:r>
-              <a:rPr lang="en-US" sz="2800" dirty="0" err="1"/>
-              <a:t>Colinearity</a:t>
-            </a:r>
-            <a:endParaRPr lang="en-US" sz="2800" dirty="0"/>
-          </a:p>
-        </p:txBody>
-      </p:sp>
-    </p:spTree>
-    <p:extLst>
-      <p:ext uri="{BB962C8B-B14F-4D97-AF65-F5344CB8AC3E}">
-        <p14:creationId xmlns:p14="http://schemas.microsoft.com/office/powerpoint/2010/main" val="1383625480"/>
-      </p:ext>
-    </p:extLst>
-  </p:cSld>
-  <p:clrMapOvr>
-    <a:masterClrMapping/>
-  </p:clrMapOvr>
-</p:sld>
-</file>
-
 <file path=ppt/slides/slide14.xml><?xml version="1.0" encoding="utf-8"?>
 <p:sld xmlns:a="http://schemas.openxmlformats.org/drawingml/2006/main" xmlns:r="http://schemas.openxmlformats.org/officeDocument/2006/relationships" xmlns:p="http://schemas.openxmlformats.org/presentationml/2006/main">
   <p:cSld>
@@ -6389,7 +7164,7 @@
           <a:p>
             <a:r>
               <a:rPr lang="en-US" dirty="0"/>
-              <a:t>Forward Selection</a:t>
+              <a:t>Variable Selection </a:t>
             </a:r>
           </a:p>
         </p:txBody>
@@ -6408,8 +7183,8 @@
         </p:nvSpPr>
         <p:spPr>
           <a:xfrm>
-            <a:off x="1036319" y="1680835"/>
-            <a:ext cx="10119362" cy="954107"/>
+            <a:off x="1036320" y="1828718"/>
+            <a:ext cx="4453655" cy="523220"/>
           </a:xfrm>
           <a:prstGeom prst="rect">
             <a:avLst/>
@@ -6424,7 +7199,7 @@
           <a:p>
             <a:r>
               <a:rPr lang="en-US" sz="2800" dirty="0"/>
-              <a:t>Begin with the null model — a model that contains an intercept but no predictors. </a:t>
+              <a:t>Forward Selection</a:t>
             </a:r>
           </a:p>
         </p:txBody>
@@ -6443,8 +7218,8 @@
         </p:nvSpPr>
         <p:spPr>
           <a:xfrm>
-            <a:off x="1036319" y="2951946"/>
-            <a:ext cx="10317482" cy="954107"/>
+            <a:off x="1036318" y="2909836"/>
+            <a:ext cx="4453655" cy="523220"/>
           </a:xfrm>
           <a:prstGeom prst="rect">
             <a:avLst/>
@@ -6459,17 +7234,17 @@
           <a:p>
             <a:r>
               <a:rPr lang="en-US" sz="2800" dirty="0"/>
-              <a:t>Fit p simple linear regressions and add to the null model the variable that results in the lowest RSS. </a:t>
+              <a:t>Backward Selection</a:t>
             </a:r>
           </a:p>
         </p:txBody>
       </p:sp>
       <p:sp>
         <p:nvSpPr>
-          <p:cNvPr id="3" name="TextBox 2">
+          <p:cNvPr id="7" name="TextBox 6">
             <a:extLst>
               <a:ext uri="{FF2B5EF4-FFF2-40B4-BE49-F238E27FC236}">
-                <a16:creationId xmlns:a16="http://schemas.microsoft.com/office/drawing/2014/main" id="{02F2A7FD-66F5-E1BD-6687-C5231F954E61}"/>
+                <a16:creationId xmlns:a16="http://schemas.microsoft.com/office/drawing/2014/main" id="{580966AF-E6B5-1EE1-38E5-1D343C77C495}"/>
               </a:ext>
             </a:extLst>
           </p:cNvPr>
@@ -6478,8 +7253,8 @@
         </p:nvSpPr>
         <p:spPr>
           <a:xfrm>
-            <a:off x="1036319" y="4384506"/>
-            <a:ext cx="10317482" cy="2246769"/>
+            <a:off x="1036319" y="3982843"/>
+            <a:ext cx="4453655" cy="523220"/>
           </a:xfrm>
           <a:prstGeom prst="rect">
             <a:avLst/>
@@ -6493,14 +7268,9 @@
           <a:lstStyle/>
           <a:p>
             <a:r>
-              <a:rPr lang="en-US" sz="2800" dirty="0"/>
-              <a:t>Add to that model the variable that results in the lowest RSS amongst all two-variable models. (Continue until some stopping rule is satisfied) </a:t>
+              <a:rPr lang="en-US" sz="2800" dirty="0" err="1"/>
+              <a:t>Colinearity</a:t>
             </a:r>
-          </a:p>
-          <a:p>
-            <a:endParaRPr lang="en-US" sz="2800" dirty="0"/>
-          </a:p>
-          <a:p>
             <a:endParaRPr lang="en-US" sz="2800" dirty="0"/>
           </a:p>
         </p:txBody>
@@ -6508,7 +7278,7 @@
     </p:spTree>
     <p:extLst>
       <p:ext uri="{BB962C8B-B14F-4D97-AF65-F5344CB8AC3E}">
-        <p14:creationId xmlns:p14="http://schemas.microsoft.com/office/powerpoint/2010/main" val="3716468142"/>
+        <p14:creationId xmlns:p14="http://schemas.microsoft.com/office/powerpoint/2010/main" val="1383625480"/>
       </p:ext>
     </p:extLst>
   </p:cSld>
@@ -6559,6 +7329,176 @@
           <a:p>
             <a:r>
               <a:rPr lang="en-US" dirty="0"/>
+              <a:t>Forward Selection</a:t>
+            </a:r>
+          </a:p>
+        </p:txBody>
+      </p:sp>
+      <p:sp>
+        <p:nvSpPr>
+          <p:cNvPr id="4" name="TextBox 3">
+            <a:extLst>
+              <a:ext uri="{FF2B5EF4-FFF2-40B4-BE49-F238E27FC236}">
+                <a16:creationId xmlns:a16="http://schemas.microsoft.com/office/drawing/2014/main" id="{ABD93568-BDBC-1B9E-6C70-DD6A87A29192}"/>
+              </a:ext>
+            </a:extLst>
+          </p:cNvPr>
+          <p:cNvSpPr txBox="1"/>
+          <p:nvPr/>
+        </p:nvSpPr>
+        <p:spPr>
+          <a:xfrm>
+            <a:off x="1036319" y="1680835"/>
+            <a:ext cx="10119362" cy="954107"/>
+          </a:xfrm>
+          <a:prstGeom prst="rect">
+            <a:avLst/>
+          </a:prstGeom>
+          <a:noFill/>
+        </p:spPr>
+        <p:txBody>
+          <a:bodyPr wrap="square">
+            <a:spAutoFit/>
+          </a:bodyPr>
+          <a:lstStyle/>
+          <a:p>
+            <a:r>
+              <a:rPr lang="en-US" sz="2800" dirty="0"/>
+              <a:t>Begin with the null model — a model that contains an intercept but no predictors. </a:t>
+            </a:r>
+          </a:p>
+        </p:txBody>
+      </p:sp>
+      <p:sp>
+        <p:nvSpPr>
+          <p:cNvPr id="6" name="TextBox 5">
+            <a:extLst>
+              <a:ext uri="{FF2B5EF4-FFF2-40B4-BE49-F238E27FC236}">
+                <a16:creationId xmlns:a16="http://schemas.microsoft.com/office/drawing/2014/main" id="{C9F5CD7A-D397-8BEF-32CC-F1330EF0E863}"/>
+              </a:ext>
+            </a:extLst>
+          </p:cNvPr>
+          <p:cNvSpPr txBox="1"/>
+          <p:nvPr/>
+        </p:nvSpPr>
+        <p:spPr>
+          <a:xfrm>
+            <a:off x="1036319" y="2951946"/>
+            <a:ext cx="10317482" cy="954107"/>
+          </a:xfrm>
+          <a:prstGeom prst="rect">
+            <a:avLst/>
+          </a:prstGeom>
+          <a:noFill/>
+        </p:spPr>
+        <p:txBody>
+          <a:bodyPr wrap="square">
+            <a:spAutoFit/>
+          </a:bodyPr>
+          <a:lstStyle/>
+          <a:p>
+            <a:r>
+              <a:rPr lang="en-US" sz="2800" dirty="0"/>
+              <a:t>Fit p simple linear regressions and add to the null model the variable that results in the lowest RSS. </a:t>
+            </a:r>
+          </a:p>
+        </p:txBody>
+      </p:sp>
+      <p:sp>
+        <p:nvSpPr>
+          <p:cNvPr id="3" name="TextBox 2">
+            <a:extLst>
+              <a:ext uri="{FF2B5EF4-FFF2-40B4-BE49-F238E27FC236}">
+                <a16:creationId xmlns:a16="http://schemas.microsoft.com/office/drawing/2014/main" id="{02F2A7FD-66F5-E1BD-6687-C5231F954E61}"/>
+              </a:ext>
+            </a:extLst>
+          </p:cNvPr>
+          <p:cNvSpPr txBox="1"/>
+          <p:nvPr/>
+        </p:nvSpPr>
+        <p:spPr>
+          <a:xfrm>
+            <a:off x="1036319" y="4384506"/>
+            <a:ext cx="10317482" cy="2246769"/>
+          </a:xfrm>
+          <a:prstGeom prst="rect">
+            <a:avLst/>
+          </a:prstGeom>
+          <a:noFill/>
+        </p:spPr>
+        <p:txBody>
+          <a:bodyPr wrap="square">
+            <a:spAutoFit/>
+          </a:bodyPr>
+          <a:lstStyle/>
+          <a:p>
+            <a:r>
+              <a:rPr lang="en-US" sz="2800" dirty="0"/>
+              <a:t>Add to that model the variable that results in the lowest RSS amongst all two-variable models. (Continue until some stopping rule is satisfied) </a:t>
+            </a:r>
+          </a:p>
+          <a:p>
+            <a:endParaRPr lang="en-US" sz="2800" dirty="0"/>
+          </a:p>
+          <a:p>
+            <a:endParaRPr lang="en-US" sz="2800" dirty="0"/>
+          </a:p>
+        </p:txBody>
+      </p:sp>
+    </p:spTree>
+    <p:extLst>
+      <p:ext uri="{BB962C8B-B14F-4D97-AF65-F5344CB8AC3E}">
+        <p14:creationId xmlns:p14="http://schemas.microsoft.com/office/powerpoint/2010/main" val="3716468142"/>
+      </p:ext>
+    </p:extLst>
+  </p:cSld>
+  <p:clrMapOvr>
+    <a:masterClrMapping/>
+  </p:clrMapOvr>
+</p:sld>
+</file>
+
+<file path=ppt/slides/slide16.xml><?xml version="1.0" encoding="utf-8"?>
+<p:sld xmlns:a="http://schemas.openxmlformats.org/drawingml/2006/main" xmlns:r="http://schemas.openxmlformats.org/officeDocument/2006/relationships" xmlns:p="http://schemas.openxmlformats.org/presentationml/2006/main">
+  <p:cSld>
+    <p:spTree>
+      <p:nvGrpSpPr>
+        <p:cNvPr id="1" name=""/>
+        <p:cNvGrpSpPr/>
+        <p:nvPr/>
+      </p:nvGrpSpPr>
+      <p:grpSpPr>
+        <a:xfrm>
+          <a:off x="0" y="0"/>
+          <a:ext cx="0" cy="0"/>
+          <a:chOff x="0" y="0"/>
+          <a:chExt cx="0" cy="0"/>
+        </a:xfrm>
+      </p:grpSpPr>
+      <p:sp>
+        <p:nvSpPr>
+          <p:cNvPr id="2" name="Title 1"/>
+          <p:cNvSpPr>
+            <a:spLocks noGrp="1"/>
+          </p:cNvSpPr>
+          <p:nvPr>
+            <p:ph type="title"/>
+          </p:nvPr>
+        </p:nvSpPr>
+        <p:spPr>
+          <a:xfrm>
+            <a:off x="838200" y="365126"/>
+            <a:ext cx="10515600" cy="981894"/>
+          </a:xfrm>
+        </p:spPr>
+        <p:txBody>
+          <a:bodyPr>
+            <a:normAutofit/>
+          </a:bodyPr>
+          <a:lstStyle/>
+          <a:p>
+            <a:r>
+              <a:rPr lang="en-US" dirty="0"/>
               <a:t>Backward Selection</a:t>
             </a:r>
           </a:p>
@@ -6720,7 +7660,7 @@
 </p:sld>
 </file>
 
-<file path=ppt/slides/slide16.xml><?xml version="1.0" encoding="utf-8"?>
+<file path=ppt/slides/slide17.xml><?xml version="1.0" encoding="utf-8"?>
 <p:sld xmlns:a="http://schemas.openxmlformats.org/drawingml/2006/main" xmlns:r="http://schemas.openxmlformats.org/officeDocument/2006/relationships" xmlns:p="http://schemas.openxmlformats.org/presentationml/2006/main">
   <p:cSld>
     <p:spTree>
@@ -6932,7 +7872,7 @@
 </p:sld>
 </file>
 
-<file path=ppt/slides/slide17.xml><?xml version="1.0" encoding="utf-8"?>
+<file path=ppt/slides/slide18.xml><?xml version="1.0" encoding="utf-8"?>
 <p:sld xmlns:a="http://schemas.openxmlformats.org/drawingml/2006/main" xmlns:r="http://schemas.openxmlformats.org/officeDocument/2006/relationships" xmlns:p="http://schemas.openxmlformats.org/presentationml/2006/main">
   <p:cSld>
     <p:spTree>
@@ -6978,8 +7918,8 @@
           </a:p>
         </p:txBody>
       </p:sp>
-      <mc:AlternateContent xmlns:mc="http://schemas.openxmlformats.org/markup-compatibility/2006">
-        <mc:Choice xmlns:a14="http://schemas.microsoft.com/office/drawing/2010/main" Requires="a14">
+      <mc:AlternateContent xmlns:mc="http://schemas.openxmlformats.org/markup-compatibility/2006" xmlns:a14="http://schemas.microsoft.com/office/drawing/2010/main">
+        <mc:Choice Requires="a14">
           <p:sp>
             <p:nvSpPr>
               <p:cNvPr id="4" name="TextBox 3">
@@ -7156,7 +8096,7 @@
             </p:txBody>
           </p:sp>
         </mc:Choice>
-        <mc:Fallback>
+        <mc:Fallback xmlns="">
           <p:sp>
             <p:nvSpPr>
               <p:cNvPr id="4" name="TextBox 3">
@@ -7201,8 +8141,8 @@
           </p:sp>
         </mc:Fallback>
       </mc:AlternateContent>
-      <mc:AlternateContent xmlns:mc="http://schemas.openxmlformats.org/markup-compatibility/2006">
-        <mc:Choice xmlns:a14="http://schemas.microsoft.com/office/drawing/2010/main" Requires="a14">
+      <mc:AlternateContent xmlns:mc="http://schemas.openxmlformats.org/markup-compatibility/2006" xmlns:a14="http://schemas.microsoft.com/office/drawing/2010/main">
+        <mc:Choice Requires="a14">
           <p:sp>
             <p:nvSpPr>
               <p:cNvPr id="5" name="TextBox 4">
@@ -7488,7 +8428,7 @@
             </p:txBody>
           </p:sp>
         </mc:Choice>
-        <mc:Fallback>
+        <mc:Fallback xmlns="">
           <p:sp>
             <p:nvSpPr>
               <p:cNvPr id="5" name="TextBox 4">
@@ -7533,8 +8473,8 @@
           </p:sp>
         </mc:Fallback>
       </mc:AlternateContent>
-      <mc:AlternateContent xmlns:mc="http://schemas.openxmlformats.org/markup-compatibility/2006">
-        <mc:Choice xmlns:a14="http://schemas.microsoft.com/office/drawing/2010/main" Requires="a14">
+      <mc:AlternateContent xmlns:mc="http://schemas.openxmlformats.org/markup-compatibility/2006" xmlns:a14="http://schemas.microsoft.com/office/drawing/2010/main">
+        <mc:Choice Requires="a14">
           <p:sp>
             <p:nvSpPr>
               <p:cNvPr id="8" name="TextBox 7">
@@ -7634,7 +8574,7 @@
             </p:txBody>
           </p:sp>
         </mc:Choice>
-        <mc:Fallback>
+        <mc:Fallback xmlns="">
           <p:sp>
             <p:nvSpPr>
               <p:cNvPr id="8" name="TextBox 7">
@@ -7679,8 +8619,8 @@
           </p:sp>
         </mc:Fallback>
       </mc:AlternateContent>
-      <mc:AlternateContent xmlns:mc="http://schemas.openxmlformats.org/markup-compatibility/2006">
-        <mc:Choice xmlns:a14="http://schemas.microsoft.com/office/drawing/2010/main" Requires="a14">
+      <mc:AlternateContent xmlns:mc="http://schemas.openxmlformats.org/markup-compatibility/2006" xmlns:a14="http://schemas.microsoft.com/office/drawing/2010/main">
+        <mc:Choice Requires="a14">
           <p:sp>
             <p:nvSpPr>
               <p:cNvPr id="9" name="TextBox 8">
@@ -7893,7 +8833,7 @@
             </p:txBody>
           </p:sp>
         </mc:Choice>
-        <mc:Fallback>
+        <mc:Fallback xmlns="">
           <p:sp>
             <p:nvSpPr>
               <p:cNvPr id="9" name="TextBox 8">
@@ -7951,7 +8891,7 @@
 </p:sld>
 </file>
 
-<file path=ppt/slides/slide18.xml><?xml version="1.0" encoding="utf-8"?>
+<file path=ppt/slides/slide19.xml><?xml version="1.0" encoding="utf-8"?>
 <p:sld xmlns:a="http://schemas.openxmlformats.org/drawingml/2006/main" xmlns:r="http://schemas.openxmlformats.org/officeDocument/2006/relationships" xmlns:p="http://schemas.openxmlformats.org/presentationml/2006/main">
   <p:cSld>
     <p:spTree>
@@ -8131,71 +9071,6 @@
     <p:extLst>
       <p:ext uri="{BB962C8B-B14F-4D97-AF65-F5344CB8AC3E}">
         <p14:creationId xmlns:p14="http://schemas.microsoft.com/office/powerpoint/2010/main" val="799084032"/>
-      </p:ext>
-    </p:extLst>
-  </p:cSld>
-  <p:clrMapOvr>
-    <a:masterClrMapping/>
-  </p:clrMapOvr>
-</p:sld>
-</file>
-
-<file path=ppt/slides/slide19.xml><?xml version="1.0" encoding="utf-8"?>
-<p:sld xmlns:a="http://schemas.openxmlformats.org/drawingml/2006/main" xmlns:r="http://schemas.openxmlformats.org/officeDocument/2006/relationships" xmlns:p="http://schemas.openxmlformats.org/presentationml/2006/main">
-  <p:cSld>
-    <p:spTree>
-      <p:nvGrpSpPr>
-        <p:cNvPr id="1" name=""/>
-        <p:cNvGrpSpPr/>
-        <p:nvPr/>
-      </p:nvGrpSpPr>
-      <p:grpSpPr>
-        <a:xfrm>
-          <a:off x="0" y="0"/>
-          <a:ext cx="0" cy="0"/>
-          <a:chOff x="0" y="0"/>
-          <a:chExt cx="0" cy="0"/>
-        </a:xfrm>
-      </p:grpSpPr>
-      <p:sp>
-        <p:nvSpPr>
-          <p:cNvPr id="10" name="TextBox 9">
-            <a:extLst>
-              <a:ext uri="{FF2B5EF4-FFF2-40B4-BE49-F238E27FC236}">
-                <a16:creationId xmlns:a16="http://schemas.microsoft.com/office/drawing/2014/main" id="{514E73AD-7A38-9D42-8C4C-ADC0FDE0FBC3}"/>
-              </a:ext>
-            </a:extLst>
-          </p:cNvPr>
-          <p:cNvSpPr txBox="1"/>
-          <p:nvPr/>
-        </p:nvSpPr>
-        <p:spPr>
-          <a:xfrm>
-            <a:off x="4792980" y="2601575"/>
-            <a:ext cx="5951220" cy="1077218"/>
-          </a:xfrm>
-          <a:prstGeom prst="rect">
-            <a:avLst/>
-          </a:prstGeom>
-          <a:noFill/>
-        </p:spPr>
-        <p:txBody>
-          <a:bodyPr wrap="square">
-            <a:spAutoFit/>
-          </a:bodyPr>
-          <a:lstStyle/>
-          <a:p>
-            <a:r>
-              <a:rPr lang="en-US" sz="6400" dirty="0"/>
-              <a:t>Q &amp; A</a:t>
-            </a:r>
-          </a:p>
-        </p:txBody>
-      </p:sp>
-    </p:spTree>
-    <p:extLst>
-      <p:ext uri="{BB962C8B-B14F-4D97-AF65-F5344CB8AC3E}">
-        <p14:creationId xmlns:p14="http://schemas.microsoft.com/office/powerpoint/2010/main" val="1613744569"/>
       </p:ext>
     </p:extLst>
   </p:cSld>
@@ -9725,6 +10600,71 @@
 </p:sld>
 </file>
 
+<file path=ppt/slides/slide20.xml><?xml version="1.0" encoding="utf-8"?>
+<p:sld xmlns:a="http://schemas.openxmlformats.org/drawingml/2006/main" xmlns:r="http://schemas.openxmlformats.org/officeDocument/2006/relationships" xmlns:p="http://schemas.openxmlformats.org/presentationml/2006/main">
+  <p:cSld>
+    <p:spTree>
+      <p:nvGrpSpPr>
+        <p:cNvPr id="1" name=""/>
+        <p:cNvGrpSpPr/>
+        <p:nvPr/>
+      </p:nvGrpSpPr>
+      <p:grpSpPr>
+        <a:xfrm>
+          <a:off x="0" y="0"/>
+          <a:ext cx="0" cy="0"/>
+          <a:chOff x="0" y="0"/>
+          <a:chExt cx="0" cy="0"/>
+        </a:xfrm>
+      </p:grpSpPr>
+      <p:sp>
+        <p:nvSpPr>
+          <p:cNvPr id="10" name="TextBox 9">
+            <a:extLst>
+              <a:ext uri="{FF2B5EF4-FFF2-40B4-BE49-F238E27FC236}">
+                <a16:creationId xmlns:a16="http://schemas.microsoft.com/office/drawing/2014/main" id="{514E73AD-7A38-9D42-8C4C-ADC0FDE0FBC3}"/>
+              </a:ext>
+            </a:extLst>
+          </p:cNvPr>
+          <p:cNvSpPr txBox="1"/>
+          <p:nvPr/>
+        </p:nvSpPr>
+        <p:spPr>
+          <a:xfrm>
+            <a:off x="4792980" y="2601575"/>
+            <a:ext cx="5951220" cy="1077218"/>
+          </a:xfrm>
+          <a:prstGeom prst="rect">
+            <a:avLst/>
+          </a:prstGeom>
+          <a:noFill/>
+        </p:spPr>
+        <p:txBody>
+          <a:bodyPr wrap="square">
+            <a:spAutoFit/>
+          </a:bodyPr>
+          <a:lstStyle/>
+          <a:p>
+            <a:r>
+              <a:rPr lang="en-US" sz="6400" dirty="0"/>
+              <a:t>Q &amp; A</a:t>
+            </a:r>
+          </a:p>
+        </p:txBody>
+      </p:sp>
+    </p:spTree>
+    <p:extLst>
+      <p:ext uri="{BB962C8B-B14F-4D97-AF65-F5344CB8AC3E}">
+        <p14:creationId xmlns:p14="http://schemas.microsoft.com/office/powerpoint/2010/main" val="1613744569"/>
+      </p:ext>
+    </p:extLst>
+  </p:cSld>
+  <p:clrMapOvr>
+    <a:masterClrMapping/>
+  </p:clrMapOvr>
+</p:sld>
+</file>
+
 <file path=ppt/slides/slide3.xml><?xml version="1.0" encoding="utf-8"?>
 <p:sld xmlns:a="http://schemas.openxmlformats.org/drawingml/2006/main" xmlns:r="http://schemas.openxmlformats.org/officeDocument/2006/relationships" xmlns:p="http://schemas.openxmlformats.org/presentationml/2006/main">
   <p:cSld>
@@ -13316,7 +14256,7 @@
           <a:p>
             <a:r>
               <a:rPr lang="en-US" dirty="0"/>
-              <a:t>Least Square Method (Done by Software)</a:t>
+              <a:t>Least Square Method (Solved by Software)</a:t>
             </a:r>
           </a:p>
         </p:txBody>
@@ -14300,6 +15240,430 @@
           <a:p>
             <a:r>
               <a:rPr lang="en-US" dirty="0"/>
+              <a:t>Least Square Method</a:t>
+            </a:r>
+            <a:r>
+              <a:rPr lang="zh-CN" altLang="en-US" dirty="0"/>
+              <a:t> </a:t>
+            </a:r>
+            <a:r>
+              <a:rPr lang="en-US" altLang="zh-CN" dirty="0"/>
+              <a:t>(Solved by Matrix)</a:t>
+            </a:r>
+            <a:endParaRPr lang="en-US" dirty="0"/>
+          </a:p>
+        </p:txBody>
+      </p:sp>
+      <p:pic>
+        <p:nvPicPr>
+          <p:cNvPr id="3" name="Picture 2">
+            <a:extLst>
+              <a:ext uri="{FF2B5EF4-FFF2-40B4-BE49-F238E27FC236}">
+                <a16:creationId xmlns:a16="http://schemas.microsoft.com/office/drawing/2014/main" id="{DFD3E67A-1BC0-CA1F-9DA6-0D6B0F8AC010}"/>
+              </a:ext>
+            </a:extLst>
+          </p:cNvPr>
+          <p:cNvPicPr>
+            <a:picLocks noChangeAspect="1"/>
+          </p:cNvPicPr>
+          <p:nvPr/>
+        </p:nvPicPr>
+        <p:blipFill>
+          <a:blip r:embed="rId3"/>
+          <a:stretch>
+            <a:fillRect/>
+          </a:stretch>
+        </p:blipFill>
+        <p:spPr>
+          <a:xfrm>
+            <a:off x="838199" y="1555750"/>
+            <a:ext cx="4912463" cy="3290570"/>
+          </a:xfrm>
+          <a:prstGeom prst="rect">
+            <a:avLst/>
+          </a:prstGeom>
+        </p:spPr>
+      </p:pic>
+      <p:pic>
+        <p:nvPicPr>
+          <p:cNvPr id="4" name="Picture 3">
+            <a:extLst>
+              <a:ext uri="{FF2B5EF4-FFF2-40B4-BE49-F238E27FC236}">
+                <a16:creationId xmlns:a16="http://schemas.microsoft.com/office/drawing/2014/main" id="{9A392ADA-3F9E-79DA-4886-B6093A94CA8F}"/>
+              </a:ext>
+            </a:extLst>
+          </p:cNvPr>
+          <p:cNvPicPr>
+            <a:picLocks noChangeAspect="1"/>
+          </p:cNvPicPr>
+          <p:nvPr/>
+        </p:nvPicPr>
+        <p:blipFill>
+          <a:blip r:embed="rId4"/>
+          <a:stretch>
+            <a:fillRect/>
+          </a:stretch>
+        </p:blipFill>
+        <p:spPr>
+          <a:xfrm>
+            <a:off x="2237740" y="5055050"/>
+            <a:ext cx="2136140" cy="1022620"/>
+          </a:xfrm>
+          <a:prstGeom prst="rect">
+            <a:avLst/>
+          </a:prstGeom>
+        </p:spPr>
+      </p:pic>
+      <p:pic>
+        <p:nvPicPr>
+          <p:cNvPr id="5" name="Picture 4">
+            <a:extLst>
+              <a:ext uri="{FF2B5EF4-FFF2-40B4-BE49-F238E27FC236}">
+                <a16:creationId xmlns:a16="http://schemas.microsoft.com/office/drawing/2014/main" id="{B8640F8B-5CB4-97C4-FA00-F3FFDBBE83E2}"/>
+              </a:ext>
+            </a:extLst>
+          </p:cNvPr>
+          <p:cNvPicPr>
+            <a:picLocks noChangeAspect="1"/>
+          </p:cNvPicPr>
+          <p:nvPr/>
+        </p:nvPicPr>
+        <p:blipFill>
+          <a:blip r:embed="rId5"/>
+          <a:stretch>
+            <a:fillRect/>
+          </a:stretch>
+        </p:blipFill>
+        <p:spPr>
+          <a:xfrm>
+            <a:off x="7056119" y="3117215"/>
+            <a:ext cx="3137965" cy="623570"/>
+          </a:xfrm>
+          <a:prstGeom prst="rect">
+            <a:avLst/>
+          </a:prstGeom>
+        </p:spPr>
+      </p:pic>
+      <p:sp>
+        <p:nvSpPr>
+          <p:cNvPr id="6" name="TextBox 5">
+            <a:extLst>
+              <a:ext uri="{FF2B5EF4-FFF2-40B4-BE49-F238E27FC236}">
+                <a16:creationId xmlns:a16="http://schemas.microsoft.com/office/drawing/2014/main" id="{30E52FDD-700B-17B8-78A9-4713B52B9759}"/>
+              </a:ext>
+            </a:extLst>
+          </p:cNvPr>
+          <p:cNvSpPr txBox="1"/>
+          <p:nvPr/>
+        </p:nvSpPr>
+        <p:spPr>
+          <a:xfrm>
+            <a:off x="6250840" y="2069342"/>
+            <a:ext cx="4051400" cy="523220"/>
+          </a:xfrm>
+          <a:prstGeom prst="rect">
+            <a:avLst/>
+          </a:prstGeom>
+          <a:noFill/>
+        </p:spPr>
+        <p:txBody>
+          <a:bodyPr wrap="square">
+            <a:spAutoFit/>
+          </a:bodyPr>
+          <a:lstStyle/>
+          <a:p>
+            <a:r>
+              <a:rPr lang="en-US" sz="2800" dirty="0"/>
+              <a:t>Estimation:</a:t>
+            </a:r>
+          </a:p>
+        </p:txBody>
+      </p:sp>
+      <mc:AlternateContent xmlns:mc="http://schemas.openxmlformats.org/markup-compatibility/2006">
+        <mc:Choice xmlns:a14="http://schemas.microsoft.com/office/drawing/2010/main" Requires="a14">
+          <p:sp>
+            <p:nvSpPr>
+              <p:cNvPr id="8" name="TextBox 7">
+                <a:extLst>
+                  <a:ext uri="{FF2B5EF4-FFF2-40B4-BE49-F238E27FC236}">
+                    <a16:creationId xmlns:a16="http://schemas.microsoft.com/office/drawing/2014/main" id="{661A2037-3CDB-6E3C-C42B-C0F5A5B337CA}"/>
+                  </a:ext>
+                </a:extLst>
+              </p:cNvPr>
+              <p:cNvSpPr txBox="1"/>
+              <p:nvPr/>
+            </p:nvSpPr>
+            <p:spPr>
+              <a:xfrm>
+                <a:off x="6798892" y="4234165"/>
+                <a:ext cx="3652418" cy="547073"/>
+              </a:xfrm>
+              <a:prstGeom prst="rect">
+                <a:avLst/>
+              </a:prstGeom>
+              <a:noFill/>
+            </p:spPr>
+            <p:txBody>
+              <a:bodyPr wrap="square">
+                <a:spAutoFit/>
+              </a:bodyPr>
+              <a:lstStyle/>
+              <a:p>
+                <a:pPr/>
+                <a14:m>
+                  <m:oMathPara xmlns:m="http://schemas.openxmlformats.org/officeDocument/2006/math">
+                    <m:oMathParaPr>
+                      <m:jc m:val="centerGroup"/>
+                    </m:oMathParaPr>
+                    <m:oMath xmlns:m="http://schemas.openxmlformats.org/officeDocument/2006/math">
+                      <m:sSub>
+                        <m:sSubPr>
+                          <m:ctrlPr>
+                            <a:rPr lang="en-US" sz="2800" b="0" i="1" dirty="0" smtClean="0">
+                              <a:latin typeface="Cambria Math" panose="02040503050406030204" pitchFamily="18" charset="0"/>
+                            </a:rPr>
+                          </m:ctrlPr>
+                        </m:sSubPr>
+                        <m:e>
+                          <m:r>
+                            <a:rPr lang="en-US" sz="2800" b="0" i="1" dirty="0" smtClean="0">
+                              <a:latin typeface="Cambria Math" panose="02040503050406030204" pitchFamily="18" charset="0"/>
+                            </a:rPr>
+                            <m:t>𝑏</m:t>
+                          </m:r>
+                          <m:r>
+                            <a:rPr lang="en-US" sz="2800" b="0" i="1" dirty="0" smtClean="0">
+                              <a:latin typeface="Cambria Math" panose="02040503050406030204" pitchFamily="18" charset="0"/>
+                            </a:rPr>
+                            <m:t>=[</m:t>
+                          </m:r>
+                          <m:acc>
+                            <m:accPr>
+                              <m:chr m:val="̂"/>
+                              <m:ctrlPr>
+                                <a:rPr lang="en-US" sz="2800" b="0" i="1" smtClean="0">
+                                  <a:latin typeface="Cambria Math" panose="02040503050406030204" pitchFamily="18" charset="0"/>
+                                </a:rPr>
+                              </m:ctrlPr>
+                            </m:accPr>
+                            <m:e>
+                              <m:r>
+                                <a:rPr lang="en-US" sz="2800" b="0" i="1" smtClean="0">
+                                  <a:latin typeface="Cambria Math" panose="02040503050406030204" pitchFamily="18" charset="0"/>
+                                </a:rPr>
+                                <m:t>𝛽</m:t>
+                              </m:r>
+                            </m:e>
+                          </m:acc>
+                        </m:e>
+                        <m:sub>
+                          <m:r>
+                            <a:rPr lang="en-US" sz="2800" b="0" i="1" dirty="0" smtClean="0">
+                              <a:latin typeface="Cambria Math" panose="02040503050406030204" pitchFamily="18" charset="0"/>
+                            </a:rPr>
+                            <m:t>0</m:t>
+                          </m:r>
+                        </m:sub>
+                      </m:sSub>
+                      <m:r>
+                        <a:rPr lang="en-US" sz="2800" b="0" i="0" dirty="0" smtClean="0">
+                          <a:latin typeface="Cambria Math" panose="02040503050406030204" pitchFamily="18" charset="0"/>
+                        </a:rPr>
+                        <m:t>, </m:t>
+                      </m:r>
+                      <m:sSub>
+                        <m:sSubPr>
+                          <m:ctrlPr>
+                            <a:rPr lang="en-US" sz="2800" i="1" dirty="0">
+                              <a:latin typeface="Cambria Math" panose="02040503050406030204" pitchFamily="18" charset="0"/>
+                            </a:rPr>
+                          </m:ctrlPr>
+                        </m:sSubPr>
+                        <m:e>
+                          <m:acc>
+                            <m:accPr>
+                              <m:chr m:val="̂"/>
+                              <m:ctrlPr>
+                                <a:rPr lang="en-US" sz="2800" i="1">
+                                  <a:latin typeface="Cambria Math" panose="02040503050406030204" pitchFamily="18" charset="0"/>
+                                </a:rPr>
+                              </m:ctrlPr>
+                            </m:accPr>
+                            <m:e>
+                              <m:r>
+                                <a:rPr lang="en-US" sz="2800" i="1">
+                                  <a:latin typeface="Cambria Math" panose="02040503050406030204" pitchFamily="18" charset="0"/>
+                                </a:rPr>
+                                <m:t>𝛽</m:t>
+                              </m:r>
+                            </m:e>
+                          </m:acc>
+                        </m:e>
+                        <m:sub>
+                          <m:r>
+                            <a:rPr lang="en-US" sz="2800" b="0" i="1" smtClean="0">
+                              <a:latin typeface="Cambria Math" panose="02040503050406030204" pitchFamily="18" charset="0"/>
+                            </a:rPr>
+                            <m:t>1</m:t>
+                          </m:r>
+                        </m:sub>
+                      </m:sSub>
+                      <m:r>
+                        <a:rPr lang="en-US" sz="2800" b="0" i="1" smtClean="0">
+                          <a:latin typeface="Cambria Math" panose="02040503050406030204" pitchFamily="18" charset="0"/>
+                        </a:rPr>
+                        <m:t>…,</m:t>
+                      </m:r>
+                      <m:sSub>
+                        <m:sSubPr>
+                          <m:ctrlPr>
+                            <a:rPr lang="en-US" sz="2800" i="1" dirty="0">
+                              <a:latin typeface="Cambria Math" panose="02040503050406030204" pitchFamily="18" charset="0"/>
+                            </a:rPr>
+                          </m:ctrlPr>
+                        </m:sSubPr>
+                        <m:e>
+                          <m:acc>
+                            <m:accPr>
+                              <m:chr m:val="̂"/>
+                              <m:ctrlPr>
+                                <a:rPr lang="en-US" sz="2800" i="1">
+                                  <a:latin typeface="Cambria Math" panose="02040503050406030204" pitchFamily="18" charset="0"/>
+                                </a:rPr>
+                              </m:ctrlPr>
+                            </m:accPr>
+                            <m:e>
+                              <m:r>
+                                <a:rPr lang="en-US" sz="2800" i="1">
+                                  <a:latin typeface="Cambria Math" panose="02040503050406030204" pitchFamily="18" charset="0"/>
+                                </a:rPr>
+                                <m:t>𝛽</m:t>
+                              </m:r>
+                            </m:e>
+                          </m:acc>
+                        </m:e>
+                        <m:sub>
+                          <m:r>
+                            <a:rPr lang="en-US" sz="2800" b="0" i="1" smtClean="0">
+                              <a:latin typeface="Cambria Math" panose="02040503050406030204" pitchFamily="18" charset="0"/>
+                            </a:rPr>
+                            <m:t>3</m:t>
+                          </m:r>
+                        </m:sub>
+                      </m:sSub>
+                      <m:r>
+                        <a:rPr lang="en-US" sz="2800" b="0" i="1" smtClean="0">
+                          <a:latin typeface="Cambria Math" panose="02040503050406030204" pitchFamily="18" charset="0"/>
+                        </a:rPr>
+                        <m:t>]</m:t>
+                      </m:r>
+                    </m:oMath>
+                  </m:oMathPara>
+                </a14:m>
+                <a:endParaRPr lang="en-US" sz="3200" dirty="0"/>
+              </a:p>
+            </p:txBody>
+          </p:sp>
+        </mc:Choice>
+        <mc:Fallback>
+          <p:sp>
+            <p:nvSpPr>
+              <p:cNvPr id="8" name="TextBox 7">
+                <a:extLst>
+                  <a:ext uri="{FF2B5EF4-FFF2-40B4-BE49-F238E27FC236}">
+                    <a16:creationId xmlns:a16="http://schemas.microsoft.com/office/drawing/2014/main" id="{661A2037-3CDB-6E3C-C42B-C0F5A5B337CA}"/>
+                  </a:ext>
+                </a:extLst>
+              </p:cNvPr>
+              <p:cNvSpPr txBox="1">
+                <a:spLocks noRot="1" noChangeAspect="1" noMove="1" noResize="1" noEditPoints="1" noAdjustHandles="1" noChangeArrowheads="1" noChangeShapeType="1" noTextEdit="1"/>
+              </p:cNvSpPr>
+              <p:nvPr/>
+            </p:nvSpPr>
+            <p:spPr>
+              <a:xfrm>
+                <a:off x="6798892" y="4234165"/>
+                <a:ext cx="3652418" cy="547073"/>
+              </a:xfrm>
+              <a:prstGeom prst="rect">
+                <a:avLst/>
+              </a:prstGeom>
+              <a:blipFill>
+                <a:blip r:embed="rId6"/>
+                <a:stretch>
+                  <a:fillRect t="-9091" b="-15909"/>
+                </a:stretch>
+              </a:blipFill>
+            </p:spPr>
+            <p:txBody>
+              <a:bodyPr/>
+              <a:lstStyle/>
+              <a:p>
+                <a:r>
+                  <a:rPr lang="en-US">
+                    <a:noFill/>
+                  </a:rPr>
+                  <a:t> </a:t>
+                </a:r>
+              </a:p>
+            </p:txBody>
+          </p:sp>
+        </mc:Fallback>
+      </mc:AlternateContent>
+    </p:spTree>
+    <p:extLst>
+      <p:ext uri="{BB962C8B-B14F-4D97-AF65-F5344CB8AC3E}">
+        <p14:creationId xmlns:p14="http://schemas.microsoft.com/office/powerpoint/2010/main" val="4222728541"/>
+      </p:ext>
+    </p:extLst>
+  </p:cSld>
+  <p:clrMapOvr>
+    <a:masterClrMapping/>
+  </p:clrMapOvr>
+</p:sld>
+</file>
+
+<file path=ppt/slides/slide9.xml><?xml version="1.0" encoding="utf-8"?>
+<p:sld xmlns:a="http://schemas.openxmlformats.org/drawingml/2006/main" xmlns:r="http://schemas.openxmlformats.org/officeDocument/2006/relationships" xmlns:p="http://schemas.openxmlformats.org/presentationml/2006/main">
+  <p:cSld>
+    <p:spTree>
+      <p:nvGrpSpPr>
+        <p:cNvPr id="1" name=""/>
+        <p:cNvGrpSpPr/>
+        <p:nvPr/>
+      </p:nvGrpSpPr>
+      <p:grpSpPr>
+        <a:xfrm>
+          <a:off x="0" y="0"/>
+          <a:ext cx="0" cy="0"/>
+          <a:chOff x="0" y="0"/>
+          <a:chExt cx="0" cy="0"/>
+        </a:xfrm>
+      </p:grpSpPr>
+      <p:sp>
+        <p:nvSpPr>
+          <p:cNvPr id="2" name="Title 1"/>
+          <p:cNvSpPr>
+            <a:spLocks noGrp="1"/>
+          </p:cNvSpPr>
+          <p:nvPr>
+            <p:ph type="title"/>
+          </p:nvPr>
+        </p:nvSpPr>
+        <p:spPr>
+          <a:xfrm>
+            <a:off x="838200" y="365126"/>
+            <a:ext cx="10515600" cy="981894"/>
+          </a:xfrm>
+        </p:spPr>
+        <p:txBody>
+          <a:bodyPr>
+            <a:normAutofit/>
+          </a:bodyPr>
+          <a:lstStyle/>
+          <a:p>
+            <a:r>
+              <a:rPr lang="en-US" dirty="0"/>
               <a:t>Visualization</a:t>
             </a:r>
           </a:p>
@@ -14368,861 +15732,6 @@
     <p:extLst>
       <p:ext uri="{BB962C8B-B14F-4D97-AF65-F5344CB8AC3E}">
         <p14:creationId xmlns:p14="http://schemas.microsoft.com/office/powerpoint/2010/main" val="342024853"/>
-      </p:ext>
-    </p:extLst>
-  </p:cSld>
-  <p:clrMapOvr>
-    <a:masterClrMapping/>
-  </p:clrMapOvr>
-</p:sld>
-</file>
-
-<file path=ppt/slides/slide9.xml><?xml version="1.0" encoding="utf-8"?>
-<p:sld xmlns:a="http://schemas.openxmlformats.org/drawingml/2006/main" xmlns:r="http://schemas.openxmlformats.org/officeDocument/2006/relationships" xmlns:p="http://schemas.openxmlformats.org/presentationml/2006/main">
-  <p:cSld>
-    <p:spTree>
-      <p:nvGrpSpPr>
-        <p:cNvPr id="1" name=""/>
-        <p:cNvGrpSpPr/>
-        <p:nvPr/>
-      </p:nvGrpSpPr>
-      <p:grpSpPr>
-        <a:xfrm>
-          <a:off x="0" y="0"/>
-          <a:ext cx="0" cy="0"/>
-          <a:chOff x="0" y="0"/>
-          <a:chExt cx="0" cy="0"/>
-        </a:xfrm>
-      </p:grpSpPr>
-      <p:sp>
-        <p:nvSpPr>
-          <p:cNvPr id="2" name="Title 1"/>
-          <p:cNvSpPr>
-            <a:spLocks noGrp="1"/>
-          </p:cNvSpPr>
-          <p:nvPr>
-            <p:ph type="title"/>
-          </p:nvPr>
-        </p:nvSpPr>
-        <p:spPr>
-          <a:xfrm>
-            <a:off x="838200" y="365126"/>
-            <a:ext cx="10515600" cy="981894"/>
-          </a:xfrm>
-        </p:spPr>
-        <p:txBody>
-          <a:bodyPr>
-            <a:normAutofit/>
-          </a:bodyPr>
-          <a:lstStyle/>
-          <a:p>
-            <a:r>
-              <a:rPr lang="en-US" dirty="0"/>
-              <a:t>Hypothesis Testing</a:t>
-            </a:r>
-          </a:p>
-        </p:txBody>
-      </p:sp>
-      <mc:AlternateContent xmlns:mc="http://schemas.openxmlformats.org/markup-compatibility/2006" xmlns:a14="http://schemas.microsoft.com/office/drawing/2010/main">
-        <mc:Choice Requires="a14">
-          <p:sp>
-            <p:nvSpPr>
-              <p:cNvPr id="5" name="TextBox 4">
-                <a:extLst>
-                  <a:ext uri="{FF2B5EF4-FFF2-40B4-BE49-F238E27FC236}">
-                    <a16:creationId xmlns:a16="http://schemas.microsoft.com/office/drawing/2014/main" id="{8C36044A-E246-009D-F0D1-B3D44DB9D678}"/>
-                  </a:ext>
-                </a:extLst>
-              </p:cNvPr>
-              <p:cNvSpPr txBox="1"/>
-              <p:nvPr/>
-            </p:nvSpPr>
-            <p:spPr>
-              <a:xfrm>
-                <a:off x="2293102" y="1792481"/>
-                <a:ext cx="5929393" cy="557910"/>
-              </a:xfrm>
-              <a:prstGeom prst="rect">
-                <a:avLst/>
-              </a:prstGeom>
-              <a:noFill/>
-            </p:spPr>
-            <p:txBody>
-              <a:bodyPr wrap="square">
-                <a:spAutoFit/>
-              </a:bodyPr>
-              <a:lstStyle/>
-              <a:p>
-                <a:pPr/>
-                <a14:m>
-                  <m:oMathPara xmlns:m="http://schemas.openxmlformats.org/officeDocument/2006/math">
-                    <m:oMathParaPr>
-                      <m:jc m:val="centerGroup"/>
-                    </m:oMathParaPr>
-                    <m:oMath xmlns:m="http://schemas.openxmlformats.org/officeDocument/2006/math">
-                      <m:sSub>
-                        <m:sSubPr>
-                          <m:ctrlPr>
-                            <a:rPr lang="en-US" sz="2800" b="0" i="1" smtClean="0">
-                              <a:effectLst/>
-                              <a:latin typeface="Cambria Math" panose="02040503050406030204" pitchFamily="18" charset="0"/>
-                            </a:rPr>
-                          </m:ctrlPr>
-                        </m:sSubPr>
-                        <m:e>
-                          <m:r>
-                            <a:rPr lang="en-US" sz="2800" b="0" i="1" smtClean="0">
-                              <a:effectLst/>
-                              <a:latin typeface="Cambria Math" panose="02040503050406030204" pitchFamily="18" charset="0"/>
-                            </a:rPr>
-                            <m:t>𝐻</m:t>
-                          </m:r>
-                        </m:e>
-                        <m:sub>
-                          <m:r>
-                            <a:rPr lang="en-US" sz="2800" b="0" i="1" smtClean="0">
-                              <a:effectLst/>
-                              <a:latin typeface="Cambria Math" panose="02040503050406030204" pitchFamily="18" charset="0"/>
-                            </a:rPr>
-                            <m:t>0</m:t>
-                          </m:r>
-                        </m:sub>
-                      </m:sSub>
-                      <m:r>
-                        <a:rPr lang="en-US" sz="2800" b="0" i="0" smtClean="0">
-                          <a:effectLst/>
-                          <a:latin typeface="Cambria Math" panose="02040503050406030204" pitchFamily="18" charset="0"/>
-                        </a:rPr>
-                        <m:t>:</m:t>
-                      </m:r>
-                      <m:sSub>
-                        <m:sSubPr>
-                          <m:ctrlPr>
-                            <a:rPr lang="en-US" sz="2800" b="0" i="1" smtClean="0">
-                              <a:effectLst/>
-                              <a:latin typeface="Cambria Math" panose="02040503050406030204" pitchFamily="18" charset="0"/>
-                            </a:rPr>
-                          </m:ctrlPr>
-                        </m:sSubPr>
-                        <m:e>
-                          <m:r>
-                            <a:rPr lang="en-US" sz="2800" b="0" i="1" smtClean="0">
-                              <a:effectLst/>
-                              <a:latin typeface="Cambria Math" panose="02040503050406030204" pitchFamily="18" charset="0"/>
-                            </a:rPr>
-                            <m:t>𝛽</m:t>
-                          </m:r>
-                        </m:e>
-                        <m:sub>
-                          <m:r>
-                            <a:rPr lang="en-US" sz="2800" b="0" i="1" smtClean="0">
-                              <a:effectLst/>
-                              <a:latin typeface="Cambria Math" panose="02040503050406030204" pitchFamily="18" charset="0"/>
-                            </a:rPr>
-                            <m:t>𝑗</m:t>
-                          </m:r>
-                        </m:sub>
-                      </m:sSub>
-                      <m:r>
-                        <a:rPr lang="en-US" sz="2800" b="0" i="1" smtClean="0">
-                          <a:effectLst/>
-                          <a:latin typeface="Cambria Math" panose="02040503050406030204" pitchFamily="18" charset="0"/>
-                        </a:rPr>
-                        <m:t>= 0</m:t>
-                      </m:r>
-                    </m:oMath>
-                  </m:oMathPara>
-                </a14:m>
-                <a:endParaRPr lang="en-US" sz="2800" dirty="0"/>
-              </a:p>
-            </p:txBody>
-          </p:sp>
-        </mc:Choice>
-        <mc:Fallback xmlns="">
-          <p:sp>
-            <p:nvSpPr>
-              <p:cNvPr id="5" name="TextBox 4">
-                <a:extLst>
-                  <a:ext uri="{FF2B5EF4-FFF2-40B4-BE49-F238E27FC236}">
-                    <a16:creationId xmlns:a16="http://schemas.microsoft.com/office/drawing/2014/main" id="{8C36044A-E246-009D-F0D1-B3D44DB9D678}"/>
-                  </a:ext>
-                </a:extLst>
-              </p:cNvPr>
-              <p:cNvSpPr txBox="1">
-                <a:spLocks noRot="1" noChangeAspect="1" noMove="1" noResize="1" noEditPoints="1" noAdjustHandles="1" noChangeArrowheads="1" noChangeShapeType="1" noTextEdit="1"/>
-              </p:cNvSpPr>
-              <p:nvPr/>
-            </p:nvSpPr>
-            <p:spPr>
-              <a:xfrm>
-                <a:off x="2293102" y="1792481"/>
-                <a:ext cx="5929393" cy="557910"/>
-              </a:xfrm>
-              <a:prstGeom prst="rect">
-                <a:avLst/>
-              </a:prstGeom>
-              <a:blipFill>
-                <a:blip r:embed="rId3"/>
-                <a:stretch>
-                  <a:fillRect b="-13333"/>
-                </a:stretch>
-              </a:blipFill>
-            </p:spPr>
-            <p:txBody>
-              <a:bodyPr/>
-              <a:lstStyle/>
-              <a:p>
-                <a:r>
-                  <a:rPr lang="en-US">
-                    <a:noFill/>
-                  </a:rPr>
-                  <a:t> </a:t>
-                </a:r>
-              </a:p>
-            </p:txBody>
-          </p:sp>
-        </mc:Fallback>
-      </mc:AlternateContent>
-      <p:sp>
-        <p:nvSpPr>
-          <p:cNvPr id="7" name="TextBox 6">
-            <a:extLst>
-              <a:ext uri="{FF2B5EF4-FFF2-40B4-BE49-F238E27FC236}">
-                <a16:creationId xmlns:a16="http://schemas.microsoft.com/office/drawing/2014/main" id="{22B86FAA-DF5F-CCCC-3664-BE611A52C1CD}"/>
-              </a:ext>
-            </a:extLst>
-          </p:cNvPr>
-          <p:cNvSpPr txBox="1"/>
-          <p:nvPr/>
-        </p:nvSpPr>
-        <p:spPr>
-          <a:xfrm>
-            <a:off x="1276583" y="2979153"/>
-            <a:ext cx="4453655" cy="523220"/>
-          </a:xfrm>
-          <a:prstGeom prst="rect">
-            <a:avLst/>
-          </a:prstGeom>
-          <a:noFill/>
-        </p:spPr>
-        <p:txBody>
-          <a:bodyPr wrap="square">
-            <a:spAutoFit/>
-          </a:bodyPr>
-          <a:lstStyle/>
-          <a:p>
-            <a:r>
-              <a:rPr lang="en-US" sz="2800" dirty="0"/>
-              <a:t>We can use t-statistics</a:t>
-            </a:r>
-          </a:p>
-        </p:txBody>
-      </p:sp>
-      <mc:AlternateContent xmlns:mc="http://schemas.openxmlformats.org/markup-compatibility/2006" xmlns:a14="http://schemas.microsoft.com/office/drawing/2010/main">
-        <mc:Choice Requires="a14">
-          <p:sp>
-            <p:nvSpPr>
-              <p:cNvPr id="3" name="TextBox 2">
-                <a:extLst>
-                  <a:ext uri="{FF2B5EF4-FFF2-40B4-BE49-F238E27FC236}">
-                    <a16:creationId xmlns:a16="http://schemas.microsoft.com/office/drawing/2014/main" id="{BE86E46B-AF8B-F345-622D-2BD9ED57D11B}"/>
-                  </a:ext>
-                </a:extLst>
-              </p:cNvPr>
-              <p:cNvSpPr txBox="1"/>
-              <p:nvPr/>
-            </p:nvSpPr>
-            <p:spPr>
-              <a:xfrm>
-                <a:off x="4106792" y="2664772"/>
-                <a:ext cx="3978416" cy="1151982"/>
-              </a:xfrm>
-              <a:prstGeom prst="rect">
-                <a:avLst/>
-              </a:prstGeom>
-              <a:noFill/>
-            </p:spPr>
-            <p:txBody>
-              <a:bodyPr wrap="square">
-                <a:spAutoFit/>
-              </a:bodyPr>
-              <a:lstStyle/>
-              <a:p>
-                <a:pPr/>
-                <a14:m>
-                  <m:oMathPara xmlns:m="http://schemas.openxmlformats.org/officeDocument/2006/math">
-                    <m:oMathParaPr>
-                      <m:jc m:val="centerGroup"/>
-                    </m:oMathParaPr>
-                    <m:oMath xmlns:m="http://schemas.openxmlformats.org/officeDocument/2006/math">
-                      <m:r>
-                        <a:rPr lang="en-US" sz="2800" b="0" i="1" dirty="0" smtClean="0">
-                          <a:latin typeface="Cambria Math" panose="02040503050406030204" pitchFamily="18" charset="0"/>
-                        </a:rPr>
-                        <m:t>𝑡</m:t>
-                      </m:r>
-                      <m:r>
-                        <a:rPr lang="en-US" sz="2800" b="0" i="1" dirty="0" smtClean="0">
-                          <a:latin typeface="Cambria Math" panose="02040503050406030204" pitchFamily="18" charset="0"/>
-                        </a:rPr>
-                        <m:t>= </m:t>
-                      </m:r>
-                      <m:f>
-                        <m:fPr>
-                          <m:ctrlPr>
-                            <a:rPr lang="en-US" sz="2800" i="1" dirty="0">
-                              <a:latin typeface="Cambria Math" panose="02040503050406030204" pitchFamily="18" charset="0"/>
-                            </a:rPr>
-                          </m:ctrlPr>
-                        </m:fPr>
-                        <m:num>
-                          <m:sSub>
-                            <m:sSubPr>
-                              <m:ctrlPr>
-                                <a:rPr lang="en-US" sz="2800" i="1" dirty="0">
-                                  <a:latin typeface="Cambria Math" panose="02040503050406030204" pitchFamily="18" charset="0"/>
-                                </a:rPr>
-                              </m:ctrlPr>
-                            </m:sSubPr>
-                            <m:e>
-                              <m:acc>
-                                <m:accPr>
-                                  <m:chr m:val="̂"/>
-                                  <m:ctrlPr>
-                                    <a:rPr lang="en-US" sz="2800" i="1">
-                                      <a:latin typeface="Cambria Math" panose="02040503050406030204" pitchFamily="18" charset="0"/>
-                                    </a:rPr>
-                                  </m:ctrlPr>
-                                </m:accPr>
-                                <m:e>
-                                  <m:r>
-                                    <a:rPr lang="en-US" sz="2800" i="1">
-                                      <a:latin typeface="Cambria Math" panose="02040503050406030204" pitchFamily="18" charset="0"/>
-                                    </a:rPr>
-                                    <m:t>𝛽</m:t>
-                                  </m:r>
-                                </m:e>
-                              </m:acc>
-                            </m:e>
-                            <m:sub>
-                              <m:r>
-                                <a:rPr lang="en-US" sz="2800" b="0" i="1" smtClean="0">
-                                  <a:latin typeface="Cambria Math" panose="02040503050406030204" pitchFamily="18" charset="0"/>
-                                </a:rPr>
-                                <m:t>𝑗</m:t>
-                              </m:r>
-                            </m:sub>
-                          </m:sSub>
-                          <m:r>
-                            <a:rPr lang="en-US" sz="2800" b="0" i="1" smtClean="0">
-                              <a:latin typeface="Cambria Math" panose="02040503050406030204" pitchFamily="18" charset="0"/>
-                            </a:rPr>
-                            <m:t>−0</m:t>
-                          </m:r>
-                        </m:num>
-                        <m:den>
-                          <m:acc>
-                            <m:accPr>
-                              <m:chr m:val="̂"/>
-                              <m:ctrlPr>
-                                <a:rPr lang="en-US" sz="2800" i="1" dirty="0">
-                                  <a:latin typeface="Cambria Math" panose="02040503050406030204" pitchFamily="18" charset="0"/>
-                                </a:rPr>
-                              </m:ctrlPr>
-                            </m:accPr>
-                            <m:e>
-                              <m:r>
-                                <a:rPr lang="en-US" sz="2800" i="1" dirty="0">
-                                  <a:latin typeface="Cambria Math" panose="02040503050406030204" pitchFamily="18" charset="0"/>
-                                </a:rPr>
-                                <m:t>𝑆𝐸</m:t>
-                              </m:r>
-                            </m:e>
-                          </m:acc>
-                          <m:r>
-                            <a:rPr lang="en-US" sz="2800" b="0" i="1" dirty="0" smtClean="0">
-                              <a:latin typeface="Cambria Math" panose="02040503050406030204" pitchFamily="18" charset="0"/>
-                            </a:rPr>
-                            <m:t>(</m:t>
-                          </m:r>
-                          <m:sSub>
-                            <m:sSubPr>
-                              <m:ctrlPr>
-                                <a:rPr lang="en-US" sz="2800" i="1" dirty="0">
-                                  <a:latin typeface="Cambria Math" panose="02040503050406030204" pitchFamily="18" charset="0"/>
-                                </a:rPr>
-                              </m:ctrlPr>
-                            </m:sSubPr>
-                            <m:e>
-                              <m:acc>
-                                <m:accPr>
-                                  <m:chr m:val="̂"/>
-                                  <m:ctrlPr>
-                                    <a:rPr lang="en-US" sz="2800" i="1">
-                                      <a:latin typeface="Cambria Math" panose="02040503050406030204" pitchFamily="18" charset="0"/>
-                                    </a:rPr>
-                                  </m:ctrlPr>
-                                </m:accPr>
-                                <m:e>
-                                  <m:r>
-                                    <a:rPr lang="en-US" sz="2800" i="1">
-                                      <a:latin typeface="Cambria Math" panose="02040503050406030204" pitchFamily="18" charset="0"/>
-                                    </a:rPr>
-                                    <m:t>𝛽</m:t>
-                                  </m:r>
-                                </m:e>
-                              </m:acc>
-                            </m:e>
-                            <m:sub>
-                              <m:r>
-                                <a:rPr lang="en-US" sz="2800" b="0" i="1" smtClean="0">
-                                  <a:latin typeface="Cambria Math" panose="02040503050406030204" pitchFamily="18" charset="0"/>
-                                </a:rPr>
-                                <m:t>𝑗</m:t>
-                              </m:r>
-                            </m:sub>
-                          </m:sSub>
-                          <m:r>
-                            <a:rPr lang="en-US" sz="2800" b="0" i="1" smtClean="0">
-                              <a:latin typeface="Cambria Math" panose="02040503050406030204" pitchFamily="18" charset="0"/>
-                            </a:rPr>
-                            <m:t>)</m:t>
-                          </m:r>
-                        </m:den>
-                      </m:f>
-                    </m:oMath>
-                  </m:oMathPara>
-                </a14:m>
-                <a:endParaRPr lang="en-US" sz="2800" i="1" dirty="0"/>
-              </a:p>
-            </p:txBody>
-          </p:sp>
-        </mc:Choice>
-        <mc:Fallback xmlns="">
-          <p:sp>
-            <p:nvSpPr>
-              <p:cNvPr id="3" name="TextBox 2">
-                <a:extLst>
-                  <a:ext uri="{FF2B5EF4-FFF2-40B4-BE49-F238E27FC236}">
-                    <a16:creationId xmlns:a16="http://schemas.microsoft.com/office/drawing/2014/main" id="{BE86E46B-AF8B-F345-622D-2BD9ED57D11B}"/>
-                  </a:ext>
-                </a:extLst>
-              </p:cNvPr>
-              <p:cNvSpPr txBox="1">
-                <a:spLocks noRot="1" noChangeAspect="1" noMove="1" noResize="1" noEditPoints="1" noAdjustHandles="1" noChangeArrowheads="1" noChangeShapeType="1" noTextEdit="1"/>
-              </p:cNvSpPr>
-              <p:nvPr/>
-            </p:nvSpPr>
-            <p:spPr>
-              <a:xfrm>
-                <a:off x="4106792" y="2664772"/>
-                <a:ext cx="3978416" cy="1151982"/>
-              </a:xfrm>
-              <a:prstGeom prst="rect">
-                <a:avLst/>
-              </a:prstGeom>
-              <a:blipFill>
-                <a:blip r:embed="rId4"/>
-                <a:stretch>
-                  <a:fillRect t="-3261" b="-6522"/>
-                </a:stretch>
-              </a:blipFill>
-            </p:spPr>
-            <p:txBody>
-              <a:bodyPr/>
-              <a:lstStyle/>
-              <a:p>
-                <a:r>
-                  <a:rPr lang="en-US">
-                    <a:noFill/>
-                  </a:rPr>
-                  <a:t> </a:t>
-                </a:r>
-              </a:p>
-            </p:txBody>
-          </p:sp>
-        </mc:Fallback>
-      </mc:AlternateContent>
-      <mc:AlternateContent xmlns:mc="http://schemas.openxmlformats.org/markup-compatibility/2006" xmlns:a14="http://schemas.microsoft.com/office/drawing/2010/main">
-        <mc:Choice Requires="a14">
-          <p:sp>
-            <p:nvSpPr>
-              <p:cNvPr id="4" name="TextBox 3">
-                <a:extLst>
-                  <a:ext uri="{FF2B5EF4-FFF2-40B4-BE49-F238E27FC236}">
-                    <a16:creationId xmlns:a16="http://schemas.microsoft.com/office/drawing/2014/main" id="{72B9D1DE-8B5A-8E93-A1F2-1CCB02830FE8}"/>
-                  </a:ext>
-                </a:extLst>
-              </p:cNvPr>
-              <p:cNvSpPr txBox="1"/>
-              <p:nvPr/>
-            </p:nvSpPr>
-            <p:spPr>
-              <a:xfrm>
-                <a:off x="365758" y="4445516"/>
-                <a:ext cx="10728960" cy="603242"/>
-              </a:xfrm>
-              <a:prstGeom prst="rect">
-                <a:avLst/>
-              </a:prstGeom>
-              <a:noFill/>
-            </p:spPr>
-            <p:txBody>
-              <a:bodyPr wrap="square">
-                <a:spAutoFit/>
-              </a:bodyPr>
-              <a:lstStyle/>
-              <a:p>
-                <a:pPr/>
-                <a14:m>
-                  <m:oMathPara xmlns:m="http://schemas.openxmlformats.org/officeDocument/2006/math">
-                    <m:oMathParaPr>
-                      <m:jc m:val="centerGroup"/>
-                    </m:oMathParaPr>
-                    <m:oMath xmlns:m="http://schemas.openxmlformats.org/officeDocument/2006/math">
-                      <m:acc>
-                        <m:accPr>
-                          <m:chr m:val="̂"/>
-                          <m:ctrlPr>
-                            <a:rPr lang="en-US" sz="2800" b="1" i="1" smtClean="0">
-                              <a:effectLst/>
-                              <a:latin typeface="Cambria Math" panose="02040503050406030204" pitchFamily="18" charset="0"/>
-                            </a:rPr>
-                          </m:ctrlPr>
-                        </m:accPr>
-                        <m:e>
-                          <m:r>
-                            <a:rPr lang="en-US" sz="2800" b="1" i="1" smtClean="0">
-                              <a:effectLst/>
-                              <a:latin typeface="Cambria Math" panose="02040503050406030204" pitchFamily="18" charset="0"/>
-                            </a:rPr>
-                            <m:t>𝜷</m:t>
-                          </m:r>
-                        </m:e>
-                      </m:acc>
-                      <m:r>
-                        <a:rPr lang="en-US" sz="2800" b="0" i="1" smtClean="0">
-                          <a:effectLst/>
-                          <a:latin typeface="Cambria Math" panose="02040503050406030204" pitchFamily="18" charset="0"/>
-                        </a:rPr>
-                        <m:t>=</m:t>
-                      </m:r>
-                      <m:d>
-                        <m:dPr>
-                          <m:begChr m:val="["/>
-                          <m:endChr m:val="]"/>
-                          <m:ctrlPr>
-                            <a:rPr lang="en-US" sz="2800" b="0" i="1" smtClean="0">
-                              <a:effectLst/>
-                              <a:latin typeface="Cambria Math" panose="02040503050406030204" pitchFamily="18" charset="0"/>
-                            </a:rPr>
-                          </m:ctrlPr>
-                        </m:dPr>
-                        <m:e>
-                          <m:sSub>
-                            <m:sSubPr>
-                              <m:ctrlPr>
-                                <a:rPr lang="en-US" sz="2800" i="1" dirty="0">
-                                  <a:latin typeface="Cambria Math" panose="02040503050406030204" pitchFamily="18" charset="0"/>
-                                </a:rPr>
-                              </m:ctrlPr>
-                            </m:sSubPr>
-                            <m:e>
-                              <m:acc>
-                                <m:accPr>
-                                  <m:chr m:val="̂"/>
-                                  <m:ctrlPr>
-                                    <a:rPr lang="en-US" sz="2800" i="1">
-                                      <a:latin typeface="Cambria Math" panose="02040503050406030204" pitchFamily="18" charset="0"/>
-                                    </a:rPr>
-                                  </m:ctrlPr>
-                                </m:accPr>
-                                <m:e>
-                                  <m:r>
-                                    <a:rPr lang="en-US" sz="2800" i="1">
-                                      <a:latin typeface="Cambria Math" panose="02040503050406030204" pitchFamily="18" charset="0"/>
-                                    </a:rPr>
-                                    <m:t>𝛽</m:t>
-                                  </m:r>
-                                </m:e>
-                              </m:acc>
-                            </m:e>
-                            <m:sub>
-                              <m:r>
-                                <a:rPr lang="en-US" sz="2800" b="0" i="1" smtClean="0">
-                                  <a:latin typeface="Cambria Math" panose="02040503050406030204" pitchFamily="18" charset="0"/>
-                                </a:rPr>
-                                <m:t>0</m:t>
-                              </m:r>
-                            </m:sub>
-                          </m:sSub>
-                          <m:r>
-                            <a:rPr lang="en-US" sz="2800" b="0" i="1" smtClean="0">
-                              <a:latin typeface="Cambria Math" panose="02040503050406030204" pitchFamily="18" charset="0"/>
-                            </a:rPr>
-                            <m:t>,</m:t>
-                          </m:r>
-                          <m:sSub>
-                            <m:sSubPr>
-                              <m:ctrlPr>
-                                <a:rPr lang="en-US" sz="2800" i="1" dirty="0">
-                                  <a:latin typeface="Cambria Math" panose="02040503050406030204" pitchFamily="18" charset="0"/>
-                                </a:rPr>
-                              </m:ctrlPr>
-                            </m:sSubPr>
-                            <m:e>
-                              <m:acc>
-                                <m:accPr>
-                                  <m:chr m:val="̂"/>
-                                  <m:ctrlPr>
-                                    <a:rPr lang="en-US" sz="2800" i="1">
-                                      <a:latin typeface="Cambria Math" panose="02040503050406030204" pitchFamily="18" charset="0"/>
-                                    </a:rPr>
-                                  </m:ctrlPr>
-                                </m:accPr>
-                                <m:e>
-                                  <m:r>
-                                    <a:rPr lang="en-US" sz="2800" i="1">
-                                      <a:latin typeface="Cambria Math" panose="02040503050406030204" pitchFamily="18" charset="0"/>
-                                    </a:rPr>
-                                    <m:t>𝛽</m:t>
-                                  </m:r>
-                                </m:e>
-                              </m:acc>
-                            </m:e>
-                            <m:sub>
-                              <m:r>
-                                <a:rPr lang="en-US" sz="2800" b="0" i="1" smtClean="0">
-                                  <a:latin typeface="Cambria Math" panose="02040503050406030204" pitchFamily="18" charset="0"/>
-                                </a:rPr>
-                                <m:t>1</m:t>
-                              </m:r>
-                            </m:sub>
-                          </m:sSub>
-                          <m:r>
-                            <a:rPr lang="en-US" sz="2800" b="0" i="1" smtClean="0">
-                              <a:latin typeface="Cambria Math" panose="02040503050406030204" pitchFamily="18" charset="0"/>
-                            </a:rPr>
-                            <m:t>,…,</m:t>
-                          </m:r>
-                          <m:sSub>
-                            <m:sSubPr>
-                              <m:ctrlPr>
-                                <a:rPr lang="en-US" sz="2800" i="1" dirty="0">
-                                  <a:latin typeface="Cambria Math" panose="02040503050406030204" pitchFamily="18" charset="0"/>
-                                </a:rPr>
-                              </m:ctrlPr>
-                            </m:sSubPr>
-                            <m:e>
-                              <m:acc>
-                                <m:accPr>
-                                  <m:chr m:val="̂"/>
-                                  <m:ctrlPr>
-                                    <a:rPr lang="en-US" sz="2800" i="1">
-                                      <a:latin typeface="Cambria Math" panose="02040503050406030204" pitchFamily="18" charset="0"/>
-                                    </a:rPr>
-                                  </m:ctrlPr>
-                                </m:accPr>
-                                <m:e>
-                                  <m:r>
-                                    <a:rPr lang="en-US" sz="2800" i="1">
-                                      <a:latin typeface="Cambria Math" panose="02040503050406030204" pitchFamily="18" charset="0"/>
-                                    </a:rPr>
-                                    <m:t>𝛽</m:t>
-                                  </m:r>
-                                </m:e>
-                              </m:acc>
-                            </m:e>
-                            <m:sub>
-                              <m:r>
-                                <a:rPr lang="en-US" sz="2800" b="0" i="1" smtClean="0">
-                                  <a:latin typeface="Cambria Math" panose="02040503050406030204" pitchFamily="18" charset="0"/>
-                                </a:rPr>
-                                <m:t>𝑝</m:t>
-                              </m:r>
-                            </m:sub>
-                          </m:sSub>
-                        </m:e>
-                      </m:d>
-                      <m:r>
-                        <a:rPr lang="en-US" sz="2800" b="0" i="1" smtClean="0">
-                          <a:latin typeface="Cambria Math" panose="02040503050406030204" pitchFamily="18" charset="0"/>
-                        </a:rPr>
-                        <m:t>∼</m:t>
-                      </m:r>
-                      <m:r>
-                        <a:rPr lang="en-US" sz="2800" b="0" i="1" smtClean="0">
-                          <a:latin typeface="Cambria Math" panose="02040503050406030204" pitchFamily="18" charset="0"/>
-                        </a:rPr>
-                        <m:t>𝑁</m:t>
-                      </m:r>
-                      <m:sSup>
-                        <m:sSupPr>
-                          <m:ctrlPr>
-                            <a:rPr lang="en-US" sz="2800" b="1" i="1" smtClean="0">
-                              <a:latin typeface="Cambria Math" panose="02040503050406030204" pitchFamily="18" charset="0"/>
-                            </a:rPr>
-                          </m:ctrlPr>
-                        </m:sSupPr>
-                        <m:e>
-                          <m:d>
-                            <m:dPr>
-                              <m:ctrlPr>
-                                <a:rPr lang="en-US" sz="2800" b="0" i="1" smtClean="0">
-                                  <a:latin typeface="Cambria Math" panose="02040503050406030204" pitchFamily="18" charset="0"/>
-                                </a:rPr>
-                              </m:ctrlPr>
-                            </m:dPr>
-                            <m:e>
-                              <m:r>
-                                <a:rPr lang="en-US" sz="2800" b="1" i="1" smtClean="0">
-                                  <a:latin typeface="Cambria Math" panose="02040503050406030204" pitchFamily="18" charset="0"/>
-                                </a:rPr>
-                                <m:t>𝜷</m:t>
-                              </m:r>
-                              <m:r>
-                                <a:rPr lang="en-US" sz="2800" b="1" i="0" smtClean="0">
-                                  <a:latin typeface="Cambria Math" panose="02040503050406030204" pitchFamily="18" charset="0"/>
-                                </a:rPr>
-                                <m:t>, </m:t>
-                              </m:r>
-                              <m:sSup>
-                                <m:sSupPr>
-                                  <m:ctrlPr>
-                                    <a:rPr lang="en-US" sz="2800" b="1" i="1" smtClean="0">
-                                      <a:latin typeface="Cambria Math" panose="02040503050406030204" pitchFamily="18" charset="0"/>
-                                    </a:rPr>
-                                  </m:ctrlPr>
-                                </m:sSupPr>
-                                <m:e>
-                                  <m:sSup>
-                                    <m:sSupPr>
-                                      <m:ctrlPr>
-                                        <a:rPr lang="en-US" sz="2800" i="1" smtClean="0">
-                                          <a:latin typeface="Cambria Math" panose="02040503050406030204" pitchFamily="18" charset="0"/>
-                                        </a:rPr>
-                                      </m:ctrlPr>
-                                    </m:sSupPr>
-                                    <m:e>
-                                      <m:r>
-                                        <a:rPr lang="en-US" sz="2800" b="0" i="1" smtClean="0">
-                                          <a:latin typeface="Cambria Math" panose="02040503050406030204" pitchFamily="18" charset="0"/>
-                                        </a:rPr>
-                                        <m:t>𝜎</m:t>
-                                      </m:r>
-                                    </m:e>
-                                    <m:sup>
-                                      <m:r>
-                                        <a:rPr lang="en-US" sz="2800" b="0" i="1" smtClean="0">
-                                          <a:latin typeface="Cambria Math" panose="02040503050406030204" pitchFamily="18" charset="0"/>
-                                        </a:rPr>
-                                        <m:t>2</m:t>
-                                      </m:r>
-                                    </m:sup>
-                                  </m:sSup>
-                                  <m:r>
-                                    <a:rPr lang="en-US" sz="2800" b="1" i="0" smtClean="0">
-                                      <a:latin typeface="Cambria Math" panose="02040503050406030204" pitchFamily="18" charset="0"/>
-                                    </a:rPr>
-                                    <m:t>(</m:t>
-                                  </m:r>
-                                  <m:r>
-                                    <a:rPr lang="en-US" sz="2800" b="1" i="0" smtClean="0">
-                                      <a:latin typeface="Cambria Math" panose="02040503050406030204" pitchFamily="18" charset="0"/>
-                                    </a:rPr>
-                                    <m:t>𝐗</m:t>
-                                  </m:r>
-                                </m:e>
-                                <m:sup>
-                                  <m:r>
-                                    <a:rPr lang="en-US" sz="2800" b="1" i="0" smtClean="0">
-                                      <a:latin typeface="Cambria Math" panose="02040503050406030204" pitchFamily="18" charset="0"/>
-                                    </a:rPr>
-                                    <m:t>𝐭</m:t>
-                                  </m:r>
-                                </m:sup>
-                              </m:sSup>
-                              <m:r>
-                                <a:rPr lang="en-US" sz="2800" b="1" i="0" smtClean="0">
-                                  <a:latin typeface="Cambria Math" panose="02040503050406030204" pitchFamily="18" charset="0"/>
-                                </a:rPr>
-                                <m:t>𝐗</m:t>
-                              </m:r>
-                            </m:e>
-                          </m:d>
-                        </m:e>
-                        <m:sup>
-                          <m:r>
-                            <a:rPr lang="en-US" sz="2800" b="0" i="0" smtClean="0">
-                              <a:latin typeface="Cambria Math" panose="02040503050406030204" pitchFamily="18" charset="0"/>
-                            </a:rPr>
-                            <m:t>−1</m:t>
-                          </m:r>
-                        </m:sup>
-                      </m:sSup>
-                      <m:r>
-                        <a:rPr lang="en-US" sz="2800" b="1" i="0" smtClean="0">
-                          <a:latin typeface="Cambria Math" panose="02040503050406030204" pitchFamily="18" charset="0"/>
-                        </a:rPr>
-                        <m:t>)</m:t>
-                      </m:r>
-                    </m:oMath>
-                  </m:oMathPara>
-                </a14:m>
-                <a:endParaRPr lang="en-US" sz="2800" b="1" dirty="0"/>
-              </a:p>
-            </p:txBody>
-          </p:sp>
-        </mc:Choice>
-        <mc:Fallback xmlns="">
-          <p:sp>
-            <p:nvSpPr>
-              <p:cNvPr id="4" name="TextBox 3">
-                <a:extLst>
-                  <a:ext uri="{FF2B5EF4-FFF2-40B4-BE49-F238E27FC236}">
-                    <a16:creationId xmlns:a16="http://schemas.microsoft.com/office/drawing/2014/main" id="{72B9D1DE-8B5A-8E93-A1F2-1CCB02830FE8}"/>
-                  </a:ext>
-                </a:extLst>
-              </p:cNvPr>
-              <p:cNvSpPr txBox="1">
-                <a:spLocks noRot="1" noChangeAspect="1" noMove="1" noResize="1" noEditPoints="1" noAdjustHandles="1" noChangeArrowheads="1" noChangeShapeType="1" noTextEdit="1"/>
-              </p:cNvSpPr>
-              <p:nvPr/>
-            </p:nvSpPr>
-            <p:spPr>
-              <a:xfrm>
-                <a:off x="365758" y="4445516"/>
-                <a:ext cx="10728960" cy="603242"/>
-              </a:xfrm>
-              <a:prstGeom prst="rect">
-                <a:avLst/>
-              </a:prstGeom>
-              <a:blipFill>
-                <a:blip r:embed="rId5"/>
-                <a:stretch>
-                  <a:fillRect t="-4082" b="-8163"/>
-                </a:stretch>
-              </a:blipFill>
-            </p:spPr>
-            <p:txBody>
-              <a:bodyPr/>
-              <a:lstStyle/>
-              <a:p>
-                <a:r>
-                  <a:rPr lang="en-US">
-                    <a:noFill/>
-                  </a:rPr>
-                  <a:t> </a:t>
-                </a:r>
-              </a:p>
-            </p:txBody>
-          </p:sp>
-        </mc:Fallback>
-      </mc:AlternateContent>
-    </p:spTree>
-    <p:extLst>
-      <p:ext uri="{BB962C8B-B14F-4D97-AF65-F5344CB8AC3E}">
-        <p14:creationId xmlns:p14="http://schemas.microsoft.com/office/powerpoint/2010/main" val="670095023"/>
       </p:ext>
     </p:extLst>
   </p:cSld>
